--- a/spring13/slides13/prob-intro-sample-space.pptx
+++ b/spring13/slides13/prob-intro-sample-space.pptx
@@ -2408,11 +2408,11 @@
             </a:pPr>
             <a:r>
               <a:rPr lang="en-US" dirty="0" err="1" smtClean="0"/>
-              <a:t>lec</a:t>
+              <a:t>samplespace</a:t>
             </a:r>
             <a:r>
               <a:rPr lang="en-US" dirty="0" smtClean="0"/>
-              <a:t> 13W.</a:t>
+              <a:t>.</a:t>
             </a:r>
             <a:fld id="{17233D2A-0857-4415-88C1-423492E69A26}" type="slidenum">
               <a:rPr lang="en-US" smtClean="0"/>
@@ -2525,11 +2525,11 @@
             </a:pPr>
             <a:r>
               <a:rPr lang="en-US" dirty="0" err="1" smtClean="0"/>
-              <a:t>lec</a:t>
+              <a:t>samplespace</a:t>
             </a:r>
             <a:r>
               <a:rPr lang="en-US" dirty="0" smtClean="0"/>
-              <a:t> 13W.</a:t>
+              <a:t>.</a:t>
             </a:r>
             <a:fld id="{17233D2A-0857-4415-88C1-423492E69A26}" type="slidenum">
               <a:rPr lang="en-US" smtClean="0"/>
@@ -2635,11 +2635,11 @@
             </a:pPr>
             <a:r>
               <a:rPr lang="en-US" dirty="0" err="1" smtClean="0"/>
-              <a:t>lec</a:t>
+              <a:t>samplespace</a:t>
             </a:r>
             <a:r>
               <a:rPr lang="en-US" dirty="0" smtClean="0"/>
-              <a:t> 13W.</a:t>
+              <a:t>.</a:t>
             </a:r>
             <a:fld id="{17233D2A-0857-4415-88C1-423492E69A26}" type="slidenum">
               <a:rPr lang="en-US" smtClean="0"/>
@@ -2941,11 +2941,11 @@
             </a:pPr>
             <a:r>
               <a:rPr lang="en-US" dirty="0" err="1" smtClean="0"/>
-              <a:t>lec</a:t>
+              <a:t>samplespace</a:t>
             </a:r>
             <a:r>
               <a:rPr lang="en-US" dirty="0" smtClean="0"/>
-              <a:t> 13W.</a:t>
+              <a:t>.</a:t>
             </a:r>
             <a:fld id="{17233D2A-0857-4415-88C1-423492E69A26}" type="slidenum">
               <a:rPr lang="en-US" smtClean="0"/>
@@ -3058,11 +3058,11 @@
             </a:pPr>
             <a:r>
               <a:rPr lang="en-US" dirty="0" err="1" smtClean="0"/>
-              <a:t>lec</a:t>
+              <a:t>samplespace</a:t>
             </a:r>
             <a:r>
               <a:rPr lang="en-US" dirty="0" smtClean="0"/>
-              <a:t> 13W.</a:t>
+              <a:t>.</a:t>
             </a:r>
             <a:fld id="{17233D2A-0857-4415-88C1-423492E69A26}" type="slidenum">
               <a:rPr lang="en-US" smtClean="0"/>
@@ -3152,11 +3152,11 @@
             </a:pPr>
             <a:r>
               <a:rPr lang="en-US" dirty="0" err="1" smtClean="0"/>
-              <a:t>lec</a:t>
+              <a:t>samplespace</a:t>
             </a:r>
             <a:r>
               <a:rPr lang="en-US" dirty="0" smtClean="0"/>
-              <a:t> 13W.</a:t>
+              <a:t>.</a:t>
             </a:r>
             <a:fld id="{17233D2A-0857-4415-88C1-423492E69A26}" type="slidenum">
               <a:rPr lang="en-US" smtClean="0"/>
@@ -3269,11 +3269,11 @@
             </a:pPr>
             <a:r>
               <a:rPr lang="en-US" dirty="0" err="1" smtClean="0"/>
-              <a:t>lec</a:t>
+              <a:t>samplespace</a:t>
             </a:r>
             <a:r>
               <a:rPr lang="en-US" dirty="0" smtClean="0"/>
-              <a:t> 13W.</a:t>
+              <a:t>.</a:t>
             </a:r>
             <a:fld id="{17233D2A-0857-4415-88C1-423492E69A26}" type="slidenum">
               <a:rPr lang="en-US" smtClean="0"/>
@@ -3384,11 +3384,11 @@
             </a:pPr>
             <a:r>
               <a:rPr lang="en-US" dirty="0" err="1" smtClean="0"/>
-              <a:t>lec</a:t>
+              <a:t>samplespace</a:t>
             </a:r>
             <a:r>
               <a:rPr lang="en-US" dirty="0" smtClean="0"/>
-              <a:t> 13W.</a:t>
+              <a:t>.</a:t>
             </a:r>
             <a:fld id="{17233D2A-0857-4415-88C1-423492E69A26}" type="slidenum">
               <a:rPr lang="en-US" smtClean="0"/>
@@ -3494,11 +3494,11 @@
             </a:pPr>
             <a:r>
               <a:rPr lang="en-US" dirty="0" err="1" smtClean="0"/>
-              <a:t>lec</a:t>
+              <a:t>samplespace</a:t>
             </a:r>
             <a:r>
               <a:rPr lang="en-US" dirty="0" smtClean="0"/>
-              <a:t> 13W.</a:t>
+              <a:t>.</a:t>
             </a:r>
             <a:fld id="{17233D2A-0857-4415-88C1-423492E69A26}" type="slidenum">
               <a:rPr lang="en-US" smtClean="0"/>
@@ -3604,11 +3604,11 @@
             </a:pPr>
             <a:r>
               <a:rPr lang="en-US" dirty="0" err="1" smtClean="0"/>
-              <a:t>lec</a:t>
+              <a:t>samplespace</a:t>
             </a:r>
             <a:r>
               <a:rPr lang="en-US" dirty="0" smtClean="0"/>
-              <a:t> 13W.</a:t>
+              <a:t>.</a:t>
             </a:r>
             <a:fld id="{17233D2A-0857-4415-88C1-423492E69A26}" type="slidenum">
               <a:rPr lang="en-US" smtClean="0"/>
@@ -3714,11 +3714,11 @@
             </a:pPr>
             <a:r>
               <a:rPr lang="en-US" dirty="0" err="1" smtClean="0"/>
-              <a:t>lec</a:t>
+              <a:t>samplespace</a:t>
             </a:r>
             <a:r>
               <a:rPr lang="en-US" dirty="0" smtClean="0"/>
-              <a:t> 13W.</a:t>
+              <a:t>.</a:t>
             </a:r>
             <a:fld id="{17233D2A-0857-4415-88C1-423492E69A26}" type="slidenum">
               <a:rPr lang="en-US" smtClean="0"/>
@@ -3921,15 +3921,11 @@
             </a:pPr>
             <a:r>
               <a:rPr lang="en-US" dirty="0" err="1" smtClean="0"/>
-              <a:t>lec</a:t>
+              <a:t>samplespace</a:t>
             </a:r>
             <a:r>
               <a:rPr lang="en-US" dirty="0" smtClean="0"/>
-              <a:t> </a:t>
-            </a:r>
-            <a:r>
-              <a:rPr lang="en-US" dirty="0" smtClean="0"/>
-              <a:t>11F.</a:t>
+              <a:t>.</a:t>
             </a:r>
             <a:fld id="{17233D2A-0857-4415-88C1-423492E69A26}" type="slidenum">
               <a:rPr lang="en-US" smtClean="0"/>
@@ -3984,7 +3980,7 @@
         </p:nvSpPr>
         <p:spPr>
           <a:xfrm>
-            <a:off x="2819400" y="6477000"/>
+            <a:off x="2819400" y="6553200"/>
             <a:ext cx="3581400" cy="304800"/>
           </a:xfrm>
           <a:prstGeom prst="rect">
@@ -4025,22 +4021,7 @@
                 <a:uFillTx/>
                 <a:latin typeface="Comic Sans MS" pitchFamily="66" charset="0"/>
               </a:rPr>
-              <a:t>Albert R Meyer,                 </a:t>
-            </a:r>
-            <a:r>
-              <a:rPr kumimoji="0" lang="en-US" sz="1200" b="0" i="0" u="none" strike="noStrike" kern="1200" cap="none" spc="0" normalizeH="0" baseline="0" noProof="0" dirty="0" smtClean="0">
-                <a:ln>
-                  <a:noFill/>
-                </a:ln>
-                <a:solidFill>
-                  <a:schemeClr val="tx1"/>
-                </a:solidFill>
-                <a:effectLst/>
-                <a:uLnTx/>
-                <a:uFillTx/>
-                <a:latin typeface="Comic Sans MS" pitchFamily="66" charset="0"/>
-              </a:rPr>
-              <a:t>April 27, 2012</a:t>
+              <a:t>Albert R Meyer,                 May 1, 2012</a:t>
             </a:r>
             <a:endParaRPr kumimoji="0" lang="en-US" sz="1200" b="0" i="0" u="none" strike="noStrike" kern="1200" cap="none" spc="0" normalizeH="0" baseline="0" noProof="0" dirty="0">
               <a:ln>
@@ -4100,6 +4081,13 @@
     <p:sldLayoutId id="2147483681" r:id="rId13"/>
     <p:sldLayoutId id="2147483682" r:id="rId14"/>
   </p:sldLayoutIdLst>
+  <p:timing>
+    <p:tnLst>
+      <p:par>
+        <p:cTn xmlns:p14="http://schemas.microsoft.com/office/powerpoint/2010/main" id="1" dur="indefinite" restart="never" nodeType="tmRoot"/>
+      </p:par>
+    </p:tnLst>
+  </p:timing>
   <p:hf hdr="0" ftr="0" dt="0"/>
   <p:txStyles>
     <p:titleStyle>
@@ -4526,9 +4514,6 @@
               </a:rPr>
               <a:t>Probability Spaces</a:t>
             </a:r>
-            <a:endParaRPr lang="en-US" sz="8800" dirty="0" smtClean="0">
-              <a:latin typeface="Comic Sans MS" pitchFamily="-128" charset="0"/>
-            </a:endParaRPr>
           </a:p>
         </p:txBody>
       </p:sp>
@@ -4679,7 +4664,7 @@
                 <a:ea typeface="+mn-ea"/>
                 <a:cs typeface="+mn-cs"/>
               </a:rPr>
-              <a:t>lec</a:t>
+              <a:t>samplespace</a:t>
             </a:r>
             <a:r>
               <a:rPr kumimoji="0" lang="en-US" sz="1000" b="0" i="0" u="none" strike="noStrike" kern="1200" cap="none" spc="0" normalizeH="0" baseline="0" noProof="0" dirty="0" smtClean="0">
@@ -4696,7 +4681,7 @@
                 <a:ea typeface="+mn-ea"/>
                 <a:cs typeface="+mn-cs"/>
               </a:rPr>
-              <a:t> 13W.</a:t>
+              <a:t>.</a:t>
             </a:r>
             <a:fld id="{17233D2A-0857-4415-88C1-423492E69A26}" type="slidenum">
               <a:rPr kumimoji="0" lang="en-US" sz="1000" b="0" i="0" u="none" strike="noStrike" kern="1200" cap="none" spc="0" normalizeH="0" baseline="0" noProof="0" smtClean="0">
@@ -4754,6 +4739,14 @@
   <p:clrMapOvr>
     <a:masterClrMapping/>
   </p:clrMapOvr>
+  <mc:AlternateContent xmlns:mc="http://schemas.openxmlformats.org/markup-compatibility/2006" xmlns:p14="http://schemas.microsoft.com/office/powerpoint/2010/main">
+    <mc:Choice Requires="p14">
+      <p:transition spd="slow" p14:dur="2000" advClick="0"/>
+    </mc:Choice>
+    <mc:Fallback xmlns="">
+      <p:transition xmlns:p14="http://schemas.microsoft.com/office/powerpoint/2010/main" spd="slow" advClick="0"/>
+    </mc:Fallback>
+  </mc:AlternateContent>
   <p:timing>
     <p:tnLst>
       <p:par>
@@ -4861,7 +4854,7 @@
           <a:graphicData uri="http://schemas.openxmlformats.org/presentationml/2006/ole">
             <mc:AlternateContent xmlns:mc="http://schemas.openxmlformats.org/markup-compatibility/2006">
               <mc:Choice xmlns:v="urn:schemas-microsoft-com:vml" Requires="v">
-                <p:oleObj spid="_x0000_s249876" name="Equation" r:id="rId4" imgW="1002960" imgH="457200" progId="Equation.DSMT4">
+                <p:oleObj spid="_x0000_s249886" name="Equation" r:id="rId4" imgW="1002960" imgH="457200" progId="Equation.DSMT4">
                   <p:embed/>
                 </p:oleObj>
               </mc:Choice>
@@ -4985,7 +4978,7 @@
                 <a:ea typeface="+mn-ea"/>
                 <a:cs typeface="+mn-cs"/>
               </a:rPr>
-              <a:t>lec</a:t>
+              <a:t>samplespace</a:t>
             </a:r>
             <a:r>
               <a:rPr kumimoji="0" lang="en-US" sz="1000" b="0" i="0" u="none" strike="noStrike" kern="1200" cap="none" spc="0" normalizeH="0" baseline="0" noProof="0" dirty="0" smtClean="0">
@@ -5002,7 +4995,7 @@
                 <a:ea typeface="+mn-ea"/>
                 <a:cs typeface="+mn-cs"/>
               </a:rPr>
-              <a:t> 13W.</a:t>
+              <a:t>.</a:t>
             </a:r>
             <a:fld id="{17233D2A-0857-4415-88C1-423492E69A26}" type="slidenum">
               <a:rPr kumimoji="0" lang="en-US" sz="1000" b="0" i="0" u="none" strike="noStrike" kern="1200" cap="none" spc="0" normalizeH="0" baseline="0" noProof="0" smtClean="0">
@@ -5060,7 +5053,9 @@
   <p:clrMapOvr>
     <a:masterClrMapping/>
   </p:clrMapOvr>
-  <p:transition xmlns:p14="http://schemas.microsoft.com/office/powerpoint/2010/main"/>
+  <p:transition xmlns:p14="http://schemas.microsoft.com/office/powerpoint/2010/main" spd="slow" advClick="0">
+    <p:fade/>
+  </p:transition>
   <p:timing>
     <p:tnLst>
       <p:par>
@@ -5472,7 +5467,7 @@
                 <a:ea typeface="+mn-ea"/>
                 <a:cs typeface="+mn-cs"/>
               </a:rPr>
-              <a:t>lec</a:t>
+              <a:t>samplespace</a:t>
             </a:r>
             <a:r>
               <a:rPr kumimoji="0" lang="en-US" sz="1000" b="0" i="0" u="none" strike="noStrike" kern="1200" cap="none" spc="0" normalizeH="0" baseline="0" noProof="0" dirty="0" smtClean="0">
@@ -5489,7 +5484,7 @@
                 <a:ea typeface="+mn-ea"/>
                 <a:cs typeface="+mn-cs"/>
               </a:rPr>
-              <a:t> 13W.</a:t>
+              <a:t>.</a:t>
             </a:r>
             <a:fld id="{17233D2A-0857-4415-88C1-423492E69A26}" type="slidenum">
               <a:rPr kumimoji="0" lang="en-US" sz="1000" b="0" i="0" u="none" strike="noStrike" kern="1200" cap="none" spc="0" normalizeH="0" baseline="0" noProof="0" smtClean="0">
@@ -5547,7 +5542,9 @@
   <p:clrMapOvr>
     <a:masterClrMapping/>
   </p:clrMapOvr>
-  <p:transition xmlns:p14="http://schemas.microsoft.com/office/powerpoint/2010/main"/>
+  <p:transition xmlns:p14="http://schemas.microsoft.com/office/powerpoint/2010/main" spd="slow" advClick="0">
+    <p:fade/>
+  </p:transition>
   <p:timing>
     <p:tnLst>
       <p:par>
@@ -5799,22 +5796,28 @@
           <p:cNvGraphicFramePr>
             <a:graphicFrameLocks noChangeAspect="1"/>
           </p:cNvGraphicFramePr>
-          <p:nvPr/>
+          <p:nvPr>
+            <p:extLst>
+              <p:ext uri="{D42A27DB-BD31-4B8C-83A1-F6EECF244321}">
+                <p14:modId xmlns:p14="http://schemas.microsoft.com/office/powerpoint/2010/main" val="3422076811"/>
+              </p:ext>
+            </p:extLst>
+          </p:nvPr>
         </p:nvGraphicFramePr>
         <p:xfrm>
-          <a:off x="593725" y="1336675"/>
-          <a:ext cx="7894638" cy="4048125"/>
+          <a:off x="685800" y="2895600"/>
+          <a:ext cx="7759700" cy="2632075"/>
         </p:xfrm>
         <a:graphic>
           <a:graphicData uri="http://schemas.openxmlformats.org/presentationml/2006/ole">
             <mc:AlternateContent xmlns:mc="http://schemas.openxmlformats.org/markup-compatibility/2006">
               <mc:Choice xmlns:v="urn:schemas-microsoft-com:vml" Requires="v">
-                <p:oleObj spid="_x0000_s250900" name="Equation" r:id="rId12" imgW="1485900" imgH="762000" progId="Equation.DSMT4">
+                <p:oleObj spid="_x0000_s250914" name="Equation" r:id="rId12" imgW="1460500" imgH="495300" progId="Equation.DSMT4">
                   <p:embed/>
                 </p:oleObj>
               </mc:Choice>
               <mc:Fallback>
-                <p:oleObj name="Equation" r:id="rId12" imgW="1485900" imgH="762000" progId="Equation.DSMT4">
+                <p:oleObj name="Equation" r:id="rId12" imgW="1460500" imgH="495300" progId="Equation.DSMT4">
                   <p:embed/>
                   <p:pic>
                     <p:nvPicPr>
@@ -5825,13 +5828,7 @@
                       <p:nvPr/>
                     </p:nvPicPr>
                     <p:blipFill>
-                      <a:blip r:embed="rId13">
-                        <a:extLst>
-                          <a:ext uri="{28A0092B-C50C-407E-A947-70E740481C1C}">
-                            <a14:useLocalDpi xmlns:a14="http://schemas.microsoft.com/office/drawing/2010/main" val="0"/>
-                          </a:ext>
-                        </a:extLst>
-                      </a:blip>
+                      <a:blip r:embed="rId13"/>
                       <a:srcRect/>
                       <a:stretch>
                         <a:fillRect/>
@@ -5839,8 +5836,8 @@
                     </p:blipFill>
                     <p:spPr bwMode="auto">
                       <a:xfrm>
-                        <a:off x="593725" y="1336675"/>
-                        <a:ext cx="7894638" cy="4048125"/>
+                        <a:off x="685800" y="2895600"/>
+                        <a:ext cx="7759700" cy="2632075"/>
                       </a:xfrm>
                       <a:prstGeom prst="rect">
                         <a:avLst/>
@@ -5933,7 +5930,7 @@
                 <a:ea typeface="+mn-ea"/>
                 <a:cs typeface="+mn-cs"/>
               </a:rPr>
-              <a:t>lec</a:t>
+              <a:t>samplespace</a:t>
             </a:r>
             <a:r>
               <a:rPr kumimoji="0" lang="en-US" sz="1000" b="0" i="0" u="none" strike="noStrike" kern="1200" cap="none" spc="0" normalizeH="0" baseline="0" noProof="0" dirty="0" smtClean="0">
@@ -5950,7 +5947,7 @@
                 <a:ea typeface="+mn-ea"/>
                 <a:cs typeface="+mn-cs"/>
               </a:rPr>
-              <a:t> 13W.</a:t>
+              <a:t>.</a:t>
             </a:r>
             <a:fld id="{17233D2A-0857-4415-88C1-423492E69A26}" type="slidenum">
               <a:rPr kumimoji="0" lang="en-US" sz="1000" b="0" i="0" u="none" strike="noStrike" kern="1200" cap="none" spc="0" normalizeH="0" baseline="0" noProof="0" smtClean="0">
@@ -6003,16 +6000,151 @@
           </a:p>
         </p:txBody>
       </p:sp>
+      <p:graphicFrame>
+        <p:nvGraphicFramePr>
+          <p:cNvPr id="2" name="Object 1"/>
+          <p:cNvGraphicFramePr>
+            <a:graphicFrameLocks noChangeAspect="1"/>
+          </p:cNvGraphicFramePr>
+          <p:nvPr>
+            <p:extLst>
+              <p:ext uri="{D42A27DB-BD31-4B8C-83A1-F6EECF244321}">
+                <p14:modId xmlns:p14="http://schemas.microsoft.com/office/powerpoint/2010/main" val="3643280551"/>
+              </p:ext>
+            </p:extLst>
+          </p:nvPr>
+        </p:nvGraphicFramePr>
+        <p:xfrm>
+          <a:off x="1524000" y="1371600"/>
+          <a:ext cx="6361043" cy="1524000"/>
+        </p:xfrm>
+        <a:graphic>
+          <a:graphicData uri="http://schemas.openxmlformats.org/presentationml/2006/ole">
+            <mc:AlternateContent xmlns:mc="http://schemas.openxmlformats.org/markup-compatibility/2006">
+              <mc:Choice xmlns:v="urn:schemas-microsoft-com:vml" Requires="v">
+                <p:oleObj spid="_x0000_s250915" name="Equation" r:id="rId14" imgW="1219200" imgH="292100" progId="Equation.DSMT4">
+                  <p:embed/>
+                </p:oleObj>
+              </mc:Choice>
+              <mc:Fallback>
+                <p:oleObj name="Equation" r:id="rId14" imgW="1219200" imgH="292100" progId="Equation.DSMT4">
+                  <p:embed/>
+                  <p:pic>
+                    <p:nvPicPr>
+                      <p:cNvPr id="0" name=""/>
+                      <p:cNvPicPr/>
+                      <p:nvPr/>
+                    </p:nvPicPr>
+                    <p:blipFill>
+                      <a:blip r:embed="rId15"/>
+                      <a:stretch>
+                        <a:fillRect/>
+                      </a:stretch>
+                    </p:blipFill>
+                    <p:spPr>
+                      <a:xfrm>
+                        <a:off x="1524000" y="1371600"/>
+                        <a:ext cx="6361043" cy="1524000"/>
+                      </a:xfrm>
+                      <a:prstGeom prst="rect">
+                        <a:avLst/>
+                      </a:prstGeom>
+                    </p:spPr>
+                  </p:pic>
+                </p:oleObj>
+              </mc:Fallback>
+            </mc:AlternateContent>
+          </a:graphicData>
+        </a:graphic>
+      </p:graphicFrame>
     </p:spTree>
   </p:cSld>
   <p:clrMapOvr>
     <a:masterClrMapping/>
   </p:clrMapOvr>
-  <p:transition xmlns:p14="http://schemas.microsoft.com/office/powerpoint/2010/main"/>
+  <p:transition xmlns:p14="http://schemas.microsoft.com/office/powerpoint/2010/main" spd="slow" advClick="0">
+    <p:fade/>
+  </p:transition>
   <p:timing>
     <p:tnLst>
       <p:par>
-        <p:cTn xmlns:p14="http://schemas.microsoft.com/office/powerpoint/2010/main" id="1" dur="indefinite" restart="never" nodeType="tmRoot"/>
+        <p:cTn xmlns:p14="http://schemas.microsoft.com/office/powerpoint/2010/main" id="1" dur="indefinite" restart="never" nodeType="tmRoot">
+          <p:childTnLst>
+            <p:seq concurrent="1" nextAc="seek">
+              <p:cTn id="2" dur="indefinite" nodeType="mainSeq">
+                <p:childTnLst>
+                  <p:par>
+                    <p:cTn id="3" fill="hold">
+                      <p:stCondLst>
+                        <p:cond delay="indefinite"/>
+                      </p:stCondLst>
+                      <p:childTnLst>
+                        <p:par>
+                          <p:cTn id="4" fill="hold">
+                            <p:stCondLst>
+                              <p:cond delay="0"/>
+                            </p:stCondLst>
+                            <p:childTnLst>
+                              <p:par>
+                                <p:cTn id="5" presetID="22" presetClass="entr" presetSubtype="8" fill="hold" nodeType="clickEffect">
+                                  <p:stCondLst>
+                                    <p:cond delay="0"/>
+                                  </p:stCondLst>
+                                  <p:childTnLst>
+                                    <p:set>
+                                      <p:cBhvr>
+                                        <p:cTn id="6" dur="1" fill="hold">
+                                          <p:stCondLst>
+                                            <p:cond delay="0"/>
+                                          </p:stCondLst>
+                                        </p:cTn>
+                                        <p:tgtEl>
+                                          <p:spTgt spid="9"/>
+                                        </p:tgtEl>
+                                        <p:attrNameLst>
+                                          <p:attrName>style.visibility</p:attrName>
+                                        </p:attrNameLst>
+                                      </p:cBhvr>
+                                      <p:to>
+                                        <p:strVal val="visible"/>
+                                      </p:to>
+                                    </p:set>
+                                    <p:animEffect transition="in" filter="wipe(left)">
+                                      <p:cBhvr>
+                                        <p:cTn id="7" dur="2000"/>
+                                        <p:tgtEl>
+                                          <p:spTgt spid="9"/>
+                                        </p:tgtEl>
+                                      </p:cBhvr>
+                                    </p:animEffect>
+                                  </p:childTnLst>
+                                </p:cTn>
+                              </p:par>
+                            </p:childTnLst>
+                          </p:cTn>
+                        </p:par>
+                      </p:childTnLst>
+                    </p:cTn>
+                  </p:par>
+                </p:childTnLst>
+              </p:cTn>
+              <p:prevCondLst>
+                <p:cond evt="onPrev" delay="0">
+                  <p:tgtEl>
+                    <p:sldTgt/>
+                  </p:tgtEl>
+                </p:cond>
+              </p:prevCondLst>
+              <p:nextCondLst>
+                <p:cond evt="onNext" delay="0">
+                  <p:tgtEl>
+                    <p:sldTgt/>
+                  </p:tgtEl>
+                </p:cond>
+              </p:nextCondLst>
+            </p:seq>
+          </p:childTnLst>
+        </p:cTn>
       </p:par>
     </p:tnLst>
   </p:timing>
@@ -6385,7 +6517,7 @@
                 <a:ea typeface="+mn-ea"/>
                 <a:cs typeface="+mn-cs"/>
               </a:rPr>
-              <a:t>lec</a:t>
+              <a:t>samplespace</a:t>
             </a:r>
             <a:r>
               <a:rPr kumimoji="0" lang="en-US" sz="1000" b="0" i="0" u="none" strike="noStrike" kern="1200" cap="none" spc="0" normalizeH="0" baseline="0" noProof="0" dirty="0" smtClean="0">
@@ -6402,7 +6534,7 @@
                 <a:ea typeface="+mn-ea"/>
                 <a:cs typeface="+mn-cs"/>
               </a:rPr>
-              <a:t> 13W.</a:t>
+              <a:t>.</a:t>
             </a:r>
             <a:fld id="{17233D2A-0857-4415-88C1-423492E69A26}" type="slidenum">
               <a:rPr kumimoji="0" lang="en-US" sz="1000" b="0" i="0" u="none" strike="noStrike" kern="1200" cap="none" spc="0" normalizeH="0" baseline="0" noProof="0" smtClean="0">
@@ -6471,7 +6603,7 @@
           <a:graphicData uri="http://schemas.openxmlformats.org/presentationml/2006/ole">
             <mc:AlternateContent xmlns:mc="http://schemas.openxmlformats.org/markup-compatibility/2006">
               <mc:Choice xmlns:v="urn:schemas-microsoft-com:vml" Requires="v">
-                <p:oleObj spid="_x0000_s283671" name="Equation" r:id="rId4" imgW="914400" imgH="406400" progId="Equation.DSMT4">
+                <p:oleObj spid="_x0000_s283681" name="Equation" r:id="rId4" imgW="914400" imgH="406400" progId="Equation.DSMT4">
                   <p:embed/>
                 </p:oleObj>
               </mc:Choice>
@@ -6530,7 +6662,7 @@
   <p:clrMapOvr>
     <a:masterClrMapping/>
   </p:clrMapOvr>
-  <p:transition xmlns:p14="http://schemas.microsoft.com/office/powerpoint/2010/main" spd="slow">
+  <p:transition xmlns:p14="http://schemas.microsoft.com/office/powerpoint/2010/main" spd="slow" advClick="0">
     <p:fade thruBlk="1"/>
   </p:transition>
   <p:timing>
@@ -6554,7 +6686,7 @@
                             </p:stCondLst>
                             <p:childTnLst>
                               <p:par>
-                                <p:cTn id="5" presetID="1" presetClass="entr" presetSubtype="0" fill="hold" nodeType="clickEffect">
+                                <p:cTn id="5" presetID="10" presetClass="entr" presetSubtype="0" fill="hold" nodeType="clickEffect">
                                   <p:stCondLst>
                                     <p:cond delay="0"/>
                                   </p:stCondLst>
@@ -6581,6 +6713,18 @@
                                         <p:strVal val="visible"/>
                                       </p:to>
                                     </p:set>
+                                    <p:animEffect transition="in" filter="fade">
+                                      <p:cBhvr>
+                                        <p:cTn id="7" dur="500"/>
+                                        <p:tgtEl>
+                                          <p:spTgt spid="61443">
+                                            <p:txEl>
+                                              <p:pRg st="1" end="1"/>
+                                            </p:txEl>
+                                          </p:spTgt>
+                                        </p:tgtEl>
+                                      </p:cBhvr>
+                                    </p:animEffect>
                                   </p:childTnLst>
                                 </p:cTn>
                               </p:par>
@@ -6591,26 +6735,26 @@
                     </p:cTn>
                   </p:par>
                   <p:par>
-                    <p:cTn id="7" fill="hold">
+                    <p:cTn id="8" fill="hold">
                       <p:stCondLst>
                         <p:cond delay="indefinite"/>
                       </p:stCondLst>
                       <p:childTnLst>
                         <p:par>
-                          <p:cTn id="8" fill="hold">
+                          <p:cTn id="9" fill="hold">
                             <p:stCondLst>
                               <p:cond delay="0"/>
                             </p:stCondLst>
                             <p:childTnLst>
                               <p:par>
-                                <p:cTn id="9" presetID="1" presetClass="entr" presetSubtype="0" fill="hold" nodeType="clickEffect">
+                                <p:cTn id="10" presetID="10" presetClass="entr" presetSubtype="0" fill="hold" nodeType="clickEffect">
                                   <p:stCondLst>
                                     <p:cond delay="0"/>
                                   </p:stCondLst>
                                   <p:childTnLst>
                                     <p:set>
                                       <p:cBhvr>
-                                        <p:cTn id="10" dur="1" fill="hold">
+                                        <p:cTn id="11" dur="1" fill="hold">
                                           <p:stCondLst>
                                             <p:cond delay="0"/>
                                           </p:stCondLst>
@@ -6630,6 +6774,18 @@
                                         <p:strVal val="visible"/>
                                       </p:to>
                                     </p:set>
+                                    <p:animEffect transition="in" filter="fade">
+                                      <p:cBhvr>
+                                        <p:cTn id="12" dur="500"/>
+                                        <p:tgtEl>
+                                          <p:spTgt spid="61443">
+                                            <p:txEl>
+                                              <p:pRg st="2" end="2"/>
+                                            </p:txEl>
+                                          </p:spTgt>
+                                        </p:tgtEl>
+                                      </p:cBhvr>
+                                    </p:animEffect>
                                   </p:childTnLst>
                                 </p:cTn>
                               </p:par>
@@ -6640,26 +6796,26 @@
                     </p:cTn>
                   </p:par>
                   <p:par>
-                    <p:cTn id="11" fill="hold">
+                    <p:cTn id="13" fill="hold">
                       <p:stCondLst>
                         <p:cond delay="indefinite"/>
                       </p:stCondLst>
                       <p:childTnLst>
                         <p:par>
-                          <p:cTn id="12" fill="hold">
+                          <p:cTn id="14" fill="hold">
                             <p:stCondLst>
                               <p:cond delay="0"/>
                             </p:stCondLst>
                             <p:childTnLst>
                               <p:par>
-                                <p:cTn id="13" presetID="22" presetClass="entr" presetSubtype="8" fill="hold" nodeType="clickEffect">
+                                <p:cTn id="15" presetID="22" presetClass="entr" presetSubtype="8" fill="hold" nodeType="clickEffect">
                                   <p:stCondLst>
                                     <p:cond delay="0"/>
                                   </p:stCondLst>
                                   <p:childTnLst>
                                     <p:set>
                                       <p:cBhvr>
-                                        <p:cTn id="14" dur="1" fill="hold">
+                                        <p:cTn id="16" dur="1" fill="hold">
                                           <p:stCondLst>
                                             <p:cond delay="0"/>
                                           </p:stCondLst>
@@ -6677,7 +6833,7 @@
                                     </p:set>
                                     <p:animEffect transition="in" filter="wipe(left)">
                                       <p:cBhvr>
-                                        <p:cTn id="15" dur="500"/>
+                                        <p:cTn id="17" dur="1000"/>
                                         <p:tgtEl>
                                           <p:spTgt spid="5"/>
                                         </p:tgtEl>
@@ -6833,19 +6989,8 @@
                 <a:latin typeface="Comic Sans MS" pitchFamily="-128" charset="0"/>
                 <a:sym typeface="Symbol" pitchFamily="18" charset="2"/>
               </a:rPr>
-              <a:t>outcome probabilities</a:t>
-            </a:r>
-            <a:r>
-              <a:rPr lang="en-US" sz="4800" dirty="0" smtClean="0">
-                <a:latin typeface="Comic Sans MS" pitchFamily="-128" charset="0"/>
-                <a:sym typeface="Symbol" pitchFamily="18" charset="2"/>
-              </a:rPr>
-              <a:t> calculated from branch probabilities.</a:t>
-            </a:r>
-            <a:endParaRPr lang="en-US" sz="4800" dirty="0" smtClean="0">
-              <a:latin typeface="Comic Sans MS" pitchFamily="-128" charset="0"/>
-              <a:sym typeface="Symbol" pitchFamily="18" charset="2"/>
-            </a:endParaRPr>
+              <a:t>outcome probabilities calculated from branch probabilities.</a:t>
+            </a:r>
           </a:p>
         </p:txBody>
       </p:sp>
@@ -6919,7 +7064,7 @@
                 <a:ea typeface="+mn-ea"/>
                 <a:cs typeface="+mn-cs"/>
               </a:rPr>
-              <a:t>lec</a:t>
+              <a:t>samplespace</a:t>
             </a:r>
             <a:r>
               <a:rPr kumimoji="0" lang="en-US" sz="1000" b="0" i="0" u="none" strike="noStrike" kern="1200" cap="none" spc="0" normalizeH="0" baseline="0" noProof="0" dirty="0" smtClean="0">
@@ -6936,7 +7081,7 @@
                 <a:ea typeface="+mn-ea"/>
                 <a:cs typeface="+mn-cs"/>
               </a:rPr>
-              <a:t> 13W.</a:t>
+              <a:t>.</a:t>
             </a:r>
             <a:fld id="{17233D2A-0857-4415-88C1-423492E69A26}" type="slidenum">
               <a:rPr kumimoji="0" lang="en-US" sz="1000" b="0" i="0" u="none" strike="noStrike" kern="1200" cap="none" spc="0" normalizeH="0" baseline="0" noProof="0" smtClean="0">
@@ -6999,14 +7144,14 @@
   <p:clrMapOvr>
     <a:masterClrMapping/>
   </p:clrMapOvr>
-  <mc:AlternateContent xmlns:mc="http://schemas.openxmlformats.org/markup-compatibility/2006">
-    <mc:Choice xmlns:p14="http://schemas.microsoft.com/office/powerpoint/2010/main" Requires="p14">
-      <p:transition spd="med" p14:dur="700">
+  <mc:AlternateContent xmlns:mc="http://schemas.openxmlformats.org/markup-compatibility/2006" xmlns:p14="http://schemas.microsoft.com/office/powerpoint/2010/main">
+    <mc:Choice Requires="p14">
+      <p:transition spd="med" p14:dur="700" advClick="0">
         <p:fade/>
       </p:transition>
     </mc:Choice>
-    <mc:Fallback>
-      <p:transition xmlns:p14="http://schemas.microsoft.com/office/powerpoint/2010/main" spd="med">
+    <mc:Fallback xmlns="">
+      <p:transition xmlns:p14="http://schemas.microsoft.com/office/powerpoint/2010/main" spd="med" advClick="0">
         <p:fade/>
       </p:transition>
     </mc:Fallback>
@@ -7032,7 +7177,7 @@
                             </p:stCondLst>
                             <p:childTnLst>
                               <p:par>
-                                <p:cTn id="5" presetID="9" presetClass="entr" presetSubtype="0" fill="hold" nodeType="clickEffect">
+                                <p:cTn id="5" presetID="10" presetClass="entr" presetSubtype="0" fill="hold" nodeType="clickEffect">
                                   <p:stCondLst>
                                     <p:cond delay="0"/>
                                   </p:stCondLst>
@@ -7059,7 +7204,7 @@
                                         <p:strVal val="visible"/>
                                       </p:to>
                                     </p:set>
-                                    <p:animEffect transition="in" filter="dissolve">
+                                    <p:animEffect transition="in" filter="fade">
                                       <p:cBhvr>
                                         <p:cTn id="7" dur="500"/>
                                         <p:tgtEl>
@@ -7093,7 +7238,7 @@
                             </p:stCondLst>
                             <p:childTnLst>
                               <p:par>
-                                <p:cTn id="10" presetID="9" presetClass="entr" presetSubtype="0" fill="hold" nodeType="clickEffect">
+                                <p:cTn id="10" presetID="10" presetClass="entr" presetSubtype="0" fill="hold" nodeType="clickEffect">
                                   <p:stCondLst>
                                     <p:cond delay="0"/>
                                   </p:stCondLst>
@@ -7120,7 +7265,7 @@
                                         <p:strVal val="visible"/>
                                       </p:to>
                                     </p:set>
-                                    <p:animEffect transition="in" filter="dissolve">
+                                    <p:animEffect transition="in" filter="fade">
                                       <p:cBhvr>
                                         <p:cTn id="12" dur="500"/>
                                         <p:tgtEl>
@@ -7475,7 +7620,7 @@
                 <a:ea typeface="+mn-ea"/>
                 <a:cs typeface="+mn-cs"/>
               </a:rPr>
-              <a:t>lec</a:t>
+              <a:t>samplespace</a:t>
             </a:r>
             <a:r>
               <a:rPr kumimoji="0" lang="en-US" sz="1000" b="0" i="0" u="none" strike="noStrike" kern="1200" cap="none" spc="0" normalizeH="0" baseline="0" noProof="0" dirty="0" smtClean="0">
@@ -7492,7 +7637,7 @@
                 <a:ea typeface="+mn-ea"/>
                 <a:cs typeface="+mn-cs"/>
               </a:rPr>
-              <a:t> 13W.</a:t>
+              <a:t>.</a:t>
             </a:r>
             <a:fld id="{17233D2A-0857-4415-88C1-423492E69A26}" type="slidenum">
               <a:rPr kumimoji="0" lang="en-US" sz="1000" b="0" i="0" u="none" strike="noStrike" kern="1200" cap="none" spc="0" normalizeH="0" baseline="0" noProof="0" smtClean="0">
@@ -7561,7 +7706,7 @@
           <a:graphicData uri="http://schemas.openxmlformats.org/presentationml/2006/ole">
             <mc:AlternateContent xmlns:mc="http://schemas.openxmlformats.org/markup-compatibility/2006">
               <mc:Choice xmlns:v="urn:schemas-microsoft-com:vml" Requires="v">
-                <p:oleObj spid="_x0000_s332820" name="Equation" r:id="rId4" imgW="1295400" imgH="406400" progId="Equation.DSMT4">
+                <p:oleObj spid="_x0000_s332830" name="Equation" r:id="rId4" imgW="1295400" imgH="406400" progId="Equation.DSMT4">
                   <p:embed/>
                 </p:oleObj>
               </mc:Choice>
@@ -7620,7 +7765,7 @@
   <p:clrMapOvr>
     <a:masterClrMapping/>
   </p:clrMapOvr>
-  <p:transition xmlns:p14="http://schemas.microsoft.com/office/powerpoint/2010/main" spd="slow">
+  <p:transition xmlns:p14="http://schemas.microsoft.com/office/powerpoint/2010/main" spd="slow" advClick="0">
     <p:fade thruBlk="1"/>
   </p:transition>
   <p:timing>
@@ -7669,7 +7814,7 @@
                                     </p:set>
                                     <p:animEffect transition="in" filter="wipe(left)">
                                       <p:cBhvr>
-                                        <p:cTn id="7" dur="500"/>
+                                        <p:cTn id="7" dur="1000"/>
                                         <p:tgtEl>
                                           <p:spTgt spid="5"/>
                                         </p:tgtEl>
@@ -7697,7 +7842,7 @@
                             </p:stCondLst>
                             <p:childTnLst>
                               <p:par>
-                                <p:cTn id="10" presetID="1" presetClass="entr" presetSubtype="0" fill="hold" nodeType="clickEffect">
+                                <p:cTn id="10" presetID="10" presetClass="entr" presetSubtype="0" fill="hold" nodeType="clickEffect">
                                   <p:stCondLst>
                                     <p:cond delay="0"/>
                                   </p:stCondLst>
@@ -7724,6 +7869,18 @@
                                         <p:strVal val="visible"/>
                                       </p:to>
                                     </p:set>
+                                    <p:animEffect transition="in" filter="fade">
+                                      <p:cBhvr>
+                                        <p:cTn id="12" dur="500"/>
+                                        <p:tgtEl>
+                                          <p:spTgt spid="61443">
+                                            <p:txEl>
+                                              <p:pRg st="4" end="4"/>
+                                            </p:txEl>
+                                          </p:spTgt>
+                                        </p:tgtEl>
+                                      </p:cBhvr>
+                                    </p:animEffect>
                                   </p:childTnLst>
                                 </p:cTn>
                               </p:par>
@@ -7843,19 +8000,43 @@
               <a:rPr lang="en-US" sz="4800" dirty="0">
                 <a:latin typeface="Comic Sans MS" pitchFamily="-128" charset="0"/>
               </a:rPr>
-              <a:t>For </a:t>
-            </a:r>
-            <a:r>
-              <a:rPr lang="en-US" sz="4800" i="1" dirty="0" err="1">
+              <a:t>For</a:t>
+            </a:r>
+            <a:r>
+              <a:rPr lang="en-US" sz="4800" dirty="0">
+                <a:solidFill>
+                  <a:schemeClr val="accent6"/>
+                </a:solidFill>
                 <a:latin typeface="Comic Sans MS" pitchFamily="-128" charset="0"/>
               </a:rPr>
+              <a:t> </a:t>
+            </a:r>
+            <a:r>
+              <a:rPr lang="en-US" sz="4800" dirty="0" err="1">
+                <a:solidFill>
+                  <a:srgbClr val="B90195"/>
+                </a:solidFill>
+                <a:latin typeface="Comic Sans MS" pitchFamily="-128" charset="0"/>
+              </a:rPr>
               <a:t>pairwise</a:t>
             </a:r>
             <a:r>
-              <a:rPr lang="en-US" sz="4800" i="1" dirty="0">
+              <a:rPr lang="en-US" sz="4800" dirty="0">
+                <a:solidFill>
+                  <a:srgbClr val="B90195"/>
+                </a:solidFill>
                 <a:latin typeface="Comic Sans MS" pitchFamily="-128" charset="0"/>
               </a:rPr>
-              <a:t> disjoint</a:t>
+              <a:t> disjoin</a:t>
+            </a:r>
+            <a:r>
+              <a:rPr lang="en-US" sz="4800" dirty="0">
+                <a:solidFill>
+                  <a:schemeClr val="accent6"/>
+                </a:solidFill>
+                <a:latin typeface="Comic Sans MS" pitchFamily="-128" charset="0"/>
+              </a:rPr>
+              <a:t>t</a:t>
             </a:r>
             <a:r>
               <a:rPr lang="en-US" sz="4800" dirty="0">
@@ -7968,7 +8149,7 @@
           <a:graphicData uri="http://schemas.openxmlformats.org/presentationml/2006/ole">
             <mc:AlternateContent xmlns:mc="http://schemas.openxmlformats.org/markup-compatibility/2006">
               <mc:Choice xmlns:v="urn:schemas-microsoft-com:vml" Requires="v">
-                <p:oleObj spid="_x0000_s247829" name="Equation" r:id="rId4" imgW="1943100" imgH="558800" progId="Equation.DSMT4">
+                <p:oleObj spid="_x0000_s247839" name="Equation" r:id="rId4" imgW="1943100" imgH="558800" progId="Equation.DSMT4">
                   <p:embed/>
                 </p:oleObj>
               </mc:Choice>
@@ -8086,7 +8267,7 @@
                 <a:ea typeface="+mn-ea"/>
                 <a:cs typeface="+mn-cs"/>
               </a:rPr>
-              <a:t>lec</a:t>
+              <a:t>samplespace</a:t>
             </a:r>
             <a:r>
               <a:rPr kumimoji="0" lang="en-US" sz="1000" b="0" i="0" u="none" strike="noStrike" kern="1200" cap="none" spc="0" normalizeH="0" baseline="0" noProof="0" dirty="0" smtClean="0">
@@ -8103,7 +8284,7 @@
                 <a:ea typeface="+mn-ea"/>
                 <a:cs typeface="+mn-cs"/>
               </a:rPr>
-              <a:t> 13W.</a:t>
+              <a:t>.</a:t>
             </a:r>
             <a:fld id="{17233D2A-0857-4415-88C1-423492E69A26}" type="slidenum">
               <a:rPr kumimoji="0" lang="en-US" sz="1000" b="0" i="0" u="none" strike="noStrike" kern="1200" cap="none" spc="0" normalizeH="0" baseline="0" noProof="0" smtClean="0">
@@ -8161,14 +8342,14 @@
   <p:clrMapOvr>
     <a:masterClrMapping/>
   </p:clrMapOvr>
-  <mc:AlternateContent xmlns:mc="http://schemas.openxmlformats.org/markup-compatibility/2006">
-    <mc:Choice xmlns:p14="http://schemas.microsoft.com/office/powerpoint/2010/main" Requires="p14">
-      <p:transition spd="med" p14:dur="700">
+  <mc:AlternateContent xmlns:mc="http://schemas.openxmlformats.org/markup-compatibility/2006" xmlns:p14="http://schemas.microsoft.com/office/powerpoint/2010/main">
+    <mc:Choice Requires="p14">
+      <p:transition spd="med" p14:dur="700" advClick="0">
         <p:fade/>
       </p:transition>
     </mc:Choice>
-    <mc:Fallback>
-      <p:transition xmlns:p14="http://schemas.microsoft.com/office/powerpoint/2010/main" spd="med">
+    <mc:Fallback xmlns="">
+      <p:transition xmlns:p14="http://schemas.microsoft.com/office/powerpoint/2010/main" spd="med" advClick="0">
         <p:fade/>
       </p:transition>
     </mc:Fallback>
@@ -8194,7 +8375,7 @@
                             </p:stCondLst>
                             <p:childTnLst>
                               <p:par>
-                                <p:cTn id="5" presetID="9" presetClass="entr" presetSubtype="0" fill="hold" nodeType="clickEffect">
+                                <p:cTn id="5" presetID="22" presetClass="entr" presetSubtype="1" fill="hold" nodeType="clickEffect">
                                   <p:stCondLst>
                                     <p:cond delay="0"/>
                                   </p:stCondLst>
@@ -8217,9 +8398,9 @@
                                         <p:strVal val="visible"/>
                                       </p:to>
                                     </p:set>
-                                    <p:animEffect transition="in" filter="dissolve">
+                                    <p:animEffect transition="in" filter="wipe(up)">
                                       <p:cBhvr>
-                                        <p:cTn id="7" dur="500"/>
+                                        <p:cTn id="7" dur="1000"/>
                                         <p:tgtEl>
                                           <p:spTgt spid="6"/>
                                         </p:tgtEl>
@@ -8231,14 +8412,23 @@
                             </p:childTnLst>
                           </p:cTn>
                         </p:par>
+                      </p:childTnLst>
+                    </p:cTn>
+                  </p:par>
+                  <p:par>
+                    <p:cTn id="8" fill="hold">
+                      <p:stCondLst>
+                        <p:cond delay="indefinite"/>
+                      </p:stCondLst>
+                      <p:childTnLst>
                         <p:par>
-                          <p:cTn id="8" fill="hold">
+                          <p:cTn id="9" fill="hold">
                             <p:stCondLst>
-                              <p:cond delay="500"/>
+                              <p:cond delay="0"/>
                             </p:stCondLst>
                             <p:childTnLst>
                               <p:par>
-                                <p:cTn id="9" presetID="31" presetClass="entr" presetSubtype="0" fill="hold" grpId="0" nodeType="afterEffect">
+                                <p:cTn id="10" presetID="31" presetClass="entr" presetSubtype="0" fill="hold" grpId="0" nodeType="clickEffect">
                                   <p:stCondLst>
                                     <p:cond delay="0"/>
                                   </p:stCondLst>
@@ -8248,7 +8438,7 @@
                                   <p:childTnLst>
                                     <p:set>
                                       <p:cBhvr>
-                                        <p:cTn id="10" dur="1" fill="hold">
+                                        <p:cTn id="11" dur="1" fill="hold">
                                           <p:stCondLst>
                                             <p:cond delay="0"/>
                                           </p:stCondLst>
@@ -8266,7 +8456,7 @@
                                     </p:set>
                                     <p:anim calcmode="lin" valueType="num">
                                       <p:cBhvr>
-                                        <p:cTn id="11" dur="1000" fill="hold"/>
+                                        <p:cTn id="12" dur="1000" fill="hold"/>
                                         <p:tgtEl>
                                           <p:spTgt spid="25606"/>
                                         </p:tgtEl>
@@ -8289,7 +8479,7 @@
                                     </p:anim>
                                     <p:anim calcmode="lin" valueType="num">
                                       <p:cBhvr>
-                                        <p:cTn id="12" dur="1000" fill="hold"/>
+                                        <p:cTn id="13" dur="1000" fill="hold"/>
                                         <p:tgtEl>
                                           <p:spTgt spid="25606"/>
                                         </p:tgtEl>
@@ -8312,7 +8502,7 @@
                                     </p:anim>
                                     <p:anim calcmode="lin" valueType="num">
                                       <p:cBhvr>
-                                        <p:cTn id="13" dur="1000" fill="hold"/>
+                                        <p:cTn id="14" dur="1000" fill="hold"/>
                                         <p:tgtEl>
                                           <p:spTgt spid="25606"/>
                                         </p:tgtEl>
@@ -8335,7 +8525,7 @@
                                     </p:anim>
                                     <p:animEffect transition="in" filter="fade">
                                       <p:cBhvr>
-                                        <p:cTn id="14" dur="1000"/>
+                                        <p:cTn id="15" dur="1000"/>
                                         <p:tgtEl>
                                           <p:spTgt spid="25606"/>
                                         </p:tgtEl>
@@ -8475,16 +8665,7 @@
                 </a:solidFill>
                 <a:latin typeface="Comic Sans MS" pitchFamily="-128" charset="0"/>
               </a:rPr>
-              <a:t>Sample </a:t>
-            </a:r>
-            <a:r>
-              <a:rPr lang="en-US" sz="4400" dirty="0" smtClean="0">
-                <a:solidFill>
-                  <a:srgbClr val="0000FF"/>
-                </a:solidFill>
-                <a:latin typeface="Comic Sans MS" pitchFamily="-128" charset="0"/>
-              </a:rPr>
-              <a:t>space</a:t>
+              <a:t>Sample space</a:t>
             </a:r>
             <a:r>
               <a:rPr lang="en-US" sz="4400" dirty="0">
@@ -8686,17 +8867,7 @@
                 <a:latin typeface="Comic Sans MS" pitchFamily="-128" charset="0"/>
                 <a:sym typeface="Symbol" pitchFamily="18" charset="2"/>
               </a:rPr>
-              <a:t>[</a:t>
-            </a:r>
-            <a:r>
-              <a:rPr lang="en-US" sz="4800" dirty="0" smtClean="0">
-                <a:solidFill>
-                  <a:srgbClr val="0000FF"/>
-                </a:solidFill>
-                <a:latin typeface="Comic Sans MS" pitchFamily="-128" charset="0"/>
-                <a:sym typeface="Symbol" pitchFamily="18" charset="2"/>
-              </a:rPr>
-              <a:t>0,1]</a:t>
+              <a:t>[0,1]</a:t>
             </a:r>
           </a:p>
           <a:p>
@@ -8785,17 +8956,7 @@
                 <a:latin typeface="Comic Sans MS" pitchFamily="-128" charset="0"/>
                 <a:sym typeface="Symbol" pitchFamily="18" charset="2"/>
               </a:rPr>
-              <a:t>Sum </a:t>
-            </a:r>
-            <a:r>
-              <a:rPr lang="en-US" sz="4400" dirty="0" smtClean="0">
-                <a:solidFill>
-                  <a:srgbClr val="008000"/>
-                </a:solidFill>
-                <a:latin typeface="Comic Sans MS" pitchFamily="-128" charset="0"/>
-                <a:sym typeface="Symbol" pitchFamily="18" charset="2"/>
-              </a:rPr>
-              <a:t>Rule.</a:t>
+              <a:t>Sum Rule.</a:t>
             </a:r>
             <a:endParaRPr lang="en-US" sz="4400" dirty="0" smtClean="0">
               <a:latin typeface="Comic Sans MS" pitchFamily="-128" charset="0"/>
@@ -8874,7 +9035,7 @@
                 <a:ea typeface="+mn-ea"/>
                 <a:cs typeface="+mn-cs"/>
               </a:rPr>
-              <a:t>lec</a:t>
+              <a:t>samplespace</a:t>
             </a:r>
             <a:r>
               <a:rPr kumimoji="0" lang="en-US" sz="1000" b="0" i="0" u="none" strike="noStrike" kern="1200" cap="none" spc="0" normalizeH="0" baseline="0" noProof="0" dirty="0" smtClean="0">
@@ -8891,7 +9052,7 @@
                 <a:ea typeface="+mn-ea"/>
                 <a:cs typeface="+mn-cs"/>
               </a:rPr>
-              <a:t> 13W.</a:t>
+              <a:t>.</a:t>
             </a:r>
             <a:fld id="{17233D2A-0857-4415-88C1-423492E69A26}" type="slidenum">
               <a:rPr kumimoji="0" lang="en-US" sz="1000" b="0" i="0" u="none" strike="noStrike" kern="1200" cap="none" spc="0" normalizeH="0" baseline="0" noProof="0" smtClean="0">
@@ -8949,7 +9110,7 @@
   <p:clrMapOvr>
     <a:masterClrMapping/>
   </p:clrMapOvr>
-  <p:transition xmlns:p14="http://schemas.microsoft.com/office/powerpoint/2010/main" spd="slow">
+  <p:transition xmlns:p14="http://schemas.microsoft.com/office/powerpoint/2010/main" spd="slow" advClick="0">
     <p:fade thruBlk="1"/>
   </p:transition>
   <p:timing>
@@ -8973,7 +9134,7 @@
                             </p:stCondLst>
                             <p:childTnLst>
                               <p:par>
-                                <p:cTn id="5" presetID="1" presetClass="entr" presetSubtype="0" fill="hold" nodeType="clickEffect">
+                                <p:cTn id="5" presetID="10" presetClass="entr" presetSubtype="0" fill="hold" nodeType="clickEffect">
                                   <p:stCondLst>
                                     <p:cond delay="0"/>
                                   </p:stCondLst>
@@ -8981,6 +9142,67 @@
                                     <p:set>
                                       <p:cBhvr>
                                         <p:cTn id="6" dur="1" fill="hold">
+                                          <p:stCondLst>
+                                            <p:cond delay="0"/>
+                                          </p:stCondLst>
+                                        </p:cTn>
+                                        <p:tgtEl>
+                                          <p:spTgt spid="61443">
+                                            <p:txEl>
+                                              <p:pRg st="1" end="1"/>
+                                            </p:txEl>
+                                          </p:spTgt>
+                                        </p:tgtEl>
+                                        <p:attrNameLst>
+                                          <p:attrName>style.visibility</p:attrName>
+                                        </p:attrNameLst>
+                                      </p:cBhvr>
+                                      <p:to>
+                                        <p:strVal val="visible"/>
+                                      </p:to>
+                                    </p:set>
+                                    <p:animEffect transition="in" filter="fade">
+                                      <p:cBhvr>
+                                        <p:cTn id="7" dur="500"/>
+                                        <p:tgtEl>
+                                          <p:spTgt spid="61443">
+                                            <p:txEl>
+                                              <p:pRg st="1" end="1"/>
+                                            </p:txEl>
+                                          </p:spTgt>
+                                        </p:tgtEl>
+                                      </p:cBhvr>
+                                    </p:animEffect>
+                                  </p:childTnLst>
+                                </p:cTn>
+                              </p:par>
+                            </p:childTnLst>
+                          </p:cTn>
+                        </p:par>
+                      </p:childTnLst>
+                    </p:cTn>
+                  </p:par>
+                  <p:par>
+                    <p:cTn id="8" fill="hold">
+                      <p:stCondLst>
+                        <p:cond delay="indefinite"/>
+                      </p:stCondLst>
+                      <p:childTnLst>
+                        <p:par>
+                          <p:cTn id="9" fill="hold">
+                            <p:stCondLst>
+                              <p:cond delay="0"/>
+                            </p:stCondLst>
+                            <p:childTnLst>
+                              <p:par>
+                                <p:cTn id="10" presetID="10" presetClass="entr" presetSubtype="0" fill="hold" nodeType="clickEffect">
+                                  <p:stCondLst>
+                                    <p:cond delay="0"/>
+                                  </p:stCondLst>
+                                  <p:childTnLst>
+                                    <p:set>
+                                      <p:cBhvr>
+                                        <p:cTn id="11" dur="1" fill="hold">
                                           <p:stCondLst>
                                             <p:cond delay="0"/>
                                           </p:stCondLst>
@@ -9000,18 +9222,39 @@
                                         <p:strVal val="visible"/>
                                       </p:to>
                                     </p:set>
+                                    <p:animEffect transition="in" filter="fade">
+                                      <p:cBhvr>
+                                        <p:cTn id="12" dur="500"/>
+                                        <p:tgtEl>
+                                          <p:spTgt spid="61443">
+                                            <p:txEl>
+                                              <p:pRg st="2" end="2"/>
+                                            </p:txEl>
+                                          </p:spTgt>
+                                        </p:tgtEl>
+                                      </p:cBhvr>
+                                    </p:animEffect>
                                   </p:childTnLst>
                                 </p:cTn>
                               </p:par>
+                            </p:childTnLst>
+                          </p:cTn>
+                        </p:par>
+                        <p:par>
+                          <p:cTn id="13" fill="hold">
+                            <p:stCondLst>
+                              <p:cond delay="500"/>
+                            </p:stCondLst>
+                            <p:childTnLst>
                               <p:par>
-                                <p:cTn id="7" presetID="1" presetClass="entr" presetSubtype="0" fill="hold" nodeType="withEffect">
+                                <p:cTn id="14" presetID="22" presetClass="entr" presetSubtype="8" fill="hold" nodeType="afterEffect">
                                   <p:stCondLst>
                                     <p:cond delay="0"/>
                                   </p:stCondLst>
                                   <p:childTnLst>
                                     <p:set>
                                       <p:cBhvr>
-                                        <p:cTn id="8" dur="1" fill="hold">
+                                        <p:cTn id="15" dur="1" fill="hold">
                                           <p:stCondLst>
                                             <p:cond delay="0"/>
                                           </p:stCondLst>
@@ -9031,6 +9274,18 @@
                                         <p:strVal val="visible"/>
                                       </p:to>
                                     </p:set>
+                                    <p:animEffect transition="in" filter="wipe(left)">
+                                      <p:cBhvr>
+                                        <p:cTn id="16" dur="1000"/>
+                                        <p:tgtEl>
+                                          <p:spTgt spid="61443">
+                                            <p:txEl>
+                                              <p:pRg st="3" end="3"/>
+                                            </p:txEl>
+                                          </p:spTgt>
+                                        </p:tgtEl>
+                                      </p:cBhvr>
+                                    </p:animEffect>
                                   </p:childTnLst>
                                 </p:cTn>
                               </p:par>
@@ -9041,26 +9296,26 @@
                     </p:cTn>
                   </p:par>
                   <p:par>
-                    <p:cTn id="9" fill="hold">
+                    <p:cTn id="17" fill="hold">
                       <p:stCondLst>
                         <p:cond delay="indefinite"/>
                       </p:stCondLst>
                       <p:childTnLst>
                         <p:par>
-                          <p:cTn id="10" fill="hold">
+                          <p:cTn id="18" fill="hold">
                             <p:stCondLst>
                               <p:cond delay="0"/>
                             </p:stCondLst>
                             <p:childTnLst>
                               <p:par>
-                                <p:cTn id="11" presetID="1" presetClass="entr" presetSubtype="0" fill="hold" nodeType="clickEffect">
+                                <p:cTn id="19" presetID="22" presetClass="entr" presetSubtype="8" fill="hold" nodeType="clickEffect">
                                   <p:stCondLst>
                                     <p:cond delay="0"/>
                                   </p:stCondLst>
                                   <p:childTnLst>
                                     <p:set>
                                       <p:cBhvr>
-                                        <p:cTn id="12" dur="1" fill="hold">
+                                        <p:cTn id="20" dur="1" fill="hold">
                                           <p:stCondLst>
                                             <p:cond delay="0"/>
                                           </p:stCondLst>
@@ -9080,6 +9335,18 @@
                                         <p:strVal val="visible"/>
                                       </p:to>
                                     </p:set>
+                                    <p:animEffect transition="in" filter="wipe(left)">
+                                      <p:cBhvr>
+                                        <p:cTn id="21" dur="1000"/>
+                                        <p:tgtEl>
+                                          <p:spTgt spid="61443">
+                                            <p:txEl>
+                                              <p:pRg st="4" end="4"/>
+                                            </p:txEl>
+                                          </p:spTgt>
+                                        </p:tgtEl>
+                                      </p:cBhvr>
+                                    </p:animEffect>
                                   </p:childTnLst>
                                 </p:cTn>
                               </p:par>
@@ -9090,26 +9357,26 @@
                     </p:cTn>
                   </p:par>
                   <p:par>
-                    <p:cTn id="13" fill="hold">
+                    <p:cTn id="22" fill="hold">
                       <p:stCondLst>
                         <p:cond delay="indefinite"/>
                       </p:stCondLst>
                       <p:childTnLst>
                         <p:par>
-                          <p:cTn id="14" fill="hold">
+                          <p:cTn id="23" fill="hold">
                             <p:stCondLst>
                               <p:cond delay="0"/>
                             </p:stCondLst>
                             <p:childTnLst>
                               <p:par>
-                                <p:cTn id="15" presetID="1" presetClass="entr" presetSubtype="0" fill="hold" nodeType="clickEffect">
+                                <p:cTn id="24" presetID="10" presetClass="entr" presetSubtype="0" fill="hold" nodeType="clickEffect">
                                   <p:stCondLst>
                                     <p:cond delay="0"/>
                                   </p:stCondLst>
                                   <p:childTnLst>
                                     <p:set>
                                       <p:cBhvr>
-                                        <p:cTn id="16" dur="1" fill="hold">
+                                        <p:cTn id="25" dur="1" fill="hold">
                                           <p:stCondLst>
                                             <p:cond delay="0"/>
                                           </p:stCondLst>
@@ -9129,6 +9396,18 @@
                                         <p:strVal val="visible"/>
                                       </p:to>
                                     </p:set>
+                                    <p:animEffect transition="in" filter="fade">
+                                      <p:cBhvr>
+                                        <p:cTn id="26" dur="500"/>
+                                        <p:tgtEl>
+                                          <p:spTgt spid="61443">
+                                            <p:txEl>
+                                              <p:pRg st="5" end="5"/>
+                                            </p:txEl>
+                                          </p:spTgt>
+                                        </p:tgtEl>
+                                      </p:cBhvr>
+                                    </p:animEffect>
                                   </p:childTnLst>
                                 </p:cTn>
                               </p:par>
@@ -9553,7 +9832,7 @@
                 <a:ea typeface="+mn-ea"/>
                 <a:cs typeface="+mn-cs"/>
               </a:rPr>
-              <a:t>lec</a:t>
+              <a:t>samplespace</a:t>
             </a:r>
             <a:r>
               <a:rPr kumimoji="0" lang="en-US" sz="1000" b="0" i="0" u="none" strike="noStrike" kern="1200" cap="none" spc="0" normalizeH="0" baseline="0" noProof="0" dirty="0" smtClean="0">
@@ -9570,7 +9849,7 @@
                 <a:ea typeface="+mn-ea"/>
                 <a:cs typeface="+mn-cs"/>
               </a:rPr>
-              <a:t> 13W.</a:t>
+              <a:t>.</a:t>
             </a:r>
             <a:fld id="{17233D2A-0857-4415-88C1-423492E69A26}" type="slidenum">
               <a:rPr kumimoji="0" lang="en-US" sz="1000" b="0" i="0" u="none" strike="noStrike" kern="1200" cap="none" spc="0" normalizeH="0" baseline="0" noProof="0" smtClean="0">
@@ -9628,7 +9907,9 @@
   <p:clrMapOvr>
     <a:masterClrMapping/>
   </p:clrMapOvr>
-  <p:transition xmlns:p14="http://schemas.microsoft.com/office/powerpoint/2010/main"/>
+  <p:transition xmlns:p14="http://schemas.microsoft.com/office/powerpoint/2010/main" spd="slow" advClick="0">
+    <p:fade thruBlk="1"/>
+  </p:transition>
   <p:timing>
     <p:tnLst>
       <p:par>
@@ -9650,7 +9931,7 @@
                             </p:stCondLst>
                             <p:childTnLst>
                               <p:par>
-                                <p:cTn id="5" presetID="1" presetClass="entr" presetSubtype="0" fill="hold" grpId="0" nodeType="clickEffect">
+                                <p:cTn id="5" presetID="10" presetClass="entr" presetSubtype="0" fill="hold" grpId="0" nodeType="clickEffect">
                                   <p:stCondLst>
                                     <p:cond delay="0"/>
                                   </p:stCondLst>
@@ -9673,6 +9954,14 @@
                                         <p:strVal val="visible"/>
                                       </p:to>
                                     </p:set>
+                                    <p:animEffect transition="in" filter="fade">
+                                      <p:cBhvr>
+                                        <p:cTn id="7" dur="500"/>
+                                        <p:tgtEl>
+                                          <p:spTgt spid="8"/>
+                                        </p:tgtEl>
+                                      </p:cBhvr>
+                                    </p:animEffect>
                                   </p:childTnLst>
                                 </p:cTn>
                               </p:par>
@@ -9683,26 +9972,26 @@
                     </p:cTn>
                   </p:par>
                   <p:par>
-                    <p:cTn id="7" fill="hold">
+                    <p:cTn id="8" fill="hold">
                       <p:stCondLst>
                         <p:cond delay="indefinite"/>
                       </p:stCondLst>
                       <p:childTnLst>
                         <p:par>
-                          <p:cTn id="8" fill="hold">
+                          <p:cTn id="9" fill="hold">
                             <p:stCondLst>
                               <p:cond delay="0"/>
                             </p:stCondLst>
                             <p:childTnLst>
                               <p:par>
-                                <p:cTn id="9" presetID="15" presetClass="entr" presetSubtype="0" fill="hold" grpId="0" nodeType="clickEffect">
+                                <p:cTn id="10" presetID="15" presetClass="entr" presetSubtype="0" fill="hold" grpId="0" nodeType="clickEffect">
                                   <p:stCondLst>
                                     <p:cond delay="0"/>
                                   </p:stCondLst>
                                   <p:childTnLst>
                                     <p:set>
                                       <p:cBhvr>
-                                        <p:cTn id="10" dur="1" fill="hold">
+                                        <p:cTn id="11" dur="1" fill="hold">
                                           <p:stCondLst>
                                             <p:cond delay="0"/>
                                           </p:stCondLst>
@@ -9720,7 +10009,7 @@
                                     </p:set>
                                     <p:anim calcmode="lin" valueType="num">
                                       <p:cBhvr>
-                                        <p:cTn id="11" dur="1000" fill="hold"/>
+                                        <p:cTn id="12" dur="1000" fill="hold"/>
                                         <p:tgtEl>
                                           <p:spTgt spid="10"/>
                                         </p:tgtEl>
@@ -9743,7 +10032,7 @@
                                     </p:anim>
                                     <p:anim calcmode="lin" valueType="num">
                                       <p:cBhvr>
-                                        <p:cTn id="12" dur="1000" fill="hold"/>
+                                        <p:cTn id="13" dur="1000" fill="hold"/>
                                         <p:tgtEl>
                                           <p:spTgt spid="10"/>
                                         </p:tgtEl>
@@ -9766,7 +10055,7 @@
                                     </p:anim>
                                     <p:anim calcmode="lin" valueType="num">
                                       <p:cBhvr>
-                                        <p:cTn id="13" dur="1000" fill="hold"/>
+                                        <p:cTn id="14" dur="1000" fill="hold"/>
                                         <p:tgtEl>
                                           <p:spTgt spid="10"/>
                                         </p:tgtEl>
@@ -9789,7 +10078,7 @@
                                     </p:anim>
                                     <p:anim calcmode="lin" valueType="num">
                                       <p:cBhvr>
-                                        <p:cTn id="14" dur="1000" fill="hold"/>
+                                        <p:cTn id="15" dur="1000" fill="hold"/>
                                         <p:tgtEl>
                                           <p:spTgt spid="10"/>
                                         </p:tgtEl>
@@ -10203,7 +10492,7 @@
                 <a:ea typeface="+mn-ea"/>
                 <a:cs typeface="+mn-cs"/>
               </a:rPr>
-              <a:t>lec</a:t>
+              <a:t>samplespace</a:t>
             </a:r>
             <a:r>
               <a:rPr kumimoji="0" lang="en-US" sz="1000" b="0" i="0" u="none" strike="noStrike" kern="1200" cap="none" spc="0" normalizeH="0" baseline="0" noProof="0" dirty="0" smtClean="0">
@@ -10220,7 +10509,7 @@
                 <a:ea typeface="+mn-ea"/>
                 <a:cs typeface="+mn-cs"/>
               </a:rPr>
-              <a:t> 13W.</a:t>
+              <a:t>.</a:t>
             </a:r>
             <a:fld id="{17233D2A-0857-4415-88C1-423492E69A26}" type="slidenum">
               <a:rPr kumimoji="0" lang="en-US" sz="1000" b="0" i="0" u="none" strike="noStrike" kern="1200" cap="none" spc="0" normalizeH="0" baseline="0" noProof="0" smtClean="0">
@@ -10278,7 +10567,9 @@
   <p:clrMapOvr>
     <a:masterClrMapping/>
   </p:clrMapOvr>
-  <p:transition xmlns:p14="http://schemas.microsoft.com/office/powerpoint/2010/main"/>
+  <p:transition xmlns:p14="http://schemas.microsoft.com/office/powerpoint/2010/main" spd="slow" advClick="0">
+    <p:fade/>
+  </p:transition>
   <p:timing>
     <p:tnLst>
       <p:par>
@@ -10470,7 +10761,7 @@
 </file>
 
 <file path=ppt/slides/slide9.xml><?xml version="1.0" encoding="utf-8"?>
-<p:sld xmlns:a="http://schemas.openxmlformats.org/drawingml/2006/main" xmlns:r="http://schemas.openxmlformats.org/officeDocument/2006/relationships" xmlns:p="http://schemas.openxmlformats.org/presentationml/2006/main" show="0">
+<p:sld xmlns:a="http://schemas.openxmlformats.org/drawingml/2006/main" xmlns:r="http://schemas.openxmlformats.org/officeDocument/2006/relationships" xmlns:p="http://schemas.openxmlformats.org/presentationml/2006/main">
   <p:cSld>
     <p:spTree>
       <p:nvGrpSpPr>
@@ -10670,9 +10961,6 @@
                 <a:ln>
                   <a:noFill/>
                 </a:ln>
-                <a:solidFill>
-                  <a:srgbClr val="0000FF"/>
-                </a:solidFill>
                 <a:effectLst/>
                 <a:uLnTx/>
                 <a:uFillTx/>
@@ -10680,16 +10968,13 @@
                 <a:ea typeface="+mn-ea"/>
                 <a:cs typeface="+mn-cs"/>
               </a:rPr>
-              <a:t>lec</a:t>
+              <a:t>samplespace</a:t>
             </a:r>
             <a:r>
               <a:rPr kumimoji="0" lang="en-US" sz="1000" b="0" i="0" u="none" strike="noStrike" kern="1200" cap="none" spc="0" normalizeH="0" baseline="0" noProof="0" dirty="0" smtClean="0">
                 <a:ln>
                   <a:noFill/>
                 </a:ln>
-                <a:solidFill>
-                  <a:srgbClr val="0000FF"/>
-                </a:solidFill>
                 <a:effectLst/>
                 <a:uLnTx/>
                 <a:uFillTx/>
@@ -10697,16 +10982,13 @@
                 <a:ea typeface="+mn-ea"/>
                 <a:cs typeface="+mn-cs"/>
               </a:rPr>
-              <a:t> 13W.</a:t>
+              <a:t>.</a:t>
             </a:r>
             <a:fld id="{17233D2A-0857-4415-88C1-423492E69A26}" type="slidenum">
               <a:rPr kumimoji="0" lang="en-US" sz="1000" b="0" i="0" u="none" strike="noStrike" kern="1200" cap="none" spc="0" normalizeH="0" baseline="0" noProof="0" smtClean="0">
                 <a:ln>
                   <a:noFill/>
                 </a:ln>
-                <a:solidFill>
-                  <a:srgbClr val="0000FF"/>
-                </a:solidFill>
                 <a:effectLst/>
                 <a:uLnTx/>
                 <a:uFillTx/>
@@ -10737,9 +11019,6 @@
               <a:ln>
                 <a:noFill/>
               </a:ln>
-              <a:solidFill>
-                <a:srgbClr val="0000FF"/>
-              </a:solidFill>
               <a:effectLst/>
               <a:uLnTx/>
               <a:uFillTx/>
@@ -10766,7 +11045,7 @@
           <a:graphicData uri="http://schemas.openxmlformats.org/presentationml/2006/ole">
             <mc:AlternateContent xmlns:mc="http://schemas.openxmlformats.org/markup-compatibility/2006">
               <mc:Choice xmlns:v="urn:schemas-microsoft-com:vml" Requires="v">
-                <p:oleObj spid="_x0000_s298004" name="Equation" r:id="rId8" imgW="2628900" imgH="1219200" progId="Equation.DSMT4">
+                <p:oleObj spid="_x0000_s298014" name="Equation" r:id="rId8" imgW="2628900" imgH="1219200" progId="Equation.DSMT4">
                   <p:embed/>
                 </p:oleObj>
               </mc:Choice>
@@ -10825,7 +11104,18 @@
   <p:clrMapOvr>
     <a:masterClrMapping/>
   </p:clrMapOvr>
-  <p:transition xmlns:p14="http://schemas.microsoft.com/office/powerpoint/2010/main"/>
+  <mc:AlternateContent xmlns:mc="http://schemas.openxmlformats.org/markup-compatibility/2006" xmlns:p14="http://schemas.microsoft.com/office/powerpoint/2010/main">
+    <mc:Choice Requires="p14">
+      <p:transition spd="med" p14:dur="600" advClick="0">
+        <p:fade/>
+      </p:transition>
+    </mc:Choice>
+    <mc:Fallback xmlns="">
+      <p:transition xmlns:p14="http://schemas.microsoft.com/office/powerpoint/2010/main" spd="med" advClick="0">
+        <p:fade/>
+      </p:transition>
+    </mc:Fallback>
+  </mc:AlternateContent>
   <p:timing>
     <p:tnLst>
       <p:par>

--- a/spring13/slides13/prob-intro-sample-space.pptx
+++ b/spring13/slides13/prob-intro-sample-space.pptx
@@ -5,10 +5,10 @@
     <p:sldMasterId id="2147483650" r:id="rId1"/>
   </p:sldMasterIdLst>
   <p:notesMasterIdLst>
-    <p:notesMasterId r:id="rId14"/>
+    <p:notesMasterId r:id="rId17"/>
   </p:notesMasterIdLst>
   <p:handoutMasterIdLst>
-    <p:handoutMasterId r:id="rId15"/>
+    <p:handoutMasterId r:id="rId18"/>
   </p:handoutMasterIdLst>
   <p:sldIdLst>
     <p:sldId id="256" r:id="rId2"/>
@@ -16,18 +16,21 @@
     <p:sldId id="292" r:id="rId4"/>
     <p:sldId id="291" r:id="rId5"/>
     <p:sldId id="279" r:id="rId6"/>
-    <p:sldId id="290" r:id="rId7"/>
-    <p:sldId id="280" r:id="rId8"/>
-    <p:sldId id="282" r:id="rId9"/>
-    <p:sldId id="288" r:id="rId10"/>
-    <p:sldId id="284" r:id="rId11"/>
-    <p:sldId id="285" r:id="rId12"/>
-    <p:sldId id="286" r:id="rId13"/>
+    <p:sldId id="293" r:id="rId7"/>
+    <p:sldId id="294" r:id="rId8"/>
+    <p:sldId id="290" r:id="rId9"/>
+    <p:sldId id="280" r:id="rId10"/>
+    <p:sldId id="282" r:id="rId11"/>
+    <p:sldId id="288" r:id="rId12"/>
+    <p:sldId id="284" r:id="rId13"/>
+    <p:sldId id="285" r:id="rId14"/>
+    <p:sldId id="286" r:id="rId15"/>
+    <p:sldId id="295" r:id="rId16"/>
   </p:sldIdLst>
   <p:sldSz cx="9144000" cy="6858000" type="screen4x3"/>
   <p:notesSz cx="9601200" cy="7315200"/>
   <p:custDataLst>
-    <p:tags r:id="rId17"/>
+    <p:tags r:id="rId20"/>
   </p:custDataLst>
   <p:defaultTextStyle>
     <a:defPPr>
@@ -985,7 +988,7 @@
       </p:grpSpPr>
       <p:sp>
         <p:nvSpPr>
-          <p:cNvPr id="60418" name="Slide Image Placeholder 1"/>
+          <p:cNvPr id="59394" name="Slide Image Placeholder 1"/>
           <p:cNvSpPr>
             <a:spLocks noGrp="1" noRot="1" noChangeAspect="1" noTextEdit="1"/>
           </p:cNvSpPr>
@@ -999,7 +1002,7 @@
       </p:sp>
       <p:sp>
         <p:nvSpPr>
-          <p:cNvPr id="60419" name="Notes Placeholder 2"/>
+          <p:cNvPr id="59395" name="Notes Placeholder 2"/>
           <p:cNvSpPr>
             <a:spLocks noGrp="1"/>
           </p:cNvSpPr>
@@ -1024,7 +1027,7 @@
       </p:sp>
       <p:sp>
         <p:nvSpPr>
-          <p:cNvPr id="60420" name="Slide Number Placeholder 3"/>
+          <p:cNvPr id="59396" name="Slide Number Placeholder 3"/>
           <p:cNvSpPr>
             <a:spLocks noGrp="1"/>
           </p:cNvSpPr>
@@ -1039,12 +1042,12 @@
           <a:bodyPr/>
           <a:lstStyle/>
           <a:p>
-            <a:fld id="{D84216D9-2207-484D-A668-F9515BC956C3}" type="slidenum">
+            <a:fld id="{7852088A-8A84-4153-A2E1-84BB242732F0}" type="slidenum">
               <a:rPr lang="en-US" smtClean="0">
                 <a:latin typeface="Times New Roman" pitchFamily="-128" charset="0"/>
               </a:rPr>
               <a:pPr/>
-              <a:t>10</a:t>
+              <a:t>11</a:t>
             </a:fld>
             <a:endParaRPr lang="en-US" smtClean="0">
               <a:latin typeface="Times New Roman" pitchFamily="-128" charset="0"/>
@@ -1054,7 +1057,7 @@
       </p:sp>
       <p:sp>
         <p:nvSpPr>
-          <p:cNvPr id="60421" name="Footer Placeholder 4"/>
+          <p:cNvPr id="59397" name="Footer Placeholder 4"/>
           <p:cNvSpPr>
             <a:spLocks noGrp="1"/>
           </p:cNvSpPr>
@@ -1102,7 +1105,7 @@
       </p:grpSpPr>
       <p:sp>
         <p:nvSpPr>
-          <p:cNvPr id="61442" name="Slide Image Placeholder 1"/>
+          <p:cNvPr id="60418" name="Slide Image Placeholder 1"/>
           <p:cNvSpPr>
             <a:spLocks noGrp="1" noRot="1" noChangeAspect="1" noTextEdit="1"/>
           </p:cNvSpPr>
@@ -1116,7 +1119,7 @@
       </p:sp>
       <p:sp>
         <p:nvSpPr>
-          <p:cNvPr id="61443" name="Notes Placeholder 2"/>
+          <p:cNvPr id="60419" name="Notes Placeholder 2"/>
           <p:cNvSpPr>
             <a:spLocks noGrp="1"/>
           </p:cNvSpPr>
@@ -1141,7 +1144,7 @@
       </p:sp>
       <p:sp>
         <p:nvSpPr>
-          <p:cNvPr id="61444" name="Slide Number Placeholder 3"/>
+          <p:cNvPr id="60420" name="Slide Number Placeholder 3"/>
           <p:cNvSpPr>
             <a:spLocks noGrp="1"/>
           </p:cNvSpPr>
@@ -1156,12 +1159,12 @@
           <a:bodyPr/>
           <a:lstStyle/>
           <a:p>
-            <a:fld id="{81E36EA3-11A4-4365-A7A4-32FAD20FE25C}" type="slidenum">
+            <a:fld id="{D84216D9-2207-484D-A668-F9515BC956C3}" type="slidenum">
               <a:rPr lang="en-US" smtClean="0">
                 <a:latin typeface="Times New Roman" pitchFamily="-128" charset="0"/>
               </a:rPr>
               <a:pPr/>
-              <a:t>11</a:t>
+              <a:t>12</a:t>
             </a:fld>
             <a:endParaRPr lang="en-US" smtClean="0">
               <a:latin typeface="Times New Roman" pitchFamily="-128" charset="0"/>
@@ -1171,7 +1174,7 @@
       </p:sp>
       <p:sp>
         <p:nvSpPr>
-          <p:cNvPr id="61445" name="Footer Placeholder 4"/>
+          <p:cNvPr id="60421" name="Footer Placeholder 4"/>
           <p:cNvSpPr>
             <a:spLocks noGrp="1"/>
           </p:cNvSpPr>
@@ -1219,6 +1222,123 @@
       </p:grpSpPr>
       <p:sp>
         <p:nvSpPr>
+          <p:cNvPr id="61442" name="Slide Image Placeholder 1"/>
+          <p:cNvSpPr>
+            <a:spLocks noGrp="1" noRot="1" noChangeAspect="1" noTextEdit="1"/>
+          </p:cNvSpPr>
+          <p:nvPr>
+            <p:ph type="sldImg"/>
+          </p:nvPr>
+        </p:nvSpPr>
+        <p:spPr>
+          <a:ln/>
+        </p:spPr>
+      </p:sp>
+      <p:sp>
+        <p:nvSpPr>
+          <p:cNvPr id="61443" name="Notes Placeholder 2"/>
+          <p:cNvSpPr>
+            <a:spLocks noGrp="1"/>
+          </p:cNvSpPr>
+          <p:nvPr>
+            <p:ph type="body" idx="1"/>
+          </p:nvPr>
+        </p:nvSpPr>
+        <p:spPr>
+          <a:noFill/>
+          <a:ln/>
+        </p:spPr>
+        <p:txBody>
+          <a:bodyPr/>
+          <a:lstStyle/>
+          <a:p>
+            <a:pPr eaLnBrk="1" hangingPunct="1"/>
+            <a:endParaRPr lang="en-US" smtClean="0">
+              <a:latin typeface="Times New Roman" pitchFamily="-128" charset="0"/>
+            </a:endParaRPr>
+          </a:p>
+        </p:txBody>
+      </p:sp>
+      <p:sp>
+        <p:nvSpPr>
+          <p:cNvPr id="61444" name="Slide Number Placeholder 3"/>
+          <p:cNvSpPr>
+            <a:spLocks noGrp="1"/>
+          </p:cNvSpPr>
+          <p:nvPr>
+            <p:ph type="sldNum" sz="quarter" idx="5"/>
+          </p:nvPr>
+        </p:nvSpPr>
+        <p:spPr>
+          <a:noFill/>
+        </p:spPr>
+        <p:txBody>
+          <a:bodyPr/>
+          <a:lstStyle/>
+          <a:p>
+            <a:fld id="{81E36EA3-11A4-4365-A7A4-32FAD20FE25C}" type="slidenum">
+              <a:rPr lang="en-US" smtClean="0">
+                <a:latin typeface="Times New Roman" pitchFamily="-128" charset="0"/>
+              </a:rPr>
+              <a:pPr/>
+              <a:t>13</a:t>
+            </a:fld>
+            <a:endParaRPr lang="en-US" smtClean="0">
+              <a:latin typeface="Times New Roman" pitchFamily="-128" charset="0"/>
+            </a:endParaRPr>
+          </a:p>
+        </p:txBody>
+      </p:sp>
+      <p:sp>
+        <p:nvSpPr>
+          <p:cNvPr id="61445" name="Footer Placeholder 4"/>
+          <p:cNvSpPr>
+            <a:spLocks noGrp="1"/>
+          </p:cNvSpPr>
+          <p:nvPr>
+            <p:ph type="ftr" sz="quarter" idx="4"/>
+          </p:nvPr>
+        </p:nvSpPr>
+        <p:spPr>
+          <a:noFill/>
+        </p:spPr>
+        <p:txBody>
+          <a:bodyPr/>
+          <a:lstStyle/>
+          <a:p>
+            <a:endParaRPr lang="en-US" smtClean="0">
+              <a:latin typeface="Times New Roman" pitchFamily="-128" charset="0"/>
+            </a:endParaRPr>
+          </a:p>
+        </p:txBody>
+      </p:sp>
+    </p:spTree>
+  </p:cSld>
+  <p:clrMapOvr>
+    <a:masterClrMapping/>
+  </p:clrMapOvr>
+</p:notes>
+</file>
+
+<file path=ppt/notesSlides/notesSlide13.xml><?xml version="1.0" encoding="utf-8"?>
+<p:notes xmlns:a="http://schemas.openxmlformats.org/drawingml/2006/main" xmlns:r="http://schemas.openxmlformats.org/officeDocument/2006/relationships" xmlns:p="http://schemas.openxmlformats.org/presentationml/2006/main">
+  <p:cSld>
+    <p:spTree>
+      <p:nvGrpSpPr>
+        <p:cNvPr id="1" name=""/>
+        <p:cNvGrpSpPr/>
+        <p:nvPr/>
+      </p:nvGrpSpPr>
+      <p:grpSpPr>
+        <a:xfrm>
+          <a:off x="0" y="0"/>
+          <a:ext cx="0" cy="0"/>
+          <a:chOff x="0" y="0"/>
+          <a:chExt cx="0" cy="0"/>
+        </a:xfrm>
+      </p:grpSpPr>
+      <p:sp>
+        <p:nvSpPr>
           <p:cNvPr id="62466" name="Slide Image Placeholder 1"/>
           <p:cNvSpPr>
             <a:spLocks noGrp="1" noRot="1" noChangeAspect="1" noTextEdit="1"/>
@@ -1278,7 +1398,7 @@
                 <a:latin typeface="Times New Roman" pitchFamily="-128" charset="0"/>
               </a:rPr>
               <a:pPr/>
-              <a:t>12</a:t>
+              <a:t>14</a:t>
             </a:fld>
             <a:endParaRPr lang="en-US" smtClean="0">
               <a:latin typeface="Times New Roman" pitchFamily="-128" charset="0"/>
@@ -1289,6 +1409,123 @@
       <p:sp>
         <p:nvSpPr>
           <p:cNvPr id="62469" name="Footer Placeholder 4"/>
+          <p:cNvSpPr>
+            <a:spLocks noGrp="1"/>
+          </p:cNvSpPr>
+          <p:nvPr>
+            <p:ph type="ftr" sz="quarter" idx="4"/>
+          </p:nvPr>
+        </p:nvSpPr>
+        <p:spPr>
+          <a:noFill/>
+        </p:spPr>
+        <p:txBody>
+          <a:bodyPr/>
+          <a:lstStyle/>
+          <a:p>
+            <a:endParaRPr lang="en-US" smtClean="0">
+              <a:latin typeface="Times New Roman" pitchFamily="-128" charset="0"/>
+            </a:endParaRPr>
+          </a:p>
+        </p:txBody>
+      </p:sp>
+    </p:spTree>
+  </p:cSld>
+  <p:clrMapOvr>
+    <a:masterClrMapping/>
+  </p:clrMapOvr>
+</p:notes>
+</file>
+
+<file path=ppt/notesSlides/notesSlide14.xml><?xml version="1.0" encoding="utf-8"?>
+<p:notes xmlns:a="http://schemas.openxmlformats.org/drawingml/2006/main" xmlns:r="http://schemas.openxmlformats.org/officeDocument/2006/relationships" xmlns:p="http://schemas.openxmlformats.org/presentationml/2006/main">
+  <p:cSld>
+    <p:spTree>
+      <p:nvGrpSpPr>
+        <p:cNvPr id="1" name=""/>
+        <p:cNvGrpSpPr/>
+        <p:nvPr/>
+      </p:nvGrpSpPr>
+      <p:grpSpPr>
+        <a:xfrm>
+          <a:off x="0" y="0"/>
+          <a:ext cx="0" cy="0"/>
+          <a:chOff x="0" y="0"/>
+          <a:chExt cx="0" cy="0"/>
+        </a:xfrm>
+      </p:grpSpPr>
+      <p:sp>
+        <p:nvSpPr>
+          <p:cNvPr id="54274" name="Slide Image Placeholder 1"/>
+          <p:cNvSpPr>
+            <a:spLocks noGrp="1" noRot="1" noChangeAspect="1" noTextEdit="1"/>
+          </p:cNvSpPr>
+          <p:nvPr>
+            <p:ph type="sldImg"/>
+          </p:nvPr>
+        </p:nvSpPr>
+        <p:spPr>
+          <a:ln/>
+        </p:spPr>
+      </p:sp>
+      <p:sp>
+        <p:nvSpPr>
+          <p:cNvPr id="54275" name="Notes Placeholder 2"/>
+          <p:cNvSpPr>
+            <a:spLocks noGrp="1"/>
+          </p:cNvSpPr>
+          <p:nvPr>
+            <p:ph type="body" idx="1"/>
+          </p:nvPr>
+        </p:nvSpPr>
+        <p:spPr>
+          <a:noFill/>
+          <a:ln/>
+        </p:spPr>
+        <p:txBody>
+          <a:bodyPr/>
+          <a:lstStyle/>
+          <a:p>
+            <a:pPr eaLnBrk="1" hangingPunct="1"/>
+            <a:endParaRPr lang="en-US" smtClean="0">
+              <a:latin typeface="Times New Roman" pitchFamily="-128" charset="0"/>
+            </a:endParaRPr>
+          </a:p>
+        </p:txBody>
+      </p:sp>
+      <p:sp>
+        <p:nvSpPr>
+          <p:cNvPr id="54276" name="Slide Number Placeholder 3"/>
+          <p:cNvSpPr>
+            <a:spLocks noGrp="1"/>
+          </p:cNvSpPr>
+          <p:nvPr>
+            <p:ph type="sldNum" sz="quarter" idx="5"/>
+          </p:nvPr>
+        </p:nvSpPr>
+        <p:spPr>
+          <a:noFill/>
+        </p:spPr>
+        <p:txBody>
+          <a:bodyPr/>
+          <a:lstStyle/>
+          <a:p>
+            <a:fld id="{4E7A7F16-B5C3-4DFA-8B9A-1F688D060C4C}" type="slidenum">
+              <a:rPr lang="en-US" smtClean="0">
+                <a:latin typeface="Times New Roman" pitchFamily="-128" charset="0"/>
+              </a:rPr>
+              <a:pPr/>
+              <a:t>15</a:t>
+            </a:fld>
+            <a:endParaRPr lang="en-US" smtClean="0">
+              <a:latin typeface="Times New Roman" pitchFamily="-128" charset="0"/>
+            </a:endParaRPr>
+          </a:p>
+        </p:txBody>
+      </p:sp>
+      <p:sp>
+        <p:nvSpPr>
+          <p:cNvPr id="54277" name="Footer Placeholder 4"/>
           <p:cNvSpPr>
             <a:spLocks noGrp="1"/>
           </p:cNvSpPr>
@@ -1804,7 +2041,7 @@
       </p:grpSpPr>
       <p:sp>
         <p:nvSpPr>
-          <p:cNvPr id="54274" name="Slide Image Placeholder 1"/>
+          <p:cNvPr id="56322" name="Slide Image Placeholder 1"/>
           <p:cNvSpPr>
             <a:spLocks noGrp="1" noRot="1" noChangeAspect="1" noTextEdit="1"/>
           </p:cNvSpPr>
@@ -1818,7 +2055,7 @@
       </p:sp>
       <p:sp>
         <p:nvSpPr>
-          <p:cNvPr id="54275" name="Notes Placeholder 2"/>
+          <p:cNvPr id="56323" name="Notes Placeholder 2"/>
           <p:cNvSpPr>
             <a:spLocks noGrp="1"/>
           </p:cNvSpPr>
@@ -1843,7 +2080,7 @@
       </p:sp>
       <p:sp>
         <p:nvSpPr>
-          <p:cNvPr id="54276" name="Slide Number Placeholder 3"/>
+          <p:cNvPr id="56324" name="Slide Number Placeholder 3"/>
           <p:cNvSpPr>
             <a:spLocks noGrp="1"/>
           </p:cNvSpPr>
@@ -1858,7 +2095,7 @@
           <a:bodyPr/>
           <a:lstStyle/>
           <a:p>
-            <a:fld id="{4E7A7F16-B5C3-4DFA-8B9A-1F688D060C4C}" type="slidenum">
+            <a:fld id="{461C3EA4-0352-4A20-8F0A-D70E14F257F1}" type="slidenum">
               <a:rPr lang="en-US" smtClean="0">
                 <a:latin typeface="Times New Roman" pitchFamily="-128" charset="0"/>
               </a:rPr>
@@ -1873,7 +2110,7 @@
       </p:sp>
       <p:sp>
         <p:nvSpPr>
-          <p:cNvPr id="54277" name="Footer Placeholder 4"/>
+          <p:cNvPr id="56325" name="Footer Placeholder 4"/>
           <p:cNvSpPr>
             <a:spLocks noGrp="1"/>
           </p:cNvSpPr>
@@ -1921,7 +2158,7 @@
       </p:grpSpPr>
       <p:sp>
         <p:nvSpPr>
-          <p:cNvPr id="57346" name="Slide Image Placeholder 1"/>
+          <p:cNvPr id="54274" name="Slide Image Placeholder 1"/>
           <p:cNvSpPr>
             <a:spLocks noGrp="1" noRot="1" noChangeAspect="1" noTextEdit="1"/>
           </p:cNvSpPr>
@@ -1935,7 +2172,7 @@
       </p:sp>
       <p:sp>
         <p:nvSpPr>
-          <p:cNvPr id="57347" name="Notes Placeholder 2"/>
+          <p:cNvPr id="54275" name="Notes Placeholder 2"/>
           <p:cNvSpPr>
             <a:spLocks noGrp="1"/>
           </p:cNvSpPr>
@@ -1960,7 +2197,7 @@
       </p:sp>
       <p:sp>
         <p:nvSpPr>
-          <p:cNvPr id="57348" name="Slide Number Placeholder 3"/>
+          <p:cNvPr id="54276" name="Slide Number Placeholder 3"/>
           <p:cNvSpPr>
             <a:spLocks noGrp="1"/>
           </p:cNvSpPr>
@@ -1975,12 +2212,12 @@
           <a:bodyPr/>
           <a:lstStyle/>
           <a:p>
-            <a:fld id="{68F6341F-3A17-49EE-BBB9-E4A3C8A3E3C4}" type="slidenum">
+            <a:fld id="{4E7A7F16-B5C3-4DFA-8B9A-1F688D060C4C}" type="slidenum">
               <a:rPr lang="en-US" smtClean="0">
                 <a:latin typeface="Times New Roman" pitchFamily="-128" charset="0"/>
               </a:rPr>
               <a:pPr/>
-              <a:t>7</a:t>
+              <a:t>8</a:t>
             </a:fld>
             <a:endParaRPr lang="en-US" smtClean="0">
               <a:latin typeface="Times New Roman" pitchFamily="-128" charset="0"/>
@@ -1990,7 +2227,7 @@
       </p:sp>
       <p:sp>
         <p:nvSpPr>
-          <p:cNvPr id="57349" name="Footer Placeholder 4"/>
+          <p:cNvPr id="54277" name="Footer Placeholder 4"/>
           <p:cNvSpPr>
             <a:spLocks noGrp="1"/>
           </p:cNvSpPr>
@@ -2038,7 +2275,7 @@
       </p:grpSpPr>
       <p:sp>
         <p:nvSpPr>
-          <p:cNvPr id="59394" name="Slide Image Placeholder 1"/>
+          <p:cNvPr id="57346" name="Slide Image Placeholder 1"/>
           <p:cNvSpPr>
             <a:spLocks noGrp="1" noRot="1" noChangeAspect="1" noTextEdit="1"/>
           </p:cNvSpPr>
@@ -2052,7 +2289,7 @@
       </p:sp>
       <p:sp>
         <p:nvSpPr>
-          <p:cNvPr id="59395" name="Notes Placeholder 2"/>
+          <p:cNvPr id="57347" name="Notes Placeholder 2"/>
           <p:cNvSpPr>
             <a:spLocks noGrp="1"/>
           </p:cNvSpPr>
@@ -2077,7 +2314,7 @@
       </p:sp>
       <p:sp>
         <p:nvSpPr>
-          <p:cNvPr id="59396" name="Slide Number Placeholder 3"/>
+          <p:cNvPr id="57348" name="Slide Number Placeholder 3"/>
           <p:cNvSpPr>
             <a:spLocks noGrp="1"/>
           </p:cNvSpPr>
@@ -2092,12 +2329,12 @@
           <a:bodyPr/>
           <a:lstStyle/>
           <a:p>
-            <a:fld id="{7852088A-8A84-4153-A2E1-84BB242732F0}" type="slidenum">
+            <a:fld id="{68F6341F-3A17-49EE-BBB9-E4A3C8A3E3C4}" type="slidenum">
               <a:rPr lang="en-US" smtClean="0">
                 <a:latin typeface="Times New Roman" pitchFamily="-128" charset="0"/>
               </a:rPr>
               <a:pPr/>
-              <a:t>8</a:t>
+              <a:t>9</a:t>
             </a:fld>
             <a:endParaRPr lang="en-US" smtClean="0">
               <a:latin typeface="Times New Roman" pitchFamily="-128" charset="0"/>
@@ -2107,7 +2344,7 @@
       </p:sp>
       <p:sp>
         <p:nvSpPr>
-          <p:cNvPr id="59397" name="Footer Placeholder 4"/>
+          <p:cNvPr id="57349" name="Footer Placeholder 4"/>
           <p:cNvSpPr>
             <a:spLocks noGrp="1"/>
           </p:cNvSpPr>
@@ -2214,7 +2451,7 @@
                 <a:latin typeface="Times New Roman" pitchFamily="-128" charset="0"/>
               </a:rPr>
               <a:pPr/>
-              <a:t>9</a:t>
+              <a:t>10</a:t>
             </a:fld>
             <a:endParaRPr lang="en-US" smtClean="0">
               <a:latin typeface="Times New Roman" pitchFamily="-128" charset="0"/>
@@ -4776,6 +5013,998 @@
       </p:grpSpPr>
       <p:sp>
         <p:nvSpPr>
+          <p:cNvPr id="27650" name="Rectangle 2"/>
+          <p:cNvSpPr>
+            <a:spLocks noGrp="1" noChangeArrowheads="1"/>
+          </p:cNvSpPr>
+          <p:nvPr>
+            <p:ph type="title"/>
+          </p:nvPr>
+        </p:nvSpPr>
+        <p:spPr>
+          <a:noFill/>
+        </p:spPr>
+        <p:txBody>
+          <a:bodyPr/>
+          <a:lstStyle/>
+          <a:p>
+            <a:pPr eaLnBrk="1" hangingPunct="1"/>
+            <a:r>
+              <a:rPr lang="en-US" sz="4400" dirty="0" smtClean="0">
+                <a:solidFill>
+                  <a:schemeClr val="tx1"/>
+                </a:solidFill>
+                <a:latin typeface="Comic Sans MS" pitchFamily="-128" charset="0"/>
+              </a:rPr>
+              <a:t>Inclusion-Exclusion</a:t>
+            </a:r>
+          </a:p>
+        </p:txBody>
+      </p:sp>
+      <p:pic>
+        <p:nvPicPr>
+          <p:cNvPr id="27651" name="Picture 3" descr="TP_tmp"/>
+          <p:cNvPicPr>
+            <a:picLocks noChangeAspect="1" noChangeArrowheads="1"/>
+          </p:cNvPicPr>
+          <p:nvPr>
+            <p:custDataLst>
+              <p:tags r:id="rId1"/>
+            </p:custDataLst>
+          </p:nvPr>
+        </p:nvPicPr>
+        <p:blipFill>
+          <a:blip r:embed="rId5">
+            <a:clrChange>
+              <a:clrFrom>
+                <a:srgbClr val="FFFFFF"/>
+              </a:clrFrom>
+              <a:clrTo>
+                <a:srgbClr val="FFFFFF">
+                  <a:alpha val="0"/>
+                </a:srgbClr>
+              </a:clrTo>
+            </a:clrChange>
+          </a:blip>
+          <a:srcRect/>
+          <a:stretch>
+            <a:fillRect/>
+          </a:stretch>
+        </p:blipFill>
+        <p:spPr bwMode="auto">
+          <a:xfrm>
+            <a:off x="5080000" y="3810000"/>
+            <a:ext cx="1588" cy="1588"/>
+          </a:xfrm>
+          <a:prstGeom prst="rect">
+            <a:avLst/>
+          </a:prstGeom>
+          <a:noFill/>
+          <a:ln w="9525">
+            <a:noFill/>
+            <a:miter lim="800000"/>
+            <a:headEnd/>
+            <a:tailEnd/>
+          </a:ln>
+        </p:spPr>
+      </p:pic>
+      <p:pic>
+        <p:nvPicPr>
+          <p:cNvPr id="27652" name="Picture 4" descr="TP_tmp"/>
+          <p:cNvPicPr>
+            <a:picLocks noChangeAspect="1" noChangeArrowheads="1"/>
+          </p:cNvPicPr>
+          <p:nvPr>
+            <p:custDataLst>
+              <p:tags r:id="rId2"/>
+            </p:custDataLst>
+          </p:nvPr>
+        </p:nvPicPr>
+        <p:blipFill>
+          <a:blip r:embed="rId6">
+            <a:clrChange>
+              <a:clrFrom>
+                <a:srgbClr val="FFFFFF"/>
+              </a:clrFrom>
+              <a:clrTo>
+                <a:srgbClr val="FFFFFF">
+                  <a:alpha val="0"/>
+                </a:srgbClr>
+              </a:clrTo>
+            </a:clrChange>
+          </a:blip>
+          <a:srcRect/>
+          <a:stretch>
+            <a:fillRect/>
+          </a:stretch>
+        </p:blipFill>
+        <p:spPr bwMode="auto">
+          <a:xfrm>
+            <a:off x="5080000" y="3810000"/>
+            <a:ext cx="1588" cy="1588"/>
+          </a:xfrm>
+          <a:prstGeom prst="rect">
+            <a:avLst/>
+          </a:prstGeom>
+          <a:noFill/>
+          <a:ln w="9525">
+            <a:noFill/>
+            <a:miter lim="800000"/>
+            <a:headEnd/>
+            <a:tailEnd/>
+          </a:ln>
+        </p:spPr>
+      </p:pic>
+      <p:sp>
+        <p:nvSpPr>
+          <p:cNvPr id="27653" name="Rectangle 7"/>
+          <p:cNvSpPr>
+            <a:spLocks noChangeArrowheads="1"/>
+          </p:cNvSpPr>
+          <p:nvPr/>
+        </p:nvSpPr>
+        <p:spPr bwMode="auto">
+          <a:xfrm>
+            <a:off x="609600" y="1143000"/>
+            <a:ext cx="7826181" cy="4524315"/>
+          </a:xfrm>
+          <a:prstGeom prst="rect">
+            <a:avLst/>
+          </a:prstGeom>
+          <a:noFill/>
+          <a:ln w="9525">
+            <a:noFill/>
+            <a:miter lim="800000"/>
+            <a:headEnd/>
+            <a:tailEnd/>
+          </a:ln>
+        </p:spPr>
+        <p:txBody>
+          <a:bodyPr wrap="none">
+            <a:spAutoFit/>
+          </a:bodyPr>
+          <a:lstStyle/>
+          <a:p>
+            <a:r>
+              <a:rPr lang="en-US" sz="9600" dirty="0" err="1" smtClean="0">
+                <a:solidFill>
+                  <a:srgbClr val="0000E5"/>
+                </a:solidFill>
+                <a:latin typeface="Comic Sans MS" pitchFamily="-128" charset="0"/>
+              </a:rPr>
+              <a:t>Pr{A</a:t>
+            </a:r>
+            <a:r>
+              <a:rPr lang="en-US" sz="9600" b="1" dirty="0" err="1" smtClean="0">
+                <a:solidFill>
+                  <a:srgbClr val="0000E5"/>
+                </a:solidFill>
+                <a:latin typeface="Comic Sans MS" pitchFamily="-128" charset="0"/>
+                <a:sym typeface="Symbol"/>
+              </a:rPr>
+              <a:t>∪</a:t>
+            </a:r>
+            <a:r>
+              <a:rPr lang="en-US" sz="9600" dirty="0" err="1" smtClean="0">
+                <a:solidFill>
+                  <a:srgbClr val="0000E5"/>
+                </a:solidFill>
+                <a:latin typeface="Comic Sans MS" pitchFamily="-128" charset="0"/>
+              </a:rPr>
+              <a:t>B</a:t>
+            </a:r>
+            <a:r>
+              <a:rPr lang="en-US" sz="9600" dirty="0" smtClean="0">
+                <a:solidFill>
+                  <a:srgbClr val="0000E5"/>
+                </a:solidFill>
+                <a:latin typeface="Comic Sans MS" pitchFamily="-128" charset="0"/>
+              </a:rPr>
+              <a:t>} =</a:t>
+            </a:r>
+          </a:p>
+          <a:p>
+            <a:r>
+              <a:rPr lang="en-US" sz="9600" dirty="0" smtClean="0">
+                <a:solidFill>
+                  <a:srgbClr val="0000E5"/>
+                </a:solidFill>
+                <a:latin typeface="Comic Sans MS" pitchFamily="-128" charset="0"/>
+              </a:rPr>
+              <a:t> Pr{A} + Pr{B}</a:t>
+            </a:r>
+          </a:p>
+          <a:p>
+            <a:r>
+              <a:rPr lang="en-US" sz="9600" dirty="0">
+                <a:solidFill>
+                  <a:srgbClr val="0000E5"/>
+                </a:solidFill>
+                <a:latin typeface="Comic Sans MS" pitchFamily="-128" charset="0"/>
+              </a:rPr>
+              <a:t> </a:t>
+            </a:r>
+            <a:r>
+              <a:rPr lang="en-US" sz="9600" dirty="0" smtClean="0">
+                <a:solidFill>
+                  <a:srgbClr val="0000E5"/>
+                </a:solidFill>
+                <a:latin typeface="Comic Sans MS" pitchFamily="-128" charset="0"/>
+              </a:rPr>
+              <a:t>  -</a:t>
+            </a:r>
+            <a:r>
+              <a:rPr lang="en-US" sz="9600" dirty="0" err="1" smtClean="0">
+                <a:solidFill>
+                  <a:srgbClr val="0000E5"/>
+                </a:solidFill>
+                <a:latin typeface="Comic Sans MS" pitchFamily="-128" charset="0"/>
+              </a:rPr>
+              <a:t>Pr{A</a:t>
+            </a:r>
+            <a:r>
+              <a:rPr lang="en-US" sz="9600" dirty="0" err="1" smtClean="0">
+                <a:solidFill>
+                  <a:srgbClr val="0000E5"/>
+                </a:solidFill>
+                <a:latin typeface="Comic Sans MS" pitchFamily="-128" charset="0"/>
+                <a:sym typeface="Symbol" pitchFamily="18" charset="2"/>
+              </a:rPr>
+              <a:t>∩</a:t>
+            </a:r>
+            <a:r>
+              <a:rPr lang="en-US" sz="9600" dirty="0" err="1" smtClean="0">
+                <a:solidFill>
+                  <a:srgbClr val="0000E5"/>
+                </a:solidFill>
+                <a:latin typeface="Comic Sans MS" pitchFamily="-128" charset="0"/>
+              </a:rPr>
+              <a:t>B</a:t>
+            </a:r>
+            <a:r>
+              <a:rPr lang="en-US" sz="9600" dirty="0" smtClean="0">
+                <a:solidFill>
+                  <a:srgbClr val="0000E5"/>
+                </a:solidFill>
+                <a:latin typeface="Comic Sans MS" pitchFamily="-128" charset="0"/>
+              </a:rPr>
+              <a:t>}</a:t>
+            </a:r>
+            <a:endParaRPr lang="en-US" sz="9600" dirty="0">
+              <a:solidFill>
+                <a:srgbClr val="0000E5"/>
+              </a:solidFill>
+              <a:latin typeface="Comic Sans MS" pitchFamily="-128" charset="0"/>
+            </a:endParaRPr>
+          </a:p>
+        </p:txBody>
+      </p:sp>
+      <p:sp>
+        <p:nvSpPr>
+          <p:cNvPr id="6" name="Rectangle 11"/>
+          <p:cNvSpPr txBox="1">
+            <a:spLocks noChangeArrowheads="1"/>
+          </p:cNvSpPr>
+          <p:nvPr/>
+        </p:nvSpPr>
+        <p:spPr bwMode="auto">
+          <a:xfrm>
+            <a:off x="6400800" y="6613525"/>
+            <a:ext cx="2667000" cy="244475"/>
+          </a:xfrm>
+          <a:prstGeom prst="rect">
+            <a:avLst/>
+          </a:prstGeom>
+          <a:noFill/>
+          <a:ln w="9525">
+            <a:noFill/>
+            <a:miter lim="800000"/>
+            <a:headEnd/>
+            <a:tailEnd/>
+          </a:ln>
+          <a:effectLst/>
+        </p:spPr>
+        <p:txBody>
+          <a:bodyPr vert="horz" wrap="square" lIns="91440" tIns="45720" rIns="91440" bIns="45720" numCol="1" anchor="t" anchorCtr="0" compatLnSpc="1">
+            <a:prstTxWarp prst="textNoShape">
+              <a:avLst/>
+            </a:prstTxWarp>
+            <a:spAutoFit/>
+          </a:bodyPr>
+          <a:lstStyle>
+            <a:lvl1pPr algn="r">
+              <a:defRPr sz="1000"/>
+            </a:lvl1pPr>
+          </a:lstStyle>
+          <a:p>
+            <a:pPr marL="0" marR="0" lvl="0" indent="0" algn="r" defTabSz="914400" rtl="0" eaLnBrk="1" fontAlgn="base" latinLnBrk="0" hangingPunct="1">
+              <a:lnSpc>
+                <a:spcPct val="100000"/>
+              </a:lnSpc>
+              <a:spcBef>
+                <a:spcPct val="0"/>
+              </a:spcBef>
+              <a:spcAft>
+                <a:spcPct val="0"/>
+              </a:spcAft>
+              <a:buClrTx/>
+              <a:buSzTx/>
+              <a:buFontTx/>
+              <a:buNone/>
+              <a:tabLst/>
+              <a:defRPr/>
+            </a:pPr>
+            <a:r>
+              <a:rPr kumimoji="0" lang="en-US" sz="1000" b="0" i="0" u="none" strike="noStrike" kern="1200" cap="none" spc="0" normalizeH="0" baseline="0" noProof="0" dirty="0" err="1" smtClean="0">
+                <a:ln>
+                  <a:noFill/>
+                </a:ln>
+                <a:solidFill>
+                  <a:schemeClr val="tx1"/>
+                </a:solidFill>
+                <a:effectLst/>
+                <a:uLnTx/>
+                <a:uFillTx/>
+                <a:latin typeface="Comic Sans MS" pitchFamily="66" charset="0"/>
+                <a:ea typeface="+mn-ea"/>
+                <a:cs typeface="+mn-cs"/>
+              </a:rPr>
+              <a:t>samplespace</a:t>
+            </a:r>
+            <a:r>
+              <a:rPr kumimoji="0" lang="en-US" sz="1000" b="0" i="0" u="none" strike="noStrike" kern="1200" cap="none" spc="0" normalizeH="0" baseline="0" noProof="0" dirty="0" smtClean="0">
+                <a:ln>
+                  <a:noFill/>
+                </a:ln>
+                <a:solidFill>
+                  <a:schemeClr val="tx1"/>
+                </a:solidFill>
+                <a:effectLst/>
+                <a:uLnTx/>
+                <a:uFillTx/>
+                <a:latin typeface="Comic Sans MS" pitchFamily="66" charset="0"/>
+                <a:ea typeface="+mn-ea"/>
+                <a:cs typeface="+mn-cs"/>
+              </a:rPr>
+              <a:t>.</a:t>
+            </a:r>
+            <a:fld id="{17233D2A-0857-4415-88C1-423492E69A26}" type="slidenum">
+              <a:rPr kumimoji="0" lang="en-US" sz="1000" b="0" i="0" u="none" strike="noStrike" kern="1200" cap="none" spc="0" normalizeH="0" baseline="0" noProof="0" smtClean="0">
+                <a:ln>
+                  <a:noFill/>
+                </a:ln>
+                <a:solidFill>
+                  <a:schemeClr val="tx1"/>
+                </a:solidFill>
+                <a:effectLst/>
+                <a:uLnTx/>
+                <a:uFillTx/>
+                <a:latin typeface="Comic Sans MS" pitchFamily="66" charset="0"/>
+                <a:ea typeface="+mn-ea"/>
+                <a:cs typeface="+mn-cs"/>
+              </a:rPr>
+              <a:pPr marL="0" marR="0" lvl="0" indent="0" algn="r" defTabSz="914400" rtl="0" eaLnBrk="1" fontAlgn="base" latinLnBrk="0" hangingPunct="1">
+                <a:lnSpc>
+                  <a:spcPct val="100000"/>
+                </a:lnSpc>
+                <a:spcBef>
+                  <a:spcPct val="0"/>
+                </a:spcBef>
+                <a:spcAft>
+                  <a:spcPct val="0"/>
+                </a:spcAft>
+                <a:buClrTx/>
+                <a:buSzTx/>
+                <a:buFontTx/>
+                <a:buNone/>
+                <a:tabLst/>
+                <a:defRPr/>
+              </a:pPr>
+              <a:t>10</a:t>
+            </a:fld>
+            <a:endParaRPr kumimoji="0" lang="en-US" sz="1000" b="0" i="0" u="none" strike="noStrike" kern="1200" cap="none" spc="0" normalizeH="0" baseline="0" noProof="0" dirty="0">
+              <a:ln>
+                <a:noFill/>
+              </a:ln>
+              <a:solidFill>
+                <a:schemeClr val="tx1"/>
+              </a:solidFill>
+              <a:effectLst/>
+              <a:uLnTx/>
+              <a:uFillTx/>
+              <a:latin typeface="Comic Sans MS" pitchFamily="66" charset="0"/>
+              <a:ea typeface="+mn-ea"/>
+              <a:cs typeface="+mn-cs"/>
+            </a:endParaRPr>
+          </a:p>
+        </p:txBody>
+      </p:sp>
+    </p:spTree>
+  </p:cSld>
+  <p:clrMapOvr>
+    <a:masterClrMapping/>
+  </p:clrMapOvr>
+  <p:transition xmlns:p14="http://schemas.microsoft.com/office/powerpoint/2010/main" spd="slow" advClick="0">
+    <p:fade/>
+  </p:transition>
+  <p:timing>
+    <p:tnLst>
+      <p:par>
+        <p:cTn xmlns:p14="http://schemas.microsoft.com/office/powerpoint/2010/main" id="1" dur="indefinite" restart="never" nodeType="tmRoot">
+          <p:childTnLst>
+            <p:seq concurrent="1" nextAc="seek">
+              <p:cTn id="2" dur="indefinite" nodeType="mainSeq">
+                <p:childTnLst>
+                  <p:par>
+                    <p:cTn id="3" fill="hold">
+                      <p:stCondLst>
+                        <p:cond delay="indefinite"/>
+                        <p:cond evt="onBegin" delay="0">
+                          <p:tn val="2"/>
+                        </p:cond>
+                      </p:stCondLst>
+                      <p:childTnLst>
+                        <p:par>
+                          <p:cTn id="4" fill="hold">
+                            <p:stCondLst>
+                              <p:cond delay="0"/>
+                            </p:stCondLst>
+                            <p:childTnLst>
+                              <p:par>
+                                <p:cTn id="5" presetID="15" presetClass="entr" presetSubtype="0" fill="hold" nodeType="afterEffect">
+                                  <p:stCondLst>
+                                    <p:cond delay="0"/>
+                                  </p:stCondLst>
+                                  <p:childTnLst>
+                                    <p:set>
+                                      <p:cBhvr>
+                                        <p:cTn id="6" dur="1" fill="hold">
+                                          <p:stCondLst>
+                                            <p:cond delay="0"/>
+                                          </p:stCondLst>
+                                        </p:cTn>
+                                        <p:tgtEl>
+                                          <p:spTgt spid="27653">
+                                            <p:txEl>
+                                              <p:pRg st="2" end="2"/>
+                                            </p:txEl>
+                                          </p:spTgt>
+                                        </p:tgtEl>
+                                        <p:attrNameLst>
+                                          <p:attrName>style.visibility</p:attrName>
+                                        </p:attrNameLst>
+                                      </p:cBhvr>
+                                      <p:to>
+                                        <p:strVal val="visible"/>
+                                      </p:to>
+                                    </p:set>
+                                    <p:anim calcmode="lin" valueType="num">
+                                      <p:cBhvr>
+                                        <p:cTn id="7" dur="1000" fill="hold"/>
+                                        <p:tgtEl>
+                                          <p:spTgt spid="27653">
+                                            <p:txEl>
+                                              <p:pRg st="2" end="2"/>
+                                            </p:txEl>
+                                          </p:spTgt>
+                                        </p:tgtEl>
+                                        <p:attrNameLst>
+                                          <p:attrName>ppt_w</p:attrName>
+                                        </p:attrNameLst>
+                                      </p:cBhvr>
+                                      <p:tavLst>
+                                        <p:tav tm="0">
+                                          <p:val>
+                                            <p:fltVal val="0"/>
+                                          </p:val>
+                                        </p:tav>
+                                        <p:tav tm="100000">
+                                          <p:val>
+                                            <p:strVal val="#ppt_w"/>
+                                          </p:val>
+                                        </p:tav>
+                                      </p:tavLst>
+                                    </p:anim>
+                                    <p:anim calcmode="lin" valueType="num">
+                                      <p:cBhvr>
+                                        <p:cTn id="8" dur="1000" fill="hold"/>
+                                        <p:tgtEl>
+                                          <p:spTgt spid="27653">
+                                            <p:txEl>
+                                              <p:pRg st="2" end="2"/>
+                                            </p:txEl>
+                                          </p:spTgt>
+                                        </p:tgtEl>
+                                        <p:attrNameLst>
+                                          <p:attrName>ppt_h</p:attrName>
+                                        </p:attrNameLst>
+                                      </p:cBhvr>
+                                      <p:tavLst>
+                                        <p:tav tm="0">
+                                          <p:val>
+                                            <p:fltVal val="0"/>
+                                          </p:val>
+                                        </p:tav>
+                                        <p:tav tm="100000">
+                                          <p:val>
+                                            <p:strVal val="#ppt_h"/>
+                                          </p:val>
+                                        </p:tav>
+                                      </p:tavLst>
+                                    </p:anim>
+                                    <p:anim calcmode="lin" valueType="num">
+                                      <p:cBhvr>
+                                        <p:cTn id="9" dur="1000" fill="hold"/>
+                                        <p:tgtEl>
+                                          <p:spTgt spid="27653">
+                                            <p:txEl>
+                                              <p:pRg st="2" end="2"/>
+                                            </p:txEl>
+                                          </p:spTgt>
+                                        </p:tgtEl>
+                                        <p:attrNameLst>
+                                          <p:attrName>ppt_x</p:attrName>
+                                        </p:attrNameLst>
+                                      </p:cBhvr>
+                                      <p:tavLst>
+                                        <p:tav tm="0" fmla="#ppt_x+(cos(-2*pi*(1-$))*-#ppt_x-sin(-2*pi*(1-$))*(1-#ppt_y))*(1-$)">
+                                          <p:val>
+                                            <p:fltVal val="0"/>
+                                          </p:val>
+                                        </p:tav>
+                                        <p:tav tm="100000">
+                                          <p:val>
+                                            <p:fltVal val="1"/>
+                                          </p:val>
+                                        </p:tav>
+                                      </p:tavLst>
+                                    </p:anim>
+                                    <p:anim calcmode="lin" valueType="num">
+                                      <p:cBhvr>
+                                        <p:cTn id="10" dur="1000" fill="hold"/>
+                                        <p:tgtEl>
+                                          <p:spTgt spid="27653">
+                                            <p:txEl>
+                                              <p:pRg st="2" end="2"/>
+                                            </p:txEl>
+                                          </p:spTgt>
+                                        </p:tgtEl>
+                                        <p:attrNameLst>
+                                          <p:attrName>ppt_y</p:attrName>
+                                        </p:attrNameLst>
+                                      </p:cBhvr>
+                                      <p:tavLst>
+                                        <p:tav tm="0" fmla="#ppt_y+(sin(-2*pi*(1-$))*-#ppt_x+cos(-2*pi*(1-$))*(1-#ppt_y))*(1-$)">
+                                          <p:val>
+                                            <p:fltVal val="0"/>
+                                          </p:val>
+                                        </p:tav>
+                                        <p:tav tm="100000">
+                                          <p:val>
+                                            <p:fltVal val="1"/>
+                                          </p:val>
+                                        </p:tav>
+                                      </p:tavLst>
+                                    </p:anim>
+                                  </p:childTnLst>
+                                </p:cTn>
+                              </p:par>
+                            </p:childTnLst>
+                          </p:cTn>
+                        </p:par>
+                      </p:childTnLst>
+                    </p:cTn>
+                  </p:par>
+                </p:childTnLst>
+              </p:cTn>
+              <p:prevCondLst>
+                <p:cond evt="onPrev" delay="0">
+                  <p:tgtEl>
+                    <p:sldTgt/>
+                  </p:tgtEl>
+                </p:cond>
+              </p:prevCondLst>
+              <p:nextCondLst>
+                <p:cond evt="onNext" delay="0">
+                  <p:tgtEl>
+                    <p:sldTgt/>
+                  </p:tgtEl>
+                </p:cond>
+              </p:nextCondLst>
+            </p:seq>
+          </p:childTnLst>
+        </p:cTn>
+      </p:par>
+    </p:tnLst>
+  </p:timing>
+</p:sld>
+</file>
+
+<file path=ppt/slides/slide11.xml><?xml version="1.0" encoding="utf-8"?>
+<p:sld xmlns:a="http://schemas.openxmlformats.org/drawingml/2006/main" xmlns:r="http://schemas.openxmlformats.org/officeDocument/2006/relationships" xmlns:p="http://schemas.openxmlformats.org/presentationml/2006/main">
+  <p:cSld>
+    <p:spTree>
+      <p:nvGrpSpPr>
+        <p:cNvPr id="1" name=""/>
+        <p:cNvGrpSpPr/>
+        <p:nvPr/>
+      </p:nvGrpSpPr>
+      <p:grpSpPr>
+        <a:xfrm>
+          <a:off x="0" y="0"/>
+          <a:ext cx="0" cy="0"/>
+          <a:chOff x="0" y="0"/>
+          <a:chExt cx="0" cy="0"/>
+        </a:xfrm>
+      </p:grpSpPr>
+      <p:sp>
+        <p:nvSpPr>
+          <p:cNvPr id="27650" name="Rectangle 2"/>
+          <p:cNvSpPr>
+            <a:spLocks noGrp="1" noChangeArrowheads="1"/>
+          </p:cNvSpPr>
+          <p:nvPr>
+            <p:ph type="title"/>
+          </p:nvPr>
+        </p:nvSpPr>
+        <p:spPr>
+          <a:noFill/>
+        </p:spPr>
+        <p:txBody>
+          <a:bodyPr/>
+          <a:lstStyle/>
+          <a:p>
+            <a:pPr eaLnBrk="1" hangingPunct="1"/>
+            <a:r>
+              <a:rPr lang="en-US" sz="4400" dirty="0" smtClean="0">
+                <a:solidFill>
+                  <a:schemeClr val="tx1"/>
+                </a:solidFill>
+                <a:latin typeface="Comic Sans MS" pitchFamily="-128" charset="0"/>
+              </a:rPr>
+              <a:t>Inclusion-Exclusion</a:t>
+            </a:r>
+          </a:p>
+        </p:txBody>
+      </p:sp>
+      <p:pic>
+        <p:nvPicPr>
+          <p:cNvPr id="27651" name="Picture 3" descr="TP_tmp"/>
+          <p:cNvPicPr>
+            <a:picLocks noChangeAspect="1" noChangeArrowheads="1"/>
+          </p:cNvPicPr>
+          <p:nvPr>
+            <p:custDataLst>
+              <p:tags r:id="rId2"/>
+            </p:custDataLst>
+          </p:nvPr>
+        </p:nvPicPr>
+        <p:blipFill>
+          <a:blip r:embed="rId6">
+            <a:clrChange>
+              <a:clrFrom>
+                <a:srgbClr val="FFFFFF"/>
+              </a:clrFrom>
+              <a:clrTo>
+                <a:srgbClr val="FFFFFF">
+                  <a:alpha val="0"/>
+                </a:srgbClr>
+              </a:clrTo>
+            </a:clrChange>
+          </a:blip>
+          <a:srcRect/>
+          <a:stretch>
+            <a:fillRect/>
+          </a:stretch>
+        </p:blipFill>
+        <p:spPr bwMode="auto">
+          <a:xfrm>
+            <a:off x="5080000" y="3810000"/>
+            <a:ext cx="1588" cy="1588"/>
+          </a:xfrm>
+          <a:prstGeom prst="rect">
+            <a:avLst/>
+          </a:prstGeom>
+          <a:noFill/>
+          <a:ln w="9525">
+            <a:noFill/>
+            <a:miter lim="800000"/>
+            <a:headEnd/>
+            <a:tailEnd/>
+          </a:ln>
+        </p:spPr>
+      </p:pic>
+      <p:pic>
+        <p:nvPicPr>
+          <p:cNvPr id="27652" name="Picture 4" descr="TP_tmp"/>
+          <p:cNvPicPr>
+            <a:picLocks noChangeAspect="1" noChangeArrowheads="1"/>
+          </p:cNvPicPr>
+          <p:nvPr>
+            <p:custDataLst>
+              <p:tags r:id="rId3"/>
+            </p:custDataLst>
+          </p:nvPr>
+        </p:nvPicPr>
+        <p:blipFill>
+          <a:blip r:embed="rId7">
+            <a:clrChange>
+              <a:clrFrom>
+                <a:srgbClr val="FFFFFF"/>
+              </a:clrFrom>
+              <a:clrTo>
+                <a:srgbClr val="FFFFFF">
+                  <a:alpha val="0"/>
+                </a:srgbClr>
+              </a:clrTo>
+            </a:clrChange>
+          </a:blip>
+          <a:srcRect/>
+          <a:stretch>
+            <a:fillRect/>
+          </a:stretch>
+        </p:blipFill>
+        <p:spPr bwMode="auto">
+          <a:xfrm>
+            <a:off x="5080000" y="3810000"/>
+            <a:ext cx="1588" cy="1588"/>
+          </a:xfrm>
+          <a:prstGeom prst="rect">
+            <a:avLst/>
+          </a:prstGeom>
+          <a:noFill/>
+          <a:ln w="9525">
+            <a:noFill/>
+            <a:miter lim="800000"/>
+            <a:headEnd/>
+            <a:tailEnd/>
+          </a:ln>
+        </p:spPr>
+      </p:pic>
+      <p:sp>
+        <p:nvSpPr>
+          <p:cNvPr id="6" name="Rectangle 11"/>
+          <p:cNvSpPr txBox="1">
+            <a:spLocks noChangeArrowheads="1"/>
+          </p:cNvSpPr>
+          <p:nvPr/>
+        </p:nvSpPr>
+        <p:spPr bwMode="auto">
+          <a:xfrm>
+            <a:off x="6400800" y="6613525"/>
+            <a:ext cx="2667000" cy="244475"/>
+          </a:xfrm>
+          <a:prstGeom prst="rect">
+            <a:avLst/>
+          </a:prstGeom>
+          <a:noFill/>
+          <a:ln w="9525">
+            <a:noFill/>
+            <a:miter lim="800000"/>
+            <a:headEnd/>
+            <a:tailEnd/>
+          </a:ln>
+          <a:effectLst/>
+        </p:spPr>
+        <p:txBody>
+          <a:bodyPr vert="horz" wrap="square" lIns="91440" tIns="45720" rIns="91440" bIns="45720" numCol="1" anchor="t" anchorCtr="0" compatLnSpc="1">
+            <a:prstTxWarp prst="textNoShape">
+              <a:avLst/>
+            </a:prstTxWarp>
+            <a:spAutoFit/>
+          </a:bodyPr>
+          <a:lstStyle>
+            <a:lvl1pPr algn="r">
+              <a:defRPr sz="1000"/>
+            </a:lvl1pPr>
+          </a:lstStyle>
+          <a:p>
+            <a:pPr marL="0" marR="0" lvl="0" indent="0" algn="r" defTabSz="914400" rtl="0" eaLnBrk="1" fontAlgn="base" latinLnBrk="0" hangingPunct="1">
+              <a:lnSpc>
+                <a:spcPct val="100000"/>
+              </a:lnSpc>
+              <a:spcBef>
+                <a:spcPct val="0"/>
+              </a:spcBef>
+              <a:spcAft>
+                <a:spcPct val="0"/>
+              </a:spcAft>
+              <a:buClrTx/>
+              <a:buSzTx/>
+              <a:buFontTx/>
+              <a:buNone/>
+              <a:tabLst/>
+              <a:defRPr/>
+            </a:pPr>
+            <a:r>
+              <a:rPr kumimoji="0" lang="en-US" sz="1000" b="0" i="0" u="none" strike="noStrike" kern="1200" cap="none" spc="0" normalizeH="0" baseline="0" noProof="0" dirty="0" err="1" smtClean="0">
+                <a:ln>
+                  <a:noFill/>
+                </a:ln>
+                <a:effectLst/>
+                <a:uLnTx/>
+                <a:uFillTx/>
+                <a:latin typeface="Comic Sans MS" pitchFamily="66" charset="0"/>
+                <a:ea typeface="+mn-ea"/>
+                <a:cs typeface="+mn-cs"/>
+              </a:rPr>
+              <a:t>samplespace</a:t>
+            </a:r>
+            <a:r>
+              <a:rPr kumimoji="0" lang="en-US" sz="1000" b="0" i="0" u="none" strike="noStrike" kern="1200" cap="none" spc="0" normalizeH="0" baseline="0" noProof="0" dirty="0" smtClean="0">
+                <a:ln>
+                  <a:noFill/>
+                </a:ln>
+                <a:effectLst/>
+                <a:uLnTx/>
+                <a:uFillTx/>
+                <a:latin typeface="Comic Sans MS" pitchFamily="66" charset="0"/>
+                <a:ea typeface="+mn-ea"/>
+                <a:cs typeface="+mn-cs"/>
+              </a:rPr>
+              <a:t>.</a:t>
+            </a:r>
+            <a:fld id="{17233D2A-0857-4415-88C1-423492E69A26}" type="slidenum">
+              <a:rPr kumimoji="0" lang="en-US" sz="1000" b="0" i="0" u="none" strike="noStrike" kern="1200" cap="none" spc="0" normalizeH="0" baseline="0" noProof="0" smtClean="0">
+                <a:ln>
+                  <a:noFill/>
+                </a:ln>
+                <a:effectLst/>
+                <a:uLnTx/>
+                <a:uFillTx/>
+                <a:latin typeface="Comic Sans MS" pitchFamily="66" charset="0"/>
+                <a:ea typeface="+mn-ea"/>
+                <a:cs typeface="+mn-cs"/>
+              </a:rPr>
+              <a:pPr marL="0" marR="0" lvl="0" indent="0" algn="r" defTabSz="914400" rtl="0" eaLnBrk="1" fontAlgn="base" latinLnBrk="0" hangingPunct="1">
+                <a:lnSpc>
+                  <a:spcPct val="100000"/>
+                </a:lnSpc>
+                <a:spcBef>
+                  <a:spcPct val="0"/>
+                </a:spcBef>
+                <a:spcAft>
+                  <a:spcPct val="0"/>
+                </a:spcAft>
+                <a:buClrTx/>
+                <a:buSzTx/>
+                <a:buFontTx/>
+                <a:buNone/>
+                <a:tabLst/>
+                <a:defRPr/>
+              </a:pPr>
+              <a:t>11</a:t>
+            </a:fld>
+            <a:endParaRPr kumimoji="0" lang="en-US" sz="1000" b="0" i="0" u="none" strike="noStrike" kern="1200" cap="none" spc="0" normalizeH="0" baseline="0" noProof="0" dirty="0">
+              <a:ln>
+                <a:noFill/>
+              </a:ln>
+              <a:effectLst/>
+              <a:uLnTx/>
+              <a:uFillTx/>
+              <a:latin typeface="Comic Sans MS" pitchFamily="66" charset="0"/>
+              <a:ea typeface="+mn-ea"/>
+              <a:cs typeface="+mn-cs"/>
+            </a:endParaRPr>
+          </a:p>
+        </p:txBody>
+      </p:sp>
+      <p:graphicFrame>
+        <p:nvGraphicFramePr>
+          <p:cNvPr id="7" name="Object 6"/>
+          <p:cNvGraphicFramePr>
+            <a:graphicFrameLocks noChangeAspect="1"/>
+          </p:cNvGraphicFramePr>
+          <p:nvPr/>
+        </p:nvGraphicFramePr>
+        <p:xfrm>
+          <a:off x="207169" y="1447800"/>
+          <a:ext cx="8708231" cy="4038600"/>
+        </p:xfrm>
+        <a:graphic>
+          <a:graphicData uri="http://schemas.openxmlformats.org/presentationml/2006/ole">
+            <mc:AlternateContent xmlns:mc="http://schemas.openxmlformats.org/markup-compatibility/2006">
+              <mc:Choice xmlns:v="urn:schemas-microsoft-com:vml" Requires="v">
+                <p:oleObj spid="_x0000_s298017" name="Equation" r:id="rId8" imgW="2628900" imgH="1219200" progId="Equation.DSMT4">
+                  <p:embed/>
+                </p:oleObj>
+              </mc:Choice>
+              <mc:Fallback>
+                <p:oleObj name="Equation" r:id="rId8" imgW="2628900" imgH="1219200" progId="Equation.DSMT4">
+                  <p:embed/>
+                  <p:pic>
+                    <p:nvPicPr>
+                      <p:cNvPr id="0" name="Picture 2"/>
+                      <p:cNvPicPr>
+                        <a:picLocks noChangeAspect="1" noChangeArrowheads="1"/>
+                      </p:cNvPicPr>
+                      <p:nvPr/>
+                    </p:nvPicPr>
+                    <p:blipFill>
+                      <a:blip r:embed="rId9">
+                        <a:extLst>
+                          <a:ext uri="{28A0092B-C50C-407E-A947-70E740481C1C}">
+                            <a14:useLocalDpi xmlns:a14="http://schemas.microsoft.com/office/drawing/2010/main" val="0"/>
+                          </a:ext>
+                        </a:extLst>
+                      </a:blip>
+                      <a:srcRect/>
+                      <a:stretch>
+                        <a:fillRect/>
+                      </a:stretch>
+                    </p:blipFill>
+                    <p:spPr bwMode="auto">
+                      <a:xfrm>
+                        <a:off x="207169" y="1447800"/>
+                        <a:ext cx="8708231" cy="4038600"/>
+                      </a:xfrm>
+                      <a:prstGeom prst="rect">
+                        <a:avLst/>
+                      </a:prstGeom>
+                      <a:noFill/>
+                      <a:extLst>
+                        <a:ext uri="{909E8E84-426E-40dd-AFC4-6F175D3DCCD1}">
+                          <a14:hiddenFill xmlns:a14="http://schemas.microsoft.com/office/drawing/2010/main">
+                            <a:solidFill>
+                              <a:srgbClr val="FFFFFF"/>
+                            </a:solidFill>
+                          </a14:hiddenFill>
+                        </a:ext>
+                      </a:extLst>
+                    </p:spPr>
+                  </p:pic>
+                </p:oleObj>
+              </mc:Fallback>
+            </mc:AlternateContent>
+          </a:graphicData>
+        </a:graphic>
+      </p:graphicFrame>
+    </p:spTree>
+  </p:cSld>
+  <p:clrMapOvr>
+    <a:masterClrMapping/>
+  </p:clrMapOvr>
+  <mc:AlternateContent xmlns:mc="http://schemas.openxmlformats.org/markup-compatibility/2006" xmlns:p14="http://schemas.microsoft.com/office/powerpoint/2010/main">
+    <mc:Choice Requires="p14">
+      <p:transition spd="med" p14:dur="600" advClick="0">
+        <p:fade/>
+      </p:transition>
+    </mc:Choice>
+    <mc:Fallback xmlns="">
+      <p:transition xmlns:p14="http://schemas.microsoft.com/office/powerpoint/2010/main" spd="med" advClick="0">
+        <p:fade/>
+      </p:transition>
+    </mc:Fallback>
+  </mc:AlternateContent>
+  <p:timing>
+    <p:tnLst>
+      <p:par>
+        <p:cTn xmlns:p14="http://schemas.microsoft.com/office/powerpoint/2010/main" id="1" dur="indefinite" restart="never" nodeType="tmRoot"/>
+      </p:par>
+    </p:tnLst>
+  </p:timing>
+</p:sld>
+</file>
+
+<file path=ppt/slides/slide12.xml><?xml version="1.0" encoding="utf-8"?>
+<p:sld xmlns:a="http://schemas.openxmlformats.org/drawingml/2006/main" xmlns:r="http://schemas.openxmlformats.org/officeDocument/2006/relationships" xmlns:p="http://schemas.openxmlformats.org/presentationml/2006/main">
+  <p:cSld>
+    <p:spTree>
+      <p:nvGrpSpPr>
+        <p:cNvPr id="1" name=""/>
+        <p:cNvGrpSpPr/>
+        <p:nvPr/>
+      </p:nvGrpSpPr>
+      <p:grpSpPr>
+        <a:xfrm>
+          <a:off x="0" y="0"/>
+          <a:ext cx="0" cy="0"/>
+          <a:chOff x="0" y="0"/>
+          <a:chExt cx="0" cy="0"/>
+        </a:xfrm>
+      </p:grpSpPr>
+      <p:sp>
+        <p:nvSpPr>
           <p:cNvPr id="28674" name="Rectangle 2"/>
           <p:cNvSpPr>
             <a:spLocks noGrp="1" noChangeArrowheads="1"/>
@@ -4854,7 +6083,7 @@
           <a:graphicData uri="http://schemas.openxmlformats.org/presentationml/2006/ole">
             <mc:AlternateContent xmlns:mc="http://schemas.openxmlformats.org/markup-compatibility/2006">
               <mc:Choice xmlns:v="urn:schemas-microsoft-com:vml" Requires="v">
-                <p:oleObj spid="_x0000_s249886" name="Equation" r:id="rId4" imgW="1002960" imgH="457200" progId="Equation.DSMT4">
+                <p:oleObj spid="_x0000_s249889" name="Equation" r:id="rId4" imgW="1002960" imgH="457200" progId="Equation.DSMT4">
                   <p:embed/>
                 </p:oleObj>
               </mc:Choice>
@@ -5029,7 +6258,7 @@
                 <a:tabLst/>
                 <a:defRPr/>
               </a:pPr>
-              <a:t>10</a:t>
+              <a:t>12</a:t>
             </a:fld>
             <a:endParaRPr kumimoji="0" lang="en-US" sz="1000" b="0" i="0" u="none" strike="noStrike" kern="1200" cap="none" spc="0" normalizeH="0" baseline="0" noProof="0" dirty="0">
               <a:ln>
@@ -5229,7 +6458,7 @@
 </p:sld>
 </file>
 
-<file path=ppt/slides/slide11.xml><?xml version="1.0" encoding="utf-8"?>
+<file path=ppt/slides/slide13.xml><?xml version="1.0" encoding="utf-8"?>
 <p:sld xmlns:a="http://schemas.openxmlformats.org/drawingml/2006/main" xmlns:r="http://schemas.openxmlformats.org/officeDocument/2006/relationships" xmlns:p="http://schemas.openxmlformats.org/presentationml/2006/main">
   <p:cSld>
     <p:spTree>
@@ -5518,7 +6747,7 @@
                 <a:tabLst/>
                 <a:defRPr/>
               </a:pPr>
-              <a:t>11</a:t>
+              <a:t>13</a:t>
             </a:fld>
             <a:endParaRPr kumimoji="0" lang="en-US" sz="1000" b="0" i="0" u="none" strike="noStrike" kern="1200" cap="none" spc="0" normalizeH="0" baseline="0" noProof="0" dirty="0">
               <a:ln>
@@ -5555,7 +6784,7 @@
 </p:sld>
 </file>
 
-<file path=ppt/slides/slide12.xml><?xml version="1.0" encoding="utf-8"?>
+<file path=ppt/slides/slide14.xml><?xml version="1.0" encoding="utf-8"?>
 <p:sld xmlns:a="http://schemas.openxmlformats.org/drawingml/2006/main" xmlns:r="http://schemas.openxmlformats.org/officeDocument/2006/relationships" xmlns:p="http://schemas.openxmlformats.org/presentationml/2006/main">
   <p:cSld>
     <p:spTree>
@@ -5799,7 +7028,7 @@
           <p:nvPr>
             <p:extLst>
               <p:ext uri="{D42A27DB-BD31-4B8C-83A1-F6EECF244321}">
-                <p14:modId xmlns:p14="http://schemas.microsoft.com/office/powerpoint/2010/main" val="3422076811"/>
+                <p14:modId xmlns:p14="http://schemas.microsoft.com/office/powerpoint/2010/main" val="976109127"/>
               </p:ext>
             </p:extLst>
           </p:nvPr>
@@ -5812,7 +7041,7 @@
           <a:graphicData uri="http://schemas.openxmlformats.org/presentationml/2006/ole">
             <mc:AlternateContent xmlns:mc="http://schemas.openxmlformats.org/markup-compatibility/2006">
               <mc:Choice xmlns:v="urn:schemas-microsoft-com:vml" Requires="v">
-                <p:oleObj spid="_x0000_s250914" name="Equation" r:id="rId12" imgW="1460500" imgH="495300" progId="Equation.DSMT4">
+                <p:oleObj spid="_x0000_s250921" name="Equation" r:id="rId12" imgW="1460500" imgH="495300" progId="Equation.DSMT4">
                   <p:embed/>
                 </p:oleObj>
               </mc:Choice>
@@ -5981,7 +7210,7 @@
                 <a:tabLst/>
                 <a:defRPr/>
               </a:pPr>
-              <a:t>12</a:t>
+              <a:t>14</a:t>
             </a:fld>
             <a:endParaRPr kumimoji="0" lang="en-US" sz="1000" b="0" i="0" u="none" strike="noStrike" kern="1200" cap="none" spc="0" normalizeH="0" baseline="0" noProof="0" dirty="0">
               <a:ln>
@@ -6022,7 +7251,7 @@
           <a:graphicData uri="http://schemas.openxmlformats.org/presentationml/2006/ole">
             <mc:AlternateContent xmlns:mc="http://schemas.openxmlformats.org/markup-compatibility/2006">
               <mc:Choice xmlns:v="urn:schemas-microsoft-com:vml" Requires="v">
-                <p:oleObj spid="_x0000_s250915" name="Equation" r:id="rId14" imgW="1219200" imgH="292100" progId="Equation.DSMT4">
+                <p:oleObj spid="_x0000_s250922" name="Equation" r:id="rId14" imgW="1219200" imgH="292100" progId="Equation.DSMT4">
                   <p:embed/>
                 </p:oleObj>
               </mc:Choice>
@@ -6111,9 +7340,710 @@
                                     </p:set>
                                     <p:animEffect transition="in" filter="wipe(left)">
                                       <p:cBhvr>
-                                        <p:cTn id="7" dur="2000"/>
+                                        <p:cTn id="7" dur="1000"/>
                                         <p:tgtEl>
                                           <p:spTgt spid="9"/>
+                                        </p:tgtEl>
+                                      </p:cBhvr>
+                                    </p:animEffect>
+                                  </p:childTnLst>
+                                </p:cTn>
+                              </p:par>
+                            </p:childTnLst>
+                          </p:cTn>
+                        </p:par>
+                      </p:childTnLst>
+                    </p:cTn>
+                  </p:par>
+                </p:childTnLst>
+              </p:cTn>
+              <p:prevCondLst>
+                <p:cond evt="onPrev" delay="0">
+                  <p:tgtEl>
+                    <p:sldTgt/>
+                  </p:tgtEl>
+                </p:cond>
+              </p:prevCondLst>
+              <p:nextCondLst>
+                <p:cond evt="onNext" delay="0">
+                  <p:tgtEl>
+                    <p:sldTgt/>
+                  </p:tgtEl>
+                </p:cond>
+              </p:nextCondLst>
+            </p:seq>
+          </p:childTnLst>
+        </p:cTn>
+      </p:par>
+    </p:tnLst>
+  </p:timing>
+</p:sld>
+</file>
+
+<file path=ppt/slides/slide15.xml><?xml version="1.0" encoding="utf-8"?>
+<p:sld xmlns:a="http://schemas.openxmlformats.org/drawingml/2006/main" xmlns:r="http://schemas.openxmlformats.org/officeDocument/2006/relationships" xmlns:p="http://schemas.openxmlformats.org/presentationml/2006/main">
+  <p:cSld>
+    <p:spTree>
+      <p:nvGrpSpPr>
+        <p:cNvPr id="1" name=""/>
+        <p:cNvGrpSpPr/>
+        <p:nvPr/>
+      </p:nvGrpSpPr>
+      <p:grpSpPr>
+        <a:xfrm>
+          <a:off x="0" y="0"/>
+          <a:ext cx="0" cy="0"/>
+          <a:chOff x="0" y="0"/>
+          <a:chExt cx="0" cy="0"/>
+        </a:xfrm>
+      </p:grpSpPr>
+      <p:sp>
+        <p:nvSpPr>
+          <p:cNvPr id="22530" name="Rectangle 2"/>
+          <p:cNvSpPr>
+            <a:spLocks noGrp="1" noChangeArrowheads="1"/>
+          </p:cNvSpPr>
+          <p:nvPr>
+            <p:ph type="title"/>
+          </p:nvPr>
+        </p:nvSpPr>
+        <p:spPr>
+          <a:xfrm>
+            <a:off x="1828800" y="304800"/>
+            <a:ext cx="5410200" cy="914400"/>
+          </a:xfrm>
+          <a:noFill/>
+        </p:spPr>
+        <p:txBody>
+          <a:bodyPr/>
+          <a:lstStyle/>
+          <a:p>
+            <a:pPr eaLnBrk="1" hangingPunct="1"/>
+            <a:r>
+              <a:rPr lang="en-US" sz="4400" dirty="0" smtClean="0">
+                <a:latin typeface="Comic Sans MS" pitchFamily="-128" charset="0"/>
+              </a:rPr>
+              <a:t>Probability Spaces</a:t>
+            </a:r>
+          </a:p>
+        </p:txBody>
+      </p:sp>
+      <p:sp>
+        <p:nvSpPr>
+          <p:cNvPr id="61443" name="Rectangle 3"/>
+          <p:cNvSpPr>
+            <a:spLocks noGrp="1" noChangeArrowheads="1"/>
+          </p:cNvSpPr>
+          <p:nvPr>
+            <p:ph type="body" idx="4294967295"/>
+          </p:nvPr>
+        </p:nvSpPr>
+        <p:spPr bwMode="auto">
+          <a:xfrm>
+            <a:off x="304800" y="1219200"/>
+            <a:ext cx="8458200" cy="5257800"/>
+          </a:xfrm>
+          <a:prstGeom prst="rect">
+            <a:avLst/>
+          </a:prstGeom>
+          <a:noFill/>
+          <a:ln>
+            <a:miter lim="800000"/>
+            <a:headEnd/>
+            <a:tailEnd/>
+          </a:ln>
+        </p:spPr>
+        <p:txBody>
+          <a:bodyPr/>
+          <a:lstStyle/>
+          <a:p>
+            <a:pPr marL="609600" indent="-609600" eaLnBrk="1" hangingPunct="1">
+              <a:lnSpc>
+                <a:spcPct val="90000"/>
+              </a:lnSpc>
+              <a:buFontTx/>
+              <a:buAutoNum type="arabicParenR"/>
+            </a:pPr>
+            <a:r>
+              <a:rPr lang="en-US" sz="4400" dirty="0" smtClean="0">
+                <a:latin typeface="Comic Sans MS" pitchFamily="-128" charset="0"/>
+              </a:rPr>
+              <a:t> </a:t>
+            </a:r>
+            <a:r>
+              <a:rPr lang="en-US" sz="4400" dirty="0" smtClean="0">
+                <a:solidFill>
+                  <a:srgbClr val="0000FF"/>
+                </a:solidFill>
+                <a:latin typeface="Comic Sans MS" pitchFamily="-128" charset="0"/>
+              </a:rPr>
+              <a:t>Sample space</a:t>
+            </a:r>
+            <a:r>
+              <a:rPr lang="en-US" sz="4400" dirty="0" smtClean="0">
+                <a:latin typeface="Comic Sans MS" pitchFamily="-128" charset="0"/>
+              </a:rPr>
+              <a:t>: a </a:t>
+            </a:r>
+            <a:r>
+              <a:rPr lang="en-US" sz="4400" dirty="0" smtClean="0">
+                <a:solidFill>
+                  <a:srgbClr val="008000"/>
+                </a:solidFill>
+                <a:latin typeface="Comic Sans MS" pitchFamily="-128" charset="0"/>
+              </a:rPr>
+              <a:t>countable</a:t>
+            </a:r>
+            <a:r>
+              <a:rPr lang="en-US" sz="4400" dirty="0" smtClean="0">
+                <a:latin typeface="Comic Sans MS" pitchFamily="-128" charset="0"/>
+              </a:rPr>
+              <a:t> </a:t>
+            </a:r>
+            <a:r>
+              <a:rPr lang="en-US" sz="4400" dirty="0" smtClean="0">
+                <a:latin typeface="Comic Sans MS" pitchFamily="-128" charset="0"/>
+              </a:rPr>
+              <a:t>set</a:t>
+            </a:r>
+            <a:r>
+              <a:rPr lang="en-US" sz="4400" b="1" dirty="0" smtClean="0">
+                <a:latin typeface="Comic Sans MS" pitchFamily="-128" charset="0"/>
+              </a:rPr>
+              <a:t> </a:t>
+            </a:r>
+            <a:r>
+              <a:rPr lang="en-US" sz="4400" b="1" dirty="0" smtClean="0">
+                <a:solidFill>
+                  <a:srgbClr val="0000E5"/>
+                </a:solidFill>
+                <a:latin typeface="Comic Sans MS" pitchFamily="-128" charset="0"/>
+                <a:sym typeface="Euclid Math One" pitchFamily="18" charset="2"/>
+              </a:rPr>
+              <a:t></a:t>
+            </a:r>
+            <a:r>
+              <a:rPr lang="en-US" sz="4400" dirty="0" smtClean="0">
+                <a:latin typeface="Comic Sans MS" pitchFamily="-128" charset="0"/>
+                <a:sym typeface="Euclid Math One" pitchFamily="18" charset="2"/>
+              </a:rPr>
+              <a:t> </a:t>
+            </a:r>
+            <a:r>
+              <a:rPr lang="en-US" sz="4400" dirty="0" smtClean="0">
+                <a:latin typeface="Comic Sans MS" pitchFamily="-128" charset="0"/>
+                <a:sym typeface="Euclid Math One" pitchFamily="18" charset="2"/>
+              </a:rPr>
+              <a:t>whose elements are called </a:t>
+            </a:r>
+            <a:r>
+              <a:rPr lang="en-US" sz="4400" dirty="0" smtClean="0">
+                <a:solidFill>
+                  <a:srgbClr val="0000FF"/>
+                </a:solidFill>
+                <a:latin typeface="Comic Sans MS" pitchFamily="-128" charset="0"/>
+                <a:sym typeface="Euclid Math One" pitchFamily="18" charset="2"/>
+              </a:rPr>
+              <a:t>outcomes</a:t>
+            </a:r>
+            <a:endParaRPr lang="en-US" sz="4400" i="1" dirty="0" smtClean="0">
+              <a:latin typeface="Comic Sans MS" pitchFamily="-128" charset="0"/>
+              <a:sym typeface="Euclid Math One" pitchFamily="18" charset="2"/>
+            </a:endParaRPr>
+          </a:p>
+          <a:p>
+            <a:pPr marL="609600" indent="-609600" eaLnBrk="1" hangingPunct="1">
+              <a:lnSpc>
+                <a:spcPct val="90000"/>
+              </a:lnSpc>
+              <a:buFontTx/>
+              <a:buAutoNum type="arabicParenR"/>
+            </a:pPr>
+            <a:r>
+              <a:rPr lang="en-US" sz="4400" dirty="0" smtClean="0">
+                <a:latin typeface="Comic Sans MS" pitchFamily="-128" charset="0"/>
+                <a:sym typeface="Euclid Math One" pitchFamily="18" charset="2"/>
+              </a:rPr>
+              <a:t> </a:t>
+            </a:r>
+            <a:r>
+              <a:rPr lang="en-US" sz="4400" dirty="0" smtClean="0">
+                <a:solidFill>
+                  <a:srgbClr val="0000FF"/>
+                </a:solidFill>
+                <a:latin typeface="Comic Sans MS" pitchFamily="-128" charset="0"/>
+                <a:sym typeface="Euclid Math One" pitchFamily="18" charset="2"/>
+              </a:rPr>
+              <a:t>Probability function,</a:t>
+            </a:r>
+            <a:r>
+              <a:rPr lang="en-US" sz="4400" dirty="0" smtClean="0">
+                <a:solidFill>
+                  <a:schemeClr val="accent2"/>
+                </a:solidFill>
+                <a:latin typeface="Comic Sans MS" pitchFamily="-128" charset="0"/>
+                <a:sym typeface="Euclid Math One" pitchFamily="18" charset="2"/>
+              </a:rPr>
+              <a:t> </a:t>
+            </a:r>
+          </a:p>
+          <a:p>
+            <a:pPr marL="609600" indent="-609600" eaLnBrk="1" hangingPunct="1">
+              <a:lnSpc>
+                <a:spcPct val="90000"/>
+              </a:lnSpc>
+              <a:buNone/>
+            </a:pPr>
+            <a:r>
+              <a:rPr lang="en-US" sz="4800" dirty="0" smtClean="0">
+                <a:solidFill>
+                  <a:srgbClr val="0000FF"/>
+                </a:solidFill>
+                <a:latin typeface="Comic Sans MS" pitchFamily="-128" charset="0"/>
+                <a:sym typeface="Euclid Math One" pitchFamily="18" charset="2"/>
+              </a:rPr>
+              <a:t>     Pr:</a:t>
+            </a:r>
+            <a:r>
+              <a:rPr lang="en-US" sz="4800" dirty="0" smtClean="0">
+                <a:solidFill>
+                  <a:srgbClr val="0000FF"/>
+                </a:solidFill>
+                <a:latin typeface="Brush Script MT Italic"/>
+                <a:cs typeface="Brush Script MT Italic"/>
+                <a:sym typeface="Euclid Math One" pitchFamily="18" charset="2"/>
+              </a:rPr>
+              <a:t> </a:t>
+            </a:r>
+            <a:r>
+              <a:rPr lang="en-US" sz="4800" b="1" dirty="0" smtClean="0">
+                <a:solidFill>
+                  <a:srgbClr val="0000FF"/>
+                </a:solidFill>
+                <a:latin typeface="Comic Sans MS" pitchFamily="-128" charset="0"/>
+                <a:sym typeface="Euclid Math One" pitchFamily="18" charset="2"/>
+              </a:rPr>
+              <a:t></a:t>
+            </a:r>
+            <a:r>
+              <a:rPr lang="en-US" sz="4800" b="1" dirty="0" smtClean="0">
+                <a:solidFill>
+                  <a:srgbClr val="0000FF"/>
+                </a:solidFill>
+                <a:latin typeface="Euclid Symbol" charset="2"/>
+                <a:cs typeface="Euclid Symbol" charset="2"/>
+                <a:sym typeface="Symbol" pitchFamily="18" charset="2"/>
+              </a:rPr>
+              <a:t>→</a:t>
+            </a:r>
+            <a:r>
+              <a:rPr lang="en-US" sz="4800" dirty="0" smtClean="0">
+                <a:solidFill>
+                  <a:srgbClr val="0000FF"/>
+                </a:solidFill>
+                <a:latin typeface="Comic Sans MS" pitchFamily="-128" charset="0"/>
+                <a:sym typeface="Symbol" pitchFamily="18" charset="2"/>
+              </a:rPr>
+              <a:t>[0, 1]</a:t>
+            </a:r>
+            <a:r>
+              <a:rPr lang="en-US" sz="4800" dirty="0" smtClean="0">
+                <a:solidFill>
+                  <a:schemeClr val="tx2"/>
+                </a:solidFill>
+                <a:latin typeface="Comic Sans MS" pitchFamily="-128" charset="0"/>
+                <a:sym typeface="Symbol" pitchFamily="18" charset="2"/>
+              </a:rPr>
+              <a:t>,</a:t>
+            </a:r>
+            <a:r>
+              <a:rPr lang="en-US" sz="4800" dirty="0" smtClean="0">
+                <a:solidFill>
+                  <a:srgbClr val="0000FF"/>
+                </a:solidFill>
+                <a:latin typeface="Comic Sans MS" pitchFamily="-128" charset="0"/>
+                <a:sym typeface="Symbol" pitchFamily="18" charset="2"/>
+              </a:rPr>
+              <a:t>  </a:t>
+            </a:r>
+            <a:r>
+              <a:rPr lang="en-US" sz="4800" dirty="0" smtClean="0">
+                <a:solidFill>
+                  <a:schemeClr val="tx2"/>
+                </a:solidFill>
+                <a:latin typeface="Comic Sans MS" pitchFamily="-128" charset="0"/>
+                <a:sym typeface="Symbol" pitchFamily="18" charset="2"/>
+              </a:rPr>
+              <a:t> such tha</a:t>
+            </a:r>
+            <a:r>
+              <a:rPr lang="en-US" sz="4400" dirty="0" smtClean="0">
+                <a:latin typeface="Comic Sans MS" pitchFamily="-128" charset="0"/>
+                <a:sym typeface="Symbol" pitchFamily="18" charset="2"/>
+              </a:rPr>
+              <a:t>t </a:t>
+            </a:r>
+          </a:p>
+        </p:txBody>
+      </p:sp>
+      <p:sp>
+        <p:nvSpPr>
+          <p:cNvPr id="4" name="Rectangle 11"/>
+          <p:cNvSpPr txBox="1">
+            <a:spLocks noChangeArrowheads="1"/>
+          </p:cNvSpPr>
+          <p:nvPr/>
+        </p:nvSpPr>
+        <p:spPr bwMode="auto">
+          <a:xfrm>
+            <a:off x="6400800" y="6613525"/>
+            <a:ext cx="2667000" cy="244475"/>
+          </a:xfrm>
+          <a:prstGeom prst="rect">
+            <a:avLst/>
+          </a:prstGeom>
+          <a:noFill/>
+          <a:ln w="9525">
+            <a:noFill/>
+            <a:miter lim="800000"/>
+            <a:headEnd/>
+            <a:tailEnd/>
+          </a:ln>
+          <a:effectLst/>
+        </p:spPr>
+        <p:txBody>
+          <a:bodyPr vert="horz" wrap="square" lIns="91440" tIns="45720" rIns="91440" bIns="45720" numCol="1" anchor="t" anchorCtr="0" compatLnSpc="1">
+            <a:prstTxWarp prst="textNoShape">
+              <a:avLst/>
+            </a:prstTxWarp>
+            <a:spAutoFit/>
+          </a:bodyPr>
+          <a:lstStyle>
+            <a:lvl1pPr algn="r">
+              <a:defRPr sz="1000"/>
+            </a:lvl1pPr>
+          </a:lstStyle>
+          <a:p>
+            <a:pPr marL="0" marR="0" lvl="0" indent="0" algn="r" defTabSz="914400" rtl="0" eaLnBrk="1" fontAlgn="base" latinLnBrk="0" hangingPunct="1">
+              <a:lnSpc>
+                <a:spcPct val="100000"/>
+              </a:lnSpc>
+              <a:spcBef>
+                <a:spcPct val="0"/>
+              </a:spcBef>
+              <a:spcAft>
+                <a:spcPct val="0"/>
+              </a:spcAft>
+              <a:buClrTx/>
+              <a:buSzTx/>
+              <a:buFontTx/>
+              <a:buNone/>
+              <a:tabLst/>
+              <a:defRPr/>
+            </a:pPr>
+            <a:r>
+              <a:rPr kumimoji="0" lang="en-US" sz="1000" b="0" i="0" u="none" strike="noStrike" kern="1200" cap="none" spc="0" normalizeH="0" baseline="0" noProof="0" dirty="0" err="1" smtClean="0">
+                <a:ln>
+                  <a:noFill/>
+                </a:ln>
+                <a:solidFill>
+                  <a:schemeClr val="tx1"/>
+                </a:solidFill>
+                <a:effectLst/>
+                <a:uLnTx/>
+                <a:uFillTx/>
+                <a:latin typeface="Comic Sans MS" pitchFamily="66" charset="0"/>
+                <a:ea typeface="+mn-ea"/>
+                <a:cs typeface="+mn-cs"/>
+              </a:rPr>
+              <a:t>samplespace</a:t>
+            </a:r>
+            <a:r>
+              <a:rPr kumimoji="0" lang="en-US" sz="1000" b="0" i="0" u="none" strike="noStrike" kern="1200" cap="none" spc="0" normalizeH="0" baseline="0" noProof="0" dirty="0" smtClean="0">
+                <a:ln>
+                  <a:noFill/>
+                </a:ln>
+                <a:solidFill>
+                  <a:schemeClr val="tx1"/>
+                </a:solidFill>
+                <a:effectLst/>
+                <a:uLnTx/>
+                <a:uFillTx/>
+                <a:latin typeface="Comic Sans MS" pitchFamily="66" charset="0"/>
+                <a:ea typeface="+mn-ea"/>
+                <a:cs typeface="+mn-cs"/>
+              </a:rPr>
+              <a:t>.</a:t>
+            </a:r>
+            <a:fld id="{17233D2A-0857-4415-88C1-423492E69A26}" type="slidenum">
+              <a:rPr kumimoji="0" lang="en-US" sz="1000" b="0" i="0" u="none" strike="noStrike" kern="1200" cap="none" spc="0" normalizeH="0" baseline="0" noProof="0" smtClean="0">
+                <a:ln>
+                  <a:noFill/>
+                </a:ln>
+                <a:solidFill>
+                  <a:schemeClr val="tx1"/>
+                </a:solidFill>
+                <a:effectLst/>
+                <a:uLnTx/>
+                <a:uFillTx/>
+                <a:latin typeface="Comic Sans MS" pitchFamily="66" charset="0"/>
+                <a:ea typeface="+mn-ea"/>
+                <a:cs typeface="+mn-cs"/>
+              </a:rPr>
+              <a:pPr marL="0" marR="0" lvl="0" indent="0" algn="r" defTabSz="914400" rtl="0" eaLnBrk="1" fontAlgn="base" latinLnBrk="0" hangingPunct="1">
+                <a:lnSpc>
+                  <a:spcPct val="100000"/>
+                </a:lnSpc>
+                <a:spcBef>
+                  <a:spcPct val="0"/>
+                </a:spcBef>
+                <a:spcAft>
+                  <a:spcPct val="0"/>
+                </a:spcAft>
+                <a:buClrTx/>
+                <a:buSzTx/>
+                <a:buFontTx/>
+                <a:buNone/>
+                <a:tabLst/>
+                <a:defRPr/>
+              </a:pPr>
+              <a:t>15</a:t>
+            </a:fld>
+            <a:endParaRPr kumimoji="0" lang="en-US" sz="1000" b="0" i="0" u="none" strike="noStrike" kern="1200" cap="none" spc="0" normalizeH="0" baseline="0" noProof="0" dirty="0">
+              <a:ln>
+                <a:noFill/>
+              </a:ln>
+              <a:solidFill>
+                <a:schemeClr val="tx1"/>
+              </a:solidFill>
+              <a:effectLst/>
+              <a:uLnTx/>
+              <a:uFillTx/>
+              <a:latin typeface="Comic Sans MS" pitchFamily="66" charset="0"/>
+              <a:ea typeface="+mn-ea"/>
+              <a:cs typeface="+mn-cs"/>
+            </a:endParaRPr>
+          </a:p>
+        </p:txBody>
+      </p:sp>
+      <p:graphicFrame>
+        <p:nvGraphicFramePr>
+          <p:cNvPr id="5" name="Object 4"/>
+          <p:cNvGraphicFramePr>
+            <a:graphicFrameLocks noChangeAspect="1"/>
+          </p:cNvGraphicFramePr>
+          <p:nvPr>
+            <p:extLst>
+              <p:ext uri="{D42A27DB-BD31-4B8C-83A1-F6EECF244321}">
+                <p14:modId xmlns:p14="http://schemas.microsoft.com/office/powerpoint/2010/main" val="1281112569"/>
+              </p:ext>
+            </p:extLst>
+          </p:nvPr>
+        </p:nvGraphicFramePr>
+        <p:xfrm>
+          <a:off x="2133600" y="4557713"/>
+          <a:ext cx="4344988" cy="1862137"/>
+        </p:xfrm>
+        <a:graphic>
+          <a:graphicData uri="http://schemas.openxmlformats.org/presentationml/2006/ole">
+            <mc:AlternateContent xmlns:mc="http://schemas.openxmlformats.org/markup-compatibility/2006">
+              <mc:Choice xmlns:v="urn:schemas-microsoft-com:vml" Requires="v">
+                <p:oleObj spid="_x0000_s333826" name="Equation" r:id="rId4" imgW="889000" imgH="381000" progId="Equation.DSMT4">
+                  <p:embed/>
+                </p:oleObj>
+              </mc:Choice>
+              <mc:Fallback>
+                <p:oleObj name="Equation" r:id="rId4" imgW="889000" imgH="381000" progId="Equation.DSMT4">
+                  <p:embed/>
+                  <p:pic>
+                    <p:nvPicPr>
+                      <p:cNvPr id="0" name=""/>
+                      <p:cNvPicPr>
+                        <a:picLocks noChangeAspect="1" noChangeArrowheads="1"/>
+                      </p:cNvPicPr>
+                      <p:nvPr/>
+                    </p:nvPicPr>
+                    <p:blipFill>
+                      <a:blip r:embed="rId5"/>
+                      <a:srcRect/>
+                      <a:stretch>
+                        <a:fillRect/>
+                      </a:stretch>
+                    </p:blipFill>
+                    <p:spPr bwMode="auto">
+                      <a:xfrm>
+                        <a:off x="2133600" y="4557713"/>
+                        <a:ext cx="4344988" cy="1862137"/>
+                      </a:xfrm>
+                      <a:prstGeom prst="rect">
+                        <a:avLst/>
+                      </a:prstGeom>
+                      <a:noFill/>
+                      <a:extLst>
+                        <a:ext uri="{909E8E84-426E-40dd-AFC4-6F175D3DCCD1}">
+                          <a14:hiddenFill xmlns:a14="http://schemas.microsoft.com/office/drawing/2010/main">
+                            <a:solidFill>
+                              <a:srgbClr val="FFFFFF"/>
+                            </a:solidFill>
+                          </a14:hiddenFill>
+                        </a:ext>
+                      </a:extLst>
+                    </p:spPr>
+                  </p:pic>
+                </p:oleObj>
+              </mc:Fallback>
+            </mc:AlternateContent>
+          </a:graphicData>
+        </a:graphic>
+      </p:graphicFrame>
+    </p:spTree>
+    <p:extLst>
+      <p:ext uri="{BB962C8B-B14F-4D97-AF65-F5344CB8AC3E}">
+        <p14:creationId xmlns:p14="http://schemas.microsoft.com/office/powerpoint/2010/main" val="3587131129"/>
+      </p:ext>
+    </p:extLst>
+  </p:cSld>
+  <p:clrMapOvr>
+    <a:masterClrMapping/>
+  </p:clrMapOvr>
+  <p:transition xmlns:p14="http://schemas.microsoft.com/office/powerpoint/2010/main" spd="slow" advClick="0">
+    <p:fade thruBlk="1"/>
+  </p:transition>
+  <p:timing>
+    <p:tnLst>
+      <p:par>
+        <p:cTn xmlns:p14="http://schemas.microsoft.com/office/powerpoint/2010/main" id="1" dur="indefinite" restart="never" nodeType="tmRoot">
+          <p:childTnLst>
+            <p:seq concurrent="1" nextAc="seek">
+              <p:cTn id="2" dur="indefinite" nodeType="mainSeq">
+                <p:childTnLst>
+                  <p:par>
+                    <p:cTn id="3" fill="hold">
+                      <p:stCondLst>
+                        <p:cond delay="indefinite"/>
+                      </p:stCondLst>
+                      <p:childTnLst>
+                        <p:par>
+                          <p:cTn id="4" fill="hold">
+                            <p:stCondLst>
+                              <p:cond delay="0"/>
+                            </p:stCondLst>
+                            <p:childTnLst>
+                              <p:par>
+                                <p:cTn id="5" presetID="10" presetClass="entr" presetSubtype="0" fill="hold" nodeType="clickEffect">
+                                  <p:stCondLst>
+                                    <p:cond delay="0"/>
+                                  </p:stCondLst>
+                                  <p:childTnLst>
+                                    <p:set>
+                                      <p:cBhvr>
+                                        <p:cTn id="6" dur="1" fill="hold">
+                                          <p:stCondLst>
+                                            <p:cond delay="0"/>
+                                          </p:stCondLst>
+                                        </p:cTn>
+                                        <p:tgtEl>
+                                          <p:spTgt spid="61443">
+                                            <p:txEl>
+                                              <p:pRg st="1" end="1"/>
+                                            </p:txEl>
+                                          </p:spTgt>
+                                        </p:tgtEl>
+                                        <p:attrNameLst>
+                                          <p:attrName>style.visibility</p:attrName>
+                                        </p:attrNameLst>
+                                      </p:cBhvr>
+                                      <p:to>
+                                        <p:strVal val="visible"/>
+                                      </p:to>
+                                    </p:set>
+                                    <p:animEffect transition="in" filter="fade">
+                                      <p:cBhvr>
+                                        <p:cTn id="7" dur="500"/>
+                                        <p:tgtEl>
+                                          <p:spTgt spid="61443">
+                                            <p:txEl>
+                                              <p:pRg st="1" end="1"/>
+                                            </p:txEl>
+                                          </p:spTgt>
+                                        </p:tgtEl>
+                                      </p:cBhvr>
+                                    </p:animEffect>
+                                  </p:childTnLst>
+                                </p:cTn>
+                              </p:par>
+                              <p:par>
+                                <p:cTn id="8" presetID="10" presetClass="entr" presetSubtype="0" fill="hold" nodeType="withEffect">
+                                  <p:stCondLst>
+                                    <p:cond delay="0"/>
+                                  </p:stCondLst>
+                                  <p:childTnLst>
+                                    <p:set>
+                                      <p:cBhvr>
+                                        <p:cTn id="9" dur="1" fill="hold">
+                                          <p:stCondLst>
+                                            <p:cond delay="0"/>
+                                          </p:stCondLst>
+                                        </p:cTn>
+                                        <p:tgtEl>
+                                          <p:spTgt spid="61443">
+                                            <p:txEl>
+                                              <p:pRg st="2" end="2"/>
+                                            </p:txEl>
+                                          </p:spTgt>
+                                        </p:tgtEl>
+                                        <p:attrNameLst>
+                                          <p:attrName>style.visibility</p:attrName>
+                                        </p:attrNameLst>
+                                      </p:cBhvr>
+                                      <p:to>
+                                        <p:strVal val="visible"/>
+                                      </p:to>
+                                    </p:set>
+                                    <p:animEffect transition="in" filter="fade">
+                                      <p:cBhvr>
+                                        <p:cTn id="10" dur="500"/>
+                                        <p:tgtEl>
+                                          <p:spTgt spid="61443">
+                                            <p:txEl>
+                                              <p:pRg st="2" end="2"/>
+                                            </p:txEl>
+                                          </p:spTgt>
+                                        </p:tgtEl>
+                                      </p:cBhvr>
+                                    </p:animEffect>
+                                  </p:childTnLst>
+                                </p:cTn>
+                              </p:par>
+                              <p:par>
+                                <p:cTn id="11" presetID="10" presetClass="entr" presetSubtype="0" fill="hold" nodeType="withEffect">
+                                  <p:stCondLst>
+                                    <p:cond delay="0"/>
+                                  </p:stCondLst>
+                                  <p:childTnLst>
+                                    <p:set>
+                                      <p:cBhvr>
+                                        <p:cTn id="12" dur="1" fill="hold">
+                                          <p:stCondLst>
+                                            <p:cond delay="0"/>
+                                          </p:stCondLst>
+                                        </p:cTn>
+                                        <p:tgtEl>
+                                          <p:spTgt spid="5"/>
+                                        </p:tgtEl>
+                                        <p:attrNameLst>
+                                          <p:attrName>style.visibility</p:attrName>
+                                        </p:attrNameLst>
+                                      </p:cBhvr>
+                                      <p:to>
+                                        <p:strVal val="visible"/>
+                                      </p:to>
+                                    </p:set>
+                                    <p:animEffect transition="in" filter="fade">
+                                      <p:cBhvr>
+                                        <p:cTn id="13" dur="500"/>
+                                        <p:tgtEl>
+                                          <p:spTgt spid="5"/>
                                         </p:tgtEl>
                                       </p:cBhvr>
                                     </p:animEffect>
@@ -6269,7 +8199,13 @@
               <a:rPr lang="en-US" sz="4400" dirty="0" smtClean="0">
                 <a:latin typeface="Comic Sans MS" pitchFamily="-128" charset="0"/>
               </a:rPr>
-              <a:t> set,</a:t>
+              <a:t> </a:t>
+            </a:r>
+            <a:r>
+              <a:rPr lang="en-US" sz="4400" dirty="0" smtClean="0">
+                <a:latin typeface="Comic Sans MS" pitchFamily="-128" charset="0"/>
+              </a:rPr>
+              <a:t>set</a:t>
             </a:r>
             <a:r>
               <a:rPr lang="en-US" sz="4400" b="1" dirty="0" smtClean="0">
@@ -6292,25 +8228,29 @@
                 <a:latin typeface="Comic Sans MS" pitchFamily="-128" charset="0"/>
                 <a:sym typeface="Euclid Math One" pitchFamily="18" charset="2"/>
               </a:rPr>
-              <a:t>, whose elements are called </a:t>
+              <a:t> </a:t>
             </a:r>
             <a:r>
               <a:rPr lang="en-US" sz="4400" dirty="0" smtClean="0">
-                <a:solidFill>
-                  <a:srgbClr val="0000FF"/>
-                </a:solidFill>
                 <a:latin typeface="Comic Sans MS" pitchFamily="-128" charset="0"/>
                 <a:sym typeface="Euclid Math One" pitchFamily="18" charset="2"/>
               </a:rPr>
-              <a:t>outcomes</a:t>
-            </a:r>
-            <a:r>
-              <a:rPr lang="en-US" sz="4400" i="1" dirty="0" smtClean="0">
+              <a:t>whose elements are called </a:t>
+            </a:r>
+            <a:r>
+              <a:rPr lang="en-US" sz="4400" dirty="0" smtClean="0">
+                <a:solidFill>
+                  <a:srgbClr val="0000FF"/>
+                </a:solidFill>
                 <a:latin typeface="Comic Sans MS" pitchFamily="-128" charset="0"/>
                 <a:sym typeface="Euclid Math One" pitchFamily="18" charset="2"/>
               </a:rPr>
-              <a:t>.</a:t>
-            </a:r>
+              <a:t>outcomes</a:t>
+            </a:r>
+            <a:endParaRPr lang="en-US" sz="4400" i="1" dirty="0" smtClean="0">
+              <a:latin typeface="Comic Sans MS" pitchFamily="-128" charset="0"/>
+              <a:sym typeface="Euclid Math One" pitchFamily="18" charset="2"/>
+            </a:endParaRPr>
           </a:p>
           <a:p>
             <a:pPr marL="609600" indent="-609600" eaLnBrk="1" hangingPunct="1">
@@ -6593,22 +8533,28 @@
           <p:cNvGraphicFramePr>
             <a:graphicFrameLocks noChangeAspect="1"/>
           </p:cNvGraphicFramePr>
-          <p:nvPr/>
+          <p:nvPr>
+            <p:extLst>
+              <p:ext uri="{D42A27DB-BD31-4B8C-83A1-F6EECF244321}">
+                <p14:modId xmlns:p14="http://schemas.microsoft.com/office/powerpoint/2010/main" val="1477232105"/>
+              </p:ext>
+            </p:extLst>
+          </p:nvPr>
         </p:nvGraphicFramePr>
         <p:xfrm>
-          <a:off x="2071688" y="4495800"/>
-          <a:ext cx="4468812" cy="1985963"/>
+          <a:off x="2133600" y="4557713"/>
+          <a:ext cx="4344988" cy="1862137"/>
         </p:xfrm>
         <a:graphic>
           <a:graphicData uri="http://schemas.openxmlformats.org/presentationml/2006/ole">
             <mc:AlternateContent xmlns:mc="http://schemas.openxmlformats.org/markup-compatibility/2006">
               <mc:Choice xmlns:v="urn:schemas-microsoft-com:vml" Requires="v">
-                <p:oleObj spid="_x0000_s283681" name="Equation" r:id="rId4" imgW="914400" imgH="406400" progId="Equation.DSMT4">
+                <p:oleObj spid="_x0000_s283684" name="Equation" r:id="rId4" imgW="889000" imgH="381000" progId="Equation.DSMT4">
                   <p:embed/>
                 </p:oleObj>
               </mc:Choice>
               <mc:Fallback>
-                <p:oleObj name="Equation" r:id="rId4" imgW="914400" imgH="406400" progId="Equation.DSMT4">
+                <p:oleObj name="Equation" r:id="rId4" imgW="889000" imgH="381000" progId="Equation.DSMT4">
                   <p:embed/>
                   <p:pic>
                     <p:nvPicPr>
@@ -6619,13 +8565,7 @@
                       <p:nvPr/>
                     </p:nvPicPr>
                     <p:blipFill>
-                      <a:blip r:embed="rId5">
-                        <a:extLst>
-                          <a:ext uri="{28A0092B-C50C-407E-A947-70E740481C1C}">
-                            <a14:useLocalDpi xmlns:a14="http://schemas.microsoft.com/office/drawing/2010/main" val="0"/>
-                          </a:ext>
-                        </a:extLst>
-                      </a:blip>
+                      <a:blip r:embed="rId5"/>
                       <a:srcRect/>
                       <a:stretch>
                         <a:fillRect/>
@@ -6633,8 +8573,8 @@
                     </p:blipFill>
                     <p:spPr bwMode="auto">
                       <a:xfrm>
-                        <a:off x="2071688" y="4495800"/>
-                        <a:ext cx="4468812" cy="1985963"/>
+                        <a:off x="2133600" y="4557713"/>
+                        <a:ext cx="4344988" cy="1862137"/>
                       </a:xfrm>
                       <a:prstGeom prst="rect">
                         <a:avLst/>
@@ -7706,7 +9646,7 @@
           <a:graphicData uri="http://schemas.openxmlformats.org/presentationml/2006/ole">
             <mc:AlternateContent xmlns:mc="http://schemas.openxmlformats.org/markup-compatibility/2006">
               <mc:Choice xmlns:v="urn:schemas-microsoft-com:vml" Requires="v">
-                <p:oleObj spid="_x0000_s332830" name="Equation" r:id="rId4" imgW="1295400" imgH="406400" progId="Equation.DSMT4">
+                <p:oleObj spid="_x0000_s332833" name="Equation" r:id="rId4" imgW="1295400" imgH="406400" progId="Equation.DSMT4">
                   <p:embed/>
                 </p:oleObj>
               </mc:Choice>
@@ -8014,7 +9954,7 @@
             <a:r>
               <a:rPr lang="en-US" sz="4800" dirty="0" err="1">
                 <a:solidFill>
-                  <a:srgbClr val="B90195"/>
+                  <a:srgbClr val="FF00FF"/>
                 </a:solidFill>
                 <a:latin typeface="Comic Sans MS" pitchFamily="-128" charset="0"/>
               </a:rPr>
@@ -8023,20 +9963,11 @@
             <a:r>
               <a:rPr lang="en-US" sz="4800" dirty="0">
                 <a:solidFill>
-                  <a:srgbClr val="B90195"/>
+                  <a:srgbClr val="FF00FF"/>
                 </a:solidFill>
                 <a:latin typeface="Comic Sans MS" pitchFamily="-128" charset="0"/>
               </a:rPr>
-              <a:t> disjoin</a:t>
-            </a:r>
-            <a:r>
-              <a:rPr lang="en-US" sz="4800" dirty="0">
-                <a:solidFill>
-                  <a:schemeClr val="accent6"/>
-                </a:solidFill>
-                <a:latin typeface="Comic Sans MS" pitchFamily="-128" charset="0"/>
-              </a:rPr>
-              <a:t>t</a:t>
+              <a:t> disjoint</a:t>
             </a:r>
             <a:r>
               <a:rPr lang="en-US" sz="4800" dirty="0">
@@ -8149,7 +10080,7 @@
           <a:graphicData uri="http://schemas.openxmlformats.org/presentationml/2006/ole">
             <mc:AlternateContent xmlns:mc="http://schemas.openxmlformats.org/markup-compatibility/2006">
               <mc:Choice xmlns:v="urn:schemas-microsoft-com:vml" Requires="v">
-                <p:oleObj spid="_x0000_s247839" name="Equation" r:id="rId4" imgW="1943100" imgH="558800" progId="Equation.DSMT4">
+                <p:oleObj spid="_x0000_s247842" name="Equation" r:id="rId4" imgW="1943100" imgH="558800" progId="Equation.DSMT4">
                   <p:embed/>
                 </p:oleObj>
               </mc:Choice>
@@ -8569,7 +10500,7 @@
 </file>
 
 <file path=ppt/slides/slide6.xml><?xml version="1.0" encoding="utf-8"?>
-<p:sld xmlns:a="http://schemas.openxmlformats.org/drawingml/2006/main" xmlns:r="http://schemas.openxmlformats.org/officeDocument/2006/relationships" xmlns:p="http://schemas.openxmlformats.org/presentationml/2006/main" show="0">
+<p:sld xmlns:a="http://schemas.openxmlformats.org/drawingml/2006/main" xmlns:r="http://schemas.openxmlformats.org/officeDocument/2006/relationships" xmlns:p="http://schemas.openxmlformats.org/presentationml/2006/main">
   <p:cSld>
     <p:spTree>
       <p:nvGrpSpPr>
@@ -8587,7 +10518,7 @@
       </p:grpSpPr>
       <p:sp>
         <p:nvSpPr>
-          <p:cNvPr id="22530" name="Rectangle 2"/>
+          <p:cNvPr id="24578" name="Rectangle 2"/>
           <p:cNvSpPr>
             <a:spLocks noGrp="1" noChangeArrowheads="1"/>
           </p:cNvSpPr>
@@ -8597,8 +10528,8 @@
         </p:nvSpPr>
         <p:spPr>
           <a:xfrm>
-            <a:off x="1828800" y="304800"/>
-            <a:ext cx="5410200" cy="914400"/>
+            <a:off x="2819400" y="228600"/>
+            <a:ext cx="3581400" cy="1066800"/>
           </a:xfrm>
           <a:noFill/>
         </p:spPr>
@@ -8608,366 +10539,234 @@
           <a:p>
             <a:pPr eaLnBrk="1" hangingPunct="1"/>
             <a:r>
-              <a:rPr lang="en-US" sz="4400" dirty="0" smtClean="0">
+              <a:rPr lang="en-US" sz="4800" dirty="0" smtClean="0">
+                <a:solidFill>
+                  <a:schemeClr val="tx1"/>
+                </a:solidFill>
                 <a:latin typeface="Comic Sans MS" pitchFamily="-128" charset="0"/>
               </a:rPr>
-              <a:t>Probability Spaces</a:t>
+              <a:t>Sum Rule</a:t>
             </a:r>
           </a:p>
         </p:txBody>
       </p:sp>
       <p:sp>
         <p:nvSpPr>
-          <p:cNvPr id="61443" name="Rectangle 3"/>
-          <p:cNvSpPr>
-            <a:spLocks noGrp="1" noChangeArrowheads="1"/>
+          <p:cNvPr id="24579" name="Text Box 4"/>
+          <p:cNvSpPr txBox="1">
+            <a:spLocks noChangeArrowheads="1"/>
           </p:cNvSpPr>
-          <p:nvPr>
-            <p:ph type="body" idx="4294967295"/>
-          </p:nvPr>
+          <p:nvPr/>
         </p:nvSpPr>
         <p:spPr bwMode="auto">
           <a:xfrm>
-            <a:off x="152400" y="1143000"/>
-            <a:ext cx="8763000" cy="5029200"/>
+            <a:off x="228600" y="1447800"/>
+            <a:ext cx="8534400" cy="823913"/>
           </a:xfrm>
           <a:prstGeom prst="rect">
             <a:avLst/>
           </a:prstGeom>
           <a:noFill/>
-          <a:ln>
+          <a:ln w="9525">
+            <a:noFill/>
             <a:miter lim="800000"/>
             <a:headEnd/>
             <a:tailEnd/>
           </a:ln>
         </p:spPr>
         <p:txBody>
-          <a:bodyPr/>
+          <a:bodyPr>
+            <a:spAutoFit/>
+          </a:bodyPr>
           <a:lstStyle/>
           <a:p>
-            <a:pPr marL="609600" indent="-609600" eaLnBrk="1" hangingPunct="1">
-              <a:lnSpc>
-                <a:spcPct val="90000"/>
-              </a:lnSpc>
-              <a:buFontTx/>
-              <a:buAutoNum type="arabicParenR"/>
-            </a:pPr>
-            <a:r>
-              <a:rPr lang="en-US" sz="4400" dirty="0" smtClean="0">
+            <a:r>
+              <a:rPr lang="en-US" sz="4800" dirty="0">
                 <a:latin typeface="Comic Sans MS" pitchFamily="-128" charset="0"/>
               </a:rPr>
+              <a:t>For</a:t>
+            </a:r>
+            <a:r>
+              <a:rPr lang="en-US" sz="4800" dirty="0">
+                <a:solidFill>
+                  <a:schemeClr val="accent6"/>
+                </a:solidFill>
+                <a:latin typeface="Comic Sans MS" pitchFamily="-128" charset="0"/>
+              </a:rPr>
               <a:t> </a:t>
             </a:r>
             <a:r>
-              <a:rPr lang="en-US" sz="4400" dirty="0" smtClean="0">
+              <a:rPr lang="en-US" sz="4800" dirty="0" err="1">
+                <a:solidFill>
+                  <a:srgbClr val="FF00FF"/>
+                </a:solidFill>
+                <a:latin typeface="Comic Sans MS" pitchFamily="-128" charset="0"/>
+              </a:rPr>
+              <a:t>pairwise</a:t>
+            </a:r>
+            <a:r>
+              <a:rPr lang="en-US" sz="4800" dirty="0">
+                <a:solidFill>
+                  <a:srgbClr val="FF00FF"/>
+                </a:solidFill>
+                <a:latin typeface="Comic Sans MS" pitchFamily="-128" charset="0"/>
+              </a:rPr>
+              <a:t> disjoint</a:t>
+            </a:r>
+            <a:r>
+              <a:rPr lang="en-US" sz="4800" dirty="0">
+                <a:latin typeface="Comic Sans MS" pitchFamily="-128" charset="0"/>
+              </a:rPr>
+              <a:t> </a:t>
+            </a:r>
+            <a:r>
+              <a:rPr lang="en-US" sz="4800" dirty="0">
                 <a:solidFill>
                   <a:srgbClr val="0000FF"/>
                 </a:solidFill>
                 <a:latin typeface="Comic Sans MS" pitchFamily="-128" charset="0"/>
               </a:rPr>
-              <a:t>Sample space</a:t>
-            </a:r>
-            <a:r>
-              <a:rPr lang="en-US" sz="4400" dirty="0">
+              <a:t>A</a:t>
+            </a:r>
+            <a:r>
+              <a:rPr lang="en-US" sz="4800" baseline="-25000" dirty="0">
+                <a:solidFill>
+                  <a:srgbClr val="0000FF"/>
+                </a:solidFill>
                 <a:latin typeface="Comic Sans MS" pitchFamily="-128" charset="0"/>
               </a:rPr>
-              <a:t> </a:t>
-            </a:r>
-            <a:r>
-              <a:rPr lang="en-US" sz="4400" b="1" dirty="0" smtClean="0">
-                <a:solidFill>
-                  <a:srgbClr val="0000E5"/>
+              <a:t>0</a:t>
+            </a:r>
+            <a:r>
+              <a:rPr lang="en-US" sz="4800" dirty="0">
+                <a:solidFill>
+                  <a:srgbClr val="0000FF"/>
                 </a:solidFill>
                 <a:latin typeface="Comic Sans MS" pitchFamily="-128" charset="0"/>
-                <a:sym typeface="Euclid Math One" pitchFamily="18" charset="2"/>
-              </a:rPr>
-              <a:t></a:t>
-            </a:r>
-            <a:r>
-              <a:rPr lang="en-US" sz="4400" dirty="0" smtClean="0">
+              </a:rPr>
+              <a:t>,A</a:t>
+            </a:r>
+            <a:r>
+              <a:rPr lang="en-US" sz="4800" baseline="-25000" dirty="0">
+                <a:solidFill>
+                  <a:srgbClr val="0000FF"/>
+                </a:solidFill>
                 <a:latin typeface="Comic Sans MS" pitchFamily="-128" charset="0"/>
-                <a:sym typeface="Euclid Math One" pitchFamily="18" charset="2"/>
-              </a:rPr>
-              <a:t> of </a:t>
-            </a:r>
-            <a:r>
-              <a:rPr lang="en-US" sz="4400" dirty="0" smtClean="0">
+              </a:rPr>
+              <a:t>1</a:t>
+            </a:r>
+            <a:r>
+              <a:rPr lang="en-US" sz="4800" dirty="0">
                 <a:solidFill>
                   <a:srgbClr val="0000FF"/>
                 </a:solidFill>
                 <a:latin typeface="Comic Sans MS" pitchFamily="-128" charset="0"/>
-                <a:sym typeface="Euclid Math One" pitchFamily="18" charset="2"/>
-              </a:rPr>
-              <a:t>outcomes</a:t>
-            </a:r>
-            <a:endParaRPr lang="en-US" sz="4400" dirty="0" smtClean="0">
-              <a:latin typeface="Comic Sans MS" pitchFamily="-128" charset="0"/>
-              <a:sym typeface="Euclid Math One" pitchFamily="18" charset="2"/>
-            </a:endParaRPr>
-          </a:p>
-          <a:p>
-            <a:pPr marL="609600" indent="-609600" eaLnBrk="1" hangingPunct="1">
-              <a:lnSpc>
-                <a:spcPct val="90000"/>
-              </a:lnSpc>
-              <a:buFontTx/>
-              <a:buAutoNum type="arabicParenR"/>
-            </a:pPr>
-            <a:r>
-              <a:rPr lang="en-US" sz="4400" dirty="0" smtClean="0">
-                <a:latin typeface="Comic Sans MS" pitchFamily="-128" charset="0"/>
-                <a:sym typeface="Euclid Math One" pitchFamily="18" charset="2"/>
-              </a:rPr>
-              <a:t> </a:t>
-            </a:r>
-            <a:r>
-              <a:rPr lang="en-US" sz="4400" dirty="0" smtClean="0">
-                <a:latin typeface="Comic Sans MS"/>
-                <a:cs typeface="Comic Sans MS"/>
-                <a:sym typeface="Euclid Math One" pitchFamily="18" charset="2"/>
-              </a:rPr>
-              <a:t>sigma field </a:t>
-            </a:r>
-            <a:r>
-              <a:rPr lang="en-US" sz="4400" dirty="0" smtClean="0">
-                <a:solidFill>
-                  <a:srgbClr val="0000FF"/>
-                </a:solidFill>
-                <a:latin typeface="Brush Script MT Italic"/>
-                <a:cs typeface="Brush Script MT Italic"/>
-                <a:sym typeface="Euclid Math One" pitchFamily="18" charset="2"/>
-              </a:rPr>
-              <a:t>E</a:t>
-            </a:r>
-            <a:r>
-              <a:rPr lang="en-US" sz="4400" dirty="0" smtClean="0">
-                <a:latin typeface="Comic Sans MS"/>
-                <a:cs typeface="Comic Sans MS"/>
-                <a:sym typeface="Euclid Math One" pitchFamily="18" charset="2"/>
-              </a:rPr>
-              <a:t> of </a:t>
-            </a:r>
-            <a:r>
-              <a:rPr lang="en-US" sz="4400" dirty="0" smtClean="0">
-                <a:solidFill>
-                  <a:srgbClr val="0000FF"/>
-                </a:solidFill>
-                <a:latin typeface="Comic Sans MS"/>
-                <a:cs typeface="Comic Sans MS"/>
-                <a:sym typeface="Euclid Math One" pitchFamily="18" charset="2"/>
-              </a:rPr>
-              <a:t>events</a:t>
-            </a:r>
-          </a:p>
-          <a:p>
-            <a:pPr marL="609600" indent="-609600" eaLnBrk="1" hangingPunct="1">
-              <a:lnSpc>
-                <a:spcPct val="90000"/>
-              </a:lnSpc>
-              <a:buFontTx/>
-              <a:buAutoNum type="arabicParenR"/>
-            </a:pPr>
-            <a:r>
-              <a:rPr lang="en-US" sz="4400" dirty="0" smtClean="0">
-                <a:latin typeface="Comic Sans MS" pitchFamily="-128" charset="0"/>
-                <a:sym typeface="Euclid Math One" pitchFamily="18" charset="2"/>
-              </a:rPr>
-              <a:t> </a:t>
-            </a:r>
-            <a:r>
-              <a:rPr lang="en-US" sz="4400" dirty="0" smtClean="0">
-                <a:solidFill>
-                  <a:srgbClr val="0000FF"/>
-                </a:solidFill>
-                <a:latin typeface="Comic Sans MS" pitchFamily="-128" charset="0"/>
-                <a:sym typeface="Euclid Math One" pitchFamily="18" charset="2"/>
-              </a:rPr>
-              <a:t>Probability function,</a:t>
-            </a:r>
-            <a:r>
-              <a:rPr lang="en-US" sz="4400" dirty="0" smtClean="0">
-                <a:solidFill>
-                  <a:schemeClr val="accent2"/>
-                </a:solidFill>
-                <a:latin typeface="Comic Sans MS" pitchFamily="-128" charset="0"/>
-                <a:sym typeface="Euclid Math One" pitchFamily="18" charset="2"/>
-              </a:rPr>
-              <a:t> </a:t>
-            </a:r>
-          </a:p>
-          <a:p>
-            <a:pPr marL="609600" indent="-609600" algn="ctr" eaLnBrk="1" hangingPunct="1">
-              <a:lnSpc>
-                <a:spcPct val="90000"/>
-              </a:lnSpc>
-              <a:buFontTx/>
-              <a:buNone/>
-            </a:pPr>
-            <a:r>
-              <a:rPr lang="en-US" sz="4800" dirty="0" err="1" smtClean="0">
-                <a:solidFill>
-                  <a:srgbClr val="0000FF"/>
-                </a:solidFill>
-                <a:latin typeface="Comic Sans MS" pitchFamily="-128" charset="0"/>
-                <a:sym typeface="Euclid Math One" pitchFamily="18" charset="2"/>
-              </a:rPr>
-              <a:t>Pr</a:t>
-            </a:r>
-            <a:r>
-              <a:rPr lang="en-US" sz="4800" dirty="0" smtClean="0">
-                <a:solidFill>
-                  <a:srgbClr val="0000FF"/>
-                </a:solidFill>
-                <a:latin typeface="Comic Sans MS" pitchFamily="-128" charset="0"/>
-                <a:sym typeface="Euclid Math One" pitchFamily="18" charset="2"/>
-              </a:rPr>
-              <a:t>:</a:t>
-            </a:r>
-            <a:r>
-              <a:rPr lang="en-US" sz="4800" dirty="0">
-                <a:cs typeface="Comic Sans MS"/>
-                <a:sym typeface="Euclid Math One" pitchFamily="18" charset="2"/>
-              </a:rPr>
-              <a:t> </a:t>
-            </a:r>
-            <a:r>
-              <a:rPr lang="en-US" sz="4800" dirty="0" smtClean="0">
-                <a:solidFill>
-                  <a:srgbClr val="0000FF"/>
-                </a:solidFill>
-                <a:latin typeface="Brush Script MT Italic"/>
-                <a:cs typeface="Brush Script MT Italic"/>
-                <a:sym typeface="Euclid Math One" pitchFamily="18" charset="2"/>
-              </a:rPr>
-              <a:t>E</a:t>
-            </a:r>
-            <a:r>
-              <a:rPr lang="en-US" sz="4800" dirty="0" smtClean="0">
-                <a:cs typeface="Comic Sans MS"/>
-                <a:sym typeface="Euclid Math One" pitchFamily="18" charset="2"/>
-              </a:rPr>
-              <a:t> </a:t>
-            </a:r>
-            <a:r>
-              <a:rPr lang="en-US" sz="4800" b="1" dirty="0" smtClean="0">
-                <a:solidFill>
-                  <a:srgbClr val="0000FF"/>
-                </a:solidFill>
-                <a:latin typeface="Euclid Symbol" charset="2"/>
-                <a:cs typeface="Euclid Symbol" charset="2"/>
-                <a:sym typeface="Symbol" pitchFamily="18" charset="2"/>
-              </a:rPr>
-              <a:t>→ </a:t>
-            </a:r>
-            <a:r>
-              <a:rPr lang="en-US" sz="4800" dirty="0" smtClean="0">
-                <a:solidFill>
-                  <a:srgbClr val="0000FF"/>
-                </a:solidFill>
-                <a:latin typeface="Comic Sans MS" pitchFamily="-128" charset="0"/>
-                <a:sym typeface="Symbol" pitchFamily="18" charset="2"/>
-              </a:rPr>
-              <a:t>[0,1]</a:t>
-            </a:r>
-          </a:p>
-          <a:p>
-            <a:pPr marL="609600" indent="-609600" eaLnBrk="1" hangingPunct="1">
-              <a:lnSpc>
-                <a:spcPct val="90000"/>
-              </a:lnSpc>
-              <a:buFontTx/>
-              <a:buNone/>
-            </a:pPr>
-            <a:r>
-              <a:rPr lang="en-US" sz="4400" dirty="0" smtClean="0">
-                <a:latin typeface="Comic Sans MS" pitchFamily="-128" charset="0"/>
-                <a:sym typeface="Symbol" pitchFamily="18" charset="2"/>
-              </a:rPr>
-              <a:t>         (a) </a:t>
-            </a:r>
-            <a:r>
-              <a:rPr lang="en-US" sz="4400" dirty="0" smtClean="0">
-                <a:solidFill>
-                  <a:srgbClr val="0000FF"/>
-                </a:solidFill>
-                <a:latin typeface="Comic Sans MS" pitchFamily="-128" charset="0"/>
-                <a:sym typeface="Symbol" pitchFamily="18" charset="2"/>
-              </a:rPr>
-              <a:t>Pr{</a:t>
-            </a:r>
-            <a:r>
-              <a:rPr lang="en-US" sz="4400" b="1" dirty="0" smtClean="0">
-                <a:solidFill>
-                  <a:srgbClr val="0000FF"/>
-                </a:solidFill>
-                <a:latin typeface="Comic Sans MS" pitchFamily="-128" charset="0"/>
-                <a:sym typeface="Euclid Math One" pitchFamily="18" charset="2"/>
-              </a:rPr>
-              <a:t></a:t>
-            </a:r>
-            <a:r>
-              <a:rPr lang="en-US" sz="4400" dirty="0" smtClean="0">
-                <a:solidFill>
-                  <a:srgbClr val="0000FF"/>
-                </a:solidFill>
-                <a:latin typeface="Comic Sans MS" pitchFamily="-128" charset="0"/>
-                <a:sym typeface="Euclid Math One" pitchFamily="18" charset="2"/>
-              </a:rPr>
-              <a:t>} = 1</a:t>
-            </a:r>
-            <a:r>
-              <a:rPr lang="en-US" sz="4400" dirty="0" smtClean="0">
-                <a:latin typeface="Comic Sans MS" pitchFamily="-128" charset="0"/>
-                <a:sym typeface="Euclid Math One" pitchFamily="18" charset="2"/>
-              </a:rPr>
-              <a:t>,</a:t>
-            </a:r>
-          </a:p>
-          <a:p>
-            <a:pPr marL="609600" indent="-609600" eaLnBrk="1" hangingPunct="1">
-              <a:lnSpc>
-                <a:spcPct val="90000"/>
-              </a:lnSpc>
-              <a:buFontTx/>
-              <a:buNone/>
-            </a:pPr>
-            <a:r>
-              <a:rPr lang="en-US" sz="4400" dirty="0" smtClean="0">
-                <a:latin typeface="Comic Sans MS" pitchFamily="-128" charset="0"/>
-                <a:sym typeface="Symbol" pitchFamily="18" charset="2"/>
-              </a:rPr>
-              <a:t>         (b) the</a:t>
-            </a:r>
-            <a:r>
-              <a:rPr lang="en-US" sz="4400" dirty="0" smtClean="0">
-                <a:solidFill>
-                  <a:srgbClr val="006600"/>
-                </a:solidFill>
-                <a:latin typeface="Comic Sans MS" pitchFamily="-128" charset="0"/>
-                <a:sym typeface="Symbol" pitchFamily="18" charset="2"/>
-              </a:rPr>
-              <a:t> </a:t>
-            </a:r>
-            <a:r>
-              <a:rPr lang="en-US" sz="4400" dirty="0" smtClean="0">
-                <a:solidFill>
-                  <a:srgbClr val="008000"/>
-                </a:solidFill>
-                <a:latin typeface="Comic Sans MS" pitchFamily="-128" charset="0"/>
-                <a:sym typeface="Symbol" pitchFamily="18" charset="2"/>
-              </a:rPr>
-              <a:t>Sum Rule.</a:t>
-            </a:r>
-            <a:endParaRPr lang="en-US" sz="4400" dirty="0" smtClean="0">
-              <a:latin typeface="Comic Sans MS" pitchFamily="-128" charset="0"/>
-              <a:sym typeface="Symbol" pitchFamily="18" charset="2"/>
-            </a:endParaRPr>
+              </a:rPr>
+              <a:t>,…</a:t>
+            </a:r>
           </a:p>
         </p:txBody>
       </p:sp>
       <p:sp>
         <p:nvSpPr>
-          <p:cNvPr id="4" name="Rectangle 11"/>
+          <p:cNvPr id="25606" name="Rectangle 6"/>
+          <p:cNvSpPr>
+            <a:spLocks noChangeArrowheads="1"/>
+          </p:cNvSpPr>
+          <p:nvPr/>
+        </p:nvSpPr>
+        <p:spPr bwMode="auto">
+          <a:xfrm>
+            <a:off x="228600" y="2514600"/>
+            <a:ext cx="8610600" cy="2362200"/>
+          </a:xfrm>
+          <a:prstGeom prst="rect">
+            <a:avLst/>
+          </a:prstGeom>
+          <a:noFill/>
+          <a:ln w="38100">
+            <a:solidFill>
+              <a:srgbClr val="FF00FF"/>
+            </a:solidFill>
+            <a:prstDash val="sysDash"/>
+            <a:miter lim="800000"/>
+            <a:headEnd/>
+            <a:tailEnd/>
+          </a:ln>
+        </p:spPr>
+        <p:txBody>
+          <a:bodyPr wrap="none" anchor="ctr"/>
+          <a:lstStyle/>
+          <a:p>
+            <a:endParaRPr lang="en-US"/>
+          </a:p>
+        </p:txBody>
+      </p:sp>
+      <p:graphicFrame>
+        <p:nvGraphicFramePr>
+          <p:cNvPr id="6" name="Object 5"/>
+          <p:cNvGraphicFramePr>
+            <a:graphicFrameLocks noChangeAspect="1"/>
+          </p:cNvGraphicFramePr>
+          <p:nvPr>
+            <p:extLst>
+              <p:ext uri="{D42A27DB-BD31-4B8C-83A1-F6EECF244321}">
+                <p14:modId xmlns:p14="http://schemas.microsoft.com/office/powerpoint/2010/main" val="3949583059"/>
+              </p:ext>
+            </p:extLst>
+          </p:nvPr>
+        </p:nvGraphicFramePr>
+        <p:xfrm>
+          <a:off x="736600" y="2590800"/>
+          <a:ext cx="7554913" cy="2314575"/>
+        </p:xfrm>
+        <a:graphic>
+          <a:graphicData uri="http://schemas.openxmlformats.org/presentationml/2006/ole">
+            <mc:AlternateContent xmlns:mc="http://schemas.openxmlformats.org/markup-compatibility/2006">
+              <mc:Choice xmlns:v="urn:schemas-microsoft-com:vml" Requires="v">
+                <p:oleObj spid="_x0000_s1028" name="Equation" r:id="rId4" imgW="1409700" imgH="431800" progId="Equation.DSMT4">
+                  <p:embed/>
+                </p:oleObj>
+              </mc:Choice>
+              <mc:Fallback>
+                <p:oleObj name="Equation" r:id="rId4" imgW="1409700" imgH="431800" progId="Equation.DSMT4">
+                  <p:embed/>
+                  <p:pic>
+                    <p:nvPicPr>
+                      <p:cNvPr id="0" name=""/>
+                      <p:cNvPicPr>
+                        <a:picLocks noChangeAspect="1" noChangeArrowheads="1"/>
+                      </p:cNvPicPr>
+                      <p:nvPr/>
+                    </p:nvPicPr>
+                    <p:blipFill>
+                      <a:blip r:embed="rId5"/>
+                      <a:srcRect/>
+                      <a:stretch>
+                        <a:fillRect/>
+                      </a:stretch>
+                    </p:blipFill>
+                    <p:spPr bwMode="auto">
+                      <a:xfrm>
+                        <a:off x="736600" y="2590800"/>
+                        <a:ext cx="7554913" cy="2314575"/>
+                      </a:xfrm>
+                      <a:prstGeom prst="rect">
+                        <a:avLst/>
+                      </a:prstGeom>
+                      <a:noFill/>
+                      <a:extLst/>
+                    </p:spPr>
+                  </p:pic>
+                </p:oleObj>
+              </mc:Fallback>
+            </mc:AlternateContent>
+          </a:graphicData>
+        </a:graphic>
+      </p:graphicFrame>
+      <p:sp>
+        <p:nvSpPr>
+          <p:cNvPr id="7" name="Rectangle 11"/>
           <p:cNvSpPr txBox="1">
             <a:spLocks noChangeArrowheads="1"/>
           </p:cNvSpPr>
@@ -9087,6 +10886,928 @@
                 <a:defRPr/>
               </a:pPr>
               <a:t>6</a:t>
+            </a:fld>
+            <a:endParaRPr kumimoji="0" lang="en-US" sz="1000" b="0" i="0" u="none" strike="noStrike" kern="1200" cap="none" spc="0" normalizeH="0" baseline="0" noProof="0" dirty="0">
+              <a:ln>
+                <a:noFill/>
+              </a:ln>
+              <a:solidFill>
+                <a:schemeClr val="tx1"/>
+              </a:solidFill>
+              <a:effectLst/>
+              <a:uLnTx/>
+              <a:uFillTx/>
+              <a:latin typeface="Comic Sans MS" pitchFamily="66" charset="0"/>
+              <a:ea typeface="+mn-ea"/>
+              <a:cs typeface="+mn-cs"/>
+            </a:endParaRPr>
+          </a:p>
+        </p:txBody>
+      </p:sp>
+    </p:spTree>
+    <p:extLst>
+      <p:ext uri="{BB962C8B-B14F-4D97-AF65-F5344CB8AC3E}">
+        <p14:creationId xmlns:p14="http://schemas.microsoft.com/office/powerpoint/2010/main" val="2320835359"/>
+      </p:ext>
+    </p:extLst>
+  </p:cSld>
+  <p:clrMapOvr>
+    <a:masterClrMapping/>
+  </p:clrMapOvr>
+  <mc:AlternateContent xmlns:mc="http://schemas.openxmlformats.org/markup-compatibility/2006">
+    <mc:Choice xmlns:p14="http://schemas.microsoft.com/office/powerpoint/2010/main" Requires="p14">
+      <p:transition spd="med" p14:dur="600" advClick="0">
+        <p:fade/>
+      </p:transition>
+    </mc:Choice>
+    <mc:Fallback>
+      <p:transition xmlns:p14="http://schemas.microsoft.com/office/powerpoint/2010/main" spd="med" advClick="0">
+        <p:fade/>
+      </p:transition>
+    </mc:Fallback>
+  </mc:AlternateContent>
+  <p:timing>
+    <p:tnLst>
+      <p:par>
+        <p:cTn xmlns:p14="http://schemas.microsoft.com/office/powerpoint/2010/main" id="1" dur="indefinite" restart="never" nodeType="tmRoot"/>
+      </p:par>
+    </p:tnLst>
+  </p:timing>
+</p:sld>
+</file>
+
+<file path=ppt/slides/slide7.xml><?xml version="1.0" encoding="utf-8"?>
+<p:sld xmlns:a="http://schemas.openxmlformats.org/drawingml/2006/main" xmlns:r="http://schemas.openxmlformats.org/officeDocument/2006/relationships" xmlns:p="http://schemas.openxmlformats.org/presentationml/2006/main">
+  <p:cSld>
+    <p:spTree>
+      <p:nvGrpSpPr>
+        <p:cNvPr id="1" name=""/>
+        <p:cNvGrpSpPr/>
+        <p:nvPr/>
+      </p:nvGrpSpPr>
+      <p:grpSpPr>
+        <a:xfrm>
+          <a:off x="0" y="0"/>
+          <a:ext cx="0" cy="0"/>
+          <a:chOff x="0" y="0"/>
+          <a:chExt cx="0" cy="0"/>
+        </a:xfrm>
+      </p:grpSpPr>
+      <p:sp>
+        <p:nvSpPr>
+          <p:cNvPr id="2" name="Title 1"/>
+          <p:cNvSpPr>
+            <a:spLocks noGrp="1"/>
+          </p:cNvSpPr>
+          <p:nvPr>
+            <p:ph type="title"/>
+          </p:nvPr>
+        </p:nvSpPr>
+        <p:spPr>
+          <a:xfrm>
+            <a:off x="1600200" y="228600"/>
+            <a:ext cx="5867400" cy="990600"/>
+          </a:xfrm>
+        </p:spPr>
+        <p:txBody>
+          <a:bodyPr/>
+          <a:lstStyle/>
+          <a:p>
+            <a:r>
+              <a:rPr lang="en-US" sz="4400" dirty="0" smtClean="0"/>
+              <a:t>Discrete Probability</a:t>
+            </a:r>
+            <a:endParaRPr lang="en-US" sz="4400" dirty="0"/>
+          </a:p>
+        </p:txBody>
+      </p:sp>
+      <p:sp>
+        <p:nvSpPr>
+          <p:cNvPr id="3" name="Slide Number Placeholder 2"/>
+          <p:cNvSpPr>
+            <a:spLocks noGrp="1"/>
+          </p:cNvSpPr>
+          <p:nvPr>
+            <p:ph type="sldNum" sz="quarter" idx="4"/>
+          </p:nvPr>
+        </p:nvSpPr>
+        <p:spPr/>
+        <p:txBody>
+          <a:bodyPr/>
+          <a:lstStyle/>
+          <a:p>
+            <a:pPr>
+              <a:defRPr/>
+            </a:pPr>
+            <a:r>
+              <a:rPr lang="en-US" smtClean="0"/>
+              <a:t>samplespace.</a:t>
+            </a:r>
+            <a:fld id="{17233D2A-0857-4415-88C1-423492E69A26}" type="slidenum">
+              <a:rPr lang="en-US" smtClean="0"/>
+              <a:pPr>
+                <a:defRPr/>
+              </a:pPr>
+              <a:t>7</a:t>
+            </a:fld>
+            <a:endParaRPr lang="en-US" dirty="0"/>
+          </a:p>
+        </p:txBody>
+      </p:sp>
+      <p:sp>
+        <p:nvSpPr>
+          <p:cNvPr id="4" name="TextBox 3"/>
+          <p:cNvSpPr txBox="1"/>
+          <p:nvPr/>
+        </p:nvSpPr>
+        <p:spPr>
+          <a:xfrm>
+            <a:off x="762000" y="1219200"/>
+            <a:ext cx="7601059" cy="1938992"/>
+          </a:xfrm>
+          <a:prstGeom prst="rect">
+            <a:avLst/>
+          </a:prstGeom>
+          <a:noFill/>
+        </p:spPr>
+        <p:txBody>
+          <a:bodyPr wrap="none" rtlCol="0">
+            <a:spAutoFit/>
+          </a:bodyPr>
+          <a:lstStyle/>
+          <a:p>
+            <a:r>
+              <a:rPr lang="en-US" sz="6000" dirty="0" smtClean="0">
+                <a:solidFill>
+                  <a:srgbClr val="B90195"/>
+                </a:solidFill>
+              </a:rPr>
+              <a:t>Discrete</a:t>
+            </a:r>
+            <a:r>
+              <a:rPr lang="en-US" sz="6000" dirty="0" smtClean="0"/>
+              <a:t> = </a:t>
+            </a:r>
+            <a:r>
+              <a:rPr lang="en-US" sz="6000" dirty="0" smtClean="0">
+                <a:solidFill>
+                  <a:srgbClr val="0000FF"/>
+                </a:solidFill>
+              </a:rPr>
+              <a:t>countable</a:t>
+            </a:r>
+          </a:p>
+          <a:p>
+            <a:r>
+              <a:rPr lang="en-US" sz="6000" dirty="0" smtClean="0"/>
+              <a:t>sample space</a:t>
+            </a:r>
+          </a:p>
+        </p:txBody>
+      </p:sp>
+      <p:sp>
+        <p:nvSpPr>
+          <p:cNvPr id="7" name="TextBox 6"/>
+          <p:cNvSpPr txBox="1"/>
+          <p:nvPr/>
+        </p:nvSpPr>
+        <p:spPr>
+          <a:xfrm>
+            <a:off x="533400" y="3454400"/>
+            <a:ext cx="8016212" cy="2123658"/>
+          </a:xfrm>
+          <a:prstGeom prst="rect">
+            <a:avLst/>
+          </a:prstGeom>
+          <a:noFill/>
+        </p:spPr>
+        <p:txBody>
+          <a:bodyPr wrap="none" rtlCol="0">
+            <a:spAutoFit/>
+          </a:bodyPr>
+          <a:lstStyle/>
+          <a:p>
+            <a:r>
+              <a:rPr lang="en-US" sz="6600" dirty="0" smtClean="0"/>
+              <a:t>Allows </a:t>
+            </a:r>
+            <a:r>
+              <a:rPr lang="en-US" sz="6600" dirty="0" smtClean="0">
+                <a:solidFill>
+                  <a:srgbClr val="0000FF"/>
+                </a:solidFill>
+              </a:rPr>
+              <a:t>sums </a:t>
+            </a:r>
+            <a:r>
+              <a:rPr lang="en-US" sz="6600" dirty="0" smtClean="0">
+                <a:solidFill>
+                  <a:srgbClr val="000000"/>
+                </a:solidFill>
+              </a:rPr>
+              <a:t>instead</a:t>
+            </a:r>
+          </a:p>
+          <a:p>
+            <a:r>
+              <a:rPr lang="en-US" sz="6600" dirty="0" smtClean="0"/>
+              <a:t>of </a:t>
+            </a:r>
+            <a:r>
+              <a:rPr lang="en-US" sz="6600" dirty="0" smtClean="0">
+                <a:solidFill>
+                  <a:srgbClr val="FF0000"/>
+                </a:solidFill>
+              </a:rPr>
+              <a:t>integrals</a:t>
+            </a:r>
+          </a:p>
+        </p:txBody>
+      </p:sp>
+    </p:spTree>
+    <p:extLst>
+      <p:ext uri="{BB962C8B-B14F-4D97-AF65-F5344CB8AC3E}">
+        <p14:creationId xmlns:p14="http://schemas.microsoft.com/office/powerpoint/2010/main" val="2999813889"/>
+      </p:ext>
+    </p:extLst>
+  </p:cSld>
+  <p:clrMapOvr>
+    <a:masterClrMapping/>
+  </p:clrMapOvr>
+  <mc:AlternateContent xmlns:mc="http://schemas.openxmlformats.org/markup-compatibility/2006">
+    <mc:Choice xmlns:p14="http://schemas.microsoft.com/office/powerpoint/2010/main" Requires="p14">
+      <p:transition spd="slow" p14:dur="1200" advClick="0">
+        <p:fade thruBlk="1"/>
+      </p:transition>
+    </mc:Choice>
+    <mc:Fallback>
+      <p:transition xmlns:p14="http://schemas.microsoft.com/office/powerpoint/2010/main" spd="slow" advClick="0">
+        <p:fade thruBlk="1"/>
+      </p:transition>
+    </mc:Fallback>
+  </mc:AlternateContent>
+  <p:timing>
+    <p:tnLst>
+      <p:par>
+        <p:cTn xmlns:p14="http://schemas.microsoft.com/office/powerpoint/2010/main" id="1" dur="indefinite" restart="never" nodeType="tmRoot">
+          <p:childTnLst>
+            <p:seq concurrent="1" nextAc="seek">
+              <p:cTn id="2" dur="indefinite" nodeType="mainSeq">
+                <p:childTnLst>
+                  <p:par>
+                    <p:cTn id="3" fill="hold">
+                      <p:stCondLst>
+                        <p:cond delay="indefinite"/>
+                      </p:stCondLst>
+                      <p:childTnLst>
+                        <p:par>
+                          <p:cTn id="4" fill="hold">
+                            <p:stCondLst>
+                              <p:cond delay="0"/>
+                            </p:stCondLst>
+                            <p:childTnLst>
+                              <p:par>
+                                <p:cTn id="5" presetID="10" presetClass="entr" presetSubtype="0" fill="hold" grpId="0" nodeType="clickEffect">
+                                  <p:stCondLst>
+                                    <p:cond delay="0"/>
+                                  </p:stCondLst>
+                                  <p:childTnLst>
+                                    <p:set>
+                                      <p:cBhvr>
+                                        <p:cTn id="6" dur="1" fill="hold">
+                                          <p:stCondLst>
+                                            <p:cond delay="0"/>
+                                          </p:stCondLst>
+                                        </p:cTn>
+                                        <p:tgtEl>
+                                          <p:spTgt spid="4"/>
+                                        </p:tgtEl>
+                                        <p:attrNameLst>
+                                          <p:attrName>style.visibility</p:attrName>
+                                        </p:attrNameLst>
+                                      </p:cBhvr>
+                                      <p:to>
+                                        <p:strVal val="visible"/>
+                                      </p:to>
+                                    </p:set>
+                                    <p:animEffect transition="in" filter="fade">
+                                      <p:cBhvr>
+                                        <p:cTn id="7" dur="500"/>
+                                        <p:tgtEl>
+                                          <p:spTgt spid="4"/>
+                                        </p:tgtEl>
+                                      </p:cBhvr>
+                                    </p:animEffect>
+                                  </p:childTnLst>
+                                </p:cTn>
+                              </p:par>
+                            </p:childTnLst>
+                          </p:cTn>
+                        </p:par>
+                      </p:childTnLst>
+                    </p:cTn>
+                  </p:par>
+                  <p:par>
+                    <p:cTn id="8" fill="hold">
+                      <p:stCondLst>
+                        <p:cond delay="indefinite"/>
+                      </p:stCondLst>
+                      <p:childTnLst>
+                        <p:par>
+                          <p:cTn id="9" fill="hold">
+                            <p:stCondLst>
+                              <p:cond delay="0"/>
+                            </p:stCondLst>
+                            <p:childTnLst>
+                              <p:par>
+                                <p:cTn id="10" presetID="10" presetClass="entr" presetSubtype="0" fill="hold" grpId="0" nodeType="clickEffect">
+                                  <p:stCondLst>
+                                    <p:cond delay="0"/>
+                                  </p:stCondLst>
+                                  <p:childTnLst>
+                                    <p:set>
+                                      <p:cBhvr>
+                                        <p:cTn id="11" dur="1" fill="hold">
+                                          <p:stCondLst>
+                                            <p:cond delay="0"/>
+                                          </p:stCondLst>
+                                        </p:cTn>
+                                        <p:tgtEl>
+                                          <p:spTgt spid="7"/>
+                                        </p:tgtEl>
+                                        <p:attrNameLst>
+                                          <p:attrName>style.visibility</p:attrName>
+                                        </p:attrNameLst>
+                                      </p:cBhvr>
+                                      <p:to>
+                                        <p:strVal val="visible"/>
+                                      </p:to>
+                                    </p:set>
+                                    <p:animEffect transition="in" filter="fade">
+                                      <p:cBhvr>
+                                        <p:cTn id="12" dur="500"/>
+                                        <p:tgtEl>
+                                          <p:spTgt spid="7"/>
+                                        </p:tgtEl>
+                                      </p:cBhvr>
+                                    </p:animEffect>
+                                  </p:childTnLst>
+                                </p:cTn>
+                              </p:par>
+                            </p:childTnLst>
+                          </p:cTn>
+                        </p:par>
+                      </p:childTnLst>
+                    </p:cTn>
+                  </p:par>
+                </p:childTnLst>
+              </p:cTn>
+              <p:prevCondLst>
+                <p:cond evt="onPrev" delay="0">
+                  <p:tgtEl>
+                    <p:sldTgt/>
+                  </p:tgtEl>
+                </p:cond>
+              </p:prevCondLst>
+              <p:nextCondLst>
+                <p:cond evt="onNext" delay="0">
+                  <p:tgtEl>
+                    <p:sldTgt/>
+                  </p:tgtEl>
+                </p:cond>
+              </p:nextCondLst>
+            </p:seq>
+          </p:childTnLst>
+        </p:cTn>
+      </p:par>
+    </p:tnLst>
+    <p:bldLst>
+      <p:bldP spid="4" grpId="0"/>
+      <p:bldP spid="7" grpId="0"/>
+    </p:bldLst>
+  </p:timing>
+</p:sld>
+</file>
+
+<file path=ppt/slides/slide8.xml><?xml version="1.0" encoding="utf-8"?>
+<p:sld xmlns:a="http://schemas.openxmlformats.org/drawingml/2006/main" xmlns:r="http://schemas.openxmlformats.org/officeDocument/2006/relationships" xmlns:p="http://schemas.openxmlformats.org/presentationml/2006/main" show="0">
+  <p:cSld>
+    <p:spTree>
+      <p:nvGrpSpPr>
+        <p:cNvPr id="1" name=""/>
+        <p:cNvGrpSpPr/>
+        <p:nvPr/>
+      </p:nvGrpSpPr>
+      <p:grpSpPr>
+        <a:xfrm>
+          <a:off x="0" y="0"/>
+          <a:ext cx="0" cy="0"/>
+          <a:chOff x="0" y="0"/>
+          <a:chExt cx="0" cy="0"/>
+        </a:xfrm>
+      </p:grpSpPr>
+      <p:sp>
+        <p:nvSpPr>
+          <p:cNvPr id="22530" name="Rectangle 2"/>
+          <p:cNvSpPr>
+            <a:spLocks noGrp="1" noChangeArrowheads="1"/>
+          </p:cNvSpPr>
+          <p:nvPr>
+            <p:ph type="title"/>
+          </p:nvPr>
+        </p:nvSpPr>
+        <p:spPr>
+          <a:xfrm>
+            <a:off x="1828800" y="304800"/>
+            <a:ext cx="5410200" cy="914400"/>
+          </a:xfrm>
+          <a:noFill/>
+        </p:spPr>
+        <p:txBody>
+          <a:bodyPr/>
+          <a:lstStyle/>
+          <a:p>
+            <a:pPr eaLnBrk="1" hangingPunct="1"/>
+            <a:r>
+              <a:rPr lang="en-US" sz="4400" dirty="0" smtClean="0">
+                <a:latin typeface="Comic Sans MS" pitchFamily="-128" charset="0"/>
+              </a:rPr>
+              <a:t>Probability Spaces</a:t>
+            </a:r>
+          </a:p>
+        </p:txBody>
+      </p:sp>
+      <p:sp>
+        <p:nvSpPr>
+          <p:cNvPr id="61443" name="Rectangle 3"/>
+          <p:cNvSpPr>
+            <a:spLocks noGrp="1" noChangeArrowheads="1"/>
+          </p:cNvSpPr>
+          <p:nvPr>
+            <p:ph type="body" idx="4294967295"/>
+          </p:nvPr>
+        </p:nvSpPr>
+        <p:spPr bwMode="auto">
+          <a:xfrm>
+            <a:off x="152400" y="1143000"/>
+            <a:ext cx="8763000" cy="5029200"/>
+          </a:xfrm>
+          <a:prstGeom prst="rect">
+            <a:avLst/>
+          </a:prstGeom>
+          <a:noFill/>
+          <a:ln>
+            <a:miter lim="800000"/>
+            <a:headEnd/>
+            <a:tailEnd/>
+          </a:ln>
+        </p:spPr>
+        <p:txBody>
+          <a:bodyPr/>
+          <a:lstStyle/>
+          <a:p>
+            <a:pPr marL="609600" indent="-609600" eaLnBrk="1" hangingPunct="1">
+              <a:lnSpc>
+                <a:spcPct val="90000"/>
+              </a:lnSpc>
+              <a:buFontTx/>
+              <a:buAutoNum type="arabicParenR"/>
+            </a:pPr>
+            <a:r>
+              <a:rPr lang="en-US" sz="4400" dirty="0" smtClean="0">
+                <a:latin typeface="Comic Sans MS" pitchFamily="-128" charset="0"/>
+              </a:rPr>
+              <a:t> </a:t>
+            </a:r>
+            <a:r>
+              <a:rPr lang="en-US" sz="4400" dirty="0" smtClean="0">
+                <a:solidFill>
+                  <a:srgbClr val="0000FF"/>
+                </a:solidFill>
+                <a:latin typeface="Comic Sans MS" pitchFamily="-128" charset="0"/>
+              </a:rPr>
+              <a:t>Sample space</a:t>
+            </a:r>
+            <a:r>
+              <a:rPr lang="en-US" sz="4400" dirty="0">
+                <a:latin typeface="Comic Sans MS" pitchFamily="-128" charset="0"/>
+              </a:rPr>
+              <a:t> </a:t>
+            </a:r>
+            <a:r>
+              <a:rPr lang="en-US" sz="4400" b="1" dirty="0" smtClean="0">
+                <a:solidFill>
+                  <a:srgbClr val="0000E5"/>
+                </a:solidFill>
+                <a:latin typeface="Comic Sans MS" pitchFamily="-128" charset="0"/>
+                <a:sym typeface="Euclid Math One" pitchFamily="18" charset="2"/>
+              </a:rPr>
+              <a:t></a:t>
+            </a:r>
+            <a:r>
+              <a:rPr lang="en-US" sz="4400" dirty="0" smtClean="0">
+                <a:latin typeface="Comic Sans MS" pitchFamily="-128" charset="0"/>
+                <a:sym typeface="Euclid Math One" pitchFamily="18" charset="2"/>
+              </a:rPr>
+              <a:t> of </a:t>
+            </a:r>
+            <a:r>
+              <a:rPr lang="en-US" sz="4400" dirty="0" smtClean="0">
+                <a:solidFill>
+                  <a:srgbClr val="0000FF"/>
+                </a:solidFill>
+                <a:latin typeface="Comic Sans MS" pitchFamily="-128" charset="0"/>
+                <a:sym typeface="Euclid Math One" pitchFamily="18" charset="2"/>
+              </a:rPr>
+              <a:t>outcomes</a:t>
+            </a:r>
+            <a:endParaRPr lang="en-US" sz="4400" dirty="0" smtClean="0">
+              <a:latin typeface="Comic Sans MS" pitchFamily="-128" charset="0"/>
+              <a:sym typeface="Euclid Math One" pitchFamily="18" charset="2"/>
+            </a:endParaRPr>
+          </a:p>
+          <a:p>
+            <a:pPr marL="609600" indent="-609600" eaLnBrk="1" hangingPunct="1">
+              <a:lnSpc>
+                <a:spcPct val="90000"/>
+              </a:lnSpc>
+              <a:buFontTx/>
+              <a:buAutoNum type="arabicParenR"/>
+            </a:pPr>
+            <a:r>
+              <a:rPr lang="en-US" sz="4400" dirty="0" smtClean="0">
+                <a:latin typeface="Comic Sans MS" pitchFamily="-128" charset="0"/>
+                <a:sym typeface="Euclid Math One" pitchFamily="18" charset="2"/>
+              </a:rPr>
+              <a:t> </a:t>
+            </a:r>
+            <a:r>
+              <a:rPr lang="en-US" sz="4400" dirty="0" smtClean="0">
+                <a:latin typeface="Comic Sans MS"/>
+                <a:cs typeface="Comic Sans MS"/>
+                <a:sym typeface="Euclid Math One" pitchFamily="18" charset="2"/>
+              </a:rPr>
+              <a:t>sigma field </a:t>
+            </a:r>
+            <a:r>
+              <a:rPr lang="en-US" sz="4400" dirty="0" smtClean="0">
+                <a:solidFill>
+                  <a:srgbClr val="0000FF"/>
+                </a:solidFill>
+                <a:latin typeface="Brush Script MT Italic"/>
+                <a:cs typeface="Brush Script MT Italic"/>
+                <a:sym typeface="Euclid Math One" pitchFamily="18" charset="2"/>
+              </a:rPr>
+              <a:t>E</a:t>
+            </a:r>
+            <a:r>
+              <a:rPr lang="en-US" sz="4400" dirty="0" smtClean="0">
+                <a:latin typeface="Comic Sans MS"/>
+                <a:cs typeface="Comic Sans MS"/>
+                <a:sym typeface="Euclid Math One" pitchFamily="18" charset="2"/>
+              </a:rPr>
+              <a:t> of </a:t>
+            </a:r>
+            <a:r>
+              <a:rPr lang="en-US" sz="4400" dirty="0" smtClean="0">
+                <a:solidFill>
+                  <a:srgbClr val="0000FF"/>
+                </a:solidFill>
+                <a:latin typeface="Comic Sans MS"/>
+                <a:cs typeface="Comic Sans MS"/>
+                <a:sym typeface="Euclid Math One" pitchFamily="18" charset="2"/>
+              </a:rPr>
+              <a:t>events</a:t>
+            </a:r>
+          </a:p>
+          <a:p>
+            <a:pPr marL="609600" indent="-609600" eaLnBrk="1" hangingPunct="1">
+              <a:lnSpc>
+                <a:spcPct val="90000"/>
+              </a:lnSpc>
+              <a:buFontTx/>
+              <a:buAutoNum type="arabicParenR"/>
+            </a:pPr>
+            <a:r>
+              <a:rPr lang="en-US" sz="4400" dirty="0" smtClean="0">
+                <a:latin typeface="Comic Sans MS" pitchFamily="-128" charset="0"/>
+                <a:sym typeface="Euclid Math One" pitchFamily="18" charset="2"/>
+              </a:rPr>
+              <a:t> </a:t>
+            </a:r>
+            <a:r>
+              <a:rPr lang="en-US" sz="4400" dirty="0" smtClean="0">
+                <a:solidFill>
+                  <a:srgbClr val="0000FF"/>
+                </a:solidFill>
+                <a:latin typeface="Comic Sans MS" pitchFamily="-128" charset="0"/>
+                <a:sym typeface="Euclid Math One" pitchFamily="18" charset="2"/>
+              </a:rPr>
+              <a:t>Probability function,</a:t>
+            </a:r>
+            <a:r>
+              <a:rPr lang="en-US" sz="4400" dirty="0" smtClean="0">
+                <a:solidFill>
+                  <a:schemeClr val="accent2"/>
+                </a:solidFill>
+                <a:latin typeface="Comic Sans MS" pitchFamily="-128" charset="0"/>
+                <a:sym typeface="Euclid Math One" pitchFamily="18" charset="2"/>
+              </a:rPr>
+              <a:t> </a:t>
+            </a:r>
+          </a:p>
+          <a:p>
+            <a:pPr marL="609600" indent="-609600" algn="ctr" eaLnBrk="1" hangingPunct="1">
+              <a:lnSpc>
+                <a:spcPct val="90000"/>
+              </a:lnSpc>
+              <a:buFontTx/>
+              <a:buNone/>
+            </a:pPr>
+            <a:r>
+              <a:rPr lang="en-US" sz="4800" dirty="0" err="1" smtClean="0">
+                <a:solidFill>
+                  <a:srgbClr val="0000FF"/>
+                </a:solidFill>
+                <a:latin typeface="Comic Sans MS" pitchFamily="-128" charset="0"/>
+                <a:sym typeface="Euclid Math One" pitchFamily="18" charset="2"/>
+              </a:rPr>
+              <a:t>Pr</a:t>
+            </a:r>
+            <a:r>
+              <a:rPr lang="en-US" sz="4800" dirty="0" smtClean="0">
+                <a:solidFill>
+                  <a:srgbClr val="0000FF"/>
+                </a:solidFill>
+                <a:latin typeface="Comic Sans MS" pitchFamily="-128" charset="0"/>
+                <a:sym typeface="Euclid Math One" pitchFamily="18" charset="2"/>
+              </a:rPr>
+              <a:t>:</a:t>
+            </a:r>
+            <a:r>
+              <a:rPr lang="en-US" sz="4800" dirty="0">
+                <a:cs typeface="Comic Sans MS"/>
+                <a:sym typeface="Euclid Math One" pitchFamily="18" charset="2"/>
+              </a:rPr>
+              <a:t> </a:t>
+            </a:r>
+            <a:r>
+              <a:rPr lang="en-US" sz="4800" dirty="0" smtClean="0">
+                <a:solidFill>
+                  <a:srgbClr val="0000FF"/>
+                </a:solidFill>
+                <a:latin typeface="Brush Script MT Italic"/>
+                <a:cs typeface="Brush Script MT Italic"/>
+                <a:sym typeface="Euclid Math One" pitchFamily="18" charset="2"/>
+              </a:rPr>
+              <a:t>E</a:t>
+            </a:r>
+            <a:r>
+              <a:rPr lang="en-US" sz="4800" dirty="0" smtClean="0">
+                <a:cs typeface="Comic Sans MS"/>
+                <a:sym typeface="Euclid Math One" pitchFamily="18" charset="2"/>
+              </a:rPr>
+              <a:t> </a:t>
+            </a:r>
+            <a:r>
+              <a:rPr lang="en-US" sz="4800" b="1" dirty="0" smtClean="0">
+                <a:solidFill>
+                  <a:srgbClr val="0000FF"/>
+                </a:solidFill>
+                <a:latin typeface="Euclid Symbol" charset="2"/>
+                <a:cs typeface="Euclid Symbol" charset="2"/>
+                <a:sym typeface="Symbol" pitchFamily="18" charset="2"/>
+              </a:rPr>
+              <a:t>→ </a:t>
+            </a:r>
+            <a:r>
+              <a:rPr lang="en-US" sz="4800" dirty="0" smtClean="0">
+                <a:solidFill>
+                  <a:srgbClr val="0000FF"/>
+                </a:solidFill>
+                <a:latin typeface="Comic Sans MS" pitchFamily="-128" charset="0"/>
+                <a:sym typeface="Symbol" pitchFamily="18" charset="2"/>
+              </a:rPr>
+              <a:t>[0,1]</a:t>
+            </a:r>
+          </a:p>
+          <a:p>
+            <a:pPr marL="609600" indent="-609600" eaLnBrk="1" hangingPunct="1">
+              <a:lnSpc>
+                <a:spcPct val="90000"/>
+              </a:lnSpc>
+              <a:buFontTx/>
+              <a:buNone/>
+            </a:pPr>
+            <a:r>
+              <a:rPr lang="en-US" sz="4400" dirty="0" smtClean="0">
+                <a:latin typeface="Comic Sans MS" pitchFamily="-128" charset="0"/>
+                <a:sym typeface="Symbol" pitchFamily="18" charset="2"/>
+              </a:rPr>
+              <a:t>         (a) </a:t>
+            </a:r>
+            <a:r>
+              <a:rPr lang="en-US" sz="4400" dirty="0" smtClean="0">
+                <a:solidFill>
+                  <a:srgbClr val="0000FF"/>
+                </a:solidFill>
+                <a:latin typeface="Comic Sans MS" pitchFamily="-128" charset="0"/>
+                <a:sym typeface="Symbol" pitchFamily="18" charset="2"/>
+              </a:rPr>
+              <a:t>Pr{</a:t>
+            </a:r>
+            <a:r>
+              <a:rPr lang="en-US" sz="4400" b="1" dirty="0" smtClean="0">
+                <a:solidFill>
+                  <a:srgbClr val="0000FF"/>
+                </a:solidFill>
+                <a:latin typeface="Comic Sans MS" pitchFamily="-128" charset="0"/>
+                <a:sym typeface="Euclid Math One" pitchFamily="18" charset="2"/>
+              </a:rPr>
+              <a:t></a:t>
+            </a:r>
+            <a:r>
+              <a:rPr lang="en-US" sz="4400" dirty="0" smtClean="0">
+                <a:solidFill>
+                  <a:srgbClr val="0000FF"/>
+                </a:solidFill>
+                <a:latin typeface="Comic Sans MS" pitchFamily="-128" charset="0"/>
+                <a:sym typeface="Euclid Math One" pitchFamily="18" charset="2"/>
+              </a:rPr>
+              <a:t>} = 1</a:t>
+            </a:r>
+            <a:r>
+              <a:rPr lang="en-US" sz="4400" dirty="0" smtClean="0">
+                <a:latin typeface="Comic Sans MS" pitchFamily="-128" charset="0"/>
+                <a:sym typeface="Euclid Math One" pitchFamily="18" charset="2"/>
+              </a:rPr>
+              <a:t>,</a:t>
+            </a:r>
+          </a:p>
+          <a:p>
+            <a:pPr marL="609600" indent="-609600" eaLnBrk="1" hangingPunct="1">
+              <a:lnSpc>
+                <a:spcPct val="90000"/>
+              </a:lnSpc>
+              <a:buFontTx/>
+              <a:buNone/>
+            </a:pPr>
+            <a:r>
+              <a:rPr lang="en-US" sz="4400" dirty="0" smtClean="0">
+                <a:latin typeface="Comic Sans MS" pitchFamily="-128" charset="0"/>
+                <a:sym typeface="Symbol" pitchFamily="18" charset="2"/>
+              </a:rPr>
+              <a:t>         (b) the</a:t>
+            </a:r>
+            <a:r>
+              <a:rPr lang="en-US" sz="4400" dirty="0" smtClean="0">
+                <a:solidFill>
+                  <a:srgbClr val="006600"/>
+                </a:solidFill>
+                <a:latin typeface="Comic Sans MS" pitchFamily="-128" charset="0"/>
+                <a:sym typeface="Symbol" pitchFamily="18" charset="2"/>
+              </a:rPr>
+              <a:t> </a:t>
+            </a:r>
+            <a:r>
+              <a:rPr lang="en-US" sz="4400" dirty="0" smtClean="0">
+                <a:solidFill>
+                  <a:srgbClr val="008000"/>
+                </a:solidFill>
+                <a:latin typeface="Comic Sans MS" pitchFamily="-128" charset="0"/>
+                <a:sym typeface="Symbol" pitchFamily="18" charset="2"/>
+              </a:rPr>
+              <a:t>Sum Rule.</a:t>
+            </a:r>
+            <a:endParaRPr lang="en-US" sz="4400" dirty="0" smtClean="0">
+              <a:latin typeface="Comic Sans MS" pitchFamily="-128" charset="0"/>
+              <a:sym typeface="Symbol" pitchFamily="18" charset="2"/>
+            </a:endParaRPr>
+          </a:p>
+        </p:txBody>
+      </p:sp>
+      <p:sp>
+        <p:nvSpPr>
+          <p:cNvPr id="4" name="Rectangle 11"/>
+          <p:cNvSpPr txBox="1">
+            <a:spLocks noChangeArrowheads="1"/>
+          </p:cNvSpPr>
+          <p:nvPr/>
+        </p:nvSpPr>
+        <p:spPr bwMode="auto">
+          <a:xfrm>
+            <a:off x="6400800" y="6613525"/>
+            <a:ext cx="2667000" cy="244475"/>
+          </a:xfrm>
+          <a:prstGeom prst="rect">
+            <a:avLst/>
+          </a:prstGeom>
+          <a:noFill/>
+          <a:ln w="9525">
+            <a:noFill/>
+            <a:miter lim="800000"/>
+            <a:headEnd/>
+            <a:tailEnd/>
+          </a:ln>
+          <a:effectLst/>
+        </p:spPr>
+        <p:txBody>
+          <a:bodyPr vert="horz" wrap="square" lIns="91440" tIns="45720" rIns="91440" bIns="45720" numCol="1" anchor="t" anchorCtr="0" compatLnSpc="1">
+            <a:prstTxWarp prst="textNoShape">
+              <a:avLst/>
+            </a:prstTxWarp>
+            <a:spAutoFit/>
+          </a:bodyPr>
+          <a:lstStyle>
+            <a:lvl1pPr algn="r">
+              <a:defRPr sz="1000"/>
+            </a:lvl1pPr>
+          </a:lstStyle>
+          <a:p>
+            <a:pPr marL="0" marR="0" lvl="0" indent="0" algn="r" defTabSz="914400" rtl="0" eaLnBrk="1" fontAlgn="base" latinLnBrk="0" hangingPunct="1">
+              <a:lnSpc>
+                <a:spcPct val="100000"/>
+              </a:lnSpc>
+              <a:spcBef>
+                <a:spcPct val="0"/>
+              </a:spcBef>
+              <a:spcAft>
+                <a:spcPct val="0"/>
+              </a:spcAft>
+              <a:buClrTx/>
+              <a:buSzTx/>
+              <a:buFontTx/>
+              <a:buNone/>
+              <a:tabLst/>
+              <a:defRPr/>
+            </a:pPr>
+            <a:r>
+              <a:rPr kumimoji="0" lang="en-US" sz="1000" b="0" i="0" u="none" strike="noStrike" kern="1200" cap="none" spc="0" normalizeH="0" baseline="0" noProof="0" dirty="0" err="1" smtClean="0">
+                <a:ln>
+                  <a:noFill/>
+                </a:ln>
+                <a:solidFill>
+                  <a:schemeClr val="tx1"/>
+                </a:solidFill>
+                <a:effectLst/>
+                <a:uLnTx/>
+                <a:uFillTx/>
+                <a:latin typeface="Comic Sans MS" pitchFamily="66" charset="0"/>
+                <a:ea typeface="+mn-ea"/>
+                <a:cs typeface="+mn-cs"/>
+              </a:rPr>
+              <a:t>samplespace</a:t>
+            </a:r>
+            <a:r>
+              <a:rPr kumimoji="0" lang="en-US" sz="1000" b="0" i="0" u="none" strike="noStrike" kern="1200" cap="none" spc="0" normalizeH="0" baseline="0" noProof="0" dirty="0" smtClean="0">
+                <a:ln>
+                  <a:noFill/>
+                </a:ln>
+                <a:solidFill>
+                  <a:schemeClr val="tx1"/>
+                </a:solidFill>
+                <a:effectLst/>
+                <a:uLnTx/>
+                <a:uFillTx/>
+                <a:latin typeface="Comic Sans MS" pitchFamily="66" charset="0"/>
+                <a:ea typeface="+mn-ea"/>
+                <a:cs typeface="+mn-cs"/>
+              </a:rPr>
+              <a:t>.</a:t>
+            </a:r>
+            <a:fld id="{17233D2A-0857-4415-88C1-423492E69A26}" type="slidenum">
+              <a:rPr kumimoji="0" lang="en-US" sz="1000" b="0" i="0" u="none" strike="noStrike" kern="1200" cap="none" spc="0" normalizeH="0" baseline="0" noProof="0" smtClean="0">
+                <a:ln>
+                  <a:noFill/>
+                </a:ln>
+                <a:solidFill>
+                  <a:schemeClr val="tx1"/>
+                </a:solidFill>
+                <a:effectLst/>
+                <a:uLnTx/>
+                <a:uFillTx/>
+                <a:latin typeface="Comic Sans MS" pitchFamily="66" charset="0"/>
+                <a:ea typeface="+mn-ea"/>
+                <a:cs typeface="+mn-cs"/>
+              </a:rPr>
+              <a:pPr marL="0" marR="0" lvl="0" indent="0" algn="r" defTabSz="914400" rtl="0" eaLnBrk="1" fontAlgn="base" latinLnBrk="0" hangingPunct="1">
+                <a:lnSpc>
+                  <a:spcPct val="100000"/>
+                </a:lnSpc>
+                <a:spcBef>
+                  <a:spcPct val="0"/>
+                </a:spcBef>
+                <a:spcAft>
+                  <a:spcPct val="0"/>
+                </a:spcAft>
+                <a:buClrTx/>
+                <a:buSzTx/>
+                <a:buFontTx/>
+                <a:buNone/>
+                <a:tabLst/>
+                <a:defRPr/>
+              </a:pPr>
+              <a:t>8</a:t>
             </a:fld>
             <a:endParaRPr kumimoji="0" lang="en-US" sz="1000" b="0" i="0" u="none" strike="noStrike" kern="1200" cap="none" spc="0" normalizeH="0" baseline="0" noProof="0" dirty="0">
               <a:ln>
@@ -9442,7 +12163,7 @@
 </p:sld>
 </file>
 
-<file path=ppt/slides/slide7.xml><?xml version="1.0" encoding="utf-8"?>
+<file path=ppt/slides/slide9.xml><?xml version="1.0" encoding="utf-8"?>
 <p:sld xmlns:a="http://schemas.openxmlformats.org/drawingml/2006/main" xmlns:r="http://schemas.openxmlformats.org/officeDocument/2006/relationships" xmlns:p="http://schemas.openxmlformats.org/presentationml/2006/main">
   <p:cSld>
     <p:spTree>
@@ -9731,10 +12452,11 @@
             <a:avLst/>
           </a:prstGeom>
           <a:noFill/>
-          <a:ln w="34925">
+          <a:ln w="44450">
             <a:solidFill>
               <a:srgbClr val="CC00CC"/>
             </a:solidFill>
+            <a:prstDash val="sysDash"/>
           </a:ln>
         </p:spPr>
         <p:style>
@@ -9883,7 +12605,7 @@
                 <a:tabLst/>
                 <a:defRPr/>
               </a:pPr>
-              <a:t>7</a:t>
+              <a:t>9</a:t>
             </a:fld>
             <a:endParaRPr kumimoji="0" lang="en-US" sz="1000" b="0" i="0" u="none" strike="noStrike" kern="1200" cap="none" spc="0" normalizeH="0" baseline="0" noProof="0" dirty="0">
               <a:ln>
@@ -9907,9 +12629,18 @@
   <p:clrMapOvr>
     <a:masterClrMapping/>
   </p:clrMapOvr>
-  <p:transition xmlns:p14="http://schemas.microsoft.com/office/powerpoint/2010/main" spd="slow" advClick="0">
-    <p:fade thruBlk="1"/>
-  </p:transition>
+  <mc:AlternateContent xmlns:mc="http://schemas.openxmlformats.org/markup-compatibility/2006">
+    <mc:Choice xmlns:p14="http://schemas.microsoft.com/office/powerpoint/2010/main" Requires="p14">
+      <p:transition spd="slow" p14:dur="1200" advClick="0">
+        <p:fade thruBlk="1"/>
+      </p:transition>
+    </mc:Choice>
+    <mc:Fallback>
+      <p:transition xmlns:p14="http://schemas.microsoft.com/office/powerpoint/2010/main" spd="slow" advClick="0">
+        <p:fade thruBlk="1"/>
+      </p:transition>
+    </mc:Fallback>
+  </mc:AlternateContent>
   <p:timing>
     <p:tnLst>
       <p:par>
@@ -10133,995 +12864,6 @@
       <p:bldP spid="8" grpId="0"/>
       <p:bldP spid="10" grpId="0" animBg="1"/>
     </p:bldLst>
-  </p:timing>
-</p:sld>
-</file>
-
-<file path=ppt/slides/slide8.xml><?xml version="1.0" encoding="utf-8"?>
-<p:sld xmlns:a="http://schemas.openxmlformats.org/drawingml/2006/main" xmlns:r="http://schemas.openxmlformats.org/officeDocument/2006/relationships" xmlns:p="http://schemas.openxmlformats.org/presentationml/2006/main">
-  <p:cSld>
-    <p:spTree>
-      <p:nvGrpSpPr>
-        <p:cNvPr id="1" name=""/>
-        <p:cNvGrpSpPr/>
-        <p:nvPr/>
-      </p:nvGrpSpPr>
-      <p:grpSpPr>
-        <a:xfrm>
-          <a:off x="0" y="0"/>
-          <a:ext cx="0" cy="0"/>
-          <a:chOff x="0" y="0"/>
-          <a:chExt cx="0" cy="0"/>
-        </a:xfrm>
-      </p:grpSpPr>
-      <p:sp>
-        <p:nvSpPr>
-          <p:cNvPr id="27650" name="Rectangle 2"/>
-          <p:cNvSpPr>
-            <a:spLocks noGrp="1" noChangeArrowheads="1"/>
-          </p:cNvSpPr>
-          <p:nvPr>
-            <p:ph type="title"/>
-          </p:nvPr>
-        </p:nvSpPr>
-        <p:spPr>
-          <a:noFill/>
-        </p:spPr>
-        <p:txBody>
-          <a:bodyPr/>
-          <a:lstStyle/>
-          <a:p>
-            <a:pPr eaLnBrk="1" hangingPunct="1"/>
-            <a:r>
-              <a:rPr lang="en-US" sz="4400" dirty="0" smtClean="0">
-                <a:solidFill>
-                  <a:schemeClr val="tx1"/>
-                </a:solidFill>
-                <a:latin typeface="Comic Sans MS" pitchFamily="-128" charset="0"/>
-              </a:rPr>
-              <a:t>Inclusion-Exclusion</a:t>
-            </a:r>
-          </a:p>
-        </p:txBody>
-      </p:sp>
-      <p:pic>
-        <p:nvPicPr>
-          <p:cNvPr id="27651" name="Picture 3" descr="TP_tmp"/>
-          <p:cNvPicPr>
-            <a:picLocks noChangeAspect="1" noChangeArrowheads="1"/>
-          </p:cNvPicPr>
-          <p:nvPr>
-            <p:custDataLst>
-              <p:tags r:id="rId1"/>
-            </p:custDataLst>
-          </p:nvPr>
-        </p:nvPicPr>
-        <p:blipFill>
-          <a:blip r:embed="rId5">
-            <a:clrChange>
-              <a:clrFrom>
-                <a:srgbClr val="FFFFFF"/>
-              </a:clrFrom>
-              <a:clrTo>
-                <a:srgbClr val="FFFFFF">
-                  <a:alpha val="0"/>
-                </a:srgbClr>
-              </a:clrTo>
-            </a:clrChange>
-          </a:blip>
-          <a:srcRect/>
-          <a:stretch>
-            <a:fillRect/>
-          </a:stretch>
-        </p:blipFill>
-        <p:spPr bwMode="auto">
-          <a:xfrm>
-            <a:off x="5080000" y="3810000"/>
-            <a:ext cx="1588" cy="1588"/>
-          </a:xfrm>
-          <a:prstGeom prst="rect">
-            <a:avLst/>
-          </a:prstGeom>
-          <a:noFill/>
-          <a:ln w="9525">
-            <a:noFill/>
-            <a:miter lim="800000"/>
-            <a:headEnd/>
-            <a:tailEnd/>
-          </a:ln>
-        </p:spPr>
-      </p:pic>
-      <p:pic>
-        <p:nvPicPr>
-          <p:cNvPr id="27652" name="Picture 4" descr="TP_tmp"/>
-          <p:cNvPicPr>
-            <a:picLocks noChangeAspect="1" noChangeArrowheads="1"/>
-          </p:cNvPicPr>
-          <p:nvPr>
-            <p:custDataLst>
-              <p:tags r:id="rId2"/>
-            </p:custDataLst>
-          </p:nvPr>
-        </p:nvPicPr>
-        <p:blipFill>
-          <a:blip r:embed="rId6">
-            <a:clrChange>
-              <a:clrFrom>
-                <a:srgbClr val="FFFFFF"/>
-              </a:clrFrom>
-              <a:clrTo>
-                <a:srgbClr val="FFFFFF">
-                  <a:alpha val="0"/>
-                </a:srgbClr>
-              </a:clrTo>
-            </a:clrChange>
-          </a:blip>
-          <a:srcRect/>
-          <a:stretch>
-            <a:fillRect/>
-          </a:stretch>
-        </p:blipFill>
-        <p:spPr bwMode="auto">
-          <a:xfrm>
-            <a:off x="5080000" y="3810000"/>
-            <a:ext cx="1588" cy="1588"/>
-          </a:xfrm>
-          <a:prstGeom prst="rect">
-            <a:avLst/>
-          </a:prstGeom>
-          <a:noFill/>
-          <a:ln w="9525">
-            <a:noFill/>
-            <a:miter lim="800000"/>
-            <a:headEnd/>
-            <a:tailEnd/>
-          </a:ln>
-        </p:spPr>
-      </p:pic>
-      <p:sp>
-        <p:nvSpPr>
-          <p:cNvPr id="27653" name="Rectangle 7"/>
-          <p:cNvSpPr>
-            <a:spLocks noChangeArrowheads="1"/>
-          </p:cNvSpPr>
-          <p:nvPr/>
-        </p:nvSpPr>
-        <p:spPr bwMode="auto">
-          <a:xfrm>
-            <a:off x="609600" y="1143000"/>
-            <a:ext cx="7826181" cy="4524315"/>
-          </a:xfrm>
-          <a:prstGeom prst="rect">
-            <a:avLst/>
-          </a:prstGeom>
-          <a:noFill/>
-          <a:ln w="9525">
-            <a:noFill/>
-            <a:miter lim="800000"/>
-            <a:headEnd/>
-            <a:tailEnd/>
-          </a:ln>
-        </p:spPr>
-        <p:txBody>
-          <a:bodyPr wrap="none">
-            <a:spAutoFit/>
-          </a:bodyPr>
-          <a:lstStyle/>
-          <a:p>
-            <a:r>
-              <a:rPr lang="en-US" sz="9600" dirty="0" err="1" smtClean="0">
-                <a:solidFill>
-                  <a:srgbClr val="0000E5"/>
-                </a:solidFill>
-                <a:latin typeface="Comic Sans MS" pitchFamily="-128" charset="0"/>
-              </a:rPr>
-              <a:t>Pr{A</a:t>
-            </a:r>
-            <a:r>
-              <a:rPr lang="en-US" sz="9600" b="1" dirty="0" err="1" smtClean="0">
-                <a:solidFill>
-                  <a:srgbClr val="0000E5"/>
-                </a:solidFill>
-                <a:latin typeface="Comic Sans MS" pitchFamily="-128" charset="0"/>
-                <a:sym typeface="Symbol"/>
-              </a:rPr>
-              <a:t>∪</a:t>
-            </a:r>
-            <a:r>
-              <a:rPr lang="en-US" sz="9600" dirty="0" err="1" smtClean="0">
-                <a:solidFill>
-                  <a:srgbClr val="0000E5"/>
-                </a:solidFill>
-                <a:latin typeface="Comic Sans MS" pitchFamily="-128" charset="0"/>
-              </a:rPr>
-              <a:t>B</a:t>
-            </a:r>
-            <a:r>
-              <a:rPr lang="en-US" sz="9600" dirty="0" smtClean="0">
-                <a:solidFill>
-                  <a:srgbClr val="0000E5"/>
-                </a:solidFill>
-                <a:latin typeface="Comic Sans MS" pitchFamily="-128" charset="0"/>
-              </a:rPr>
-              <a:t>} =</a:t>
-            </a:r>
-          </a:p>
-          <a:p>
-            <a:r>
-              <a:rPr lang="en-US" sz="9600" dirty="0" smtClean="0">
-                <a:solidFill>
-                  <a:srgbClr val="0000E5"/>
-                </a:solidFill>
-                <a:latin typeface="Comic Sans MS" pitchFamily="-128" charset="0"/>
-              </a:rPr>
-              <a:t> Pr{A} + Pr{B}</a:t>
-            </a:r>
-          </a:p>
-          <a:p>
-            <a:r>
-              <a:rPr lang="en-US" sz="9600" dirty="0">
-                <a:solidFill>
-                  <a:srgbClr val="0000E5"/>
-                </a:solidFill>
-                <a:latin typeface="Comic Sans MS" pitchFamily="-128" charset="0"/>
-              </a:rPr>
-              <a:t> </a:t>
-            </a:r>
-            <a:r>
-              <a:rPr lang="en-US" sz="9600" dirty="0" smtClean="0">
-                <a:solidFill>
-                  <a:srgbClr val="0000E5"/>
-                </a:solidFill>
-                <a:latin typeface="Comic Sans MS" pitchFamily="-128" charset="0"/>
-              </a:rPr>
-              <a:t>  -</a:t>
-            </a:r>
-            <a:r>
-              <a:rPr lang="en-US" sz="9600" dirty="0" err="1" smtClean="0">
-                <a:solidFill>
-                  <a:srgbClr val="0000E5"/>
-                </a:solidFill>
-                <a:latin typeface="Comic Sans MS" pitchFamily="-128" charset="0"/>
-              </a:rPr>
-              <a:t>Pr{A</a:t>
-            </a:r>
-            <a:r>
-              <a:rPr lang="en-US" sz="9600" dirty="0" err="1" smtClean="0">
-                <a:solidFill>
-                  <a:srgbClr val="0000E5"/>
-                </a:solidFill>
-                <a:latin typeface="Comic Sans MS" pitchFamily="-128" charset="0"/>
-                <a:sym typeface="Symbol" pitchFamily="18" charset="2"/>
-              </a:rPr>
-              <a:t>∩</a:t>
-            </a:r>
-            <a:r>
-              <a:rPr lang="en-US" sz="9600" dirty="0" err="1" smtClean="0">
-                <a:solidFill>
-                  <a:srgbClr val="0000E5"/>
-                </a:solidFill>
-                <a:latin typeface="Comic Sans MS" pitchFamily="-128" charset="0"/>
-              </a:rPr>
-              <a:t>B</a:t>
-            </a:r>
-            <a:r>
-              <a:rPr lang="en-US" sz="9600" dirty="0" smtClean="0">
-                <a:solidFill>
-                  <a:srgbClr val="0000E5"/>
-                </a:solidFill>
-                <a:latin typeface="Comic Sans MS" pitchFamily="-128" charset="0"/>
-              </a:rPr>
-              <a:t>}</a:t>
-            </a:r>
-            <a:endParaRPr lang="en-US" sz="9600" dirty="0">
-              <a:solidFill>
-                <a:srgbClr val="0000E5"/>
-              </a:solidFill>
-              <a:latin typeface="Comic Sans MS" pitchFamily="-128" charset="0"/>
-            </a:endParaRPr>
-          </a:p>
-        </p:txBody>
-      </p:sp>
-      <p:sp>
-        <p:nvSpPr>
-          <p:cNvPr id="6" name="Rectangle 11"/>
-          <p:cNvSpPr txBox="1">
-            <a:spLocks noChangeArrowheads="1"/>
-          </p:cNvSpPr>
-          <p:nvPr/>
-        </p:nvSpPr>
-        <p:spPr bwMode="auto">
-          <a:xfrm>
-            <a:off x="6400800" y="6613525"/>
-            <a:ext cx="2667000" cy="244475"/>
-          </a:xfrm>
-          <a:prstGeom prst="rect">
-            <a:avLst/>
-          </a:prstGeom>
-          <a:noFill/>
-          <a:ln w="9525">
-            <a:noFill/>
-            <a:miter lim="800000"/>
-            <a:headEnd/>
-            <a:tailEnd/>
-          </a:ln>
-          <a:effectLst/>
-        </p:spPr>
-        <p:txBody>
-          <a:bodyPr vert="horz" wrap="square" lIns="91440" tIns="45720" rIns="91440" bIns="45720" numCol="1" anchor="t" anchorCtr="0" compatLnSpc="1">
-            <a:prstTxWarp prst="textNoShape">
-              <a:avLst/>
-            </a:prstTxWarp>
-            <a:spAutoFit/>
-          </a:bodyPr>
-          <a:lstStyle>
-            <a:lvl1pPr algn="r">
-              <a:defRPr sz="1000"/>
-            </a:lvl1pPr>
-          </a:lstStyle>
-          <a:p>
-            <a:pPr marL="0" marR="0" lvl="0" indent="0" algn="r" defTabSz="914400" rtl="0" eaLnBrk="1" fontAlgn="base" latinLnBrk="0" hangingPunct="1">
-              <a:lnSpc>
-                <a:spcPct val="100000"/>
-              </a:lnSpc>
-              <a:spcBef>
-                <a:spcPct val="0"/>
-              </a:spcBef>
-              <a:spcAft>
-                <a:spcPct val="0"/>
-              </a:spcAft>
-              <a:buClrTx/>
-              <a:buSzTx/>
-              <a:buFontTx/>
-              <a:buNone/>
-              <a:tabLst/>
-              <a:defRPr/>
-            </a:pPr>
-            <a:r>
-              <a:rPr kumimoji="0" lang="en-US" sz="1000" b="0" i="0" u="none" strike="noStrike" kern="1200" cap="none" spc="0" normalizeH="0" baseline="0" noProof="0" dirty="0" err="1" smtClean="0">
-                <a:ln>
-                  <a:noFill/>
-                </a:ln>
-                <a:solidFill>
-                  <a:schemeClr val="tx1"/>
-                </a:solidFill>
-                <a:effectLst/>
-                <a:uLnTx/>
-                <a:uFillTx/>
-                <a:latin typeface="Comic Sans MS" pitchFamily="66" charset="0"/>
-                <a:ea typeface="+mn-ea"/>
-                <a:cs typeface="+mn-cs"/>
-              </a:rPr>
-              <a:t>samplespace</a:t>
-            </a:r>
-            <a:r>
-              <a:rPr kumimoji="0" lang="en-US" sz="1000" b="0" i="0" u="none" strike="noStrike" kern="1200" cap="none" spc="0" normalizeH="0" baseline="0" noProof="0" dirty="0" smtClean="0">
-                <a:ln>
-                  <a:noFill/>
-                </a:ln>
-                <a:solidFill>
-                  <a:schemeClr val="tx1"/>
-                </a:solidFill>
-                <a:effectLst/>
-                <a:uLnTx/>
-                <a:uFillTx/>
-                <a:latin typeface="Comic Sans MS" pitchFamily="66" charset="0"/>
-                <a:ea typeface="+mn-ea"/>
-                <a:cs typeface="+mn-cs"/>
-              </a:rPr>
-              <a:t>.</a:t>
-            </a:r>
-            <a:fld id="{17233D2A-0857-4415-88C1-423492E69A26}" type="slidenum">
-              <a:rPr kumimoji="0" lang="en-US" sz="1000" b="0" i="0" u="none" strike="noStrike" kern="1200" cap="none" spc="0" normalizeH="0" baseline="0" noProof="0" smtClean="0">
-                <a:ln>
-                  <a:noFill/>
-                </a:ln>
-                <a:solidFill>
-                  <a:schemeClr val="tx1"/>
-                </a:solidFill>
-                <a:effectLst/>
-                <a:uLnTx/>
-                <a:uFillTx/>
-                <a:latin typeface="Comic Sans MS" pitchFamily="66" charset="0"/>
-                <a:ea typeface="+mn-ea"/>
-                <a:cs typeface="+mn-cs"/>
-              </a:rPr>
-              <a:pPr marL="0" marR="0" lvl="0" indent="0" algn="r" defTabSz="914400" rtl="0" eaLnBrk="1" fontAlgn="base" latinLnBrk="0" hangingPunct="1">
-                <a:lnSpc>
-                  <a:spcPct val="100000"/>
-                </a:lnSpc>
-                <a:spcBef>
-                  <a:spcPct val="0"/>
-                </a:spcBef>
-                <a:spcAft>
-                  <a:spcPct val="0"/>
-                </a:spcAft>
-                <a:buClrTx/>
-                <a:buSzTx/>
-                <a:buFontTx/>
-                <a:buNone/>
-                <a:tabLst/>
-                <a:defRPr/>
-              </a:pPr>
-              <a:t>8</a:t>
-            </a:fld>
-            <a:endParaRPr kumimoji="0" lang="en-US" sz="1000" b="0" i="0" u="none" strike="noStrike" kern="1200" cap="none" spc="0" normalizeH="0" baseline="0" noProof="0" dirty="0">
-              <a:ln>
-                <a:noFill/>
-              </a:ln>
-              <a:solidFill>
-                <a:schemeClr val="tx1"/>
-              </a:solidFill>
-              <a:effectLst/>
-              <a:uLnTx/>
-              <a:uFillTx/>
-              <a:latin typeface="Comic Sans MS" pitchFamily="66" charset="0"/>
-              <a:ea typeface="+mn-ea"/>
-              <a:cs typeface="+mn-cs"/>
-            </a:endParaRPr>
-          </a:p>
-        </p:txBody>
-      </p:sp>
-    </p:spTree>
-  </p:cSld>
-  <p:clrMapOvr>
-    <a:masterClrMapping/>
-  </p:clrMapOvr>
-  <p:transition xmlns:p14="http://schemas.microsoft.com/office/powerpoint/2010/main" spd="slow" advClick="0">
-    <p:fade/>
-  </p:transition>
-  <p:timing>
-    <p:tnLst>
-      <p:par>
-        <p:cTn xmlns:p14="http://schemas.microsoft.com/office/powerpoint/2010/main" id="1" dur="indefinite" restart="never" nodeType="tmRoot">
-          <p:childTnLst>
-            <p:seq concurrent="1" nextAc="seek">
-              <p:cTn id="2" dur="indefinite" nodeType="mainSeq">
-                <p:childTnLst>
-                  <p:par>
-                    <p:cTn id="3" fill="hold">
-                      <p:stCondLst>
-                        <p:cond delay="indefinite"/>
-                      </p:stCondLst>
-                      <p:childTnLst>
-                        <p:par>
-                          <p:cTn id="4" fill="hold">
-                            <p:stCondLst>
-                              <p:cond delay="0"/>
-                            </p:stCondLst>
-                            <p:childTnLst>
-                              <p:par>
-                                <p:cTn id="5" presetID="15" presetClass="entr" presetSubtype="0" fill="hold" nodeType="clickEffect">
-                                  <p:stCondLst>
-                                    <p:cond delay="0"/>
-                                  </p:stCondLst>
-                                  <p:childTnLst>
-                                    <p:set>
-                                      <p:cBhvr>
-                                        <p:cTn id="6" dur="1" fill="hold">
-                                          <p:stCondLst>
-                                            <p:cond delay="0"/>
-                                          </p:stCondLst>
-                                        </p:cTn>
-                                        <p:tgtEl>
-                                          <p:spTgt spid="27653">
-                                            <p:txEl>
-                                              <p:pRg st="2" end="2"/>
-                                            </p:txEl>
-                                          </p:spTgt>
-                                        </p:tgtEl>
-                                        <p:attrNameLst>
-                                          <p:attrName>style.visibility</p:attrName>
-                                        </p:attrNameLst>
-                                      </p:cBhvr>
-                                      <p:to>
-                                        <p:strVal val="visible"/>
-                                      </p:to>
-                                    </p:set>
-                                    <p:anim calcmode="lin" valueType="num">
-                                      <p:cBhvr>
-                                        <p:cTn id="7" dur="1000" fill="hold"/>
-                                        <p:tgtEl>
-                                          <p:spTgt spid="27653">
-                                            <p:txEl>
-                                              <p:pRg st="2" end="2"/>
-                                            </p:txEl>
-                                          </p:spTgt>
-                                        </p:tgtEl>
-                                        <p:attrNameLst>
-                                          <p:attrName>ppt_w</p:attrName>
-                                        </p:attrNameLst>
-                                      </p:cBhvr>
-                                      <p:tavLst>
-                                        <p:tav tm="0">
-                                          <p:val>
-                                            <p:fltVal val="0"/>
-                                          </p:val>
-                                        </p:tav>
-                                        <p:tav tm="100000">
-                                          <p:val>
-                                            <p:strVal val="#ppt_w"/>
-                                          </p:val>
-                                        </p:tav>
-                                      </p:tavLst>
-                                    </p:anim>
-                                    <p:anim calcmode="lin" valueType="num">
-                                      <p:cBhvr>
-                                        <p:cTn id="8" dur="1000" fill="hold"/>
-                                        <p:tgtEl>
-                                          <p:spTgt spid="27653">
-                                            <p:txEl>
-                                              <p:pRg st="2" end="2"/>
-                                            </p:txEl>
-                                          </p:spTgt>
-                                        </p:tgtEl>
-                                        <p:attrNameLst>
-                                          <p:attrName>ppt_h</p:attrName>
-                                        </p:attrNameLst>
-                                      </p:cBhvr>
-                                      <p:tavLst>
-                                        <p:tav tm="0">
-                                          <p:val>
-                                            <p:fltVal val="0"/>
-                                          </p:val>
-                                        </p:tav>
-                                        <p:tav tm="100000">
-                                          <p:val>
-                                            <p:strVal val="#ppt_h"/>
-                                          </p:val>
-                                        </p:tav>
-                                      </p:tavLst>
-                                    </p:anim>
-                                    <p:anim calcmode="lin" valueType="num">
-                                      <p:cBhvr>
-                                        <p:cTn id="9" dur="1000" fill="hold"/>
-                                        <p:tgtEl>
-                                          <p:spTgt spid="27653">
-                                            <p:txEl>
-                                              <p:pRg st="2" end="2"/>
-                                            </p:txEl>
-                                          </p:spTgt>
-                                        </p:tgtEl>
-                                        <p:attrNameLst>
-                                          <p:attrName>ppt_x</p:attrName>
-                                        </p:attrNameLst>
-                                      </p:cBhvr>
-                                      <p:tavLst>
-                                        <p:tav tm="0" fmla="#ppt_x+(cos(-2*pi*(1-$))*-#ppt_x-sin(-2*pi*(1-$))*(1-#ppt_y))*(1-$)">
-                                          <p:val>
-                                            <p:fltVal val="0"/>
-                                          </p:val>
-                                        </p:tav>
-                                        <p:tav tm="100000">
-                                          <p:val>
-                                            <p:fltVal val="1"/>
-                                          </p:val>
-                                        </p:tav>
-                                      </p:tavLst>
-                                    </p:anim>
-                                    <p:anim calcmode="lin" valueType="num">
-                                      <p:cBhvr>
-                                        <p:cTn id="10" dur="1000" fill="hold"/>
-                                        <p:tgtEl>
-                                          <p:spTgt spid="27653">
-                                            <p:txEl>
-                                              <p:pRg st="2" end="2"/>
-                                            </p:txEl>
-                                          </p:spTgt>
-                                        </p:tgtEl>
-                                        <p:attrNameLst>
-                                          <p:attrName>ppt_y</p:attrName>
-                                        </p:attrNameLst>
-                                      </p:cBhvr>
-                                      <p:tavLst>
-                                        <p:tav tm="0" fmla="#ppt_y+(sin(-2*pi*(1-$))*-#ppt_x+cos(-2*pi*(1-$))*(1-#ppt_y))*(1-$)">
-                                          <p:val>
-                                            <p:fltVal val="0"/>
-                                          </p:val>
-                                        </p:tav>
-                                        <p:tav tm="100000">
-                                          <p:val>
-                                            <p:fltVal val="1"/>
-                                          </p:val>
-                                        </p:tav>
-                                      </p:tavLst>
-                                    </p:anim>
-                                  </p:childTnLst>
-                                </p:cTn>
-                              </p:par>
-                            </p:childTnLst>
-                          </p:cTn>
-                        </p:par>
-                      </p:childTnLst>
-                    </p:cTn>
-                  </p:par>
-                </p:childTnLst>
-              </p:cTn>
-              <p:prevCondLst>
-                <p:cond evt="onPrev" delay="0">
-                  <p:tgtEl>
-                    <p:sldTgt/>
-                  </p:tgtEl>
-                </p:cond>
-              </p:prevCondLst>
-              <p:nextCondLst>
-                <p:cond evt="onNext" delay="0">
-                  <p:tgtEl>
-                    <p:sldTgt/>
-                  </p:tgtEl>
-                </p:cond>
-              </p:nextCondLst>
-            </p:seq>
-          </p:childTnLst>
-        </p:cTn>
-      </p:par>
-    </p:tnLst>
-  </p:timing>
-</p:sld>
-</file>
-
-<file path=ppt/slides/slide9.xml><?xml version="1.0" encoding="utf-8"?>
-<p:sld xmlns:a="http://schemas.openxmlformats.org/drawingml/2006/main" xmlns:r="http://schemas.openxmlformats.org/officeDocument/2006/relationships" xmlns:p="http://schemas.openxmlformats.org/presentationml/2006/main">
-  <p:cSld>
-    <p:spTree>
-      <p:nvGrpSpPr>
-        <p:cNvPr id="1" name=""/>
-        <p:cNvGrpSpPr/>
-        <p:nvPr/>
-      </p:nvGrpSpPr>
-      <p:grpSpPr>
-        <a:xfrm>
-          <a:off x="0" y="0"/>
-          <a:ext cx="0" cy="0"/>
-          <a:chOff x="0" y="0"/>
-          <a:chExt cx="0" cy="0"/>
-        </a:xfrm>
-      </p:grpSpPr>
-      <p:sp>
-        <p:nvSpPr>
-          <p:cNvPr id="27650" name="Rectangle 2"/>
-          <p:cNvSpPr>
-            <a:spLocks noGrp="1" noChangeArrowheads="1"/>
-          </p:cNvSpPr>
-          <p:nvPr>
-            <p:ph type="title"/>
-          </p:nvPr>
-        </p:nvSpPr>
-        <p:spPr>
-          <a:noFill/>
-        </p:spPr>
-        <p:txBody>
-          <a:bodyPr/>
-          <a:lstStyle/>
-          <a:p>
-            <a:pPr eaLnBrk="1" hangingPunct="1"/>
-            <a:r>
-              <a:rPr lang="en-US" sz="4400" dirty="0" smtClean="0">
-                <a:solidFill>
-                  <a:schemeClr val="tx1"/>
-                </a:solidFill>
-                <a:latin typeface="Comic Sans MS" pitchFamily="-128" charset="0"/>
-              </a:rPr>
-              <a:t>Inclusion-Exclusion</a:t>
-            </a:r>
-          </a:p>
-        </p:txBody>
-      </p:sp>
-      <p:pic>
-        <p:nvPicPr>
-          <p:cNvPr id="27651" name="Picture 3" descr="TP_tmp"/>
-          <p:cNvPicPr>
-            <a:picLocks noChangeAspect="1" noChangeArrowheads="1"/>
-          </p:cNvPicPr>
-          <p:nvPr>
-            <p:custDataLst>
-              <p:tags r:id="rId2"/>
-            </p:custDataLst>
-          </p:nvPr>
-        </p:nvPicPr>
-        <p:blipFill>
-          <a:blip r:embed="rId6">
-            <a:clrChange>
-              <a:clrFrom>
-                <a:srgbClr val="FFFFFF"/>
-              </a:clrFrom>
-              <a:clrTo>
-                <a:srgbClr val="FFFFFF">
-                  <a:alpha val="0"/>
-                </a:srgbClr>
-              </a:clrTo>
-            </a:clrChange>
-          </a:blip>
-          <a:srcRect/>
-          <a:stretch>
-            <a:fillRect/>
-          </a:stretch>
-        </p:blipFill>
-        <p:spPr bwMode="auto">
-          <a:xfrm>
-            <a:off x="5080000" y="3810000"/>
-            <a:ext cx="1588" cy="1588"/>
-          </a:xfrm>
-          <a:prstGeom prst="rect">
-            <a:avLst/>
-          </a:prstGeom>
-          <a:noFill/>
-          <a:ln w="9525">
-            <a:noFill/>
-            <a:miter lim="800000"/>
-            <a:headEnd/>
-            <a:tailEnd/>
-          </a:ln>
-        </p:spPr>
-      </p:pic>
-      <p:pic>
-        <p:nvPicPr>
-          <p:cNvPr id="27652" name="Picture 4" descr="TP_tmp"/>
-          <p:cNvPicPr>
-            <a:picLocks noChangeAspect="1" noChangeArrowheads="1"/>
-          </p:cNvPicPr>
-          <p:nvPr>
-            <p:custDataLst>
-              <p:tags r:id="rId3"/>
-            </p:custDataLst>
-          </p:nvPr>
-        </p:nvPicPr>
-        <p:blipFill>
-          <a:blip r:embed="rId7">
-            <a:clrChange>
-              <a:clrFrom>
-                <a:srgbClr val="FFFFFF"/>
-              </a:clrFrom>
-              <a:clrTo>
-                <a:srgbClr val="FFFFFF">
-                  <a:alpha val="0"/>
-                </a:srgbClr>
-              </a:clrTo>
-            </a:clrChange>
-          </a:blip>
-          <a:srcRect/>
-          <a:stretch>
-            <a:fillRect/>
-          </a:stretch>
-        </p:blipFill>
-        <p:spPr bwMode="auto">
-          <a:xfrm>
-            <a:off x="5080000" y="3810000"/>
-            <a:ext cx="1588" cy="1588"/>
-          </a:xfrm>
-          <a:prstGeom prst="rect">
-            <a:avLst/>
-          </a:prstGeom>
-          <a:noFill/>
-          <a:ln w="9525">
-            <a:noFill/>
-            <a:miter lim="800000"/>
-            <a:headEnd/>
-            <a:tailEnd/>
-          </a:ln>
-        </p:spPr>
-      </p:pic>
-      <p:sp>
-        <p:nvSpPr>
-          <p:cNvPr id="6" name="Rectangle 11"/>
-          <p:cNvSpPr txBox="1">
-            <a:spLocks noChangeArrowheads="1"/>
-          </p:cNvSpPr>
-          <p:nvPr/>
-        </p:nvSpPr>
-        <p:spPr bwMode="auto">
-          <a:xfrm>
-            <a:off x="6400800" y="6613525"/>
-            <a:ext cx="2667000" cy="244475"/>
-          </a:xfrm>
-          <a:prstGeom prst="rect">
-            <a:avLst/>
-          </a:prstGeom>
-          <a:noFill/>
-          <a:ln w="9525">
-            <a:noFill/>
-            <a:miter lim="800000"/>
-            <a:headEnd/>
-            <a:tailEnd/>
-          </a:ln>
-          <a:effectLst/>
-        </p:spPr>
-        <p:txBody>
-          <a:bodyPr vert="horz" wrap="square" lIns="91440" tIns="45720" rIns="91440" bIns="45720" numCol="1" anchor="t" anchorCtr="0" compatLnSpc="1">
-            <a:prstTxWarp prst="textNoShape">
-              <a:avLst/>
-            </a:prstTxWarp>
-            <a:spAutoFit/>
-          </a:bodyPr>
-          <a:lstStyle>
-            <a:lvl1pPr algn="r">
-              <a:defRPr sz="1000"/>
-            </a:lvl1pPr>
-          </a:lstStyle>
-          <a:p>
-            <a:pPr marL="0" marR="0" lvl="0" indent="0" algn="r" defTabSz="914400" rtl="0" eaLnBrk="1" fontAlgn="base" latinLnBrk="0" hangingPunct="1">
-              <a:lnSpc>
-                <a:spcPct val="100000"/>
-              </a:lnSpc>
-              <a:spcBef>
-                <a:spcPct val="0"/>
-              </a:spcBef>
-              <a:spcAft>
-                <a:spcPct val="0"/>
-              </a:spcAft>
-              <a:buClrTx/>
-              <a:buSzTx/>
-              <a:buFontTx/>
-              <a:buNone/>
-              <a:tabLst/>
-              <a:defRPr/>
-            </a:pPr>
-            <a:r>
-              <a:rPr kumimoji="0" lang="en-US" sz="1000" b="0" i="0" u="none" strike="noStrike" kern="1200" cap="none" spc="0" normalizeH="0" baseline="0" noProof="0" dirty="0" err="1" smtClean="0">
-                <a:ln>
-                  <a:noFill/>
-                </a:ln>
-                <a:effectLst/>
-                <a:uLnTx/>
-                <a:uFillTx/>
-                <a:latin typeface="Comic Sans MS" pitchFamily="66" charset="0"/>
-                <a:ea typeface="+mn-ea"/>
-                <a:cs typeface="+mn-cs"/>
-              </a:rPr>
-              <a:t>samplespace</a:t>
-            </a:r>
-            <a:r>
-              <a:rPr kumimoji="0" lang="en-US" sz="1000" b="0" i="0" u="none" strike="noStrike" kern="1200" cap="none" spc="0" normalizeH="0" baseline="0" noProof="0" dirty="0" smtClean="0">
-                <a:ln>
-                  <a:noFill/>
-                </a:ln>
-                <a:effectLst/>
-                <a:uLnTx/>
-                <a:uFillTx/>
-                <a:latin typeface="Comic Sans MS" pitchFamily="66" charset="0"/>
-                <a:ea typeface="+mn-ea"/>
-                <a:cs typeface="+mn-cs"/>
-              </a:rPr>
-              <a:t>.</a:t>
-            </a:r>
-            <a:fld id="{17233D2A-0857-4415-88C1-423492E69A26}" type="slidenum">
-              <a:rPr kumimoji="0" lang="en-US" sz="1000" b="0" i="0" u="none" strike="noStrike" kern="1200" cap="none" spc="0" normalizeH="0" baseline="0" noProof="0" smtClean="0">
-                <a:ln>
-                  <a:noFill/>
-                </a:ln>
-                <a:effectLst/>
-                <a:uLnTx/>
-                <a:uFillTx/>
-                <a:latin typeface="Comic Sans MS" pitchFamily="66" charset="0"/>
-                <a:ea typeface="+mn-ea"/>
-                <a:cs typeface="+mn-cs"/>
-              </a:rPr>
-              <a:pPr marL="0" marR="0" lvl="0" indent="0" algn="r" defTabSz="914400" rtl="0" eaLnBrk="1" fontAlgn="base" latinLnBrk="0" hangingPunct="1">
-                <a:lnSpc>
-                  <a:spcPct val="100000"/>
-                </a:lnSpc>
-                <a:spcBef>
-                  <a:spcPct val="0"/>
-                </a:spcBef>
-                <a:spcAft>
-                  <a:spcPct val="0"/>
-                </a:spcAft>
-                <a:buClrTx/>
-                <a:buSzTx/>
-                <a:buFontTx/>
-                <a:buNone/>
-                <a:tabLst/>
-                <a:defRPr/>
-              </a:pPr>
-              <a:t>9</a:t>
-            </a:fld>
-            <a:endParaRPr kumimoji="0" lang="en-US" sz="1000" b="0" i="0" u="none" strike="noStrike" kern="1200" cap="none" spc="0" normalizeH="0" baseline="0" noProof="0" dirty="0">
-              <a:ln>
-                <a:noFill/>
-              </a:ln>
-              <a:effectLst/>
-              <a:uLnTx/>
-              <a:uFillTx/>
-              <a:latin typeface="Comic Sans MS" pitchFamily="66" charset="0"/>
-              <a:ea typeface="+mn-ea"/>
-              <a:cs typeface="+mn-cs"/>
-            </a:endParaRPr>
-          </a:p>
-        </p:txBody>
-      </p:sp>
-      <p:graphicFrame>
-        <p:nvGraphicFramePr>
-          <p:cNvPr id="7" name="Object 6"/>
-          <p:cNvGraphicFramePr>
-            <a:graphicFrameLocks noChangeAspect="1"/>
-          </p:cNvGraphicFramePr>
-          <p:nvPr/>
-        </p:nvGraphicFramePr>
-        <p:xfrm>
-          <a:off x="207169" y="1447800"/>
-          <a:ext cx="8708231" cy="4038600"/>
-        </p:xfrm>
-        <a:graphic>
-          <a:graphicData uri="http://schemas.openxmlformats.org/presentationml/2006/ole">
-            <mc:AlternateContent xmlns:mc="http://schemas.openxmlformats.org/markup-compatibility/2006">
-              <mc:Choice xmlns:v="urn:schemas-microsoft-com:vml" Requires="v">
-                <p:oleObj spid="_x0000_s298014" name="Equation" r:id="rId8" imgW="2628900" imgH="1219200" progId="Equation.DSMT4">
-                  <p:embed/>
-                </p:oleObj>
-              </mc:Choice>
-              <mc:Fallback>
-                <p:oleObj name="Equation" r:id="rId8" imgW="2628900" imgH="1219200" progId="Equation.DSMT4">
-                  <p:embed/>
-                  <p:pic>
-                    <p:nvPicPr>
-                      <p:cNvPr id="0" name="Picture 2"/>
-                      <p:cNvPicPr>
-                        <a:picLocks noChangeAspect="1" noChangeArrowheads="1"/>
-                      </p:cNvPicPr>
-                      <p:nvPr/>
-                    </p:nvPicPr>
-                    <p:blipFill>
-                      <a:blip r:embed="rId9">
-                        <a:extLst>
-                          <a:ext uri="{28A0092B-C50C-407E-A947-70E740481C1C}">
-                            <a14:useLocalDpi xmlns:a14="http://schemas.microsoft.com/office/drawing/2010/main" val="0"/>
-                          </a:ext>
-                        </a:extLst>
-                      </a:blip>
-                      <a:srcRect/>
-                      <a:stretch>
-                        <a:fillRect/>
-                      </a:stretch>
-                    </p:blipFill>
-                    <p:spPr bwMode="auto">
-                      <a:xfrm>
-                        <a:off x="207169" y="1447800"/>
-                        <a:ext cx="8708231" cy="4038600"/>
-                      </a:xfrm>
-                      <a:prstGeom prst="rect">
-                        <a:avLst/>
-                      </a:prstGeom>
-                      <a:noFill/>
-                      <a:extLst>
-                        <a:ext uri="{909E8E84-426E-40dd-AFC4-6F175D3DCCD1}">
-                          <a14:hiddenFill xmlns:a14="http://schemas.microsoft.com/office/drawing/2010/main">
-                            <a:solidFill>
-                              <a:srgbClr val="FFFFFF"/>
-                            </a:solidFill>
-                          </a14:hiddenFill>
-                        </a:ext>
-                      </a:extLst>
-                    </p:spPr>
-                  </p:pic>
-                </p:oleObj>
-              </mc:Fallback>
-            </mc:AlternateContent>
-          </a:graphicData>
-        </a:graphic>
-      </p:graphicFrame>
-    </p:spTree>
-  </p:cSld>
-  <p:clrMapOvr>
-    <a:masterClrMapping/>
-  </p:clrMapOvr>
-  <mc:AlternateContent xmlns:mc="http://schemas.openxmlformats.org/markup-compatibility/2006" xmlns:p14="http://schemas.microsoft.com/office/powerpoint/2010/main">
-    <mc:Choice Requires="p14">
-      <p:transition spd="med" p14:dur="600" advClick="0">
-        <p:fade/>
-      </p:transition>
-    </mc:Choice>
-    <mc:Fallback xmlns="">
-      <p:transition xmlns:p14="http://schemas.microsoft.com/office/powerpoint/2010/main" spd="med" advClick="0">
-        <p:fade/>
-      </p:transition>
-    </mc:Fallback>
-  </mc:AlternateContent>
-  <p:timing>
-    <p:tnLst>
-      <p:par>
-        <p:cTn xmlns:p14="http://schemas.microsoft.com/office/powerpoint/2010/main" id="1" dur="indefinite" restart="never" nodeType="tmRoot"/>
-      </p:par>
-    </p:tnLst>
   </p:timing>
 </p:sld>
 </file>
@@ -11480,68 +13222,37 @@
   </a:themeElements>
   <a:objectDefaults>
     <a:spDef>
-      <a:spPr bwMode="auto">
-        <a:xfrm>
-          <a:off x="0" y="0"/>
-          <a:ext cx="1" cy="1"/>
-        </a:xfrm>
-        <a:custGeom>
-          <a:avLst/>
-          <a:gdLst/>
-          <a:ahLst/>
-          <a:cxnLst/>
-          <a:rect l="0" t="0" r="0" b="0"/>
-          <a:pathLst/>
-        </a:custGeom>
-        <a:solidFill>
-          <a:schemeClr val="accent1">
-            <a:alpha val="0"/>
-          </a:schemeClr>
-        </a:solidFill>
-        <a:ln w="28575" cap="flat" cmpd="sng" algn="ctr">
+      <a:spPr>
+        <a:noFill/>
+        <a:ln w="44450">
           <a:solidFill>
-            <a:srgbClr val="FF00FF"/>
+            <a:srgbClr val="CC00CC"/>
           </a:solidFill>
-          <a:prstDash val="sysDot"/>
-          <a:round/>
-          <a:headEnd type="none" w="med" len="med"/>
-          <a:tailEnd type="none" w="med" len="med"/>
+          <a:prstDash val="sysDash"/>
         </a:ln>
-        <a:effectLst/>
       </a:spPr>
-      <a:bodyPr vert="horz" wrap="square" lIns="91440" tIns="45720" rIns="91440" bIns="45720" numCol="1" anchor="t" anchorCtr="0" compatLnSpc="1">
-        <a:prstTxWarp prst="textNoShape">
-          <a:avLst/>
-        </a:prstTxWarp>
-      </a:bodyPr>
+      <a:bodyPr rtlCol="0" anchor="ctr"/>
       <a:lstStyle>
-        <a:defPPr marL="0" marR="0" indent="0" algn="l" defTabSz="914400" rtl="0" eaLnBrk="1" fontAlgn="base" latinLnBrk="0" hangingPunct="1">
-          <a:lnSpc>
-            <a:spcPct val="100000"/>
-          </a:lnSpc>
-          <a:spcBef>
-            <a:spcPct val="0"/>
-          </a:spcBef>
-          <a:spcAft>
-            <a:spcPct val="0"/>
-          </a:spcAft>
-          <a:buClrTx/>
-          <a:buSzTx/>
-          <a:buFontTx/>
-          <a:buNone/>
-          <a:tabLst/>
-          <a:defRPr kumimoji="0" lang="en-US" sz="4400" b="0" i="0" u="none" strike="noStrike" cap="none" normalizeH="0" baseline="0" smtClean="0">
-            <a:ln>
-              <a:noFill/>
-            </a:ln>
-            <a:solidFill>
-              <a:schemeClr val="tx1"/>
-            </a:solidFill>
-            <a:effectLst/>
-            <a:latin typeface="Comic Sans MS" pitchFamily="66" charset="0"/>
-          </a:defRPr>
+        <a:defPPr algn="ctr">
+          <a:defRPr/>
         </a:defPPr>
       </a:lstStyle>
+      <a:style>
+        <a:lnRef idx="2">
+          <a:schemeClr val="accent1">
+            <a:shade val="50000"/>
+          </a:schemeClr>
+        </a:lnRef>
+        <a:fillRef idx="1">
+          <a:schemeClr val="accent1"/>
+        </a:fillRef>
+        <a:effectRef idx="0">
+          <a:schemeClr val="accent1"/>
+        </a:effectRef>
+        <a:fontRef idx="minor">
+          <a:schemeClr val="lt1"/>
+        </a:fontRef>
+      </a:style>
     </a:spDef>
     <a:lnDef>
       <a:spPr bwMode="auto">

--- a/spring13/slides13/prob-intro-sample-space.pptx
+++ b/spring13/slides13/prob-intro-sample-space.pptx
@@ -5,10 +5,10 @@
     <p:sldMasterId id="2147483650" r:id="rId1"/>
   </p:sldMasterIdLst>
   <p:notesMasterIdLst>
-    <p:notesMasterId r:id="rId17"/>
+    <p:notesMasterId r:id="rId9"/>
   </p:notesMasterIdLst>
   <p:handoutMasterIdLst>
-    <p:handoutMasterId r:id="rId18"/>
+    <p:handoutMasterId r:id="rId10"/>
   </p:handoutMasterIdLst>
   <p:sldIdLst>
     <p:sldId id="256" r:id="rId2"/>
@@ -18,19 +18,11 @@
     <p:sldId id="279" r:id="rId6"/>
     <p:sldId id="293" r:id="rId7"/>
     <p:sldId id="294" r:id="rId8"/>
-    <p:sldId id="290" r:id="rId9"/>
-    <p:sldId id="280" r:id="rId10"/>
-    <p:sldId id="282" r:id="rId11"/>
-    <p:sldId id="288" r:id="rId12"/>
-    <p:sldId id="284" r:id="rId13"/>
-    <p:sldId id="285" r:id="rId14"/>
-    <p:sldId id="286" r:id="rId15"/>
-    <p:sldId id="295" r:id="rId16"/>
   </p:sldIdLst>
   <p:sldSz cx="9144000" cy="6858000" type="screen4x3"/>
   <p:notesSz cx="9601200" cy="7315200"/>
   <p:custDataLst>
-    <p:tags r:id="rId20"/>
+    <p:tags r:id="rId12"/>
   </p:custDataLst>
   <p:defaultTextStyle>
     <a:defPPr>
@@ -969,591 +961,6 @@
 </p:notes>
 </file>
 
-<file path=ppt/notesSlides/notesSlide10.xml><?xml version="1.0" encoding="utf-8"?>
-<p:notes xmlns:a="http://schemas.openxmlformats.org/drawingml/2006/main" xmlns:r="http://schemas.openxmlformats.org/officeDocument/2006/relationships" xmlns:p="http://schemas.openxmlformats.org/presentationml/2006/main">
-  <p:cSld>
-    <p:spTree>
-      <p:nvGrpSpPr>
-        <p:cNvPr id="1" name=""/>
-        <p:cNvGrpSpPr/>
-        <p:nvPr/>
-      </p:nvGrpSpPr>
-      <p:grpSpPr>
-        <a:xfrm>
-          <a:off x="0" y="0"/>
-          <a:ext cx="0" cy="0"/>
-          <a:chOff x="0" y="0"/>
-          <a:chExt cx="0" cy="0"/>
-        </a:xfrm>
-      </p:grpSpPr>
-      <p:sp>
-        <p:nvSpPr>
-          <p:cNvPr id="59394" name="Slide Image Placeholder 1"/>
-          <p:cNvSpPr>
-            <a:spLocks noGrp="1" noRot="1" noChangeAspect="1" noTextEdit="1"/>
-          </p:cNvSpPr>
-          <p:nvPr>
-            <p:ph type="sldImg"/>
-          </p:nvPr>
-        </p:nvSpPr>
-        <p:spPr>
-          <a:ln/>
-        </p:spPr>
-      </p:sp>
-      <p:sp>
-        <p:nvSpPr>
-          <p:cNvPr id="59395" name="Notes Placeholder 2"/>
-          <p:cNvSpPr>
-            <a:spLocks noGrp="1"/>
-          </p:cNvSpPr>
-          <p:nvPr>
-            <p:ph type="body" idx="1"/>
-          </p:nvPr>
-        </p:nvSpPr>
-        <p:spPr>
-          <a:noFill/>
-          <a:ln/>
-        </p:spPr>
-        <p:txBody>
-          <a:bodyPr/>
-          <a:lstStyle/>
-          <a:p>
-            <a:pPr eaLnBrk="1" hangingPunct="1"/>
-            <a:endParaRPr lang="en-US" smtClean="0">
-              <a:latin typeface="Times New Roman" pitchFamily="-128" charset="0"/>
-            </a:endParaRPr>
-          </a:p>
-        </p:txBody>
-      </p:sp>
-      <p:sp>
-        <p:nvSpPr>
-          <p:cNvPr id="59396" name="Slide Number Placeholder 3"/>
-          <p:cNvSpPr>
-            <a:spLocks noGrp="1"/>
-          </p:cNvSpPr>
-          <p:nvPr>
-            <p:ph type="sldNum" sz="quarter" idx="5"/>
-          </p:nvPr>
-        </p:nvSpPr>
-        <p:spPr>
-          <a:noFill/>
-        </p:spPr>
-        <p:txBody>
-          <a:bodyPr/>
-          <a:lstStyle/>
-          <a:p>
-            <a:fld id="{7852088A-8A84-4153-A2E1-84BB242732F0}" type="slidenum">
-              <a:rPr lang="en-US" smtClean="0">
-                <a:latin typeface="Times New Roman" pitchFamily="-128" charset="0"/>
-              </a:rPr>
-              <a:pPr/>
-              <a:t>11</a:t>
-            </a:fld>
-            <a:endParaRPr lang="en-US" smtClean="0">
-              <a:latin typeface="Times New Roman" pitchFamily="-128" charset="0"/>
-            </a:endParaRPr>
-          </a:p>
-        </p:txBody>
-      </p:sp>
-      <p:sp>
-        <p:nvSpPr>
-          <p:cNvPr id="59397" name="Footer Placeholder 4"/>
-          <p:cNvSpPr>
-            <a:spLocks noGrp="1"/>
-          </p:cNvSpPr>
-          <p:nvPr>
-            <p:ph type="ftr" sz="quarter" idx="4"/>
-          </p:nvPr>
-        </p:nvSpPr>
-        <p:spPr>
-          <a:noFill/>
-        </p:spPr>
-        <p:txBody>
-          <a:bodyPr/>
-          <a:lstStyle/>
-          <a:p>
-            <a:endParaRPr lang="en-US" smtClean="0">
-              <a:latin typeface="Times New Roman" pitchFamily="-128" charset="0"/>
-            </a:endParaRPr>
-          </a:p>
-        </p:txBody>
-      </p:sp>
-    </p:spTree>
-  </p:cSld>
-  <p:clrMapOvr>
-    <a:masterClrMapping/>
-  </p:clrMapOvr>
-</p:notes>
-</file>
-
-<file path=ppt/notesSlides/notesSlide11.xml><?xml version="1.0" encoding="utf-8"?>
-<p:notes xmlns:a="http://schemas.openxmlformats.org/drawingml/2006/main" xmlns:r="http://schemas.openxmlformats.org/officeDocument/2006/relationships" xmlns:p="http://schemas.openxmlformats.org/presentationml/2006/main">
-  <p:cSld>
-    <p:spTree>
-      <p:nvGrpSpPr>
-        <p:cNvPr id="1" name=""/>
-        <p:cNvGrpSpPr/>
-        <p:nvPr/>
-      </p:nvGrpSpPr>
-      <p:grpSpPr>
-        <a:xfrm>
-          <a:off x="0" y="0"/>
-          <a:ext cx="0" cy="0"/>
-          <a:chOff x="0" y="0"/>
-          <a:chExt cx="0" cy="0"/>
-        </a:xfrm>
-      </p:grpSpPr>
-      <p:sp>
-        <p:nvSpPr>
-          <p:cNvPr id="60418" name="Slide Image Placeholder 1"/>
-          <p:cNvSpPr>
-            <a:spLocks noGrp="1" noRot="1" noChangeAspect="1" noTextEdit="1"/>
-          </p:cNvSpPr>
-          <p:nvPr>
-            <p:ph type="sldImg"/>
-          </p:nvPr>
-        </p:nvSpPr>
-        <p:spPr>
-          <a:ln/>
-        </p:spPr>
-      </p:sp>
-      <p:sp>
-        <p:nvSpPr>
-          <p:cNvPr id="60419" name="Notes Placeholder 2"/>
-          <p:cNvSpPr>
-            <a:spLocks noGrp="1"/>
-          </p:cNvSpPr>
-          <p:nvPr>
-            <p:ph type="body" idx="1"/>
-          </p:nvPr>
-        </p:nvSpPr>
-        <p:spPr>
-          <a:noFill/>
-          <a:ln/>
-        </p:spPr>
-        <p:txBody>
-          <a:bodyPr/>
-          <a:lstStyle/>
-          <a:p>
-            <a:pPr eaLnBrk="1" hangingPunct="1"/>
-            <a:endParaRPr lang="en-US" smtClean="0">
-              <a:latin typeface="Times New Roman" pitchFamily="-128" charset="0"/>
-            </a:endParaRPr>
-          </a:p>
-        </p:txBody>
-      </p:sp>
-      <p:sp>
-        <p:nvSpPr>
-          <p:cNvPr id="60420" name="Slide Number Placeholder 3"/>
-          <p:cNvSpPr>
-            <a:spLocks noGrp="1"/>
-          </p:cNvSpPr>
-          <p:nvPr>
-            <p:ph type="sldNum" sz="quarter" idx="5"/>
-          </p:nvPr>
-        </p:nvSpPr>
-        <p:spPr>
-          <a:noFill/>
-        </p:spPr>
-        <p:txBody>
-          <a:bodyPr/>
-          <a:lstStyle/>
-          <a:p>
-            <a:fld id="{D84216D9-2207-484D-A668-F9515BC956C3}" type="slidenum">
-              <a:rPr lang="en-US" smtClean="0">
-                <a:latin typeface="Times New Roman" pitchFamily="-128" charset="0"/>
-              </a:rPr>
-              <a:pPr/>
-              <a:t>12</a:t>
-            </a:fld>
-            <a:endParaRPr lang="en-US" smtClean="0">
-              <a:latin typeface="Times New Roman" pitchFamily="-128" charset="0"/>
-            </a:endParaRPr>
-          </a:p>
-        </p:txBody>
-      </p:sp>
-      <p:sp>
-        <p:nvSpPr>
-          <p:cNvPr id="60421" name="Footer Placeholder 4"/>
-          <p:cNvSpPr>
-            <a:spLocks noGrp="1"/>
-          </p:cNvSpPr>
-          <p:nvPr>
-            <p:ph type="ftr" sz="quarter" idx="4"/>
-          </p:nvPr>
-        </p:nvSpPr>
-        <p:spPr>
-          <a:noFill/>
-        </p:spPr>
-        <p:txBody>
-          <a:bodyPr/>
-          <a:lstStyle/>
-          <a:p>
-            <a:endParaRPr lang="en-US" smtClean="0">
-              <a:latin typeface="Times New Roman" pitchFamily="-128" charset="0"/>
-            </a:endParaRPr>
-          </a:p>
-        </p:txBody>
-      </p:sp>
-    </p:spTree>
-  </p:cSld>
-  <p:clrMapOvr>
-    <a:masterClrMapping/>
-  </p:clrMapOvr>
-</p:notes>
-</file>
-
-<file path=ppt/notesSlides/notesSlide12.xml><?xml version="1.0" encoding="utf-8"?>
-<p:notes xmlns:a="http://schemas.openxmlformats.org/drawingml/2006/main" xmlns:r="http://schemas.openxmlformats.org/officeDocument/2006/relationships" xmlns:p="http://schemas.openxmlformats.org/presentationml/2006/main">
-  <p:cSld>
-    <p:spTree>
-      <p:nvGrpSpPr>
-        <p:cNvPr id="1" name=""/>
-        <p:cNvGrpSpPr/>
-        <p:nvPr/>
-      </p:nvGrpSpPr>
-      <p:grpSpPr>
-        <a:xfrm>
-          <a:off x="0" y="0"/>
-          <a:ext cx="0" cy="0"/>
-          <a:chOff x="0" y="0"/>
-          <a:chExt cx="0" cy="0"/>
-        </a:xfrm>
-      </p:grpSpPr>
-      <p:sp>
-        <p:nvSpPr>
-          <p:cNvPr id="61442" name="Slide Image Placeholder 1"/>
-          <p:cNvSpPr>
-            <a:spLocks noGrp="1" noRot="1" noChangeAspect="1" noTextEdit="1"/>
-          </p:cNvSpPr>
-          <p:nvPr>
-            <p:ph type="sldImg"/>
-          </p:nvPr>
-        </p:nvSpPr>
-        <p:spPr>
-          <a:ln/>
-        </p:spPr>
-      </p:sp>
-      <p:sp>
-        <p:nvSpPr>
-          <p:cNvPr id="61443" name="Notes Placeholder 2"/>
-          <p:cNvSpPr>
-            <a:spLocks noGrp="1"/>
-          </p:cNvSpPr>
-          <p:nvPr>
-            <p:ph type="body" idx="1"/>
-          </p:nvPr>
-        </p:nvSpPr>
-        <p:spPr>
-          <a:noFill/>
-          <a:ln/>
-        </p:spPr>
-        <p:txBody>
-          <a:bodyPr/>
-          <a:lstStyle/>
-          <a:p>
-            <a:pPr eaLnBrk="1" hangingPunct="1"/>
-            <a:endParaRPr lang="en-US" smtClean="0">
-              <a:latin typeface="Times New Roman" pitchFamily="-128" charset="0"/>
-            </a:endParaRPr>
-          </a:p>
-        </p:txBody>
-      </p:sp>
-      <p:sp>
-        <p:nvSpPr>
-          <p:cNvPr id="61444" name="Slide Number Placeholder 3"/>
-          <p:cNvSpPr>
-            <a:spLocks noGrp="1"/>
-          </p:cNvSpPr>
-          <p:nvPr>
-            <p:ph type="sldNum" sz="quarter" idx="5"/>
-          </p:nvPr>
-        </p:nvSpPr>
-        <p:spPr>
-          <a:noFill/>
-        </p:spPr>
-        <p:txBody>
-          <a:bodyPr/>
-          <a:lstStyle/>
-          <a:p>
-            <a:fld id="{81E36EA3-11A4-4365-A7A4-32FAD20FE25C}" type="slidenum">
-              <a:rPr lang="en-US" smtClean="0">
-                <a:latin typeface="Times New Roman" pitchFamily="-128" charset="0"/>
-              </a:rPr>
-              <a:pPr/>
-              <a:t>13</a:t>
-            </a:fld>
-            <a:endParaRPr lang="en-US" smtClean="0">
-              <a:latin typeface="Times New Roman" pitchFamily="-128" charset="0"/>
-            </a:endParaRPr>
-          </a:p>
-        </p:txBody>
-      </p:sp>
-      <p:sp>
-        <p:nvSpPr>
-          <p:cNvPr id="61445" name="Footer Placeholder 4"/>
-          <p:cNvSpPr>
-            <a:spLocks noGrp="1"/>
-          </p:cNvSpPr>
-          <p:nvPr>
-            <p:ph type="ftr" sz="quarter" idx="4"/>
-          </p:nvPr>
-        </p:nvSpPr>
-        <p:spPr>
-          <a:noFill/>
-        </p:spPr>
-        <p:txBody>
-          <a:bodyPr/>
-          <a:lstStyle/>
-          <a:p>
-            <a:endParaRPr lang="en-US" smtClean="0">
-              <a:latin typeface="Times New Roman" pitchFamily="-128" charset="0"/>
-            </a:endParaRPr>
-          </a:p>
-        </p:txBody>
-      </p:sp>
-    </p:spTree>
-  </p:cSld>
-  <p:clrMapOvr>
-    <a:masterClrMapping/>
-  </p:clrMapOvr>
-</p:notes>
-</file>
-
-<file path=ppt/notesSlides/notesSlide13.xml><?xml version="1.0" encoding="utf-8"?>
-<p:notes xmlns:a="http://schemas.openxmlformats.org/drawingml/2006/main" xmlns:r="http://schemas.openxmlformats.org/officeDocument/2006/relationships" xmlns:p="http://schemas.openxmlformats.org/presentationml/2006/main">
-  <p:cSld>
-    <p:spTree>
-      <p:nvGrpSpPr>
-        <p:cNvPr id="1" name=""/>
-        <p:cNvGrpSpPr/>
-        <p:nvPr/>
-      </p:nvGrpSpPr>
-      <p:grpSpPr>
-        <a:xfrm>
-          <a:off x="0" y="0"/>
-          <a:ext cx="0" cy="0"/>
-          <a:chOff x="0" y="0"/>
-          <a:chExt cx="0" cy="0"/>
-        </a:xfrm>
-      </p:grpSpPr>
-      <p:sp>
-        <p:nvSpPr>
-          <p:cNvPr id="62466" name="Slide Image Placeholder 1"/>
-          <p:cNvSpPr>
-            <a:spLocks noGrp="1" noRot="1" noChangeAspect="1" noTextEdit="1"/>
-          </p:cNvSpPr>
-          <p:nvPr>
-            <p:ph type="sldImg"/>
-          </p:nvPr>
-        </p:nvSpPr>
-        <p:spPr>
-          <a:ln/>
-        </p:spPr>
-      </p:sp>
-      <p:sp>
-        <p:nvSpPr>
-          <p:cNvPr id="62467" name="Notes Placeholder 2"/>
-          <p:cNvSpPr>
-            <a:spLocks noGrp="1"/>
-          </p:cNvSpPr>
-          <p:nvPr>
-            <p:ph type="body" idx="1"/>
-          </p:nvPr>
-        </p:nvSpPr>
-        <p:spPr>
-          <a:noFill/>
-          <a:ln/>
-        </p:spPr>
-        <p:txBody>
-          <a:bodyPr/>
-          <a:lstStyle/>
-          <a:p>
-            <a:pPr eaLnBrk="1" hangingPunct="1"/>
-            <a:endParaRPr lang="en-US" smtClean="0">
-              <a:latin typeface="Times New Roman" pitchFamily="-128" charset="0"/>
-            </a:endParaRPr>
-          </a:p>
-        </p:txBody>
-      </p:sp>
-      <p:sp>
-        <p:nvSpPr>
-          <p:cNvPr id="62468" name="Slide Number Placeholder 3"/>
-          <p:cNvSpPr>
-            <a:spLocks noGrp="1"/>
-          </p:cNvSpPr>
-          <p:nvPr>
-            <p:ph type="sldNum" sz="quarter" idx="5"/>
-          </p:nvPr>
-        </p:nvSpPr>
-        <p:spPr>
-          <a:noFill/>
-        </p:spPr>
-        <p:txBody>
-          <a:bodyPr/>
-          <a:lstStyle/>
-          <a:p>
-            <a:fld id="{09A93A63-816A-43C0-80E9-05F91268D6C6}" type="slidenum">
-              <a:rPr lang="en-US" smtClean="0">
-                <a:latin typeface="Times New Roman" pitchFamily="-128" charset="0"/>
-              </a:rPr>
-              <a:pPr/>
-              <a:t>14</a:t>
-            </a:fld>
-            <a:endParaRPr lang="en-US" smtClean="0">
-              <a:latin typeface="Times New Roman" pitchFamily="-128" charset="0"/>
-            </a:endParaRPr>
-          </a:p>
-        </p:txBody>
-      </p:sp>
-      <p:sp>
-        <p:nvSpPr>
-          <p:cNvPr id="62469" name="Footer Placeholder 4"/>
-          <p:cNvSpPr>
-            <a:spLocks noGrp="1"/>
-          </p:cNvSpPr>
-          <p:nvPr>
-            <p:ph type="ftr" sz="quarter" idx="4"/>
-          </p:nvPr>
-        </p:nvSpPr>
-        <p:spPr>
-          <a:noFill/>
-        </p:spPr>
-        <p:txBody>
-          <a:bodyPr/>
-          <a:lstStyle/>
-          <a:p>
-            <a:endParaRPr lang="en-US" smtClean="0">
-              <a:latin typeface="Times New Roman" pitchFamily="-128" charset="0"/>
-            </a:endParaRPr>
-          </a:p>
-        </p:txBody>
-      </p:sp>
-    </p:spTree>
-  </p:cSld>
-  <p:clrMapOvr>
-    <a:masterClrMapping/>
-  </p:clrMapOvr>
-</p:notes>
-</file>
-
-<file path=ppt/notesSlides/notesSlide14.xml><?xml version="1.0" encoding="utf-8"?>
-<p:notes xmlns:a="http://schemas.openxmlformats.org/drawingml/2006/main" xmlns:r="http://schemas.openxmlformats.org/officeDocument/2006/relationships" xmlns:p="http://schemas.openxmlformats.org/presentationml/2006/main">
-  <p:cSld>
-    <p:spTree>
-      <p:nvGrpSpPr>
-        <p:cNvPr id="1" name=""/>
-        <p:cNvGrpSpPr/>
-        <p:nvPr/>
-      </p:nvGrpSpPr>
-      <p:grpSpPr>
-        <a:xfrm>
-          <a:off x="0" y="0"/>
-          <a:ext cx="0" cy="0"/>
-          <a:chOff x="0" y="0"/>
-          <a:chExt cx="0" cy="0"/>
-        </a:xfrm>
-      </p:grpSpPr>
-      <p:sp>
-        <p:nvSpPr>
-          <p:cNvPr id="54274" name="Slide Image Placeholder 1"/>
-          <p:cNvSpPr>
-            <a:spLocks noGrp="1" noRot="1" noChangeAspect="1" noTextEdit="1"/>
-          </p:cNvSpPr>
-          <p:nvPr>
-            <p:ph type="sldImg"/>
-          </p:nvPr>
-        </p:nvSpPr>
-        <p:spPr>
-          <a:ln/>
-        </p:spPr>
-      </p:sp>
-      <p:sp>
-        <p:nvSpPr>
-          <p:cNvPr id="54275" name="Notes Placeholder 2"/>
-          <p:cNvSpPr>
-            <a:spLocks noGrp="1"/>
-          </p:cNvSpPr>
-          <p:nvPr>
-            <p:ph type="body" idx="1"/>
-          </p:nvPr>
-        </p:nvSpPr>
-        <p:spPr>
-          <a:noFill/>
-          <a:ln/>
-        </p:spPr>
-        <p:txBody>
-          <a:bodyPr/>
-          <a:lstStyle/>
-          <a:p>
-            <a:pPr eaLnBrk="1" hangingPunct="1"/>
-            <a:endParaRPr lang="en-US" smtClean="0">
-              <a:latin typeface="Times New Roman" pitchFamily="-128" charset="0"/>
-            </a:endParaRPr>
-          </a:p>
-        </p:txBody>
-      </p:sp>
-      <p:sp>
-        <p:nvSpPr>
-          <p:cNvPr id="54276" name="Slide Number Placeholder 3"/>
-          <p:cNvSpPr>
-            <a:spLocks noGrp="1"/>
-          </p:cNvSpPr>
-          <p:nvPr>
-            <p:ph type="sldNum" sz="quarter" idx="5"/>
-          </p:nvPr>
-        </p:nvSpPr>
-        <p:spPr>
-          <a:noFill/>
-        </p:spPr>
-        <p:txBody>
-          <a:bodyPr/>
-          <a:lstStyle/>
-          <a:p>
-            <a:fld id="{4E7A7F16-B5C3-4DFA-8B9A-1F688D060C4C}" type="slidenum">
-              <a:rPr lang="en-US" smtClean="0">
-                <a:latin typeface="Times New Roman" pitchFamily="-128" charset="0"/>
-              </a:rPr>
-              <a:pPr/>
-              <a:t>15</a:t>
-            </a:fld>
-            <a:endParaRPr lang="en-US" smtClean="0">
-              <a:latin typeface="Times New Roman" pitchFamily="-128" charset="0"/>
-            </a:endParaRPr>
-          </a:p>
-        </p:txBody>
-      </p:sp>
-      <p:sp>
-        <p:nvSpPr>
-          <p:cNvPr id="54277" name="Footer Placeholder 4"/>
-          <p:cNvSpPr>
-            <a:spLocks noGrp="1"/>
-          </p:cNvSpPr>
-          <p:nvPr>
-            <p:ph type="ftr" sz="quarter" idx="4"/>
-          </p:nvPr>
-        </p:nvSpPr>
-        <p:spPr>
-          <a:noFill/>
-        </p:spPr>
-        <p:txBody>
-          <a:bodyPr/>
-          <a:lstStyle/>
-          <a:p>
-            <a:endParaRPr lang="en-US" smtClean="0">
-              <a:latin typeface="Times New Roman" pitchFamily="-128" charset="0"/>
-            </a:endParaRPr>
-          </a:p>
-        </p:txBody>
-      </p:sp>
-    </p:spTree>
-  </p:cSld>
-  <p:clrMapOvr>
-    <a:masterClrMapping/>
-  </p:clrMapOvr>
-</p:notes>
-</file>
-
 <file path=ppt/notesSlides/notesSlide2.xml><?xml version="1.0" encoding="utf-8"?>
 <p:notes xmlns:a="http://schemas.openxmlformats.org/drawingml/2006/main" xmlns:r="http://schemas.openxmlformats.org/officeDocument/2006/relationships" xmlns:p="http://schemas.openxmlformats.org/presentationml/2006/main">
   <p:cSld>
@@ -2158,21 +1565,19 @@
       </p:grpSpPr>
       <p:sp>
         <p:nvSpPr>
-          <p:cNvPr id="54274" name="Slide Image Placeholder 1"/>
+          <p:cNvPr id="2" name="Slide Image Placeholder 1"/>
           <p:cNvSpPr>
-            <a:spLocks noGrp="1" noRot="1" noChangeAspect="1" noTextEdit="1"/>
+            <a:spLocks noGrp="1" noRot="1" noChangeAspect="1"/>
           </p:cNvSpPr>
           <p:nvPr>
             <p:ph type="sldImg"/>
           </p:nvPr>
         </p:nvSpPr>
-        <p:spPr>
-          <a:ln/>
-        </p:spPr>
-      </p:sp>
-      <p:sp>
-        <p:nvSpPr>
-          <p:cNvPr id="54275" name="Notes Placeholder 2"/>
+        <p:spPr/>
+      </p:sp>
+      <p:sp>
+        <p:nvSpPr>
+          <p:cNvPr id="3" name="Notes Placeholder 2"/>
           <p:cNvSpPr>
             <a:spLocks noGrp="1"/>
           </p:cNvSpPr>
@@ -2180,309 +1585,50 @@
             <p:ph type="body" idx="1"/>
           </p:nvPr>
         </p:nvSpPr>
-        <p:spPr>
-          <a:noFill/>
-          <a:ln/>
-        </p:spPr>
+        <p:spPr/>
         <p:txBody>
           <a:bodyPr/>
           <a:lstStyle/>
           <a:p>
-            <a:pPr eaLnBrk="1" hangingPunct="1"/>
-            <a:endParaRPr lang="en-US" smtClean="0">
-              <a:latin typeface="Times New Roman" pitchFamily="-128" charset="0"/>
-            </a:endParaRPr>
+            <a:endParaRPr lang="en-US"/>
           </a:p>
         </p:txBody>
       </p:sp>
       <p:sp>
         <p:nvSpPr>
-          <p:cNvPr id="54276" name="Slide Number Placeholder 3"/>
+          <p:cNvPr id="4" name="Slide Number Placeholder 3"/>
           <p:cNvSpPr>
             <a:spLocks noGrp="1"/>
           </p:cNvSpPr>
           <p:nvPr>
-            <p:ph type="sldNum" sz="quarter" idx="5"/>
+            <p:ph type="sldNum" sz="quarter" idx="10"/>
           </p:nvPr>
         </p:nvSpPr>
-        <p:spPr>
-          <a:noFill/>
-        </p:spPr>
+        <p:spPr/>
         <p:txBody>
           <a:bodyPr/>
           <a:lstStyle/>
           <a:p>
-            <a:fld id="{4E7A7F16-B5C3-4DFA-8B9A-1F688D060C4C}" type="slidenum">
-              <a:rPr lang="en-US" smtClean="0">
-                <a:latin typeface="Times New Roman" pitchFamily="-128" charset="0"/>
-              </a:rPr>
-              <a:pPr/>
-              <a:t>8</a:t>
+            <a:pPr>
+              <a:defRPr/>
+            </a:pPr>
+            <a:fld id="{E7625D05-B33F-4064-AC10-CB80748B6ABD}" type="slidenum">
+              <a:rPr lang="en-US" smtClean="0"/>
+              <a:pPr>
+                <a:defRPr/>
+              </a:pPr>
+              <a:t>7</a:t>
             </a:fld>
-            <a:endParaRPr lang="en-US" smtClean="0">
-              <a:latin typeface="Times New Roman" pitchFamily="-128" charset="0"/>
-            </a:endParaRPr>
+            <a:endParaRPr lang="en-US"/>
           </a:p>
         </p:txBody>
       </p:sp>
-      <p:sp>
-        <p:nvSpPr>
-          <p:cNvPr id="54277" name="Footer Placeholder 4"/>
-          <p:cNvSpPr>
-            <a:spLocks noGrp="1"/>
-          </p:cNvSpPr>
-          <p:nvPr>
-            <p:ph type="ftr" sz="quarter" idx="4"/>
-          </p:nvPr>
-        </p:nvSpPr>
-        <p:spPr>
-          <a:noFill/>
-        </p:spPr>
-        <p:txBody>
-          <a:bodyPr/>
-          <a:lstStyle/>
-          <a:p>
-            <a:endParaRPr lang="en-US" smtClean="0">
-              <a:latin typeface="Times New Roman" pitchFamily="-128" charset="0"/>
-            </a:endParaRPr>
-          </a:p>
-        </p:txBody>
-      </p:sp>
     </p:spTree>
-  </p:cSld>
-  <p:clrMapOvr>
-    <a:masterClrMapping/>
-  </p:clrMapOvr>
-</p:notes>
-</file>
-
-<file path=ppt/notesSlides/notesSlide8.xml><?xml version="1.0" encoding="utf-8"?>
-<p:notes xmlns:a="http://schemas.openxmlformats.org/drawingml/2006/main" xmlns:r="http://schemas.openxmlformats.org/officeDocument/2006/relationships" xmlns:p="http://schemas.openxmlformats.org/presentationml/2006/main">
-  <p:cSld>
-    <p:spTree>
-      <p:nvGrpSpPr>
-        <p:cNvPr id="1" name=""/>
-        <p:cNvGrpSpPr/>
-        <p:nvPr/>
-      </p:nvGrpSpPr>
-      <p:grpSpPr>
-        <a:xfrm>
-          <a:off x="0" y="0"/>
-          <a:ext cx="0" cy="0"/>
-          <a:chOff x="0" y="0"/>
-          <a:chExt cx="0" cy="0"/>
-        </a:xfrm>
-      </p:grpSpPr>
-      <p:sp>
-        <p:nvSpPr>
-          <p:cNvPr id="57346" name="Slide Image Placeholder 1"/>
-          <p:cNvSpPr>
-            <a:spLocks noGrp="1" noRot="1" noChangeAspect="1" noTextEdit="1"/>
-          </p:cNvSpPr>
-          <p:nvPr>
-            <p:ph type="sldImg"/>
-          </p:nvPr>
-        </p:nvSpPr>
-        <p:spPr>
-          <a:ln/>
-        </p:spPr>
-      </p:sp>
-      <p:sp>
-        <p:nvSpPr>
-          <p:cNvPr id="57347" name="Notes Placeholder 2"/>
-          <p:cNvSpPr>
-            <a:spLocks noGrp="1"/>
-          </p:cNvSpPr>
-          <p:nvPr>
-            <p:ph type="body" idx="1"/>
-          </p:nvPr>
-        </p:nvSpPr>
-        <p:spPr>
-          <a:noFill/>
-          <a:ln/>
-        </p:spPr>
-        <p:txBody>
-          <a:bodyPr/>
-          <a:lstStyle/>
-          <a:p>
-            <a:pPr eaLnBrk="1" hangingPunct="1"/>
-            <a:endParaRPr lang="en-US" smtClean="0">
-              <a:latin typeface="Times New Roman" pitchFamily="-128" charset="0"/>
-            </a:endParaRPr>
-          </a:p>
-        </p:txBody>
-      </p:sp>
-      <p:sp>
-        <p:nvSpPr>
-          <p:cNvPr id="57348" name="Slide Number Placeholder 3"/>
-          <p:cNvSpPr>
-            <a:spLocks noGrp="1"/>
-          </p:cNvSpPr>
-          <p:nvPr>
-            <p:ph type="sldNum" sz="quarter" idx="5"/>
-          </p:nvPr>
-        </p:nvSpPr>
-        <p:spPr>
-          <a:noFill/>
-        </p:spPr>
-        <p:txBody>
-          <a:bodyPr/>
-          <a:lstStyle/>
-          <a:p>
-            <a:fld id="{68F6341F-3A17-49EE-BBB9-E4A3C8A3E3C4}" type="slidenum">
-              <a:rPr lang="en-US" smtClean="0">
-                <a:latin typeface="Times New Roman" pitchFamily="-128" charset="0"/>
-              </a:rPr>
-              <a:pPr/>
-              <a:t>9</a:t>
-            </a:fld>
-            <a:endParaRPr lang="en-US" smtClean="0">
-              <a:latin typeface="Times New Roman" pitchFamily="-128" charset="0"/>
-            </a:endParaRPr>
-          </a:p>
-        </p:txBody>
-      </p:sp>
-      <p:sp>
-        <p:nvSpPr>
-          <p:cNvPr id="57349" name="Footer Placeholder 4"/>
-          <p:cNvSpPr>
-            <a:spLocks noGrp="1"/>
-          </p:cNvSpPr>
-          <p:nvPr>
-            <p:ph type="ftr" sz="quarter" idx="4"/>
-          </p:nvPr>
-        </p:nvSpPr>
-        <p:spPr>
-          <a:noFill/>
-        </p:spPr>
-        <p:txBody>
-          <a:bodyPr/>
-          <a:lstStyle/>
-          <a:p>
-            <a:endParaRPr lang="en-US" smtClean="0">
-              <a:latin typeface="Times New Roman" pitchFamily="-128" charset="0"/>
-            </a:endParaRPr>
-          </a:p>
-        </p:txBody>
-      </p:sp>
-    </p:spTree>
-  </p:cSld>
-  <p:clrMapOvr>
-    <a:masterClrMapping/>
-  </p:clrMapOvr>
-</p:notes>
-</file>
-
-<file path=ppt/notesSlides/notesSlide9.xml><?xml version="1.0" encoding="utf-8"?>
-<p:notes xmlns:a="http://schemas.openxmlformats.org/drawingml/2006/main" xmlns:r="http://schemas.openxmlformats.org/officeDocument/2006/relationships" xmlns:p="http://schemas.openxmlformats.org/presentationml/2006/main">
-  <p:cSld>
-    <p:spTree>
-      <p:nvGrpSpPr>
-        <p:cNvPr id="1" name=""/>
-        <p:cNvGrpSpPr/>
-        <p:nvPr/>
-      </p:nvGrpSpPr>
-      <p:grpSpPr>
-        <a:xfrm>
-          <a:off x="0" y="0"/>
-          <a:ext cx="0" cy="0"/>
-          <a:chOff x="0" y="0"/>
-          <a:chExt cx="0" cy="0"/>
-        </a:xfrm>
-      </p:grpSpPr>
-      <p:sp>
-        <p:nvSpPr>
-          <p:cNvPr id="59394" name="Slide Image Placeholder 1"/>
-          <p:cNvSpPr>
-            <a:spLocks noGrp="1" noRot="1" noChangeAspect="1" noTextEdit="1"/>
-          </p:cNvSpPr>
-          <p:nvPr>
-            <p:ph type="sldImg"/>
-          </p:nvPr>
-        </p:nvSpPr>
-        <p:spPr>
-          <a:ln/>
-        </p:spPr>
-      </p:sp>
-      <p:sp>
-        <p:nvSpPr>
-          <p:cNvPr id="59395" name="Notes Placeholder 2"/>
-          <p:cNvSpPr>
-            <a:spLocks noGrp="1"/>
-          </p:cNvSpPr>
-          <p:nvPr>
-            <p:ph type="body" idx="1"/>
-          </p:nvPr>
-        </p:nvSpPr>
-        <p:spPr>
-          <a:noFill/>
-          <a:ln/>
-        </p:spPr>
-        <p:txBody>
-          <a:bodyPr/>
-          <a:lstStyle/>
-          <a:p>
-            <a:pPr eaLnBrk="1" hangingPunct="1"/>
-            <a:endParaRPr lang="en-US" smtClean="0">
-              <a:latin typeface="Times New Roman" pitchFamily="-128" charset="0"/>
-            </a:endParaRPr>
-          </a:p>
-        </p:txBody>
-      </p:sp>
-      <p:sp>
-        <p:nvSpPr>
-          <p:cNvPr id="59396" name="Slide Number Placeholder 3"/>
-          <p:cNvSpPr>
-            <a:spLocks noGrp="1"/>
-          </p:cNvSpPr>
-          <p:nvPr>
-            <p:ph type="sldNum" sz="quarter" idx="5"/>
-          </p:nvPr>
-        </p:nvSpPr>
-        <p:spPr>
-          <a:noFill/>
-        </p:spPr>
-        <p:txBody>
-          <a:bodyPr/>
-          <a:lstStyle/>
-          <a:p>
-            <a:fld id="{7852088A-8A84-4153-A2E1-84BB242732F0}" type="slidenum">
-              <a:rPr lang="en-US" smtClean="0">
-                <a:latin typeface="Times New Roman" pitchFamily="-128" charset="0"/>
-              </a:rPr>
-              <a:pPr/>
-              <a:t>10</a:t>
-            </a:fld>
-            <a:endParaRPr lang="en-US" smtClean="0">
-              <a:latin typeface="Times New Roman" pitchFamily="-128" charset="0"/>
-            </a:endParaRPr>
-          </a:p>
-        </p:txBody>
-      </p:sp>
-      <p:sp>
-        <p:nvSpPr>
-          <p:cNvPr id="59397" name="Footer Placeholder 4"/>
-          <p:cNvSpPr>
-            <a:spLocks noGrp="1"/>
-          </p:cNvSpPr>
-          <p:nvPr>
-            <p:ph type="ftr" sz="quarter" idx="4"/>
-          </p:nvPr>
-        </p:nvSpPr>
-        <p:spPr>
-          <a:noFill/>
-        </p:spPr>
-        <p:txBody>
-          <a:bodyPr/>
-          <a:lstStyle/>
-          <a:p>
-            <a:endParaRPr lang="en-US" smtClean="0">
-              <a:latin typeface="Times New Roman" pitchFamily="-128" charset="0"/>
-            </a:endParaRPr>
-          </a:p>
-        </p:txBody>
-      </p:sp>
-    </p:spTree>
+    <p:extLst>
+      <p:ext uri="{BB962C8B-B14F-4D97-AF65-F5344CB8AC3E}">
+        <p14:creationId xmlns:p14="http://schemas.microsoft.com/office/powerpoint/2010/main" val="1419671953"/>
+      </p:ext>
+    </p:extLst>
   </p:cSld>
   <p:clrMapOvr>
     <a:masterClrMapping/>
@@ -2677,370 +1823,6 @@
 </p:sldLayout>
 </file>
 
-<file path=ppt/slideLayouts/slideLayout10.xml><?xml version="1.0" encoding="utf-8"?>
-<p:sldLayout xmlns:a="http://schemas.openxmlformats.org/drawingml/2006/main" xmlns:r="http://schemas.openxmlformats.org/officeDocument/2006/relationships" xmlns:p="http://schemas.openxmlformats.org/presentationml/2006/main" userDrawn="1">
-  <p:cSld name="14_Title and Content">
-    <p:spTree>
-      <p:nvGrpSpPr>
-        <p:cNvPr id="1" name=""/>
-        <p:cNvGrpSpPr/>
-        <p:nvPr/>
-      </p:nvGrpSpPr>
-      <p:grpSpPr>
-        <a:xfrm>
-          <a:off x="0" y="0"/>
-          <a:ext cx="0" cy="0"/>
-          <a:chOff x="0" y="0"/>
-          <a:chExt cx="0" cy="0"/>
-        </a:xfrm>
-      </p:grpSpPr>
-      <p:sp>
-        <p:nvSpPr>
-          <p:cNvPr id="5" name="Title 4"/>
-          <p:cNvSpPr>
-            <a:spLocks noGrp="1"/>
-          </p:cNvSpPr>
-          <p:nvPr>
-            <p:ph type="title"/>
-          </p:nvPr>
-        </p:nvSpPr>
-        <p:spPr/>
-        <p:txBody>
-          <a:bodyPr/>
-          <a:lstStyle/>
-          <a:p>
-            <a:r>
-              <a:rPr lang="en-US" smtClean="0"/>
-              <a:t>Click to edit Master title style</a:t>
-            </a:r>
-            <a:endParaRPr lang="en-US"/>
-          </a:p>
-        </p:txBody>
-      </p:sp>
-      <p:sp>
-        <p:nvSpPr>
-          <p:cNvPr id="3" name="Rectangle 11"/>
-          <p:cNvSpPr>
-            <a:spLocks noGrp="1" noChangeArrowheads="1"/>
-          </p:cNvSpPr>
-          <p:nvPr>
-            <p:ph type="sldNum" sz="quarter" idx="4"/>
-          </p:nvPr>
-        </p:nvSpPr>
-        <p:spPr bwMode="auto">
-          <a:xfrm>
-            <a:off x="6400800" y="6613525"/>
-            <a:ext cx="2667000" cy="244475"/>
-          </a:xfrm>
-          <a:prstGeom prst="rect">
-            <a:avLst/>
-          </a:prstGeom>
-          <a:noFill/>
-          <a:ln w="9525">
-            <a:noFill/>
-            <a:miter lim="800000"/>
-            <a:headEnd/>
-            <a:tailEnd/>
-          </a:ln>
-          <a:effectLst/>
-        </p:spPr>
-        <p:txBody>
-          <a:bodyPr vert="horz" wrap="square" lIns="91440" tIns="45720" rIns="91440" bIns="45720" numCol="1" anchor="t" anchorCtr="0" compatLnSpc="1">
-            <a:prstTxWarp prst="textNoShape">
-              <a:avLst/>
-            </a:prstTxWarp>
-            <a:spAutoFit/>
-          </a:bodyPr>
-          <a:lstStyle>
-            <a:lvl1pPr algn="r">
-              <a:defRPr sz="1000"/>
-            </a:lvl1pPr>
-          </a:lstStyle>
-          <a:p>
-            <a:pPr>
-              <a:defRPr/>
-            </a:pPr>
-            <a:r>
-              <a:rPr lang="en-US" dirty="0" err="1" smtClean="0"/>
-              <a:t>samplespace</a:t>
-            </a:r>
-            <a:r>
-              <a:rPr lang="en-US" dirty="0" smtClean="0"/>
-              <a:t>.</a:t>
-            </a:r>
-            <a:fld id="{17233D2A-0857-4415-88C1-423492E69A26}" type="slidenum">
-              <a:rPr lang="en-US" smtClean="0"/>
-              <a:pPr>
-                <a:defRPr/>
-              </a:pPr>
-              <a:t>‹#›</a:t>
-            </a:fld>
-            <a:endParaRPr lang="en-US" dirty="0"/>
-          </a:p>
-        </p:txBody>
-      </p:sp>
-    </p:spTree>
-  </p:cSld>
-  <p:clrMapOvr>
-    <a:masterClrMapping/>
-  </p:clrMapOvr>
-</p:sldLayout>
-</file>
-
-<file path=ppt/slideLayouts/slideLayout11.xml><?xml version="1.0" encoding="utf-8"?>
-<p:sldLayout xmlns:a="http://schemas.openxmlformats.org/drawingml/2006/main" xmlns:r="http://schemas.openxmlformats.org/officeDocument/2006/relationships" xmlns:p="http://schemas.openxmlformats.org/presentationml/2006/main" userDrawn="1">
-  <p:cSld name="15_Title and Content">
-    <p:spTree>
-      <p:nvGrpSpPr>
-        <p:cNvPr id="1" name=""/>
-        <p:cNvGrpSpPr/>
-        <p:nvPr/>
-      </p:nvGrpSpPr>
-      <p:grpSpPr>
-        <a:xfrm>
-          <a:off x="0" y="0"/>
-          <a:ext cx="0" cy="0"/>
-          <a:chOff x="0" y="0"/>
-          <a:chExt cx="0" cy="0"/>
-        </a:xfrm>
-      </p:grpSpPr>
-      <p:sp>
-        <p:nvSpPr>
-          <p:cNvPr id="5" name="Title 4"/>
-          <p:cNvSpPr>
-            <a:spLocks noGrp="1"/>
-          </p:cNvSpPr>
-          <p:nvPr>
-            <p:ph type="title"/>
-          </p:nvPr>
-        </p:nvSpPr>
-        <p:spPr/>
-        <p:txBody>
-          <a:bodyPr/>
-          <a:lstStyle/>
-          <a:p>
-            <a:r>
-              <a:rPr lang="en-US" smtClean="0"/>
-              <a:t>Click to edit Master title style</a:t>
-            </a:r>
-            <a:endParaRPr lang="en-US"/>
-          </a:p>
-        </p:txBody>
-      </p:sp>
-      <p:sp>
-        <p:nvSpPr>
-          <p:cNvPr id="3" name="Rectangle 11"/>
-          <p:cNvSpPr>
-            <a:spLocks noGrp="1" noChangeArrowheads="1"/>
-          </p:cNvSpPr>
-          <p:nvPr>
-            <p:ph type="sldNum" sz="quarter" idx="4"/>
-          </p:nvPr>
-        </p:nvSpPr>
-        <p:spPr bwMode="auto">
-          <a:xfrm>
-            <a:off x="6400800" y="6613525"/>
-            <a:ext cx="2667000" cy="244475"/>
-          </a:xfrm>
-          <a:prstGeom prst="rect">
-            <a:avLst/>
-          </a:prstGeom>
-          <a:noFill/>
-          <a:ln w="9525">
-            <a:noFill/>
-            <a:miter lim="800000"/>
-            <a:headEnd/>
-            <a:tailEnd/>
-          </a:ln>
-          <a:effectLst/>
-        </p:spPr>
-        <p:txBody>
-          <a:bodyPr vert="horz" wrap="square" lIns="91440" tIns="45720" rIns="91440" bIns="45720" numCol="1" anchor="t" anchorCtr="0" compatLnSpc="1">
-            <a:prstTxWarp prst="textNoShape">
-              <a:avLst/>
-            </a:prstTxWarp>
-            <a:spAutoFit/>
-          </a:bodyPr>
-          <a:lstStyle>
-            <a:lvl1pPr algn="r">
-              <a:defRPr sz="1000"/>
-            </a:lvl1pPr>
-          </a:lstStyle>
-          <a:p>
-            <a:pPr>
-              <a:defRPr/>
-            </a:pPr>
-            <a:r>
-              <a:rPr lang="en-US" dirty="0" err="1" smtClean="0"/>
-              <a:t>samplespace</a:t>
-            </a:r>
-            <a:r>
-              <a:rPr lang="en-US" dirty="0" smtClean="0"/>
-              <a:t>.</a:t>
-            </a:r>
-            <a:fld id="{17233D2A-0857-4415-88C1-423492E69A26}" type="slidenum">
-              <a:rPr lang="en-US" smtClean="0"/>
-              <a:pPr>
-                <a:defRPr/>
-              </a:pPr>
-              <a:t>‹#›</a:t>
-            </a:fld>
-            <a:endParaRPr lang="en-US" dirty="0"/>
-          </a:p>
-        </p:txBody>
-      </p:sp>
-    </p:spTree>
-  </p:cSld>
-  <p:clrMapOvr>
-    <a:masterClrMapping/>
-  </p:clrMapOvr>
-</p:sldLayout>
-</file>
-
-<file path=ppt/slideLayouts/slideLayout12.xml><?xml version="1.0" encoding="utf-8"?>
-<p:sldLayout xmlns:a="http://schemas.openxmlformats.org/drawingml/2006/main" xmlns:r="http://schemas.openxmlformats.org/officeDocument/2006/relationships" xmlns:p="http://schemas.openxmlformats.org/presentationml/2006/main" userDrawn="1">
-  <p:cSld name="16_Title and Content">
-    <p:spTree>
-      <p:nvGrpSpPr>
-        <p:cNvPr id="1" name=""/>
-        <p:cNvGrpSpPr/>
-        <p:nvPr/>
-      </p:nvGrpSpPr>
-      <p:grpSpPr>
-        <a:xfrm>
-          <a:off x="0" y="0"/>
-          <a:ext cx="0" cy="0"/>
-          <a:chOff x="0" y="0"/>
-          <a:chExt cx="0" cy="0"/>
-        </a:xfrm>
-      </p:grpSpPr>
-      <p:sp>
-        <p:nvSpPr>
-          <p:cNvPr id="5" name="Title 4"/>
-          <p:cNvSpPr>
-            <a:spLocks noGrp="1"/>
-          </p:cNvSpPr>
-          <p:nvPr>
-            <p:ph type="title"/>
-          </p:nvPr>
-        </p:nvSpPr>
-        <p:spPr/>
-        <p:txBody>
-          <a:bodyPr/>
-          <a:lstStyle/>
-          <a:p>
-            <a:r>
-              <a:rPr lang="en-US" smtClean="0"/>
-              <a:t>Click to edit Master title style</a:t>
-            </a:r>
-            <a:endParaRPr lang="en-US"/>
-          </a:p>
-        </p:txBody>
-      </p:sp>
-    </p:spTree>
-  </p:cSld>
-  <p:clrMapOvr>
-    <a:masterClrMapping/>
-  </p:clrMapOvr>
-</p:sldLayout>
-</file>
-
-<file path=ppt/slideLayouts/slideLayout13.xml><?xml version="1.0" encoding="utf-8"?>
-<p:sldLayout xmlns:a="http://schemas.openxmlformats.org/drawingml/2006/main" xmlns:r="http://schemas.openxmlformats.org/officeDocument/2006/relationships" xmlns:p="http://schemas.openxmlformats.org/presentationml/2006/main" userDrawn="1">
-  <p:cSld name="17_Title and Content">
-    <p:spTree>
-      <p:nvGrpSpPr>
-        <p:cNvPr id="1" name=""/>
-        <p:cNvGrpSpPr/>
-        <p:nvPr/>
-      </p:nvGrpSpPr>
-      <p:grpSpPr>
-        <a:xfrm>
-          <a:off x="0" y="0"/>
-          <a:ext cx="0" cy="0"/>
-          <a:chOff x="0" y="0"/>
-          <a:chExt cx="0" cy="0"/>
-        </a:xfrm>
-      </p:grpSpPr>
-      <p:sp>
-        <p:nvSpPr>
-          <p:cNvPr id="5" name="Title 4"/>
-          <p:cNvSpPr>
-            <a:spLocks noGrp="1"/>
-          </p:cNvSpPr>
-          <p:nvPr>
-            <p:ph type="title"/>
-          </p:nvPr>
-        </p:nvSpPr>
-        <p:spPr/>
-        <p:txBody>
-          <a:bodyPr/>
-          <a:lstStyle/>
-          <a:p>
-            <a:r>
-              <a:rPr lang="en-US" smtClean="0"/>
-              <a:t>Click to edit Master title style</a:t>
-            </a:r>
-            <a:endParaRPr lang="en-US"/>
-          </a:p>
-        </p:txBody>
-      </p:sp>
-    </p:spTree>
-  </p:cSld>
-  <p:clrMapOvr>
-    <a:masterClrMapping/>
-  </p:clrMapOvr>
-</p:sldLayout>
-</file>
-
-<file path=ppt/slideLayouts/slideLayout14.xml><?xml version="1.0" encoding="utf-8"?>
-<p:sldLayout xmlns:a="http://schemas.openxmlformats.org/drawingml/2006/main" xmlns:r="http://schemas.openxmlformats.org/officeDocument/2006/relationships" xmlns:p="http://schemas.openxmlformats.org/presentationml/2006/main" userDrawn="1">
-  <p:cSld name="18_Title and Content">
-    <p:spTree>
-      <p:nvGrpSpPr>
-        <p:cNvPr id="1" name=""/>
-        <p:cNvGrpSpPr/>
-        <p:nvPr/>
-      </p:nvGrpSpPr>
-      <p:grpSpPr>
-        <a:xfrm>
-          <a:off x="0" y="0"/>
-          <a:ext cx="0" cy="0"/>
-          <a:chOff x="0" y="0"/>
-          <a:chExt cx="0" cy="0"/>
-        </a:xfrm>
-      </p:grpSpPr>
-      <p:sp>
-        <p:nvSpPr>
-          <p:cNvPr id="5" name="Title 4"/>
-          <p:cNvSpPr>
-            <a:spLocks noGrp="1"/>
-          </p:cNvSpPr>
-          <p:nvPr>
-            <p:ph type="title"/>
-          </p:nvPr>
-        </p:nvSpPr>
-        <p:spPr/>
-        <p:txBody>
-          <a:bodyPr/>
-          <a:lstStyle/>
-          <a:p>
-            <a:r>
-              <a:rPr lang="en-US" smtClean="0"/>
-              <a:t>Click to edit Master title style</a:t>
-            </a:r>
-            <a:endParaRPr lang="en-US"/>
-          </a:p>
-        </p:txBody>
-      </p:sp>
-    </p:spTree>
-  </p:cSld>
-  <p:clrMapOvr>
-    <a:masterClrMapping/>
-  </p:clrMapOvr>
-</p:sldLayout>
-</file>
-
 <file path=ppt/slideLayouts/slideLayout2.xml><?xml version="1.0" encoding="utf-8"?>
 <p:sldLayout xmlns:a="http://schemas.openxmlformats.org/drawingml/2006/main" xmlns:r="http://schemas.openxmlformats.org/officeDocument/2006/relationships" xmlns:p="http://schemas.openxmlformats.org/presentationml/2006/main" type="obj" preserve="1">
   <p:cSld name="Title and Content">
@@ -3757,116 +2539,6 @@
 </file>
 
 <file path=ppt/slideLayouts/slideLayout8.xml><?xml version="1.0" encoding="utf-8"?>
-<p:sldLayout xmlns:a="http://schemas.openxmlformats.org/drawingml/2006/main" xmlns:r="http://schemas.openxmlformats.org/officeDocument/2006/relationships" xmlns:p="http://schemas.openxmlformats.org/presentationml/2006/main" userDrawn="1">
-  <p:cSld name="12_Title and Content">
-    <p:spTree>
-      <p:nvGrpSpPr>
-        <p:cNvPr id="1" name=""/>
-        <p:cNvGrpSpPr/>
-        <p:nvPr/>
-      </p:nvGrpSpPr>
-      <p:grpSpPr>
-        <a:xfrm>
-          <a:off x="0" y="0"/>
-          <a:ext cx="0" cy="0"/>
-          <a:chOff x="0" y="0"/>
-          <a:chExt cx="0" cy="0"/>
-        </a:xfrm>
-      </p:grpSpPr>
-      <p:sp>
-        <p:nvSpPr>
-          <p:cNvPr id="5" name="Title 4"/>
-          <p:cNvSpPr>
-            <a:spLocks noGrp="1"/>
-          </p:cNvSpPr>
-          <p:nvPr>
-            <p:ph type="title"/>
-          </p:nvPr>
-        </p:nvSpPr>
-        <p:spPr/>
-        <p:txBody>
-          <a:bodyPr/>
-          <a:lstStyle/>
-          <a:p>
-            <a:r>
-              <a:rPr lang="en-US" smtClean="0"/>
-              <a:t>Click to edit Master title style</a:t>
-            </a:r>
-            <a:endParaRPr lang="en-US"/>
-          </a:p>
-        </p:txBody>
-      </p:sp>
-      <p:sp>
-        <p:nvSpPr>
-          <p:cNvPr id="3" name="Rectangle 11"/>
-          <p:cNvSpPr>
-            <a:spLocks noGrp="1" noChangeArrowheads="1"/>
-          </p:cNvSpPr>
-          <p:nvPr>
-            <p:ph type="sldNum" sz="quarter" idx="4"/>
-          </p:nvPr>
-        </p:nvSpPr>
-        <p:spPr bwMode="auto">
-          <a:xfrm>
-            <a:off x="6400800" y="6613525"/>
-            <a:ext cx="2667000" cy="244475"/>
-          </a:xfrm>
-          <a:prstGeom prst="rect">
-            <a:avLst/>
-          </a:prstGeom>
-          <a:noFill/>
-          <a:ln w="9525">
-            <a:noFill/>
-            <a:miter lim="800000"/>
-            <a:headEnd/>
-            <a:tailEnd/>
-          </a:ln>
-          <a:effectLst/>
-        </p:spPr>
-        <p:txBody>
-          <a:bodyPr vert="horz" wrap="square" lIns="91440" tIns="45720" rIns="91440" bIns="45720" numCol="1" anchor="t" anchorCtr="0" compatLnSpc="1">
-            <a:prstTxWarp prst="textNoShape">
-              <a:avLst/>
-            </a:prstTxWarp>
-            <a:spAutoFit/>
-          </a:bodyPr>
-          <a:lstStyle>
-            <a:lvl1pPr algn="r">
-              <a:defRPr sz="1000"/>
-            </a:lvl1pPr>
-          </a:lstStyle>
-          <a:p>
-            <a:pPr>
-              <a:defRPr/>
-            </a:pPr>
-            <a:r>
-              <a:rPr lang="en-US" dirty="0" err="1" smtClean="0"/>
-              <a:t>samplespace</a:t>
-            </a:r>
-            <a:r>
-              <a:rPr lang="en-US" dirty="0" smtClean="0"/>
-              <a:t>.</a:t>
-            </a:r>
-            <a:fld id="{17233D2A-0857-4415-88C1-423492E69A26}" type="slidenum">
-              <a:rPr lang="en-US" smtClean="0"/>
-              <a:pPr>
-                <a:defRPr/>
-              </a:pPr>
-              <a:t>‹#›</a:t>
-            </a:fld>
-            <a:endParaRPr lang="en-US" dirty="0"/>
-          </a:p>
-        </p:txBody>
-      </p:sp>
-    </p:spTree>
-  </p:cSld>
-  <p:clrMapOvr>
-    <a:masterClrMapping/>
-  </p:clrMapOvr>
-</p:sldLayout>
-</file>
-
-<file path=ppt/slideLayouts/slideLayout9.xml><?xml version="1.0" encoding="utf-8"?>
 <p:sldLayout xmlns:a="http://schemas.openxmlformats.org/drawingml/2006/main" xmlns:r="http://schemas.openxmlformats.org/officeDocument/2006/relationships" xmlns:p="http://schemas.openxmlformats.org/presentationml/2006/main" userDrawn="1">
   <p:cSld name="13_Title and Content">
     <p:spTree>
@@ -4184,7 +2856,7 @@
           <p:nvPr userDrawn="1"/>
         </p:nvPicPr>
         <p:blipFill>
-          <a:blip r:embed="rId16"/>
+          <a:blip r:embed="rId10"/>
           <a:srcRect/>
           <a:stretch>
             <a:fillRect/>
@@ -4284,7 +2956,7 @@
           <p:nvPr userDrawn="1"/>
         </p:nvPicPr>
         <p:blipFill>
-          <a:blip r:embed="rId17"/>
+          <a:blip r:embed="rId11"/>
           <a:stretch>
             <a:fillRect/>
           </a:stretch>
@@ -4310,13 +2982,7 @@
     <p:sldLayoutId id="2147483662" r:id="rId5"/>
     <p:sldLayoutId id="2147483667" r:id="rId6"/>
     <p:sldLayoutId id="2147483675" r:id="rId7"/>
-    <p:sldLayoutId id="2147483676" r:id="rId8"/>
-    <p:sldLayoutId id="2147483677" r:id="rId9"/>
-    <p:sldLayoutId id="2147483678" r:id="rId10"/>
-    <p:sldLayoutId id="2147483679" r:id="rId11"/>
-    <p:sldLayoutId id="2147483680" r:id="rId12"/>
-    <p:sldLayoutId id="2147483681" r:id="rId13"/>
-    <p:sldLayoutId id="2147483682" r:id="rId14"/>
+    <p:sldLayoutId id="2147483677" r:id="rId8"/>
   </p:sldLayoutIdLst>
   <p:timing>
     <p:tnLst>
@@ -4994,2393 +3660,7 @@
 </p:sld>
 </file>
 
-<file path=ppt/slides/slide10.xml><?xml version="1.0" encoding="utf-8"?>
-<p:sld xmlns:a="http://schemas.openxmlformats.org/drawingml/2006/main" xmlns:r="http://schemas.openxmlformats.org/officeDocument/2006/relationships" xmlns:p="http://schemas.openxmlformats.org/presentationml/2006/main">
-  <p:cSld>
-    <p:spTree>
-      <p:nvGrpSpPr>
-        <p:cNvPr id="1" name=""/>
-        <p:cNvGrpSpPr/>
-        <p:nvPr/>
-      </p:nvGrpSpPr>
-      <p:grpSpPr>
-        <a:xfrm>
-          <a:off x="0" y="0"/>
-          <a:ext cx="0" cy="0"/>
-          <a:chOff x="0" y="0"/>
-          <a:chExt cx="0" cy="0"/>
-        </a:xfrm>
-      </p:grpSpPr>
-      <p:sp>
-        <p:nvSpPr>
-          <p:cNvPr id="27650" name="Rectangle 2"/>
-          <p:cNvSpPr>
-            <a:spLocks noGrp="1" noChangeArrowheads="1"/>
-          </p:cNvSpPr>
-          <p:nvPr>
-            <p:ph type="title"/>
-          </p:nvPr>
-        </p:nvSpPr>
-        <p:spPr>
-          <a:noFill/>
-        </p:spPr>
-        <p:txBody>
-          <a:bodyPr/>
-          <a:lstStyle/>
-          <a:p>
-            <a:pPr eaLnBrk="1" hangingPunct="1"/>
-            <a:r>
-              <a:rPr lang="en-US" sz="4400" dirty="0" smtClean="0">
-                <a:solidFill>
-                  <a:schemeClr val="tx1"/>
-                </a:solidFill>
-                <a:latin typeface="Comic Sans MS" pitchFamily="-128" charset="0"/>
-              </a:rPr>
-              <a:t>Inclusion-Exclusion</a:t>
-            </a:r>
-          </a:p>
-        </p:txBody>
-      </p:sp>
-      <p:pic>
-        <p:nvPicPr>
-          <p:cNvPr id="27651" name="Picture 3" descr="TP_tmp"/>
-          <p:cNvPicPr>
-            <a:picLocks noChangeAspect="1" noChangeArrowheads="1"/>
-          </p:cNvPicPr>
-          <p:nvPr>
-            <p:custDataLst>
-              <p:tags r:id="rId1"/>
-            </p:custDataLst>
-          </p:nvPr>
-        </p:nvPicPr>
-        <p:blipFill>
-          <a:blip r:embed="rId5">
-            <a:clrChange>
-              <a:clrFrom>
-                <a:srgbClr val="FFFFFF"/>
-              </a:clrFrom>
-              <a:clrTo>
-                <a:srgbClr val="FFFFFF">
-                  <a:alpha val="0"/>
-                </a:srgbClr>
-              </a:clrTo>
-            </a:clrChange>
-          </a:blip>
-          <a:srcRect/>
-          <a:stretch>
-            <a:fillRect/>
-          </a:stretch>
-        </p:blipFill>
-        <p:spPr bwMode="auto">
-          <a:xfrm>
-            <a:off x="5080000" y="3810000"/>
-            <a:ext cx="1588" cy="1588"/>
-          </a:xfrm>
-          <a:prstGeom prst="rect">
-            <a:avLst/>
-          </a:prstGeom>
-          <a:noFill/>
-          <a:ln w="9525">
-            <a:noFill/>
-            <a:miter lim="800000"/>
-            <a:headEnd/>
-            <a:tailEnd/>
-          </a:ln>
-        </p:spPr>
-      </p:pic>
-      <p:pic>
-        <p:nvPicPr>
-          <p:cNvPr id="27652" name="Picture 4" descr="TP_tmp"/>
-          <p:cNvPicPr>
-            <a:picLocks noChangeAspect="1" noChangeArrowheads="1"/>
-          </p:cNvPicPr>
-          <p:nvPr>
-            <p:custDataLst>
-              <p:tags r:id="rId2"/>
-            </p:custDataLst>
-          </p:nvPr>
-        </p:nvPicPr>
-        <p:blipFill>
-          <a:blip r:embed="rId6">
-            <a:clrChange>
-              <a:clrFrom>
-                <a:srgbClr val="FFFFFF"/>
-              </a:clrFrom>
-              <a:clrTo>
-                <a:srgbClr val="FFFFFF">
-                  <a:alpha val="0"/>
-                </a:srgbClr>
-              </a:clrTo>
-            </a:clrChange>
-          </a:blip>
-          <a:srcRect/>
-          <a:stretch>
-            <a:fillRect/>
-          </a:stretch>
-        </p:blipFill>
-        <p:spPr bwMode="auto">
-          <a:xfrm>
-            <a:off x="5080000" y="3810000"/>
-            <a:ext cx="1588" cy="1588"/>
-          </a:xfrm>
-          <a:prstGeom prst="rect">
-            <a:avLst/>
-          </a:prstGeom>
-          <a:noFill/>
-          <a:ln w="9525">
-            <a:noFill/>
-            <a:miter lim="800000"/>
-            <a:headEnd/>
-            <a:tailEnd/>
-          </a:ln>
-        </p:spPr>
-      </p:pic>
-      <p:sp>
-        <p:nvSpPr>
-          <p:cNvPr id="27653" name="Rectangle 7"/>
-          <p:cNvSpPr>
-            <a:spLocks noChangeArrowheads="1"/>
-          </p:cNvSpPr>
-          <p:nvPr/>
-        </p:nvSpPr>
-        <p:spPr bwMode="auto">
-          <a:xfrm>
-            <a:off x="609600" y="1143000"/>
-            <a:ext cx="7826181" cy="4524315"/>
-          </a:xfrm>
-          <a:prstGeom prst="rect">
-            <a:avLst/>
-          </a:prstGeom>
-          <a:noFill/>
-          <a:ln w="9525">
-            <a:noFill/>
-            <a:miter lim="800000"/>
-            <a:headEnd/>
-            <a:tailEnd/>
-          </a:ln>
-        </p:spPr>
-        <p:txBody>
-          <a:bodyPr wrap="none">
-            <a:spAutoFit/>
-          </a:bodyPr>
-          <a:lstStyle/>
-          <a:p>
-            <a:r>
-              <a:rPr lang="en-US" sz="9600" dirty="0" err="1" smtClean="0">
-                <a:solidFill>
-                  <a:srgbClr val="0000E5"/>
-                </a:solidFill>
-                <a:latin typeface="Comic Sans MS" pitchFamily="-128" charset="0"/>
-              </a:rPr>
-              <a:t>Pr{A</a:t>
-            </a:r>
-            <a:r>
-              <a:rPr lang="en-US" sz="9600" b="1" dirty="0" err="1" smtClean="0">
-                <a:solidFill>
-                  <a:srgbClr val="0000E5"/>
-                </a:solidFill>
-                <a:latin typeface="Comic Sans MS" pitchFamily="-128" charset="0"/>
-                <a:sym typeface="Symbol"/>
-              </a:rPr>
-              <a:t>∪</a:t>
-            </a:r>
-            <a:r>
-              <a:rPr lang="en-US" sz="9600" dirty="0" err="1" smtClean="0">
-                <a:solidFill>
-                  <a:srgbClr val="0000E5"/>
-                </a:solidFill>
-                <a:latin typeface="Comic Sans MS" pitchFamily="-128" charset="0"/>
-              </a:rPr>
-              <a:t>B</a:t>
-            </a:r>
-            <a:r>
-              <a:rPr lang="en-US" sz="9600" dirty="0" smtClean="0">
-                <a:solidFill>
-                  <a:srgbClr val="0000E5"/>
-                </a:solidFill>
-                <a:latin typeface="Comic Sans MS" pitchFamily="-128" charset="0"/>
-              </a:rPr>
-              <a:t>} =</a:t>
-            </a:r>
-          </a:p>
-          <a:p>
-            <a:r>
-              <a:rPr lang="en-US" sz="9600" dirty="0" smtClean="0">
-                <a:solidFill>
-                  <a:srgbClr val="0000E5"/>
-                </a:solidFill>
-                <a:latin typeface="Comic Sans MS" pitchFamily="-128" charset="0"/>
-              </a:rPr>
-              <a:t> Pr{A} + Pr{B}</a:t>
-            </a:r>
-          </a:p>
-          <a:p>
-            <a:r>
-              <a:rPr lang="en-US" sz="9600" dirty="0">
-                <a:solidFill>
-                  <a:srgbClr val="0000E5"/>
-                </a:solidFill>
-                <a:latin typeface="Comic Sans MS" pitchFamily="-128" charset="0"/>
-              </a:rPr>
-              <a:t> </a:t>
-            </a:r>
-            <a:r>
-              <a:rPr lang="en-US" sz="9600" dirty="0" smtClean="0">
-                <a:solidFill>
-                  <a:srgbClr val="0000E5"/>
-                </a:solidFill>
-                <a:latin typeface="Comic Sans MS" pitchFamily="-128" charset="0"/>
-              </a:rPr>
-              <a:t>  -</a:t>
-            </a:r>
-            <a:r>
-              <a:rPr lang="en-US" sz="9600" dirty="0" err="1" smtClean="0">
-                <a:solidFill>
-                  <a:srgbClr val="0000E5"/>
-                </a:solidFill>
-                <a:latin typeface="Comic Sans MS" pitchFamily="-128" charset="0"/>
-              </a:rPr>
-              <a:t>Pr{A</a:t>
-            </a:r>
-            <a:r>
-              <a:rPr lang="en-US" sz="9600" dirty="0" err="1" smtClean="0">
-                <a:solidFill>
-                  <a:srgbClr val="0000E5"/>
-                </a:solidFill>
-                <a:latin typeface="Comic Sans MS" pitchFamily="-128" charset="0"/>
-                <a:sym typeface="Symbol" pitchFamily="18" charset="2"/>
-              </a:rPr>
-              <a:t>∩</a:t>
-            </a:r>
-            <a:r>
-              <a:rPr lang="en-US" sz="9600" dirty="0" err="1" smtClean="0">
-                <a:solidFill>
-                  <a:srgbClr val="0000E5"/>
-                </a:solidFill>
-                <a:latin typeface="Comic Sans MS" pitchFamily="-128" charset="0"/>
-              </a:rPr>
-              <a:t>B</a:t>
-            </a:r>
-            <a:r>
-              <a:rPr lang="en-US" sz="9600" dirty="0" smtClean="0">
-                <a:solidFill>
-                  <a:srgbClr val="0000E5"/>
-                </a:solidFill>
-                <a:latin typeface="Comic Sans MS" pitchFamily="-128" charset="0"/>
-              </a:rPr>
-              <a:t>}</a:t>
-            </a:r>
-            <a:endParaRPr lang="en-US" sz="9600" dirty="0">
-              <a:solidFill>
-                <a:srgbClr val="0000E5"/>
-              </a:solidFill>
-              <a:latin typeface="Comic Sans MS" pitchFamily="-128" charset="0"/>
-            </a:endParaRPr>
-          </a:p>
-        </p:txBody>
-      </p:sp>
-      <p:sp>
-        <p:nvSpPr>
-          <p:cNvPr id="6" name="Rectangle 11"/>
-          <p:cNvSpPr txBox="1">
-            <a:spLocks noChangeArrowheads="1"/>
-          </p:cNvSpPr>
-          <p:nvPr/>
-        </p:nvSpPr>
-        <p:spPr bwMode="auto">
-          <a:xfrm>
-            <a:off x="6400800" y="6613525"/>
-            <a:ext cx="2667000" cy="244475"/>
-          </a:xfrm>
-          <a:prstGeom prst="rect">
-            <a:avLst/>
-          </a:prstGeom>
-          <a:noFill/>
-          <a:ln w="9525">
-            <a:noFill/>
-            <a:miter lim="800000"/>
-            <a:headEnd/>
-            <a:tailEnd/>
-          </a:ln>
-          <a:effectLst/>
-        </p:spPr>
-        <p:txBody>
-          <a:bodyPr vert="horz" wrap="square" lIns="91440" tIns="45720" rIns="91440" bIns="45720" numCol="1" anchor="t" anchorCtr="0" compatLnSpc="1">
-            <a:prstTxWarp prst="textNoShape">
-              <a:avLst/>
-            </a:prstTxWarp>
-            <a:spAutoFit/>
-          </a:bodyPr>
-          <a:lstStyle>
-            <a:lvl1pPr algn="r">
-              <a:defRPr sz="1000"/>
-            </a:lvl1pPr>
-          </a:lstStyle>
-          <a:p>
-            <a:pPr marL="0" marR="0" lvl="0" indent="0" algn="r" defTabSz="914400" rtl="0" eaLnBrk="1" fontAlgn="base" latinLnBrk="0" hangingPunct="1">
-              <a:lnSpc>
-                <a:spcPct val="100000"/>
-              </a:lnSpc>
-              <a:spcBef>
-                <a:spcPct val="0"/>
-              </a:spcBef>
-              <a:spcAft>
-                <a:spcPct val="0"/>
-              </a:spcAft>
-              <a:buClrTx/>
-              <a:buSzTx/>
-              <a:buFontTx/>
-              <a:buNone/>
-              <a:tabLst/>
-              <a:defRPr/>
-            </a:pPr>
-            <a:r>
-              <a:rPr kumimoji="0" lang="en-US" sz="1000" b="0" i="0" u="none" strike="noStrike" kern="1200" cap="none" spc="0" normalizeH="0" baseline="0" noProof="0" dirty="0" err="1" smtClean="0">
-                <a:ln>
-                  <a:noFill/>
-                </a:ln>
-                <a:solidFill>
-                  <a:schemeClr val="tx1"/>
-                </a:solidFill>
-                <a:effectLst/>
-                <a:uLnTx/>
-                <a:uFillTx/>
-                <a:latin typeface="Comic Sans MS" pitchFamily="66" charset="0"/>
-                <a:ea typeface="+mn-ea"/>
-                <a:cs typeface="+mn-cs"/>
-              </a:rPr>
-              <a:t>samplespace</a:t>
-            </a:r>
-            <a:r>
-              <a:rPr kumimoji="0" lang="en-US" sz="1000" b="0" i="0" u="none" strike="noStrike" kern="1200" cap="none" spc="0" normalizeH="0" baseline="0" noProof="0" dirty="0" smtClean="0">
-                <a:ln>
-                  <a:noFill/>
-                </a:ln>
-                <a:solidFill>
-                  <a:schemeClr val="tx1"/>
-                </a:solidFill>
-                <a:effectLst/>
-                <a:uLnTx/>
-                <a:uFillTx/>
-                <a:latin typeface="Comic Sans MS" pitchFamily="66" charset="0"/>
-                <a:ea typeface="+mn-ea"/>
-                <a:cs typeface="+mn-cs"/>
-              </a:rPr>
-              <a:t>.</a:t>
-            </a:r>
-            <a:fld id="{17233D2A-0857-4415-88C1-423492E69A26}" type="slidenum">
-              <a:rPr kumimoji="0" lang="en-US" sz="1000" b="0" i="0" u="none" strike="noStrike" kern="1200" cap="none" spc="0" normalizeH="0" baseline="0" noProof="0" smtClean="0">
-                <a:ln>
-                  <a:noFill/>
-                </a:ln>
-                <a:solidFill>
-                  <a:schemeClr val="tx1"/>
-                </a:solidFill>
-                <a:effectLst/>
-                <a:uLnTx/>
-                <a:uFillTx/>
-                <a:latin typeface="Comic Sans MS" pitchFamily="66" charset="0"/>
-                <a:ea typeface="+mn-ea"/>
-                <a:cs typeface="+mn-cs"/>
-              </a:rPr>
-              <a:pPr marL="0" marR="0" lvl="0" indent="0" algn="r" defTabSz="914400" rtl="0" eaLnBrk="1" fontAlgn="base" latinLnBrk="0" hangingPunct="1">
-                <a:lnSpc>
-                  <a:spcPct val="100000"/>
-                </a:lnSpc>
-                <a:spcBef>
-                  <a:spcPct val="0"/>
-                </a:spcBef>
-                <a:spcAft>
-                  <a:spcPct val="0"/>
-                </a:spcAft>
-                <a:buClrTx/>
-                <a:buSzTx/>
-                <a:buFontTx/>
-                <a:buNone/>
-                <a:tabLst/>
-                <a:defRPr/>
-              </a:pPr>
-              <a:t>10</a:t>
-            </a:fld>
-            <a:endParaRPr kumimoji="0" lang="en-US" sz="1000" b="0" i="0" u="none" strike="noStrike" kern="1200" cap="none" spc="0" normalizeH="0" baseline="0" noProof="0" dirty="0">
-              <a:ln>
-                <a:noFill/>
-              </a:ln>
-              <a:solidFill>
-                <a:schemeClr val="tx1"/>
-              </a:solidFill>
-              <a:effectLst/>
-              <a:uLnTx/>
-              <a:uFillTx/>
-              <a:latin typeface="Comic Sans MS" pitchFamily="66" charset="0"/>
-              <a:ea typeface="+mn-ea"/>
-              <a:cs typeface="+mn-cs"/>
-            </a:endParaRPr>
-          </a:p>
-        </p:txBody>
-      </p:sp>
-    </p:spTree>
-  </p:cSld>
-  <p:clrMapOvr>
-    <a:masterClrMapping/>
-  </p:clrMapOvr>
-  <p:transition xmlns:p14="http://schemas.microsoft.com/office/powerpoint/2010/main" spd="slow" advClick="0">
-    <p:fade/>
-  </p:transition>
-  <p:timing>
-    <p:tnLst>
-      <p:par>
-        <p:cTn xmlns:p14="http://schemas.microsoft.com/office/powerpoint/2010/main" id="1" dur="indefinite" restart="never" nodeType="tmRoot">
-          <p:childTnLst>
-            <p:seq concurrent="1" nextAc="seek">
-              <p:cTn id="2" dur="indefinite" nodeType="mainSeq">
-                <p:childTnLst>
-                  <p:par>
-                    <p:cTn id="3" fill="hold">
-                      <p:stCondLst>
-                        <p:cond delay="indefinite"/>
-                        <p:cond evt="onBegin" delay="0">
-                          <p:tn val="2"/>
-                        </p:cond>
-                      </p:stCondLst>
-                      <p:childTnLst>
-                        <p:par>
-                          <p:cTn id="4" fill="hold">
-                            <p:stCondLst>
-                              <p:cond delay="0"/>
-                            </p:stCondLst>
-                            <p:childTnLst>
-                              <p:par>
-                                <p:cTn id="5" presetID="15" presetClass="entr" presetSubtype="0" fill="hold" nodeType="afterEffect">
-                                  <p:stCondLst>
-                                    <p:cond delay="0"/>
-                                  </p:stCondLst>
-                                  <p:childTnLst>
-                                    <p:set>
-                                      <p:cBhvr>
-                                        <p:cTn id="6" dur="1" fill="hold">
-                                          <p:stCondLst>
-                                            <p:cond delay="0"/>
-                                          </p:stCondLst>
-                                        </p:cTn>
-                                        <p:tgtEl>
-                                          <p:spTgt spid="27653">
-                                            <p:txEl>
-                                              <p:pRg st="2" end="2"/>
-                                            </p:txEl>
-                                          </p:spTgt>
-                                        </p:tgtEl>
-                                        <p:attrNameLst>
-                                          <p:attrName>style.visibility</p:attrName>
-                                        </p:attrNameLst>
-                                      </p:cBhvr>
-                                      <p:to>
-                                        <p:strVal val="visible"/>
-                                      </p:to>
-                                    </p:set>
-                                    <p:anim calcmode="lin" valueType="num">
-                                      <p:cBhvr>
-                                        <p:cTn id="7" dur="1000" fill="hold"/>
-                                        <p:tgtEl>
-                                          <p:spTgt spid="27653">
-                                            <p:txEl>
-                                              <p:pRg st="2" end="2"/>
-                                            </p:txEl>
-                                          </p:spTgt>
-                                        </p:tgtEl>
-                                        <p:attrNameLst>
-                                          <p:attrName>ppt_w</p:attrName>
-                                        </p:attrNameLst>
-                                      </p:cBhvr>
-                                      <p:tavLst>
-                                        <p:tav tm="0">
-                                          <p:val>
-                                            <p:fltVal val="0"/>
-                                          </p:val>
-                                        </p:tav>
-                                        <p:tav tm="100000">
-                                          <p:val>
-                                            <p:strVal val="#ppt_w"/>
-                                          </p:val>
-                                        </p:tav>
-                                      </p:tavLst>
-                                    </p:anim>
-                                    <p:anim calcmode="lin" valueType="num">
-                                      <p:cBhvr>
-                                        <p:cTn id="8" dur="1000" fill="hold"/>
-                                        <p:tgtEl>
-                                          <p:spTgt spid="27653">
-                                            <p:txEl>
-                                              <p:pRg st="2" end="2"/>
-                                            </p:txEl>
-                                          </p:spTgt>
-                                        </p:tgtEl>
-                                        <p:attrNameLst>
-                                          <p:attrName>ppt_h</p:attrName>
-                                        </p:attrNameLst>
-                                      </p:cBhvr>
-                                      <p:tavLst>
-                                        <p:tav tm="0">
-                                          <p:val>
-                                            <p:fltVal val="0"/>
-                                          </p:val>
-                                        </p:tav>
-                                        <p:tav tm="100000">
-                                          <p:val>
-                                            <p:strVal val="#ppt_h"/>
-                                          </p:val>
-                                        </p:tav>
-                                      </p:tavLst>
-                                    </p:anim>
-                                    <p:anim calcmode="lin" valueType="num">
-                                      <p:cBhvr>
-                                        <p:cTn id="9" dur="1000" fill="hold"/>
-                                        <p:tgtEl>
-                                          <p:spTgt spid="27653">
-                                            <p:txEl>
-                                              <p:pRg st="2" end="2"/>
-                                            </p:txEl>
-                                          </p:spTgt>
-                                        </p:tgtEl>
-                                        <p:attrNameLst>
-                                          <p:attrName>ppt_x</p:attrName>
-                                        </p:attrNameLst>
-                                      </p:cBhvr>
-                                      <p:tavLst>
-                                        <p:tav tm="0" fmla="#ppt_x+(cos(-2*pi*(1-$))*-#ppt_x-sin(-2*pi*(1-$))*(1-#ppt_y))*(1-$)">
-                                          <p:val>
-                                            <p:fltVal val="0"/>
-                                          </p:val>
-                                        </p:tav>
-                                        <p:tav tm="100000">
-                                          <p:val>
-                                            <p:fltVal val="1"/>
-                                          </p:val>
-                                        </p:tav>
-                                      </p:tavLst>
-                                    </p:anim>
-                                    <p:anim calcmode="lin" valueType="num">
-                                      <p:cBhvr>
-                                        <p:cTn id="10" dur="1000" fill="hold"/>
-                                        <p:tgtEl>
-                                          <p:spTgt spid="27653">
-                                            <p:txEl>
-                                              <p:pRg st="2" end="2"/>
-                                            </p:txEl>
-                                          </p:spTgt>
-                                        </p:tgtEl>
-                                        <p:attrNameLst>
-                                          <p:attrName>ppt_y</p:attrName>
-                                        </p:attrNameLst>
-                                      </p:cBhvr>
-                                      <p:tavLst>
-                                        <p:tav tm="0" fmla="#ppt_y+(sin(-2*pi*(1-$))*-#ppt_x+cos(-2*pi*(1-$))*(1-#ppt_y))*(1-$)">
-                                          <p:val>
-                                            <p:fltVal val="0"/>
-                                          </p:val>
-                                        </p:tav>
-                                        <p:tav tm="100000">
-                                          <p:val>
-                                            <p:fltVal val="1"/>
-                                          </p:val>
-                                        </p:tav>
-                                      </p:tavLst>
-                                    </p:anim>
-                                  </p:childTnLst>
-                                </p:cTn>
-                              </p:par>
-                            </p:childTnLst>
-                          </p:cTn>
-                        </p:par>
-                      </p:childTnLst>
-                    </p:cTn>
-                  </p:par>
-                </p:childTnLst>
-              </p:cTn>
-              <p:prevCondLst>
-                <p:cond evt="onPrev" delay="0">
-                  <p:tgtEl>
-                    <p:sldTgt/>
-                  </p:tgtEl>
-                </p:cond>
-              </p:prevCondLst>
-              <p:nextCondLst>
-                <p:cond evt="onNext" delay="0">
-                  <p:tgtEl>
-                    <p:sldTgt/>
-                  </p:tgtEl>
-                </p:cond>
-              </p:nextCondLst>
-            </p:seq>
-          </p:childTnLst>
-        </p:cTn>
-      </p:par>
-    </p:tnLst>
-  </p:timing>
-</p:sld>
-</file>
-
-<file path=ppt/slides/slide11.xml><?xml version="1.0" encoding="utf-8"?>
-<p:sld xmlns:a="http://schemas.openxmlformats.org/drawingml/2006/main" xmlns:r="http://schemas.openxmlformats.org/officeDocument/2006/relationships" xmlns:p="http://schemas.openxmlformats.org/presentationml/2006/main">
-  <p:cSld>
-    <p:spTree>
-      <p:nvGrpSpPr>
-        <p:cNvPr id="1" name=""/>
-        <p:cNvGrpSpPr/>
-        <p:nvPr/>
-      </p:nvGrpSpPr>
-      <p:grpSpPr>
-        <a:xfrm>
-          <a:off x="0" y="0"/>
-          <a:ext cx="0" cy="0"/>
-          <a:chOff x="0" y="0"/>
-          <a:chExt cx="0" cy="0"/>
-        </a:xfrm>
-      </p:grpSpPr>
-      <p:sp>
-        <p:nvSpPr>
-          <p:cNvPr id="27650" name="Rectangle 2"/>
-          <p:cNvSpPr>
-            <a:spLocks noGrp="1" noChangeArrowheads="1"/>
-          </p:cNvSpPr>
-          <p:nvPr>
-            <p:ph type="title"/>
-          </p:nvPr>
-        </p:nvSpPr>
-        <p:spPr>
-          <a:noFill/>
-        </p:spPr>
-        <p:txBody>
-          <a:bodyPr/>
-          <a:lstStyle/>
-          <a:p>
-            <a:pPr eaLnBrk="1" hangingPunct="1"/>
-            <a:r>
-              <a:rPr lang="en-US" sz="4400" dirty="0" smtClean="0">
-                <a:solidFill>
-                  <a:schemeClr val="tx1"/>
-                </a:solidFill>
-                <a:latin typeface="Comic Sans MS" pitchFamily="-128" charset="0"/>
-              </a:rPr>
-              <a:t>Inclusion-Exclusion</a:t>
-            </a:r>
-          </a:p>
-        </p:txBody>
-      </p:sp>
-      <p:pic>
-        <p:nvPicPr>
-          <p:cNvPr id="27651" name="Picture 3" descr="TP_tmp"/>
-          <p:cNvPicPr>
-            <a:picLocks noChangeAspect="1" noChangeArrowheads="1"/>
-          </p:cNvPicPr>
-          <p:nvPr>
-            <p:custDataLst>
-              <p:tags r:id="rId2"/>
-            </p:custDataLst>
-          </p:nvPr>
-        </p:nvPicPr>
-        <p:blipFill>
-          <a:blip r:embed="rId6">
-            <a:clrChange>
-              <a:clrFrom>
-                <a:srgbClr val="FFFFFF"/>
-              </a:clrFrom>
-              <a:clrTo>
-                <a:srgbClr val="FFFFFF">
-                  <a:alpha val="0"/>
-                </a:srgbClr>
-              </a:clrTo>
-            </a:clrChange>
-          </a:blip>
-          <a:srcRect/>
-          <a:stretch>
-            <a:fillRect/>
-          </a:stretch>
-        </p:blipFill>
-        <p:spPr bwMode="auto">
-          <a:xfrm>
-            <a:off x="5080000" y="3810000"/>
-            <a:ext cx="1588" cy="1588"/>
-          </a:xfrm>
-          <a:prstGeom prst="rect">
-            <a:avLst/>
-          </a:prstGeom>
-          <a:noFill/>
-          <a:ln w="9525">
-            <a:noFill/>
-            <a:miter lim="800000"/>
-            <a:headEnd/>
-            <a:tailEnd/>
-          </a:ln>
-        </p:spPr>
-      </p:pic>
-      <p:pic>
-        <p:nvPicPr>
-          <p:cNvPr id="27652" name="Picture 4" descr="TP_tmp"/>
-          <p:cNvPicPr>
-            <a:picLocks noChangeAspect="1" noChangeArrowheads="1"/>
-          </p:cNvPicPr>
-          <p:nvPr>
-            <p:custDataLst>
-              <p:tags r:id="rId3"/>
-            </p:custDataLst>
-          </p:nvPr>
-        </p:nvPicPr>
-        <p:blipFill>
-          <a:blip r:embed="rId7">
-            <a:clrChange>
-              <a:clrFrom>
-                <a:srgbClr val="FFFFFF"/>
-              </a:clrFrom>
-              <a:clrTo>
-                <a:srgbClr val="FFFFFF">
-                  <a:alpha val="0"/>
-                </a:srgbClr>
-              </a:clrTo>
-            </a:clrChange>
-          </a:blip>
-          <a:srcRect/>
-          <a:stretch>
-            <a:fillRect/>
-          </a:stretch>
-        </p:blipFill>
-        <p:spPr bwMode="auto">
-          <a:xfrm>
-            <a:off x="5080000" y="3810000"/>
-            <a:ext cx="1588" cy="1588"/>
-          </a:xfrm>
-          <a:prstGeom prst="rect">
-            <a:avLst/>
-          </a:prstGeom>
-          <a:noFill/>
-          <a:ln w="9525">
-            <a:noFill/>
-            <a:miter lim="800000"/>
-            <a:headEnd/>
-            <a:tailEnd/>
-          </a:ln>
-        </p:spPr>
-      </p:pic>
-      <p:sp>
-        <p:nvSpPr>
-          <p:cNvPr id="6" name="Rectangle 11"/>
-          <p:cNvSpPr txBox="1">
-            <a:spLocks noChangeArrowheads="1"/>
-          </p:cNvSpPr>
-          <p:nvPr/>
-        </p:nvSpPr>
-        <p:spPr bwMode="auto">
-          <a:xfrm>
-            <a:off x="6400800" y="6613525"/>
-            <a:ext cx="2667000" cy="244475"/>
-          </a:xfrm>
-          <a:prstGeom prst="rect">
-            <a:avLst/>
-          </a:prstGeom>
-          <a:noFill/>
-          <a:ln w="9525">
-            <a:noFill/>
-            <a:miter lim="800000"/>
-            <a:headEnd/>
-            <a:tailEnd/>
-          </a:ln>
-          <a:effectLst/>
-        </p:spPr>
-        <p:txBody>
-          <a:bodyPr vert="horz" wrap="square" lIns="91440" tIns="45720" rIns="91440" bIns="45720" numCol="1" anchor="t" anchorCtr="0" compatLnSpc="1">
-            <a:prstTxWarp prst="textNoShape">
-              <a:avLst/>
-            </a:prstTxWarp>
-            <a:spAutoFit/>
-          </a:bodyPr>
-          <a:lstStyle>
-            <a:lvl1pPr algn="r">
-              <a:defRPr sz="1000"/>
-            </a:lvl1pPr>
-          </a:lstStyle>
-          <a:p>
-            <a:pPr marL="0" marR="0" lvl="0" indent="0" algn="r" defTabSz="914400" rtl="0" eaLnBrk="1" fontAlgn="base" latinLnBrk="0" hangingPunct="1">
-              <a:lnSpc>
-                <a:spcPct val="100000"/>
-              </a:lnSpc>
-              <a:spcBef>
-                <a:spcPct val="0"/>
-              </a:spcBef>
-              <a:spcAft>
-                <a:spcPct val="0"/>
-              </a:spcAft>
-              <a:buClrTx/>
-              <a:buSzTx/>
-              <a:buFontTx/>
-              <a:buNone/>
-              <a:tabLst/>
-              <a:defRPr/>
-            </a:pPr>
-            <a:r>
-              <a:rPr kumimoji="0" lang="en-US" sz="1000" b="0" i="0" u="none" strike="noStrike" kern="1200" cap="none" spc="0" normalizeH="0" baseline="0" noProof="0" dirty="0" err="1" smtClean="0">
-                <a:ln>
-                  <a:noFill/>
-                </a:ln>
-                <a:effectLst/>
-                <a:uLnTx/>
-                <a:uFillTx/>
-                <a:latin typeface="Comic Sans MS" pitchFamily="66" charset="0"/>
-                <a:ea typeface="+mn-ea"/>
-                <a:cs typeface="+mn-cs"/>
-              </a:rPr>
-              <a:t>samplespace</a:t>
-            </a:r>
-            <a:r>
-              <a:rPr kumimoji="0" lang="en-US" sz="1000" b="0" i="0" u="none" strike="noStrike" kern="1200" cap="none" spc="0" normalizeH="0" baseline="0" noProof="0" dirty="0" smtClean="0">
-                <a:ln>
-                  <a:noFill/>
-                </a:ln>
-                <a:effectLst/>
-                <a:uLnTx/>
-                <a:uFillTx/>
-                <a:latin typeface="Comic Sans MS" pitchFamily="66" charset="0"/>
-                <a:ea typeface="+mn-ea"/>
-                <a:cs typeface="+mn-cs"/>
-              </a:rPr>
-              <a:t>.</a:t>
-            </a:r>
-            <a:fld id="{17233D2A-0857-4415-88C1-423492E69A26}" type="slidenum">
-              <a:rPr kumimoji="0" lang="en-US" sz="1000" b="0" i="0" u="none" strike="noStrike" kern="1200" cap="none" spc="0" normalizeH="0" baseline="0" noProof="0" smtClean="0">
-                <a:ln>
-                  <a:noFill/>
-                </a:ln>
-                <a:effectLst/>
-                <a:uLnTx/>
-                <a:uFillTx/>
-                <a:latin typeface="Comic Sans MS" pitchFamily="66" charset="0"/>
-                <a:ea typeface="+mn-ea"/>
-                <a:cs typeface="+mn-cs"/>
-              </a:rPr>
-              <a:pPr marL="0" marR="0" lvl="0" indent="0" algn="r" defTabSz="914400" rtl="0" eaLnBrk="1" fontAlgn="base" latinLnBrk="0" hangingPunct="1">
-                <a:lnSpc>
-                  <a:spcPct val="100000"/>
-                </a:lnSpc>
-                <a:spcBef>
-                  <a:spcPct val="0"/>
-                </a:spcBef>
-                <a:spcAft>
-                  <a:spcPct val="0"/>
-                </a:spcAft>
-                <a:buClrTx/>
-                <a:buSzTx/>
-                <a:buFontTx/>
-                <a:buNone/>
-                <a:tabLst/>
-                <a:defRPr/>
-              </a:pPr>
-              <a:t>11</a:t>
-            </a:fld>
-            <a:endParaRPr kumimoji="0" lang="en-US" sz="1000" b="0" i="0" u="none" strike="noStrike" kern="1200" cap="none" spc="0" normalizeH="0" baseline="0" noProof="0" dirty="0">
-              <a:ln>
-                <a:noFill/>
-              </a:ln>
-              <a:effectLst/>
-              <a:uLnTx/>
-              <a:uFillTx/>
-              <a:latin typeface="Comic Sans MS" pitchFamily="66" charset="0"/>
-              <a:ea typeface="+mn-ea"/>
-              <a:cs typeface="+mn-cs"/>
-            </a:endParaRPr>
-          </a:p>
-        </p:txBody>
-      </p:sp>
-      <p:graphicFrame>
-        <p:nvGraphicFramePr>
-          <p:cNvPr id="7" name="Object 6"/>
-          <p:cNvGraphicFramePr>
-            <a:graphicFrameLocks noChangeAspect="1"/>
-          </p:cNvGraphicFramePr>
-          <p:nvPr/>
-        </p:nvGraphicFramePr>
-        <p:xfrm>
-          <a:off x="207169" y="1447800"/>
-          <a:ext cx="8708231" cy="4038600"/>
-        </p:xfrm>
-        <a:graphic>
-          <a:graphicData uri="http://schemas.openxmlformats.org/presentationml/2006/ole">
-            <mc:AlternateContent xmlns:mc="http://schemas.openxmlformats.org/markup-compatibility/2006">
-              <mc:Choice xmlns:v="urn:schemas-microsoft-com:vml" Requires="v">
-                <p:oleObj spid="_x0000_s298017" name="Equation" r:id="rId8" imgW="2628900" imgH="1219200" progId="Equation.DSMT4">
-                  <p:embed/>
-                </p:oleObj>
-              </mc:Choice>
-              <mc:Fallback>
-                <p:oleObj name="Equation" r:id="rId8" imgW="2628900" imgH="1219200" progId="Equation.DSMT4">
-                  <p:embed/>
-                  <p:pic>
-                    <p:nvPicPr>
-                      <p:cNvPr id="0" name="Picture 2"/>
-                      <p:cNvPicPr>
-                        <a:picLocks noChangeAspect="1" noChangeArrowheads="1"/>
-                      </p:cNvPicPr>
-                      <p:nvPr/>
-                    </p:nvPicPr>
-                    <p:blipFill>
-                      <a:blip r:embed="rId9">
-                        <a:extLst>
-                          <a:ext uri="{28A0092B-C50C-407E-A947-70E740481C1C}">
-                            <a14:useLocalDpi xmlns:a14="http://schemas.microsoft.com/office/drawing/2010/main" val="0"/>
-                          </a:ext>
-                        </a:extLst>
-                      </a:blip>
-                      <a:srcRect/>
-                      <a:stretch>
-                        <a:fillRect/>
-                      </a:stretch>
-                    </p:blipFill>
-                    <p:spPr bwMode="auto">
-                      <a:xfrm>
-                        <a:off x="207169" y="1447800"/>
-                        <a:ext cx="8708231" cy="4038600"/>
-                      </a:xfrm>
-                      <a:prstGeom prst="rect">
-                        <a:avLst/>
-                      </a:prstGeom>
-                      <a:noFill/>
-                      <a:extLst>
-                        <a:ext uri="{909E8E84-426E-40dd-AFC4-6F175D3DCCD1}">
-                          <a14:hiddenFill xmlns:a14="http://schemas.microsoft.com/office/drawing/2010/main">
-                            <a:solidFill>
-                              <a:srgbClr val="FFFFFF"/>
-                            </a:solidFill>
-                          </a14:hiddenFill>
-                        </a:ext>
-                      </a:extLst>
-                    </p:spPr>
-                  </p:pic>
-                </p:oleObj>
-              </mc:Fallback>
-            </mc:AlternateContent>
-          </a:graphicData>
-        </a:graphic>
-      </p:graphicFrame>
-    </p:spTree>
-  </p:cSld>
-  <p:clrMapOvr>
-    <a:masterClrMapping/>
-  </p:clrMapOvr>
-  <mc:AlternateContent xmlns:mc="http://schemas.openxmlformats.org/markup-compatibility/2006" xmlns:p14="http://schemas.microsoft.com/office/powerpoint/2010/main">
-    <mc:Choice Requires="p14">
-      <p:transition spd="med" p14:dur="600" advClick="0">
-        <p:fade/>
-      </p:transition>
-    </mc:Choice>
-    <mc:Fallback xmlns="">
-      <p:transition xmlns:p14="http://schemas.microsoft.com/office/powerpoint/2010/main" spd="med" advClick="0">
-        <p:fade/>
-      </p:transition>
-    </mc:Fallback>
-  </mc:AlternateContent>
-  <p:timing>
-    <p:tnLst>
-      <p:par>
-        <p:cTn xmlns:p14="http://schemas.microsoft.com/office/powerpoint/2010/main" id="1" dur="indefinite" restart="never" nodeType="tmRoot"/>
-      </p:par>
-    </p:tnLst>
-  </p:timing>
-</p:sld>
-</file>
-
-<file path=ppt/slides/slide12.xml><?xml version="1.0" encoding="utf-8"?>
-<p:sld xmlns:a="http://schemas.openxmlformats.org/drawingml/2006/main" xmlns:r="http://schemas.openxmlformats.org/officeDocument/2006/relationships" xmlns:p="http://schemas.openxmlformats.org/presentationml/2006/main">
-  <p:cSld>
-    <p:spTree>
-      <p:nvGrpSpPr>
-        <p:cNvPr id="1" name=""/>
-        <p:cNvGrpSpPr/>
-        <p:nvPr/>
-      </p:nvGrpSpPr>
-      <p:grpSpPr>
-        <a:xfrm>
-          <a:off x="0" y="0"/>
-          <a:ext cx="0" cy="0"/>
-          <a:chOff x="0" y="0"/>
-          <a:chExt cx="0" cy="0"/>
-        </a:xfrm>
-      </p:grpSpPr>
-      <p:sp>
-        <p:nvSpPr>
-          <p:cNvPr id="28674" name="Rectangle 2"/>
-          <p:cNvSpPr>
-            <a:spLocks noGrp="1" noChangeArrowheads="1"/>
-          </p:cNvSpPr>
-          <p:nvPr>
-            <p:ph type="title"/>
-          </p:nvPr>
-        </p:nvSpPr>
-        <p:spPr>
-          <a:noFill/>
-        </p:spPr>
-        <p:txBody>
-          <a:bodyPr/>
-          <a:lstStyle/>
-          <a:p>
-            <a:pPr eaLnBrk="1" hangingPunct="1"/>
-            <a:r>
-              <a:rPr lang="en-US" sz="4400" dirty="0" smtClean="0">
-                <a:solidFill>
-                  <a:schemeClr val="tx1"/>
-                </a:solidFill>
-                <a:latin typeface="Comic Sans MS" pitchFamily="-128" charset="0"/>
-              </a:rPr>
-              <a:t>The Union Bound</a:t>
-            </a:r>
-          </a:p>
-        </p:txBody>
-      </p:sp>
-      <p:sp>
-        <p:nvSpPr>
-          <p:cNvPr id="28675" name="Rectangle 4"/>
-          <p:cNvSpPr>
-            <a:spLocks noChangeArrowheads="1"/>
-          </p:cNvSpPr>
-          <p:nvPr/>
-        </p:nvSpPr>
-        <p:spPr bwMode="auto">
-          <a:xfrm>
-            <a:off x="304800" y="1371600"/>
-            <a:ext cx="8610600" cy="4419600"/>
-          </a:xfrm>
-          <a:prstGeom prst="rect">
-            <a:avLst/>
-          </a:prstGeom>
-          <a:noFill/>
-          <a:ln w="31750">
-            <a:solidFill>
-              <a:srgbClr val="FF00FF"/>
-            </a:solidFill>
-            <a:miter lim="800000"/>
-            <a:headEnd/>
-            <a:tailEnd/>
-          </a:ln>
-        </p:spPr>
-        <p:txBody>
-          <a:bodyPr wrap="none" anchor="ctr"/>
-          <a:lstStyle/>
-          <a:p>
-            <a:endParaRPr lang="en-US"/>
-          </a:p>
-        </p:txBody>
-      </p:sp>
-      <p:graphicFrame>
-        <p:nvGraphicFramePr>
-          <p:cNvPr id="5" name="Object 4"/>
-          <p:cNvGraphicFramePr>
-            <a:graphicFrameLocks noChangeAspect="1"/>
-          </p:cNvGraphicFramePr>
-          <p:nvPr/>
-        </p:nvGraphicFramePr>
-        <p:xfrm>
-          <a:off x="658813" y="1766888"/>
-          <a:ext cx="7826375" cy="3567112"/>
-        </p:xfrm>
-        <a:graphic>
-          <a:graphicData uri="http://schemas.openxmlformats.org/presentationml/2006/ole">
-            <mc:AlternateContent xmlns:mc="http://schemas.openxmlformats.org/markup-compatibility/2006">
-              <mc:Choice xmlns:v="urn:schemas-microsoft-com:vml" Requires="v">
-                <p:oleObj spid="_x0000_s249889" name="Equation" r:id="rId4" imgW="1002960" imgH="457200" progId="Equation.DSMT4">
-                  <p:embed/>
-                </p:oleObj>
-              </mc:Choice>
-              <mc:Fallback>
-                <p:oleObj name="Equation" r:id="rId4" imgW="1002960" imgH="457200" progId="Equation.DSMT4">
-                  <p:embed/>
-                  <p:pic>
-                    <p:nvPicPr>
-                      <p:cNvPr id="0" name="Picture 2"/>
-                      <p:cNvPicPr>
-                        <a:picLocks noChangeAspect="1" noChangeArrowheads="1"/>
-                      </p:cNvPicPr>
-                      <p:nvPr/>
-                    </p:nvPicPr>
-                    <p:blipFill>
-                      <a:blip r:embed="rId5">
-                        <a:extLst>
-                          <a:ext uri="{28A0092B-C50C-407E-A947-70E740481C1C}">
-                            <a14:useLocalDpi xmlns:a14="http://schemas.microsoft.com/office/drawing/2010/main" val="0"/>
-                          </a:ext>
-                        </a:extLst>
-                      </a:blip>
-                      <a:srcRect/>
-                      <a:stretch>
-                        <a:fillRect/>
-                      </a:stretch>
-                    </p:blipFill>
-                    <p:spPr bwMode="auto">
-                      <a:xfrm>
-                        <a:off x="658813" y="1766888"/>
-                        <a:ext cx="7826375" cy="3567112"/>
-                      </a:xfrm>
-                      <a:prstGeom prst="rect">
-                        <a:avLst/>
-                      </a:prstGeom>
-                      <a:noFill/>
-                      <a:extLst>
-                        <a:ext uri="{909E8E84-426E-40dd-AFC4-6F175D3DCCD1}">
-                          <a14:hiddenFill xmlns:a14="http://schemas.microsoft.com/office/drawing/2010/main">
-                            <a:solidFill>
-                              <a:srgbClr val="FFFFFF"/>
-                            </a:solidFill>
-                          </a14:hiddenFill>
-                        </a:ext>
-                      </a:extLst>
-                    </p:spPr>
-                  </p:pic>
-                </p:oleObj>
-              </mc:Fallback>
-            </mc:AlternateContent>
-          </a:graphicData>
-        </a:graphic>
-      </p:graphicFrame>
-      <p:sp>
-        <p:nvSpPr>
-          <p:cNvPr id="6" name="Rectangle 11"/>
-          <p:cNvSpPr txBox="1">
-            <a:spLocks noChangeArrowheads="1"/>
-          </p:cNvSpPr>
-          <p:nvPr/>
-        </p:nvSpPr>
-        <p:spPr bwMode="auto">
-          <a:xfrm>
-            <a:off x="6400800" y="6613525"/>
-            <a:ext cx="2667000" cy="244475"/>
-          </a:xfrm>
-          <a:prstGeom prst="rect">
-            <a:avLst/>
-          </a:prstGeom>
-          <a:noFill/>
-          <a:ln w="9525">
-            <a:noFill/>
-            <a:miter lim="800000"/>
-            <a:headEnd/>
-            <a:tailEnd/>
-          </a:ln>
-          <a:effectLst/>
-        </p:spPr>
-        <p:txBody>
-          <a:bodyPr vert="horz" wrap="square" lIns="91440" tIns="45720" rIns="91440" bIns="45720" numCol="1" anchor="t" anchorCtr="0" compatLnSpc="1">
-            <a:prstTxWarp prst="textNoShape">
-              <a:avLst/>
-            </a:prstTxWarp>
-            <a:spAutoFit/>
-          </a:bodyPr>
-          <a:lstStyle>
-            <a:lvl1pPr algn="r">
-              <a:defRPr sz="1000"/>
-            </a:lvl1pPr>
-          </a:lstStyle>
-          <a:p>
-            <a:pPr marL="0" marR="0" lvl="0" indent="0" algn="r" defTabSz="914400" rtl="0" eaLnBrk="1" fontAlgn="base" latinLnBrk="0" hangingPunct="1">
-              <a:lnSpc>
-                <a:spcPct val="100000"/>
-              </a:lnSpc>
-              <a:spcBef>
-                <a:spcPct val="0"/>
-              </a:spcBef>
-              <a:spcAft>
-                <a:spcPct val="0"/>
-              </a:spcAft>
-              <a:buClrTx/>
-              <a:buSzTx/>
-              <a:buFontTx/>
-              <a:buNone/>
-              <a:tabLst/>
-              <a:defRPr/>
-            </a:pPr>
-            <a:r>
-              <a:rPr kumimoji="0" lang="en-US" sz="1000" b="0" i="0" u="none" strike="noStrike" kern="1200" cap="none" spc="0" normalizeH="0" baseline="0" noProof="0" dirty="0" err="1" smtClean="0">
-                <a:ln>
-                  <a:noFill/>
-                </a:ln>
-                <a:solidFill>
-                  <a:schemeClr val="tx1"/>
-                </a:solidFill>
-                <a:effectLst/>
-                <a:uLnTx/>
-                <a:uFillTx/>
-                <a:latin typeface="Comic Sans MS" pitchFamily="66" charset="0"/>
-                <a:ea typeface="+mn-ea"/>
-                <a:cs typeface="+mn-cs"/>
-              </a:rPr>
-              <a:t>samplespace</a:t>
-            </a:r>
-            <a:r>
-              <a:rPr kumimoji="0" lang="en-US" sz="1000" b="0" i="0" u="none" strike="noStrike" kern="1200" cap="none" spc="0" normalizeH="0" baseline="0" noProof="0" dirty="0" smtClean="0">
-                <a:ln>
-                  <a:noFill/>
-                </a:ln>
-                <a:solidFill>
-                  <a:schemeClr val="tx1"/>
-                </a:solidFill>
-                <a:effectLst/>
-                <a:uLnTx/>
-                <a:uFillTx/>
-                <a:latin typeface="Comic Sans MS" pitchFamily="66" charset="0"/>
-                <a:ea typeface="+mn-ea"/>
-                <a:cs typeface="+mn-cs"/>
-              </a:rPr>
-              <a:t>.</a:t>
-            </a:r>
-            <a:fld id="{17233D2A-0857-4415-88C1-423492E69A26}" type="slidenum">
-              <a:rPr kumimoji="0" lang="en-US" sz="1000" b="0" i="0" u="none" strike="noStrike" kern="1200" cap="none" spc="0" normalizeH="0" baseline="0" noProof="0" smtClean="0">
-                <a:ln>
-                  <a:noFill/>
-                </a:ln>
-                <a:solidFill>
-                  <a:schemeClr val="tx1"/>
-                </a:solidFill>
-                <a:effectLst/>
-                <a:uLnTx/>
-                <a:uFillTx/>
-                <a:latin typeface="Comic Sans MS" pitchFamily="66" charset="0"/>
-                <a:ea typeface="+mn-ea"/>
-                <a:cs typeface="+mn-cs"/>
-              </a:rPr>
-              <a:pPr marL="0" marR="0" lvl="0" indent="0" algn="r" defTabSz="914400" rtl="0" eaLnBrk="1" fontAlgn="base" latinLnBrk="0" hangingPunct="1">
-                <a:lnSpc>
-                  <a:spcPct val="100000"/>
-                </a:lnSpc>
-                <a:spcBef>
-                  <a:spcPct val="0"/>
-                </a:spcBef>
-                <a:spcAft>
-                  <a:spcPct val="0"/>
-                </a:spcAft>
-                <a:buClrTx/>
-                <a:buSzTx/>
-                <a:buFontTx/>
-                <a:buNone/>
-                <a:tabLst/>
-                <a:defRPr/>
-              </a:pPr>
-              <a:t>12</a:t>
-            </a:fld>
-            <a:endParaRPr kumimoji="0" lang="en-US" sz="1000" b="0" i="0" u="none" strike="noStrike" kern="1200" cap="none" spc="0" normalizeH="0" baseline="0" noProof="0" dirty="0">
-              <a:ln>
-                <a:noFill/>
-              </a:ln>
-              <a:solidFill>
-                <a:schemeClr val="tx1"/>
-              </a:solidFill>
-              <a:effectLst/>
-              <a:uLnTx/>
-              <a:uFillTx/>
-              <a:latin typeface="Comic Sans MS" pitchFamily="66" charset="0"/>
-              <a:ea typeface="+mn-ea"/>
-              <a:cs typeface="+mn-cs"/>
-            </a:endParaRPr>
-          </a:p>
-        </p:txBody>
-      </p:sp>
-    </p:spTree>
-  </p:cSld>
-  <p:clrMapOvr>
-    <a:masterClrMapping/>
-  </p:clrMapOvr>
-  <p:transition xmlns:p14="http://schemas.microsoft.com/office/powerpoint/2010/main" spd="slow" advClick="0">
-    <p:fade/>
-  </p:transition>
-  <p:timing>
-    <p:tnLst>
-      <p:par>
-        <p:cTn xmlns:p14="http://schemas.microsoft.com/office/powerpoint/2010/main" id="1" dur="indefinite" restart="never" nodeType="tmRoot">
-          <p:childTnLst>
-            <p:seq concurrent="1" nextAc="seek">
-              <p:cTn id="2" dur="indefinite" nodeType="mainSeq">
-                <p:childTnLst>
-                  <p:par>
-                    <p:cTn id="3" fill="hold">
-                      <p:stCondLst>
-                        <p:cond delay="indefinite"/>
-                      </p:stCondLst>
-                      <p:childTnLst>
-                        <p:par>
-                          <p:cTn id="4" fill="hold">
-                            <p:stCondLst>
-                              <p:cond delay="0"/>
-                            </p:stCondLst>
-                            <p:childTnLst>
-                              <p:par>
-                                <p:cTn id="5" presetID="15" presetClass="entr" presetSubtype="0" fill="hold" grpId="0" nodeType="clickEffect">
-                                  <p:stCondLst>
-                                    <p:cond delay="0"/>
-                                  </p:stCondLst>
-                                  <p:childTnLst>
-                                    <p:set>
-                                      <p:cBhvr>
-                                        <p:cTn id="6" dur="1" fill="hold">
-                                          <p:stCondLst>
-                                            <p:cond delay="0"/>
-                                          </p:stCondLst>
-                                        </p:cTn>
-                                        <p:tgtEl>
-                                          <p:spTgt spid="28675"/>
-                                        </p:tgtEl>
-                                        <p:attrNameLst>
-                                          <p:attrName>style.visibility</p:attrName>
-                                        </p:attrNameLst>
-                                      </p:cBhvr>
-                                      <p:to>
-                                        <p:strVal val="visible"/>
-                                      </p:to>
-                                    </p:set>
-                                    <p:anim calcmode="lin" valueType="num">
-                                      <p:cBhvr>
-                                        <p:cTn id="7" dur="1000" fill="hold"/>
-                                        <p:tgtEl>
-                                          <p:spTgt spid="28675"/>
-                                        </p:tgtEl>
-                                        <p:attrNameLst>
-                                          <p:attrName>ppt_w</p:attrName>
-                                        </p:attrNameLst>
-                                      </p:cBhvr>
-                                      <p:tavLst>
-                                        <p:tav tm="0">
-                                          <p:val>
-                                            <p:fltVal val="0"/>
-                                          </p:val>
-                                        </p:tav>
-                                        <p:tav tm="100000">
-                                          <p:val>
-                                            <p:strVal val="#ppt_w"/>
-                                          </p:val>
-                                        </p:tav>
-                                      </p:tavLst>
-                                    </p:anim>
-                                    <p:anim calcmode="lin" valueType="num">
-                                      <p:cBhvr>
-                                        <p:cTn id="8" dur="1000" fill="hold"/>
-                                        <p:tgtEl>
-                                          <p:spTgt spid="28675"/>
-                                        </p:tgtEl>
-                                        <p:attrNameLst>
-                                          <p:attrName>ppt_h</p:attrName>
-                                        </p:attrNameLst>
-                                      </p:cBhvr>
-                                      <p:tavLst>
-                                        <p:tav tm="0">
-                                          <p:val>
-                                            <p:fltVal val="0"/>
-                                          </p:val>
-                                        </p:tav>
-                                        <p:tav tm="100000">
-                                          <p:val>
-                                            <p:strVal val="#ppt_h"/>
-                                          </p:val>
-                                        </p:tav>
-                                      </p:tavLst>
-                                    </p:anim>
-                                    <p:anim calcmode="lin" valueType="num">
-                                      <p:cBhvr>
-                                        <p:cTn id="9" dur="1000" fill="hold"/>
-                                        <p:tgtEl>
-                                          <p:spTgt spid="28675"/>
-                                        </p:tgtEl>
-                                        <p:attrNameLst>
-                                          <p:attrName>ppt_x</p:attrName>
-                                        </p:attrNameLst>
-                                      </p:cBhvr>
-                                      <p:tavLst>
-                                        <p:tav tm="0" fmla="#ppt_x+(cos(-2*pi*(1-$))*-#ppt_x-sin(-2*pi*(1-$))*(1-#ppt_y))*(1-$)">
-                                          <p:val>
-                                            <p:fltVal val="0"/>
-                                          </p:val>
-                                        </p:tav>
-                                        <p:tav tm="100000">
-                                          <p:val>
-                                            <p:fltVal val="1"/>
-                                          </p:val>
-                                        </p:tav>
-                                      </p:tavLst>
-                                    </p:anim>
-                                    <p:anim calcmode="lin" valueType="num">
-                                      <p:cBhvr>
-                                        <p:cTn id="10" dur="1000" fill="hold"/>
-                                        <p:tgtEl>
-                                          <p:spTgt spid="28675"/>
-                                        </p:tgtEl>
-                                        <p:attrNameLst>
-                                          <p:attrName>ppt_y</p:attrName>
-                                        </p:attrNameLst>
-                                      </p:cBhvr>
-                                      <p:tavLst>
-                                        <p:tav tm="0" fmla="#ppt_y+(sin(-2*pi*(1-$))*-#ppt_x+cos(-2*pi*(1-$))*(1-#ppt_y))*(1-$)">
-                                          <p:val>
-                                            <p:fltVal val="0"/>
-                                          </p:val>
-                                        </p:tav>
-                                        <p:tav tm="100000">
-                                          <p:val>
-                                            <p:fltVal val="1"/>
-                                          </p:val>
-                                        </p:tav>
-                                      </p:tavLst>
-                                    </p:anim>
-                                  </p:childTnLst>
-                                </p:cTn>
-                              </p:par>
-                            </p:childTnLst>
-                          </p:cTn>
-                        </p:par>
-                      </p:childTnLst>
-                    </p:cTn>
-                  </p:par>
-                </p:childTnLst>
-              </p:cTn>
-              <p:prevCondLst>
-                <p:cond evt="onPrev" delay="0">
-                  <p:tgtEl>
-                    <p:sldTgt/>
-                  </p:tgtEl>
-                </p:cond>
-              </p:prevCondLst>
-              <p:nextCondLst>
-                <p:cond evt="onNext" delay="0">
-                  <p:tgtEl>
-                    <p:sldTgt/>
-                  </p:tgtEl>
-                </p:cond>
-              </p:nextCondLst>
-            </p:seq>
-          </p:childTnLst>
-        </p:cTn>
-      </p:par>
-    </p:tnLst>
-    <p:bldLst>
-      <p:bldP spid="28675" grpId="0" animBg="1"/>
-    </p:bldLst>
-  </p:timing>
-</p:sld>
-</file>
-
-<file path=ppt/slides/slide13.xml><?xml version="1.0" encoding="utf-8"?>
-<p:sld xmlns:a="http://schemas.openxmlformats.org/drawingml/2006/main" xmlns:r="http://schemas.openxmlformats.org/officeDocument/2006/relationships" xmlns:p="http://schemas.openxmlformats.org/presentationml/2006/main">
-  <p:cSld>
-    <p:spTree>
-      <p:nvGrpSpPr>
-        <p:cNvPr id="1" name=""/>
-        <p:cNvGrpSpPr/>
-        <p:nvPr/>
-      </p:nvGrpSpPr>
-      <p:grpSpPr>
-        <a:xfrm>
-          <a:off x="0" y="0"/>
-          <a:ext cx="0" cy="0"/>
-          <a:chOff x="0" y="0"/>
-          <a:chExt cx="0" cy="0"/>
-        </a:xfrm>
-      </p:grpSpPr>
-      <p:sp>
-        <p:nvSpPr>
-          <p:cNvPr id="29698" name="Rectangle 2"/>
-          <p:cNvSpPr>
-            <a:spLocks noGrp="1" noChangeArrowheads="1"/>
-          </p:cNvSpPr>
-          <p:nvPr>
-            <p:ph type="title"/>
-          </p:nvPr>
-        </p:nvSpPr>
-        <p:spPr>
-          <a:noFill/>
-        </p:spPr>
-        <p:txBody>
-          <a:bodyPr/>
-          <a:lstStyle/>
-          <a:p>
-            <a:r>
-              <a:rPr lang="en-US" sz="4400" dirty="0" err="1" smtClean="0">
-                <a:solidFill>
-                  <a:schemeClr val="tx1"/>
-                </a:solidFill>
-              </a:rPr>
-              <a:t>Monotonicity</a:t>
-            </a:r>
-            <a:endParaRPr lang="en-US" sz="4400" dirty="0">
-              <a:solidFill>
-                <a:schemeClr val="tx1"/>
-              </a:solidFill>
-            </a:endParaRPr>
-          </a:p>
-        </p:txBody>
-      </p:sp>
-      <p:sp>
-        <p:nvSpPr>
-          <p:cNvPr id="6" name="TextBox 5"/>
-          <p:cNvSpPr txBox="1"/>
-          <p:nvPr/>
-        </p:nvSpPr>
-        <p:spPr>
-          <a:xfrm>
-            <a:off x="400826" y="2743200"/>
-            <a:ext cx="8344311" cy="1323439"/>
-          </a:xfrm>
-          <a:prstGeom prst="rect">
-            <a:avLst/>
-          </a:prstGeom>
-          <a:noFill/>
-        </p:spPr>
-        <p:txBody>
-          <a:bodyPr wrap="none" rtlCol="0">
-            <a:spAutoFit/>
-          </a:bodyPr>
-          <a:lstStyle/>
-          <a:p>
-            <a:r>
-              <a:rPr lang="en-US" sz="8000" dirty="0" smtClean="0">
-                <a:solidFill>
-                  <a:schemeClr val="accent1">
-                    <a:lumMod val="50000"/>
-                  </a:schemeClr>
-                </a:solidFill>
-                <a:latin typeface="Comic Sans MS" pitchFamily="66" charset="0"/>
-              </a:rPr>
-              <a:t>Pr{A} </a:t>
-            </a:r>
-            <a:r>
-              <a:rPr lang="en-US" sz="8000" b="1" dirty="0" smtClean="0">
-                <a:solidFill>
-                  <a:schemeClr val="accent1">
-                    <a:lumMod val="50000"/>
-                  </a:schemeClr>
-                </a:solidFill>
-                <a:latin typeface="Euclid Symbol" charset="2"/>
-                <a:cs typeface="Euclid Symbol" charset="2"/>
-                <a:sym typeface="Euclid Symbol"/>
-              </a:rPr>
-              <a:t>≤</a:t>
-            </a:r>
-            <a:r>
-              <a:rPr lang="en-US" sz="8000" b="1" dirty="0" smtClean="0">
-                <a:solidFill>
-                  <a:schemeClr val="accent1">
-                    <a:lumMod val="50000"/>
-                  </a:schemeClr>
-                </a:solidFill>
-                <a:latin typeface="Comic Sans MS" pitchFamily="66" charset="0"/>
-                <a:sym typeface="Euclid Symbol"/>
-              </a:rPr>
-              <a:t> </a:t>
-            </a:r>
-            <a:r>
-              <a:rPr lang="en-US" sz="8000" dirty="0" err="1" smtClean="0">
-                <a:solidFill>
-                  <a:schemeClr val="accent1">
-                    <a:lumMod val="50000"/>
-                  </a:schemeClr>
-                </a:solidFill>
-                <a:latin typeface="Comic Sans MS" pitchFamily="66" charset="0"/>
-                <a:sym typeface="Euclid Symbol"/>
-              </a:rPr>
-              <a:t>Pr{A</a:t>
-            </a:r>
-            <a:r>
-              <a:rPr lang="en-US" sz="8000" b="1" dirty="0" err="1" smtClean="0">
-                <a:solidFill>
-                  <a:schemeClr val="accent1">
-                    <a:lumMod val="50000"/>
-                  </a:schemeClr>
-                </a:solidFill>
-                <a:latin typeface="Euclid Symbol" charset="2"/>
-                <a:cs typeface="Euclid Symbol" charset="2"/>
-                <a:sym typeface="Euclid Symbol"/>
-              </a:rPr>
-              <a:t>∪</a:t>
-            </a:r>
-            <a:r>
-              <a:rPr lang="en-US" sz="8000" dirty="0" err="1" smtClean="0">
-                <a:solidFill>
-                  <a:schemeClr val="accent1">
-                    <a:lumMod val="50000"/>
-                  </a:schemeClr>
-                </a:solidFill>
-                <a:latin typeface="Comic Sans MS" pitchFamily="66" charset="0"/>
-                <a:sym typeface="Euclid Symbol"/>
-              </a:rPr>
-              <a:t>B</a:t>
-            </a:r>
-            <a:r>
-              <a:rPr lang="en-US" sz="8000" dirty="0" smtClean="0">
-                <a:solidFill>
-                  <a:schemeClr val="accent1">
-                    <a:lumMod val="50000"/>
-                  </a:schemeClr>
-                </a:solidFill>
-                <a:latin typeface="Comic Sans MS" pitchFamily="66" charset="0"/>
-                <a:sym typeface="Euclid Symbol"/>
-              </a:rPr>
-              <a:t>}</a:t>
-            </a:r>
-            <a:endParaRPr lang="en-US" sz="8000" dirty="0" smtClean="0">
-              <a:solidFill>
-                <a:schemeClr val="accent1">
-                  <a:lumMod val="50000"/>
-                </a:schemeClr>
-              </a:solidFill>
-              <a:latin typeface="Comic Sans MS" pitchFamily="66" charset="0"/>
-            </a:endParaRPr>
-          </a:p>
-        </p:txBody>
-      </p:sp>
-      <p:sp>
-        <p:nvSpPr>
-          <p:cNvPr id="4" name="Rectangle 11"/>
-          <p:cNvSpPr txBox="1">
-            <a:spLocks noChangeArrowheads="1"/>
-          </p:cNvSpPr>
-          <p:nvPr/>
-        </p:nvSpPr>
-        <p:spPr bwMode="auto">
-          <a:xfrm>
-            <a:off x="6400800" y="6613525"/>
-            <a:ext cx="2667000" cy="244475"/>
-          </a:xfrm>
-          <a:prstGeom prst="rect">
-            <a:avLst/>
-          </a:prstGeom>
-          <a:noFill/>
-          <a:ln w="9525">
-            <a:noFill/>
-            <a:miter lim="800000"/>
-            <a:headEnd/>
-            <a:tailEnd/>
-          </a:ln>
-          <a:effectLst/>
-        </p:spPr>
-        <p:txBody>
-          <a:bodyPr vert="horz" wrap="square" lIns="91440" tIns="45720" rIns="91440" bIns="45720" numCol="1" anchor="t" anchorCtr="0" compatLnSpc="1">
-            <a:prstTxWarp prst="textNoShape">
-              <a:avLst/>
-            </a:prstTxWarp>
-            <a:spAutoFit/>
-          </a:bodyPr>
-          <a:lstStyle>
-            <a:lvl1pPr algn="r">
-              <a:defRPr sz="1000"/>
-            </a:lvl1pPr>
-          </a:lstStyle>
-          <a:p>
-            <a:pPr marL="0" marR="0" lvl="0" indent="0" algn="r" defTabSz="914400" rtl="0" eaLnBrk="1" fontAlgn="base" latinLnBrk="0" hangingPunct="1">
-              <a:lnSpc>
-                <a:spcPct val="100000"/>
-              </a:lnSpc>
-              <a:spcBef>
-                <a:spcPct val="0"/>
-              </a:spcBef>
-              <a:spcAft>
-                <a:spcPct val="0"/>
-              </a:spcAft>
-              <a:buClrTx/>
-              <a:buSzTx/>
-              <a:buFontTx/>
-              <a:buNone/>
-              <a:tabLst/>
-              <a:defRPr/>
-            </a:pPr>
-            <a:r>
-              <a:rPr kumimoji="0" lang="en-US" sz="1000" b="0" i="0" u="none" strike="noStrike" kern="1200" cap="none" spc="0" normalizeH="0" baseline="0" noProof="0" dirty="0" err="1" smtClean="0">
-                <a:ln>
-                  <a:noFill/>
-                </a:ln>
-                <a:solidFill>
-                  <a:schemeClr val="tx1"/>
-                </a:solidFill>
-                <a:effectLst/>
-                <a:uLnTx/>
-                <a:uFillTx/>
-                <a:latin typeface="Comic Sans MS" pitchFamily="66" charset="0"/>
-                <a:ea typeface="+mn-ea"/>
-                <a:cs typeface="+mn-cs"/>
-              </a:rPr>
-              <a:t>samplespace</a:t>
-            </a:r>
-            <a:r>
-              <a:rPr kumimoji="0" lang="en-US" sz="1000" b="0" i="0" u="none" strike="noStrike" kern="1200" cap="none" spc="0" normalizeH="0" baseline="0" noProof="0" dirty="0" smtClean="0">
-                <a:ln>
-                  <a:noFill/>
-                </a:ln>
-                <a:solidFill>
-                  <a:schemeClr val="tx1"/>
-                </a:solidFill>
-                <a:effectLst/>
-                <a:uLnTx/>
-                <a:uFillTx/>
-                <a:latin typeface="Comic Sans MS" pitchFamily="66" charset="0"/>
-                <a:ea typeface="+mn-ea"/>
-                <a:cs typeface="+mn-cs"/>
-              </a:rPr>
-              <a:t>.</a:t>
-            </a:r>
-            <a:fld id="{17233D2A-0857-4415-88C1-423492E69A26}" type="slidenum">
-              <a:rPr kumimoji="0" lang="en-US" sz="1000" b="0" i="0" u="none" strike="noStrike" kern="1200" cap="none" spc="0" normalizeH="0" baseline="0" noProof="0" smtClean="0">
-                <a:ln>
-                  <a:noFill/>
-                </a:ln>
-                <a:solidFill>
-                  <a:schemeClr val="tx1"/>
-                </a:solidFill>
-                <a:effectLst/>
-                <a:uLnTx/>
-                <a:uFillTx/>
-                <a:latin typeface="Comic Sans MS" pitchFamily="66" charset="0"/>
-                <a:ea typeface="+mn-ea"/>
-                <a:cs typeface="+mn-cs"/>
-              </a:rPr>
-              <a:pPr marL="0" marR="0" lvl="0" indent="0" algn="r" defTabSz="914400" rtl="0" eaLnBrk="1" fontAlgn="base" latinLnBrk="0" hangingPunct="1">
-                <a:lnSpc>
-                  <a:spcPct val="100000"/>
-                </a:lnSpc>
-                <a:spcBef>
-                  <a:spcPct val="0"/>
-                </a:spcBef>
-                <a:spcAft>
-                  <a:spcPct val="0"/>
-                </a:spcAft>
-                <a:buClrTx/>
-                <a:buSzTx/>
-                <a:buFontTx/>
-                <a:buNone/>
-                <a:tabLst/>
-                <a:defRPr/>
-              </a:pPr>
-              <a:t>13</a:t>
-            </a:fld>
-            <a:endParaRPr kumimoji="0" lang="en-US" sz="1000" b="0" i="0" u="none" strike="noStrike" kern="1200" cap="none" spc="0" normalizeH="0" baseline="0" noProof="0" dirty="0">
-              <a:ln>
-                <a:noFill/>
-              </a:ln>
-              <a:solidFill>
-                <a:schemeClr val="tx1"/>
-              </a:solidFill>
-              <a:effectLst/>
-              <a:uLnTx/>
-              <a:uFillTx/>
-              <a:latin typeface="Comic Sans MS" pitchFamily="66" charset="0"/>
-              <a:ea typeface="+mn-ea"/>
-              <a:cs typeface="+mn-cs"/>
-            </a:endParaRPr>
-          </a:p>
-        </p:txBody>
-      </p:sp>
-    </p:spTree>
-  </p:cSld>
-  <p:clrMapOvr>
-    <a:masterClrMapping/>
-  </p:clrMapOvr>
-  <p:transition xmlns:p14="http://schemas.microsoft.com/office/powerpoint/2010/main" spd="slow" advClick="0">
-    <p:fade/>
-  </p:transition>
-  <p:timing>
-    <p:tnLst>
-      <p:par>
-        <p:cTn xmlns:p14="http://schemas.microsoft.com/office/powerpoint/2010/main" id="1" dur="indefinite" restart="never" nodeType="tmRoot"/>
-      </p:par>
-    </p:tnLst>
-  </p:timing>
-</p:sld>
-</file>
-
-<file path=ppt/slides/slide14.xml><?xml version="1.0" encoding="utf-8"?>
-<p:sld xmlns:a="http://schemas.openxmlformats.org/drawingml/2006/main" xmlns:r="http://schemas.openxmlformats.org/officeDocument/2006/relationships" xmlns:p="http://schemas.openxmlformats.org/presentationml/2006/main">
-  <p:cSld>
-    <p:spTree>
-      <p:nvGrpSpPr>
-        <p:cNvPr id="1" name=""/>
-        <p:cNvGrpSpPr/>
-        <p:nvPr/>
-      </p:nvGrpSpPr>
-      <p:grpSpPr>
-        <a:xfrm>
-          <a:off x="0" y="0"/>
-          <a:ext cx="0" cy="0"/>
-          <a:chOff x="0" y="0"/>
-          <a:chExt cx="0" cy="0"/>
-        </a:xfrm>
-      </p:grpSpPr>
-      <p:sp>
-        <p:nvSpPr>
-          <p:cNvPr id="30722" name="Rectangle 2"/>
-          <p:cNvSpPr>
-            <a:spLocks noGrp="1" noChangeArrowheads="1"/>
-          </p:cNvSpPr>
-          <p:nvPr>
-            <p:ph type="title"/>
-          </p:nvPr>
-        </p:nvSpPr>
-        <p:spPr>
-          <a:noFill/>
-        </p:spPr>
-        <p:txBody>
-          <a:bodyPr/>
-          <a:lstStyle/>
-          <a:p>
-            <a:pPr eaLnBrk="1" hangingPunct="1"/>
-            <a:r>
-              <a:rPr lang="en-US" sz="4400" dirty="0" smtClean="0">
-                <a:solidFill>
-                  <a:schemeClr val="tx1"/>
-                </a:solidFill>
-                <a:latin typeface="Comic Sans MS" pitchFamily="-128" charset="0"/>
-              </a:rPr>
-              <a:t>Boole’s Inequality</a:t>
-            </a:r>
-          </a:p>
-        </p:txBody>
-      </p:sp>
-      <p:pic>
-        <p:nvPicPr>
-          <p:cNvPr id="30723" name="Picture 3" descr="TP_tmp"/>
-          <p:cNvPicPr>
-            <a:picLocks noChangeAspect="1" noChangeArrowheads="1"/>
-          </p:cNvPicPr>
-          <p:nvPr>
-            <p:custDataLst>
-              <p:tags r:id="rId2"/>
-            </p:custDataLst>
-          </p:nvPr>
-        </p:nvPicPr>
-        <p:blipFill>
-          <a:blip r:embed="rId8">
-            <a:clrChange>
-              <a:clrFrom>
-                <a:srgbClr val="FFFFFF"/>
-              </a:clrFrom>
-              <a:clrTo>
-                <a:srgbClr val="FFFFFF">
-                  <a:alpha val="0"/>
-                </a:srgbClr>
-              </a:clrTo>
-            </a:clrChange>
-          </a:blip>
-          <a:srcRect/>
-          <a:stretch>
-            <a:fillRect/>
-          </a:stretch>
-        </p:blipFill>
-        <p:spPr bwMode="auto">
-          <a:xfrm>
-            <a:off x="5080000" y="3810000"/>
-            <a:ext cx="1588" cy="1588"/>
-          </a:xfrm>
-          <a:prstGeom prst="rect">
-            <a:avLst/>
-          </a:prstGeom>
-          <a:noFill/>
-          <a:ln w="9525">
-            <a:noFill/>
-            <a:miter lim="800000"/>
-            <a:headEnd/>
-            <a:tailEnd/>
-          </a:ln>
-        </p:spPr>
-      </p:pic>
-      <p:pic>
-        <p:nvPicPr>
-          <p:cNvPr id="30724" name="Picture 4" descr="TP_tmp"/>
-          <p:cNvPicPr>
-            <a:picLocks noChangeAspect="1" noChangeArrowheads="1"/>
-          </p:cNvPicPr>
-          <p:nvPr>
-            <p:custDataLst>
-              <p:tags r:id="rId3"/>
-            </p:custDataLst>
-          </p:nvPr>
-        </p:nvPicPr>
-        <p:blipFill>
-          <a:blip r:embed="rId9">
-            <a:clrChange>
-              <a:clrFrom>
-                <a:srgbClr val="FFFFFF"/>
-              </a:clrFrom>
-              <a:clrTo>
-                <a:srgbClr val="FFFFFF">
-                  <a:alpha val="0"/>
-                </a:srgbClr>
-              </a:clrTo>
-            </a:clrChange>
-          </a:blip>
-          <a:srcRect/>
-          <a:stretch>
-            <a:fillRect/>
-          </a:stretch>
-        </p:blipFill>
-        <p:spPr bwMode="auto">
-          <a:xfrm>
-            <a:off x="5080000" y="3810000"/>
-            <a:ext cx="1588" cy="1588"/>
-          </a:xfrm>
-          <a:prstGeom prst="rect">
-            <a:avLst/>
-          </a:prstGeom>
-          <a:noFill/>
-          <a:ln w="9525">
-            <a:noFill/>
-            <a:miter lim="800000"/>
-            <a:headEnd/>
-            <a:tailEnd/>
-          </a:ln>
-        </p:spPr>
-      </p:pic>
-      <p:pic>
-        <p:nvPicPr>
-          <p:cNvPr id="30726" name="Picture 6" descr="TP_tmp"/>
-          <p:cNvPicPr>
-            <a:picLocks noChangeAspect="1" noChangeArrowheads="1"/>
-          </p:cNvPicPr>
-          <p:nvPr>
-            <p:custDataLst>
-              <p:tags r:id="rId4"/>
-            </p:custDataLst>
-          </p:nvPr>
-        </p:nvPicPr>
-        <p:blipFill>
-          <a:blip r:embed="rId10">
-            <a:clrChange>
-              <a:clrFrom>
-                <a:srgbClr val="FFFFFF"/>
-              </a:clrFrom>
-              <a:clrTo>
-                <a:srgbClr val="FFFFFF">
-                  <a:alpha val="0"/>
-                </a:srgbClr>
-              </a:clrTo>
-            </a:clrChange>
-          </a:blip>
-          <a:srcRect/>
-          <a:stretch>
-            <a:fillRect/>
-          </a:stretch>
-        </p:blipFill>
-        <p:spPr bwMode="auto">
-          <a:xfrm>
-            <a:off x="5080000" y="3810000"/>
-            <a:ext cx="1588" cy="1588"/>
-          </a:xfrm>
-          <a:prstGeom prst="rect">
-            <a:avLst/>
-          </a:prstGeom>
-          <a:noFill/>
-          <a:ln w="9525">
-            <a:noFill/>
-            <a:miter lim="800000"/>
-            <a:headEnd/>
-            <a:tailEnd/>
-          </a:ln>
-        </p:spPr>
-      </p:pic>
-      <p:pic>
-        <p:nvPicPr>
-          <p:cNvPr id="30727" name="Picture 7" descr="TP_tmp"/>
-          <p:cNvPicPr>
-            <a:picLocks noChangeAspect="1" noChangeArrowheads="1"/>
-          </p:cNvPicPr>
-          <p:nvPr>
-            <p:custDataLst>
-              <p:tags r:id="rId5"/>
-            </p:custDataLst>
-          </p:nvPr>
-        </p:nvPicPr>
-        <p:blipFill>
-          <a:blip r:embed="rId11">
-            <a:clrChange>
-              <a:clrFrom>
-                <a:srgbClr val="FFFFFF"/>
-              </a:clrFrom>
-              <a:clrTo>
-                <a:srgbClr val="FFFFFF">
-                  <a:alpha val="0"/>
-                </a:srgbClr>
-              </a:clrTo>
-            </a:clrChange>
-          </a:blip>
-          <a:srcRect/>
-          <a:stretch>
-            <a:fillRect/>
-          </a:stretch>
-        </p:blipFill>
-        <p:spPr bwMode="auto">
-          <a:xfrm>
-            <a:off x="5080000" y="3810000"/>
-            <a:ext cx="1588" cy="1588"/>
-          </a:xfrm>
-          <a:prstGeom prst="rect">
-            <a:avLst/>
-          </a:prstGeom>
-          <a:noFill/>
-          <a:ln w="9525">
-            <a:noFill/>
-            <a:miter lim="800000"/>
-            <a:headEnd/>
-            <a:tailEnd/>
-          </a:ln>
-        </p:spPr>
-      </p:pic>
-      <p:graphicFrame>
-        <p:nvGraphicFramePr>
-          <p:cNvPr id="9" name="Object 8"/>
-          <p:cNvGraphicFramePr>
-            <a:graphicFrameLocks noChangeAspect="1"/>
-          </p:cNvGraphicFramePr>
-          <p:nvPr>
-            <p:extLst>
-              <p:ext uri="{D42A27DB-BD31-4B8C-83A1-F6EECF244321}">
-                <p14:modId xmlns:p14="http://schemas.microsoft.com/office/powerpoint/2010/main" val="976109127"/>
-              </p:ext>
-            </p:extLst>
-          </p:nvPr>
-        </p:nvGraphicFramePr>
-        <p:xfrm>
-          <a:off x="685800" y="2895600"/>
-          <a:ext cx="7759700" cy="2632075"/>
-        </p:xfrm>
-        <a:graphic>
-          <a:graphicData uri="http://schemas.openxmlformats.org/presentationml/2006/ole">
-            <mc:AlternateContent xmlns:mc="http://schemas.openxmlformats.org/markup-compatibility/2006">
-              <mc:Choice xmlns:v="urn:schemas-microsoft-com:vml" Requires="v">
-                <p:oleObj spid="_x0000_s250921" name="Equation" r:id="rId12" imgW="1460500" imgH="495300" progId="Equation.DSMT4">
-                  <p:embed/>
-                </p:oleObj>
-              </mc:Choice>
-              <mc:Fallback>
-                <p:oleObj name="Equation" r:id="rId12" imgW="1460500" imgH="495300" progId="Equation.DSMT4">
-                  <p:embed/>
-                  <p:pic>
-                    <p:nvPicPr>
-                      <p:cNvPr id="0" name="Picture 2"/>
-                      <p:cNvPicPr>
-                        <a:picLocks noChangeAspect="1" noChangeArrowheads="1"/>
-                      </p:cNvPicPr>
-                      <p:nvPr/>
-                    </p:nvPicPr>
-                    <p:blipFill>
-                      <a:blip r:embed="rId13"/>
-                      <a:srcRect/>
-                      <a:stretch>
-                        <a:fillRect/>
-                      </a:stretch>
-                    </p:blipFill>
-                    <p:spPr bwMode="auto">
-                      <a:xfrm>
-                        <a:off x="685800" y="2895600"/>
-                        <a:ext cx="7759700" cy="2632075"/>
-                      </a:xfrm>
-                      <a:prstGeom prst="rect">
-                        <a:avLst/>
-                      </a:prstGeom>
-                      <a:noFill/>
-                      <a:extLst>
-                        <a:ext uri="{909E8E84-426E-40dd-AFC4-6F175D3DCCD1}">
-                          <a14:hiddenFill xmlns:a14="http://schemas.microsoft.com/office/drawing/2010/main">
-                            <a:solidFill>
-                              <a:srgbClr val="FFFFFF"/>
-                            </a:solidFill>
-                          </a14:hiddenFill>
-                        </a:ext>
-                      </a:extLst>
-                    </p:spPr>
-                  </p:pic>
-                </p:oleObj>
-              </mc:Fallback>
-            </mc:AlternateContent>
-          </a:graphicData>
-        </a:graphic>
-      </p:graphicFrame>
-      <p:sp>
-        <p:nvSpPr>
-          <p:cNvPr id="8" name="Rectangle 11"/>
-          <p:cNvSpPr txBox="1">
-            <a:spLocks noChangeArrowheads="1"/>
-          </p:cNvSpPr>
-          <p:nvPr/>
-        </p:nvSpPr>
-        <p:spPr bwMode="auto">
-          <a:xfrm>
-            <a:off x="6400800" y="6613525"/>
-            <a:ext cx="2667000" cy="244475"/>
-          </a:xfrm>
-          <a:prstGeom prst="rect">
-            <a:avLst/>
-          </a:prstGeom>
-          <a:noFill/>
-          <a:ln w="9525">
-            <a:noFill/>
-            <a:miter lim="800000"/>
-            <a:headEnd/>
-            <a:tailEnd/>
-          </a:ln>
-          <a:effectLst/>
-        </p:spPr>
-        <p:txBody>
-          <a:bodyPr vert="horz" wrap="square" lIns="91440" tIns="45720" rIns="91440" bIns="45720" numCol="1" anchor="t" anchorCtr="0" compatLnSpc="1">
-            <a:prstTxWarp prst="textNoShape">
-              <a:avLst/>
-            </a:prstTxWarp>
-            <a:spAutoFit/>
-          </a:bodyPr>
-          <a:lstStyle>
-            <a:lvl1pPr algn="r">
-              <a:defRPr sz="1000"/>
-            </a:lvl1pPr>
-          </a:lstStyle>
-          <a:p>
-            <a:pPr marL="0" marR="0" lvl="0" indent="0" algn="r" defTabSz="914400" rtl="0" eaLnBrk="1" fontAlgn="base" latinLnBrk="0" hangingPunct="1">
-              <a:lnSpc>
-                <a:spcPct val="100000"/>
-              </a:lnSpc>
-              <a:spcBef>
-                <a:spcPct val="0"/>
-              </a:spcBef>
-              <a:spcAft>
-                <a:spcPct val="0"/>
-              </a:spcAft>
-              <a:buClrTx/>
-              <a:buSzTx/>
-              <a:buFontTx/>
-              <a:buNone/>
-              <a:tabLst/>
-              <a:defRPr/>
-            </a:pPr>
-            <a:r>
-              <a:rPr kumimoji="0" lang="en-US" sz="1000" b="0" i="0" u="none" strike="noStrike" kern="1200" cap="none" spc="0" normalizeH="0" baseline="0" noProof="0" dirty="0" err="1" smtClean="0">
-                <a:ln>
-                  <a:noFill/>
-                </a:ln>
-                <a:solidFill>
-                  <a:schemeClr val="tx1"/>
-                </a:solidFill>
-                <a:effectLst/>
-                <a:uLnTx/>
-                <a:uFillTx/>
-                <a:latin typeface="Comic Sans MS" pitchFamily="66" charset="0"/>
-                <a:ea typeface="+mn-ea"/>
-                <a:cs typeface="+mn-cs"/>
-              </a:rPr>
-              <a:t>samplespace</a:t>
-            </a:r>
-            <a:r>
-              <a:rPr kumimoji="0" lang="en-US" sz="1000" b="0" i="0" u="none" strike="noStrike" kern="1200" cap="none" spc="0" normalizeH="0" baseline="0" noProof="0" dirty="0" smtClean="0">
-                <a:ln>
-                  <a:noFill/>
-                </a:ln>
-                <a:solidFill>
-                  <a:schemeClr val="tx1"/>
-                </a:solidFill>
-                <a:effectLst/>
-                <a:uLnTx/>
-                <a:uFillTx/>
-                <a:latin typeface="Comic Sans MS" pitchFamily="66" charset="0"/>
-                <a:ea typeface="+mn-ea"/>
-                <a:cs typeface="+mn-cs"/>
-              </a:rPr>
-              <a:t>.</a:t>
-            </a:r>
-            <a:fld id="{17233D2A-0857-4415-88C1-423492E69A26}" type="slidenum">
-              <a:rPr kumimoji="0" lang="en-US" sz="1000" b="0" i="0" u="none" strike="noStrike" kern="1200" cap="none" spc="0" normalizeH="0" baseline="0" noProof="0" smtClean="0">
-                <a:ln>
-                  <a:noFill/>
-                </a:ln>
-                <a:solidFill>
-                  <a:schemeClr val="tx1"/>
-                </a:solidFill>
-                <a:effectLst/>
-                <a:uLnTx/>
-                <a:uFillTx/>
-                <a:latin typeface="Comic Sans MS" pitchFamily="66" charset="0"/>
-                <a:ea typeface="+mn-ea"/>
-                <a:cs typeface="+mn-cs"/>
-              </a:rPr>
-              <a:pPr marL="0" marR="0" lvl="0" indent="0" algn="r" defTabSz="914400" rtl="0" eaLnBrk="1" fontAlgn="base" latinLnBrk="0" hangingPunct="1">
-                <a:lnSpc>
-                  <a:spcPct val="100000"/>
-                </a:lnSpc>
-                <a:spcBef>
-                  <a:spcPct val="0"/>
-                </a:spcBef>
-                <a:spcAft>
-                  <a:spcPct val="0"/>
-                </a:spcAft>
-                <a:buClrTx/>
-                <a:buSzTx/>
-                <a:buFontTx/>
-                <a:buNone/>
-                <a:tabLst/>
-                <a:defRPr/>
-              </a:pPr>
-              <a:t>14</a:t>
-            </a:fld>
-            <a:endParaRPr kumimoji="0" lang="en-US" sz="1000" b="0" i="0" u="none" strike="noStrike" kern="1200" cap="none" spc="0" normalizeH="0" baseline="0" noProof="0" dirty="0">
-              <a:ln>
-                <a:noFill/>
-              </a:ln>
-              <a:solidFill>
-                <a:schemeClr val="tx1"/>
-              </a:solidFill>
-              <a:effectLst/>
-              <a:uLnTx/>
-              <a:uFillTx/>
-              <a:latin typeface="Comic Sans MS" pitchFamily="66" charset="0"/>
-              <a:ea typeface="+mn-ea"/>
-              <a:cs typeface="+mn-cs"/>
-            </a:endParaRPr>
-          </a:p>
-        </p:txBody>
-      </p:sp>
-      <p:graphicFrame>
-        <p:nvGraphicFramePr>
-          <p:cNvPr id="2" name="Object 1"/>
-          <p:cNvGraphicFramePr>
-            <a:graphicFrameLocks noChangeAspect="1"/>
-          </p:cNvGraphicFramePr>
-          <p:nvPr>
-            <p:extLst>
-              <p:ext uri="{D42A27DB-BD31-4B8C-83A1-F6EECF244321}">
-                <p14:modId xmlns:p14="http://schemas.microsoft.com/office/powerpoint/2010/main" val="3643280551"/>
-              </p:ext>
-            </p:extLst>
-          </p:nvPr>
-        </p:nvGraphicFramePr>
-        <p:xfrm>
-          <a:off x="1524000" y="1371600"/>
-          <a:ext cx="6361043" cy="1524000"/>
-        </p:xfrm>
-        <a:graphic>
-          <a:graphicData uri="http://schemas.openxmlformats.org/presentationml/2006/ole">
-            <mc:AlternateContent xmlns:mc="http://schemas.openxmlformats.org/markup-compatibility/2006">
-              <mc:Choice xmlns:v="urn:schemas-microsoft-com:vml" Requires="v">
-                <p:oleObj spid="_x0000_s250922" name="Equation" r:id="rId14" imgW="1219200" imgH="292100" progId="Equation.DSMT4">
-                  <p:embed/>
-                </p:oleObj>
-              </mc:Choice>
-              <mc:Fallback>
-                <p:oleObj name="Equation" r:id="rId14" imgW="1219200" imgH="292100" progId="Equation.DSMT4">
-                  <p:embed/>
-                  <p:pic>
-                    <p:nvPicPr>
-                      <p:cNvPr id="0" name=""/>
-                      <p:cNvPicPr/>
-                      <p:nvPr/>
-                    </p:nvPicPr>
-                    <p:blipFill>
-                      <a:blip r:embed="rId15"/>
-                      <a:stretch>
-                        <a:fillRect/>
-                      </a:stretch>
-                    </p:blipFill>
-                    <p:spPr>
-                      <a:xfrm>
-                        <a:off x="1524000" y="1371600"/>
-                        <a:ext cx="6361043" cy="1524000"/>
-                      </a:xfrm>
-                      <a:prstGeom prst="rect">
-                        <a:avLst/>
-                      </a:prstGeom>
-                    </p:spPr>
-                  </p:pic>
-                </p:oleObj>
-              </mc:Fallback>
-            </mc:AlternateContent>
-          </a:graphicData>
-        </a:graphic>
-      </p:graphicFrame>
-    </p:spTree>
-  </p:cSld>
-  <p:clrMapOvr>
-    <a:masterClrMapping/>
-  </p:clrMapOvr>
-  <p:transition xmlns:p14="http://schemas.microsoft.com/office/powerpoint/2010/main" spd="slow" advClick="0">
-    <p:fade/>
-  </p:transition>
-  <p:timing>
-    <p:tnLst>
-      <p:par>
-        <p:cTn xmlns:p14="http://schemas.microsoft.com/office/powerpoint/2010/main" id="1" dur="indefinite" restart="never" nodeType="tmRoot">
-          <p:childTnLst>
-            <p:seq concurrent="1" nextAc="seek">
-              <p:cTn id="2" dur="indefinite" nodeType="mainSeq">
-                <p:childTnLst>
-                  <p:par>
-                    <p:cTn id="3" fill="hold">
-                      <p:stCondLst>
-                        <p:cond delay="indefinite"/>
-                      </p:stCondLst>
-                      <p:childTnLst>
-                        <p:par>
-                          <p:cTn id="4" fill="hold">
-                            <p:stCondLst>
-                              <p:cond delay="0"/>
-                            </p:stCondLst>
-                            <p:childTnLst>
-                              <p:par>
-                                <p:cTn id="5" presetID="22" presetClass="entr" presetSubtype="8" fill="hold" nodeType="clickEffect">
-                                  <p:stCondLst>
-                                    <p:cond delay="0"/>
-                                  </p:stCondLst>
-                                  <p:childTnLst>
-                                    <p:set>
-                                      <p:cBhvr>
-                                        <p:cTn id="6" dur="1" fill="hold">
-                                          <p:stCondLst>
-                                            <p:cond delay="0"/>
-                                          </p:stCondLst>
-                                        </p:cTn>
-                                        <p:tgtEl>
-                                          <p:spTgt spid="9"/>
-                                        </p:tgtEl>
-                                        <p:attrNameLst>
-                                          <p:attrName>style.visibility</p:attrName>
-                                        </p:attrNameLst>
-                                      </p:cBhvr>
-                                      <p:to>
-                                        <p:strVal val="visible"/>
-                                      </p:to>
-                                    </p:set>
-                                    <p:animEffect transition="in" filter="wipe(left)">
-                                      <p:cBhvr>
-                                        <p:cTn id="7" dur="1000"/>
-                                        <p:tgtEl>
-                                          <p:spTgt spid="9"/>
-                                        </p:tgtEl>
-                                      </p:cBhvr>
-                                    </p:animEffect>
-                                  </p:childTnLst>
-                                </p:cTn>
-                              </p:par>
-                            </p:childTnLst>
-                          </p:cTn>
-                        </p:par>
-                      </p:childTnLst>
-                    </p:cTn>
-                  </p:par>
-                </p:childTnLst>
-              </p:cTn>
-              <p:prevCondLst>
-                <p:cond evt="onPrev" delay="0">
-                  <p:tgtEl>
-                    <p:sldTgt/>
-                  </p:tgtEl>
-                </p:cond>
-              </p:prevCondLst>
-              <p:nextCondLst>
-                <p:cond evt="onNext" delay="0">
-                  <p:tgtEl>
-                    <p:sldTgt/>
-                  </p:tgtEl>
-                </p:cond>
-              </p:nextCondLst>
-            </p:seq>
-          </p:childTnLst>
-        </p:cTn>
-      </p:par>
-    </p:tnLst>
-  </p:timing>
-</p:sld>
-</file>
-
-<file path=ppt/slides/slide15.xml><?xml version="1.0" encoding="utf-8"?>
+<file path=ppt/slides/slide2.xml><?xml version="1.0" encoding="utf-8"?>
 <p:sld xmlns:a="http://schemas.openxmlformats.org/drawingml/2006/main" xmlns:r="http://schemas.openxmlformats.org/officeDocument/2006/relationships" xmlns:p="http://schemas.openxmlformats.org/presentationml/2006/main">
   <p:cSld>
     <p:spTree>
@@ -7498,13 +3778,7 @@
               <a:rPr lang="en-US" sz="4400" dirty="0" smtClean="0">
                 <a:latin typeface="Comic Sans MS" pitchFamily="-128" charset="0"/>
               </a:rPr>
-              <a:t> </a:t>
-            </a:r>
-            <a:r>
-              <a:rPr lang="en-US" sz="4400" dirty="0" smtClean="0">
-                <a:latin typeface="Comic Sans MS" pitchFamily="-128" charset="0"/>
-              </a:rPr>
-              <a:t>set</a:t>
+              <a:t> set</a:t>
             </a:r>
             <a:r>
               <a:rPr lang="en-US" sz="4400" b="1" dirty="0" smtClean="0">
@@ -7527,715 +3801,7 @@
                 <a:latin typeface="Comic Sans MS" pitchFamily="-128" charset="0"/>
                 <a:sym typeface="Euclid Math One" pitchFamily="18" charset="2"/>
               </a:rPr>
-              <a:t> </a:t>
-            </a:r>
-            <a:r>
-              <a:rPr lang="en-US" sz="4400" dirty="0" smtClean="0">
-                <a:latin typeface="Comic Sans MS" pitchFamily="-128" charset="0"/>
-                <a:sym typeface="Euclid Math One" pitchFamily="18" charset="2"/>
-              </a:rPr>
-              <a:t>whose elements are called </a:t>
-            </a:r>
-            <a:r>
-              <a:rPr lang="en-US" sz="4400" dirty="0" smtClean="0">
-                <a:solidFill>
-                  <a:srgbClr val="0000FF"/>
-                </a:solidFill>
-                <a:latin typeface="Comic Sans MS" pitchFamily="-128" charset="0"/>
-                <a:sym typeface="Euclid Math One" pitchFamily="18" charset="2"/>
-              </a:rPr>
-              <a:t>outcomes</a:t>
-            </a:r>
-            <a:endParaRPr lang="en-US" sz="4400" i="1" dirty="0" smtClean="0">
-              <a:latin typeface="Comic Sans MS" pitchFamily="-128" charset="0"/>
-              <a:sym typeface="Euclid Math One" pitchFamily="18" charset="2"/>
-            </a:endParaRPr>
-          </a:p>
-          <a:p>
-            <a:pPr marL="609600" indent="-609600" eaLnBrk="1" hangingPunct="1">
-              <a:lnSpc>
-                <a:spcPct val="90000"/>
-              </a:lnSpc>
-              <a:buFontTx/>
-              <a:buAutoNum type="arabicParenR"/>
-            </a:pPr>
-            <a:r>
-              <a:rPr lang="en-US" sz="4400" dirty="0" smtClean="0">
-                <a:latin typeface="Comic Sans MS" pitchFamily="-128" charset="0"/>
-                <a:sym typeface="Euclid Math One" pitchFamily="18" charset="2"/>
-              </a:rPr>
-              <a:t> </a:t>
-            </a:r>
-            <a:r>
-              <a:rPr lang="en-US" sz="4400" dirty="0" smtClean="0">
-                <a:solidFill>
-                  <a:srgbClr val="0000FF"/>
-                </a:solidFill>
-                <a:latin typeface="Comic Sans MS" pitchFamily="-128" charset="0"/>
-                <a:sym typeface="Euclid Math One" pitchFamily="18" charset="2"/>
-              </a:rPr>
-              <a:t>Probability function,</a:t>
-            </a:r>
-            <a:r>
-              <a:rPr lang="en-US" sz="4400" dirty="0" smtClean="0">
-                <a:solidFill>
-                  <a:schemeClr val="accent2"/>
-                </a:solidFill>
-                <a:latin typeface="Comic Sans MS" pitchFamily="-128" charset="0"/>
-                <a:sym typeface="Euclid Math One" pitchFamily="18" charset="2"/>
-              </a:rPr>
-              <a:t> </a:t>
-            </a:r>
-          </a:p>
-          <a:p>
-            <a:pPr marL="609600" indent="-609600" eaLnBrk="1" hangingPunct="1">
-              <a:lnSpc>
-                <a:spcPct val="90000"/>
-              </a:lnSpc>
-              <a:buNone/>
-            </a:pPr>
-            <a:r>
-              <a:rPr lang="en-US" sz="4800" dirty="0" smtClean="0">
-                <a:solidFill>
-                  <a:srgbClr val="0000FF"/>
-                </a:solidFill>
-                <a:latin typeface="Comic Sans MS" pitchFamily="-128" charset="0"/>
-                <a:sym typeface="Euclid Math One" pitchFamily="18" charset="2"/>
-              </a:rPr>
-              <a:t>     Pr:</a:t>
-            </a:r>
-            <a:r>
-              <a:rPr lang="en-US" sz="4800" dirty="0" smtClean="0">
-                <a:solidFill>
-                  <a:srgbClr val="0000FF"/>
-                </a:solidFill>
-                <a:latin typeface="Brush Script MT Italic"/>
-                <a:cs typeface="Brush Script MT Italic"/>
-                <a:sym typeface="Euclid Math One" pitchFamily="18" charset="2"/>
-              </a:rPr>
-              <a:t> </a:t>
-            </a:r>
-            <a:r>
-              <a:rPr lang="en-US" sz="4800" b="1" dirty="0" smtClean="0">
-                <a:solidFill>
-                  <a:srgbClr val="0000FF"/>
-                </a:solidFill>
-                <a:latin typeface="Comic Sans MS" pitchFamily="-128" charset="0"/>
-                <a:sym typeface="Euclid Math One" pitchFamily="18" charset="2"/>
-              </a:rPr>
-              <a:t></a:t>
-            </a:r>
-            <a:r>
-              <a:rPr lang="en-US" sz="4800" b="1" dirty="0" smtClean="0">
-                <a:solidFill>
-                  <a:srgbClr val="0000FF"/>
-                </a:solidFill>
-                <a:latin typeface="Euclid Symbol" charset="2"/>
-                <a:cs typeface="Euclid Symbol" charset="2"/>
-                <a:sym typeface="Symbol" pitchFamily="18" charset="2"/>
-              </a:rPr>
-              <a:t>→</a:t>
-            </a:r>
-            <a:r>
-              <a:rPr lang="en-US" sz="4800" dirty="0" smtClean="0">
-                <a:solidFill>
-                  <a:srgbClr val="0000FF"/>
-                </a:solidFill>
-                <a:latin typeface="Comic Sans MS" pitchFamily="-128" charset="0"/>
-                <a:sym typeface="Symbol" pitchFamily="18" charset="2"/>
-              </a:rPr>
-              <a:t>[0, 1]</a:t>
-            </a:r>
-            <a:r>
-              <a:rPr lang="en-US" sz="4800" dirty="0" smtClean="0">
-                <a:solidFill>
-                  <a:schemeClr val="tx2"/>
-                </a:solidFill>
-                <a:latin typeface="Comic Sans MS" pitchFamily="-128" charset="0"/>
-                <a:sym typeface="Symbol" pitchFamily="18" charset="2"/>
-              </a:rPr>
-              <a:t>,</a:t>
-            </a:r>
-            <a:r>
-              <a:rPr lang="en-US" sz="4800" dirty="0" smtClean="0">
-                <a:solidFill>
-                  <a:srgbClr val="0000FF"/>
-                </a:solidFill>
-                <a:latin typeface="Comic Sans MS" pitchFamily="-128" charset="0"/>
-                <a:sym typeface="Symbol" pitchFamily="18" charset="2"/>
-              </a:rPr>
-              <a:t>  </a:t>
-            </a:r>
-            <a:r>
-              <a:rPr lang="en-US" sz="4800" dirty="0" smtClean="0">
-                <a:solidFill>
-                  <a:schemeClr val="tx2"/>
-                </a:solidFill>
-                <a:latin typeface="Comic Sans MS" pitchFamily="-128" charset="0"/>
-                <a:sym typeface="Symbol" pitchFamily="18" charset="2"/>
-              </a:rPr>
-              <a:t> such tha</a:t>
-            </a:r>
-            <a:r>
-              <a:rPr lang="en-US" sz="4400" dirty="0" smtClean="0">
-                <a:latin typeface="Comic Sans MS" pitchFamily="-128" charset="0"/>
-                <a:sym typeface="Symbol" pitchFamily="18" charset="2"/>
-              </a:rPr>
-              <a:t>t </a:t>
-            </a:r>
-          </a:p>
-        </p:txBody>
-      </p:sp>
-      <p:sp>
-        <p:nvSpPr>
-          <p:cNvPr id="4" name="Rectangle 11"/>
-          <p:cNvSpPr txBox="1">
-            <a:spLocks noChangeArrowheads="1"/>
-          </p:cNvSpPr>
-          <p:nvPr/>
-        </p:nvSpPr>
-        <p:spPr bwMode="auto">
-          <a:xfrm>
-            <a:off x="6400800" y="6613525"/>
-            <a:ext cx="2667000" cy="244475"/>
-          </a:xfrm>
-          <a:prstGeom prst="rect">
-            <a:avLst/>
-          </a:prstGeom>
-          <a:noFill/>
-          <a:ln w="9525">
-            <a:noFill/>
-            <a:miter lim="800000"/>
-            <a:headEnd/>
-            <a:tailEnd/>
-          </a:ln>
-          <a:effectLst/>
-        </p:spPr>
-        <p:txBody>
-          <a:bodyPr vert="horz" wrap="square" lIns="91440" tIns="45720" rIns="91440" bIns="45720" numCol="1" anchor="t" anchorCtr="0" compatLnSpc="1">
-            <a:prstTxWarp prst="textNoShape">
-              <a:avLst/>
-            </a:prstTxWarp>
-            <a:spAutoFit/>
-          </a:bodyPr>
-          <a:lstStyle>
-            <a:lvl1pPr algn="r">
-              <a:defRPr sz="1000"/>
-            </a:lvl1pPr>
-          </a:lstStyle>
-          <a:p>
-            <a:pPr marL="0" marR="0" lvl="0" indent="0" algn="r" defTabSz="914400" rtl="0" eaLnBrk="1" fontAlgn="base" latinLnBrk="0" hangingPunct="1">
-              <a:lnSpc>
-                <a:spcPct val="100000"/>
-              </a:lnSpc>
-              <a:spcBef>
-                <a:spcPct val="0"/>
-              </a:spcBef>
-              <a:spcAft>
-                <a:spcPct val="0"/>
-              </a:spcAft>
-              <a:buClrTx/>
-              <a:buSzTx/>
-              <a:buFontTx/>
-              <a:buNone/>
-              <a:tabLst/>
-              <a:defRPr/>
-            </a:pPr>
-            <a:r>
-              <a:rPr kumimoji="0" lang="en-US" sz="1000" b="0" i="0" u="none" strike="noStrike" kern="1200" cap="none" spc="0" normalizeH="0" baseline="0" noProof="0" dirty="0" err="1" smtClean="0">
-                <a:ln>
-                  <a:noFill/>
-                </a:ln>
-                <a:solidFill>
-                  <a:schemeClr val="tx1"/>
-                </a:solidFill>
-                <a:effectLst/>
-                <a:uLnTx/>
-                <a:uFillTx/>
-                <a:latin typeface="Comic Sans MS" pitchFamily="66" charset="0"/>
-                <a:ea typeface="+mn-ea"/>
-                <a:cs typeface="+mn-cs"/>
-              </a:rPr>
-              <a:t>samplespace</a:t>
-            </a:r>
-            <a:r>
-              <a:rPr kumimoji="0" lang="en-US" sz="1000" b="0" i="0" u="none" strike="noStrike" kern="1200" cap="none" spc="0" normalizeH="0" baseline="0" noProof="0" dirty="0" smtClean="0">
-                <a:ln>
-                  <a:noFill/>
-                </a:ln>
-                <a:solidFill>
-                  <a:schemeClr val="tx1"/>
-                </a:solidFill>
-                <a:effectLst/>
-                <a:uLnTx/>
-                <a:uFillTx/>
-                <a:latin typeface="Comic Sans MS" pitchFamily="66" charset="0"/>
-                <a:ea typeface="+mn-ea"/>
-                <a:cs typeface="+mn-cs"/>
-              </a:rPr>
-              <a:t>.</a:t>
-            </a:r>
-            <a:fld id="{17233D2A-0857-4415-88C1-423492E69A26}" type="slidenum">
-              <a:rPr kumimoji="0" lang="en-US" sz="1000" b="0" i="0" u="none" strike="noStrike" kern="1200" cap="none" spc="0" normalizeH="0" baseline="0" noProof="0" smtClean="0">
-                <a:ln>
-                  <a:noFill/>
-                </a:ln>
-                <a:solidFill>
-                  <a:schemeClr val="tx1"/>
-                </a:solidFill>
-                <a:effectLst/>
-                <a:uLnTx/>
-                <a:uFillTx/>
-                <a:latin typeface="Comic Sans MS" pitchFamily="66" charset="0"/>
-                <a:ea typeface="+mn-ea"/>
-                <a:cs typeface="+mn-cs"/>
-              </a:rPr>
-              <a:pPr marL="0" marR="0" lvl="0" indent="0" algn="r" defTabSz="914400" rtl="0" eaLnBrk="1" fontAlgn="base" latinLnBrk="0" hangingPunct="1">
-                <a:lnSpc>
-                  <a:spcPct val="100000"/>
-                </a:lnSpc>
-                <a:spcBef>
-                  <a:spcPct val="0"/>
-                </a:spcBef>
-                <a:spcAft>
-                  <a:spcPct val="0"/>
-                </a:spcAft>
-                <a:buClrTx/>
-                <a:buSzTx/>
-                <a:buFontTx/>
-                <a:buNone/>
-                <a:tabLst/>
-                <a:defRPr/>
-              </a:pPr>
-              <a:t>15</a:t>
-            </a:fld>
-            <a:endParaRPr kumimoji="0" lang="en-US" sz="1000" b="0" i="0" u="none" strike="noStrike" kern="1200" cap="none" spc="0" normalizeH="0" baseline="0" noProof="0" dirty="0">
-              <a:ln>
-                <a:noFill/>
-              </a:ln>
-              <a:solidFill>
-                <a:schemeClr val="tx1"/>
-              </a:solidFill>
-              <a:effectLst/>
-              <a:uLnTx/>
-              <a:uFillTx/>
-              <a:latin typeface="Comic Sans MS" pitchFamily="66" charset="0"/>
-              <a:ea typeface="+mn-ea"/>
-              <a:cs typeface="+mn-cs"/>
-            </a:endParaRPr>
-          </a:p>
-        </p:txBody>
-      </p:sp>
-      <p:graphicFrame>
-        <p:nvGraphicFramePr>
-          <p:cNvPr id="5" name="Object 4"/>
-          <p:cNvGraphicFramePr>
-            <a:graphicFrameLocks noChangeAspect="1"/>
-          </p:cNvGraphicFramePr>
-          <p:nvPr>
-            <p:extLst>
-              <p:ext uri="{D42A27DB-BD31-4B8C-83A1-F6EECF244321}">
-                <p14:modId xmlns:p14="http://schemas.microsoft.com/office/powerpoint/2010/main" val="1281112569"/>
-              </p:ext>
-            </p:extLst>
-          </p:nvPr>
-        </p:nvGraphicFramePr>
-        <p:xfrm>
-          <a:off x="2133600" y="4557713"/>
-          <a:ext cx="4344988" cy="1862137"/>
-        </p:xfrm>
-        <a:graphic>
-          <a:graphicData uri="http://schemas.openxmlformats.org/presentationml/2006/ole">
-            <mc:AlternateContent xmlns:mc="http://schemas.openxmlformats.org/markup-compatibility/2006">
-              <mc:Choice xmlns:v="urn:schemas-microsoft-com:vml" Requires="v">
-                <p:oleObj spid="_x0000_s333826" name="Equation" r:id="rId4" imgW="889000" imgH="381000" progId="Equation.DSMT4">
-                  <p:embed/>
-                </p:oleObj>
-              </mc:Choice>
-              <mc:Fallback>
-                <p:oleObj name="Equation" r:id="rId4" imgW="889000" imgH="381000" progId="Equation.DSMT4">
-                  <p:embed/>
-                  <p:pic>
-                    <p:nvPicPr>
-                      <p:cNvPr id="0" name=""/>
-                      <p:cNvPicPr>
-                        <a:picLocks noChangeAspect="1" noChangeArrowheads="1"/>
-                      </p:cNvPicPr>
-                      <p:nvPr/>
-                    </p:nvPicPr>
-                    <p:blipFill>
-                      <a:blip r:embed="rId5"/>
-                      <a:srcRect/>
-                      <a:stretch>
-                        <a:fillRect/>
-                      </a:stretch>
-                    </p:blipFill>
-                    <p:spPr bwMode="auto">
-                      <a:xfrm>
-                        <a:off x="2133600" y="4557713"/>
-                        <a:ext cx="4344988" cy="1862137"/>
-                      </a:xfrm>
-                      <a:prstGeom prst="rect">
-                        <a:avLst/>
-                      </a:prstGeom>
-                      <a:noFill/>
-                      <a:extLst>
-                        <a:ext uri="{909E8E84-426E-40dd-AFC4-6F175D3DCCD1}">
-                          <a14:hiddenFill xmlns:a14="http://schemas.microsoft.com/office/drawing/2010/main">
-                            <a:solidFill>
-                              <a:srgbClr val="FFFFFF"/>
-                            </a:solidFill>
-                          </a14:hiddenFill>
-                        </a:ext>
-                      </a:extLst>
-                    </p:spPr>
-                  </p:pic>
-                </p:oleObj>
-              </mc:Fallback>
-            </mc:AlternateContent>
-          </a:graphicData>
-        </a:graphic>
-      </p:graphicFrame>
-    </p:spTree>
-    <p:extLst>
-      <p:ext uri="{BB962C8B-B14F-4D97-AF65-F5344CB8AC3E}">
-        <p14:creationId xmlns:p14="http://schemas.microsoft.com/office/powerpoint/2010/main" val="3587131129"/>
-      </p:ext>
-    </p:extLst>
-  </p:cSld>
-  <p:clrMapOvr>
-    <a:masterClrMapping/>
-  </p:clrMapOvr>
-  <p:transition xmlns:p14="http://schemas.microsoft.com/office/powerpoint/2010/main" spd="slow" advClick="0">
-    <p:fade thruBlk="1"/>
-  </p:transition>
-  <p:timing>
-    <p:tnLst>
-      <p:par>
-        <p:cTn xmlns:p14="http://schemas.microsoft.com/office/powerpoint/2010/main" id="1" dur="indefinite" restart="never" nodeType="tmRoot">
-          <p:childTnLst>
-            <p:seq concurrent="1" nextAc="seek">
-              <p:cTn id="2" dur="indefinite" nodeType="mainSeq">
-                <p:childTnLst>
-                  <p:par>
-                    <p:cTn id="3" fill="hold">
-                      <p:stCondLst>
-                        <p:cond delay="indefinite"/>
-                      </p:stCondLst>
-                      <p:childTnLst>
-                        <p:par>
-                          <p:cTn id="4" fill="hold">
-                            <p:stCondLst>
-                              <p:cond delay="0"/>
-                            </p:stCondLst>
-                            <p:childTnLst>
-                              <p:par>
-                                <p:cTn id="5" presetID="10" presetClass="entr" presetSubtype="0" fill="hold" nodeType="clickEffect">
-                                  <p:stCondLst>
-                                    <p:cond delay="0"/>
-                                  </p:stCondLst>
-                                  <p:childTnLst>
-                                    <p:set>
-                                      <p:cBhvr>
-                                        <p:cTn id="6" dur="1" fill="hold">
-                                          <p:stCondLst>
-                                            <p:cond delay="0"/>
-                                          </p:stCondLst>
-                                        </p:cTn>
-                                        <p:tgtEl>
-                                          <p:spTgt spid="61443">
-                                            <p:txEl>
-                                              <p:pRg st="1" end="1"/>
-                                            </p:txEl>
-                                          </p:spTgt>
-                                        </p:tgtEl>
-                                        <p:attrNameLst>
-                                          <p:attrName>style.visibility</p:attrName>
-                                        </p:attrNameLst>
-                                      </p:cBhvr>
-                                      <p:to>
-                                        <p:strVal val="visible"/>
-                                      </p:to>
-                                    </p:set>
-                                    <p:animEffect transition="in" filter="fade">
-                                      <p:cBhvr>
-                                        <p:cTn id="7" dur="500"/>
-                                        <p:tgtEl>
-                                          <p:spTgt spid="61443">
-                                            <p:txEl>
-                                              <p:pRg st="1" end="1"/>
-                                            </p:txEl>
-                                          </p:spTgt>
-                                        </p:tgtEl>
-                                      </p:cBhvr>
-                                    </p:animEffect>
-                                  </p:childTnLst>
-                                </p:cTn>
-                              </p:par>
-                              <p:par>
-                                <p:cTn id="8" presetID="10" presetClass="entr" presetSubtype="0" fill="hold" nodeType="withEffect">
-                                  <p:stCondLst>
-                                    <p:cond delay="0"/>
-                                  </p:stCondLst>
-                                  <p:childTnLst>
-                                    <p:set>
-                                      <p:cBhvr>
-                                        <p:cTn id="9" dur="1" fill="hold">
-                                          <p:stCondLst>
-                                            <p:cond delay="0"/>
-                                          </p:stCondLst>
-                                        </p:cTn>
-                                        <p:tgtEl>
-                                          <p:spTgt spid="61443">
-                                            <p:txEl>
-                                              <p:pRg st="2" end="2"/>
-                                            </p:txEl>
-                                          </p:spTgt>
-                                        </p:tgtEl>
-                                        <p:attrNameLst>
-                                          <p:attrName>style.visibility</p:attrName>
-                                        </p:attrNameLst>
-                                      </p:cBhvr>
-                                      <p:to>
-                                        <p:strVal val="visible"/>
-                                      </p:to>
-                                    </p:set>
-                                    <p:animEffect transition="in" filter="fade">
-                                      <p:cBhvr>
-                                        <p:cTn id="10" dur="500"/>
-                                        <p:tgtEl>
-                                          <p:spTgt spid="61443">
-                                            <p:txEl>
-                                              <p:pRg st="2" end="2"/>
-                                            </p:txEl>
-                                          </p:spTgt>
-                                        </p:tgtEl>
-                                      </p:cBhvr>
-                                    </p:animEffect>
-                                  </p:childTnLst>
-                                </p:cTn>
-                              </p:par>
-                              <p:par>
-                                <p:cTn id="11" presetID="10" presetClass="entr" presetSubtype="0" fill="hold" nodeType="withEffect">
-                                  <p:stCondLst>
-                                    <p:cond delay="0"/>
-                                  </p:stCondLst>
-                                  <p:childTnLst>
-                                    <p:set>
-                                      <p:cBhvr>
-                                        <p:cTn id="12" dur="1" fill="hold">
-                                          <p:stCondLst>
-                                            <p:cond delay="0"/>
-                                          </p:stCondLst>
-                                        </p:cTn>
-                                        <p:tgtEl>
-                                          <p:spTgt spid="5"/>
-                                        </p:tgtEl>
-                                        <p:attrNameLst>
-                                          <p:attrName>style.visibility</p:attrName>
-                                        </p:attrNameLst>
-                                      </p:cBhvr>
-                                      <p:to>
-                                        <p:strVal val="visible"/>
-                                      </p:to>
-                                    </p:set>
-                                    <p:animEffect transition="in" filter="fade">
-                                      <p:cBhvr>
-                                        <p:cTn id="13" dur="500"/>
-                                        <p:tgtEl>
-                                          <p:spTgt spid="5"/>
-                                        </p:tgtEl>
-                                      </p:cBhvr>
-                                    </p:animEffect>
-                                  </p:childTnLst>
-                                </p:cTn>
-                              </p:par>
-                            </p:childTnLst>
-                          </p:cTn>
-                        </p:par>
-                      </p:childTnLst>
-                    </p:cTn>
-                  </p:par>
-                </p:childTnLst>
-              </p:cTn>
-              <p:prevCondLst>
-                <p:cond evt="onPrev" delay="0">
-                  <p:tgtEl>
-                    <p:sldTgt/>
-                  </p:tgtEl>
-                </p:cond>
-              </p:prevCondLst>
-              <p:nextCondLst>
-                <p:cond evt="onNext" delay="0">
-                  <p:tgtEl>
-                    <p:sldTgt/>
-                  </p:tgtEl>
-                </p:cond>
-              </p:nextCondLst>
-            </p:seq>
-          </p:childTnLst>
-        </p:cTn>
-      </p:par>
-    </p:tnLst>
-  </p:timing>
-</p:sld>
-</file>
-
-<file path=ppt/slides/slide2.xml><?xml version="1.0" encoding="utf-8"?>
-<p:sld xmlns:a="http://schemas.openxmlformats.org/drawingml/2006/main" xmlns:r="http://schemas.openxmlformats.org/officeDocument/2006/relationships" xmlns:p="http://schemas.openxmlformats.org/presentationml/2006/main">
-  <p:cSld>
-    <p:spTree>
-      <p:nvGrpSpPr>
-        <p:cNvPr id="1" name=""/>
-        <p:cNvGrpSpPr/>
-        <p:nvPr/>
-      </p:nvGrpSpPr>
-      <p:grpSpPr>
-        <a:xfrm>
-          <a:off x="0" y="0"/>
-          <a:ext cx="0" cy="0"/>
-          <a:chOff x="0" y="0"/>
-          <a:chExt cx="0" cy="0"/>
-        </a:xfrm>
-      </p:grpSpPr>
-      <p:sp>
-        <p:nvSpPr>
-          <p:cNvPr id="22530" name="Rectangle 2"/>
-          <p:cNvSpPr>
-            <a:spLocks noGrp="1" noChangeArrowheads="1"/>
-          </p:cNvSpPr>
-          <p:nvPr>
-            <p:ph type="title"/>
-          </p:nvPr>
-        </p:nvSpPr>
-        <p:spPr>
-          <a:xfrm>
-            <a:off x="1828800" y="304800"/>
-            <a:ext cx="5410200" cy="914400"/>
-          </a:xfrm>
-          <a:noFill/>
-        </p:spPr>
-        <p:txBody>
-          <a:bodyPr/>
-          <a:lstStyle/>
-          <a:p>
-            <a:pPr eaLnBrk="1" hangingPunct="1"/>
-            <a:r>
-              <a:rPr lang="en-US" sz="4400" dirty="0" smtClean="0">
-                <a:latin typeface="Comic Sans MS" pitchFamily="-128" charset="0"/>
-              </a:rPr>
-              <a:t>Probability Spaces</a:t>
-            </a:r>
-          </a:p>
-        </p:txBody>
-      </p:sp>
-      <p:sp>
-        <p:nvSpPr>
-          <p:cNvPr id="61443" name="Rectangle 3"/>
-          <p:cNvSpPr>
-            <a:spLocks noGrp="1" noChangeArrowheads="1"/>
-          </p:cNvSpPr>
-          <p:nvPr>
-            <p:ph type="body" idx="4294967295"/>
-          </p:nvPr>
-        </p:nvSpPr>
-        <p:spPr bwMode="auto">
-          <a:xfrm>
-            <a:off x="304800" y="1219200"/>
-            <a:ext cx="8458200" cy="5257800"/>
-          </a:xfrm>
-          <a:prstGeom prst="rect">
-            <a:avLst/>
-          </a:prstGeom>
-          <a:noFill/>
-          <a:ln>
-            <a:miter lim="800000"/>
-            <a:headEnd/>
-            <a:tailEnd/>
-          </a:ln>
-        </p:spPr>
-        <p:txBody>
-          <a:bodyPr/>
-          <a:lstStyle/>
-          <a:p>
-            <a:pPr marL="609600" indent="-609600" eaLnBrk="1" hangingPunct="1">
-              <a:lnSpc>
-                <a:spcPct val="90000"/>
-              </a:lnSpc>
-              <a:buFontTx/>
-              <a:buAutoNum type="arabicParenR"/>
-            </a:pPr>
-            <a:r>
-              <a:rPr lang="en-US" sz="4400" dirty="0" smtClean="0">
-                <a:latin typeface="Comic Sans MS" pitchFamily="-128" charset="0"/>
-              </a:rPr>
-              <a:t> </a:t>
-            </a:r>
-            <a:r>
-              <a:rPr lang="en-US" sz="4400" dirty="0" smtClean="0">
-                <a:solidFill>
-                  <a:srgbClr val="0000FF"/>
-                </a:solidFill>
-                <a:latin typeface="Comic Sans MS" pitchFamily="-128" charset="0"/>
-              </a:rPr>
-              <a:t>Sample space</a:t>
-            </a:r>
-            <a:r>
-              <a:rPr lang="en-US" sz="4400" dirty="0" smtClean="0">
-                <a:latin typeface="Comic Sans MS" pitchFamily="-128" charset="0"/>
-              </a:rPr>
-              <a:t>: a </a:t>
-            </a:r>
-            <a:r>
-              <a:rPr lang="en-US" sz="4400" dirty="0" smtClean="0">
-                <a:solidFill>
-                  <a:srgbClr val="008000"/>
-                </a:solidFill>
-                <a:latin typeface="Comic Sans MS" pitchFamily="-128" charset="0"/>
-              </a:rPr>
-              <a:t>countable</a:t>
-            </a:r>
-            <a:r>
-              <a:rPr lang="en-US" sz="4400" dirty="0" smtClean="0">
-                <a:latin typeface="Comic Sans MS" pitchFamily="-128" charset="0"/>
-              </a:rPr>
-              <a:t> </a:t>
-            </a:r>
-            <a:r>
-              <a:rPr lang="en-US" sz="4400" dirty="0" smtClean="0">
-                <a:latin typeface="Comic Sans MS" pitchFamily="-128" charset="0"/>
-              </a:rPr>
-              <a:t>set</a:t>
-            </a:r>
-            <a:r>
-              <a:rPr lang="en-US" sz="4400" b="1" dirty="0" smtClean="0">
-                <a:latin typeface="Comic Sans MS" pitchFamily="-128" charset="0"/>
-              </a:rPr>
-              <a:t> </a:t>
-            </a:r>
-            <a:r>
-              <a:rPr lang="en-US" sz="4400" b="1" dirty="0" smtClean="0">
-                <a:solidFill>
-                  <a:srgbClr val="0000E5"/>
-                </a:solidFill>
-                <a:latin typeface="Comic Sans MS" pitchFamily="-128" charset="0"/>
-                <a:sym typeface="Euclid Math One" pitchFamily="18" charset="2"/>
-              </a:rPr>
-              <a:t></a:t>
-            </a:r>
-            <a:r>
-              <a:rPr lang="en-US" sz="4400" dirty="0" smtClean="0">
-                <a:latin typeface="Comic Sans MS" pitchFamily="-128" charset="0"/>
-                <a:sym typeface="Euclid Math One" pitchFamily="18" charset="2"/>
-              </a:rPr>
-              <a:t> </a:t>
-            </a:r>
-            <a:r>
-              <a:rPr lang="en-US" sz="4400" dirty="0" smtClean="0">
-                <a:latin typeface="Comic Sans MS" pitchFamily="-128" charset="0"/>
-                <a:sym typeface="Euclid Math One" pitchFamily="18" charset="2"/>
-              </a:rPr>
-              <a:t>whose elements are called </a:t>
+              <a:t> whose elements are called </a:t>
             </a:r>
             <a:r>
               <a:rPr lang="en-US" sz="4400" dirty="0" smtClean="0">
@@ -8536,7 +4102,7 @@
           <p:nvPr>
             <p:extLst>
               <p:ext uri="{D42A27DB-BD31-4B8C-83A1-F6EECF244321}">
-                <p14:modId xmlns:p14="http://schemas.microsoft.com/office/powerpoint/2010/main" val="1477232105"/>
+                <p14:modId xmlns:p14="http://schemas.microsoft.com/office/powerpoint/2010/main" val="828319570"/>
               </p:ext>
             </p:extLst>
           </p:nvPr>
@@ -8549,7 +4115,7 @@
           <a:graphicData uri="http://schemas.openxmlformats.org/presentationml/2006/ole">
             <mc:AlternateContent xmlns:mc="http://schemas.openxmlformats.org/markup-compatibility/2006">
               <mc:Choice xmlns:v="urn:schemas-microsoft-com:vml" Requires="v">
-                <p:oleObj spid="_x0000_s283684" name="Equation" r:id="rId4" imgW="889000" imgH="381000" progId="Equation.DSMT4">
+                <p:oleObj spid="_x0000_s283698" name="Equation" r:id="rId4" imgW="889000" imgH="381000" progId="Equation.DSMT4">
                   <p:embed/>
                 </p:oleObj>
               </mc:Choice>
@@ -9636,22 +5202,28 @@
           <p:cNvGraphicFramePr>
             <a:graphicFrameLocks noChangeAspect="1"/>
           </p:cNvGraphicFramePr>
-          <p:nvPr/>
+          <p:nvPr>
+            <p:extLst>
+              <p:ext uri="{D42A27DB-BD31-4B8C-83A1-F6EECF244321}">
+                <p14:modId xmlns:p14="http://schemas.microsoft.com/office/powerpoint/2010/main" val="846759117"/>
+              </p:ext>
+            </p:extLst>
+          </p:nvPr>
         </p:nvGraphicFramePr>
         <p:xfrm>
-          <a:off x="1143000" y="2128837"/>
-          <a:ext cx="6330950" cy="1985963"/>
+          <a:off x="1235075" y="2189163"/>
+          <a:ext cx="6145213" cy="1862137"/>
         </p:xfrm>
         <a:graphic>
           <a:graphicData uri="http://schemas.openxmlformats.org/presentationml/2006/ole">
             <mc:AlternateContent xmlns:mc="http://schemas.openxmlformats.org/markup-compatibility/2006">
               <mc:Choice xmlns:v="urn:schemas-microsoft-com:vml" Requires="v">
-                <p:oleObj spid="_x0000_s332833" name="Equation" r:id="rId4" imgW="1295400" imgH="406400" progId="Equation.DSMT4">
+                <p:oleObj spid="_x0000_s332847" name="Equation" r:id="rId4" imgW="1257300" imgH="381000" progId="Equation.DSMT4">
                   <p:embed/>
                 </p:oleObj>
               </mc:Choice>
               <mc:Fallback>
-                <p:oleObj name="Equation" r:id="rId4" imgW="1295400" imgH="406400" progId="Equation.DSMT4">
+                <p:oleObj name="Equation" r:id="rId4" imgW="1257300" imgH="381000" progId="Equation.DSMT4">
                   <p:embed/>
                   <p:pic>
                     <p:nvPicPr>
@@ -9662,13 +5234,7 @@
                       <p:nvPr/>
                     </p:nvPicPr>
                     <p:blipFill>
-                      <a:blip r:embed="rId5">
-                        <a:extLst>
-                          <a:ext uri="{28A0092B-C50C-407E-A947-70E740481C1C}">
-                            <a14:useLocalDpi xmlns:a14="http://schemas.microsoft.com/office/drawing/2010/main" val="0"/>
-                          </a:ext>
-                        </a:extLst>
-                      </a:blip>
+                      <a:blip r:embed="rId5"/>
                       <a:srcRect/>
                       <a:stretch>
                         <a:fillRect/>
@@ -9676,8 +5242,8 @@
                     </p:blipFill>
                     <p:spPr bwMode="auto">
                       <a:xfrm>
-                        <a:off x="1143000" y="2128837"/>
-                        <a:ext cx="6330950" cy="1985963"/>
+                        <a:off x="1235075" y="2189163"/>
+                        <a:ext cx="6145213" cy="1862137"/>
                       </a:xfrm>
                       <a:prstGeom prst="rect">
                         <a:avLst/>
@@ -10067,25 +5633,25 @@
           <p:nvPr>
             <p:extLst>
               <p:ext uri="{D42A27DB-BD31-4B8C-83A1-F6EECF244321}">
-                <p14:modId xmlns:p14="http://schemas.microsoft.com/office/powerpoint/2010/main" val="275581154"/>
+                <p14:modId xmlns:p14="http://schemas.microsoft.com/office/powerpoint/2010/main" val="2350573850"/>
               </p:ext>
             </p:extLst>
           </p:nvPr>
         </p:nvGraphicFramePr>
         <p:xfrm>
-          <a:off x="332581" y="2514600"/>
-          <a:ext cx="8478837" cy="2438400"/>
+          <a:off x="358775" y="2514600"/>
+          <a:ext cx="8423275" cy="2438400"/>
         </p:xfrm>
         <a:graphic>
           <a:graphicData uri="http://schemas.openxmlformats.org/presentationml/2006/ole">
             <mc:AlternateContent xmlns:mc="http://schemas.openxmlformats.org/markup-compatibility/2006">
               <mc:Choice xmlns:v="urn:schemas-microsoft-com:vml" Requires="v">
-                <p:oleObj spid="_x0000_s247842" name="Equation" r:id="rId4" imgW="1943100" imgH="558800" progId="Equation.DSMT4">
+                <p:oleObj spid="_x0000_s247856" name="Equation" r:id="rId4" imgW="1930400" imgH="558800" progId="Equation.DSMT4">
                   <p:embed/>
                 </p:oleObj>
               </mc:Choice>
               <mc:Fallback>
-                <p:oleObj name="Equation" r:id="rId4" imgW="1943100" imgH="558800" progId="Equation.DSMT4">
+                <p:oleObj name="Equation" r:id="rId4" imgW="1930400" imgH="558800" progId="Equation.DSMT4">
                   <p:embed/>
                   <p:pic>
                     <p:nvPicPr>
@@ -10104,8 +5670,8 @@
                     </p:blipFill>
                     <p:spPr bwMode="auto">
                       <a:xfrm>
-                        <a:off x="332581" y="2514600"/>
-                        <a:ext cx="8478837" cy="2438400"/>
+                        <a:off x="358775" y="2514600"/>
+                        <a:ext cx="8423275" cy="2438400"/>
                       </a:xfrm>
                       <a:prstGeom prst="rect">
                         <a:avLst/>
@@ -10711,25 +6277,25 @@
           <p:nvPr>
             <p:extLst>
               <p:ext uri="{D42A27DB-BD31-4B8C-83A1-F6EECF244321}">
-                <p14:modId xmlns:p14="http://schemas.microsoft.com/office/powerpoint/2010/main" val="3949583059"/>
+                <p14:modId xmlns:p14="http://schemas.microsoft.com/office/powerpoint/2010/main" val="3623321094"/>
               </p:ext>
             </p:extLst>
           </p:nvPr>
         </p:nvGraphicFramePr>
         <p:xfrm>
-          <a:off x="736600" y="2590800"/>
-          <a:ext cx="7554913" cy="2314575"/>
+          <a:off x="769938" y="2590800"/>
+          <a:ext cx="7486650" cy="2314575"/>
         </p:xfrm>
         <a:graphic>
           <a:graphicData uri="http://schemas.openxmlformats.org/presentationml/2006/ole">
             <mc:AlternateContent xmlns:mc="http://schemas.openxmlformats.org/markup-compatibility/2006">
               <mc:Choice xmlns:v="urn:schemas-microsoft-com:vml" Requires="v">
-                <p:oleObj spid="_x0000_s1028" name="Equation" r:id="rId4" imgW="1409700" imgH="431800" progId="Equation.DSMT4">
+                <p:oleObj spid="_x0000_s1042" name="Equation" r:id="rId4" imgW="1397000" imgH="431800" progId="Equation.DSMT4">
                   <p:embed/>
                 </p:oleObj>
               </mc:Choice>
               <mc:Fallback>
-                <p:oleObj name="Equation" r:id="rId4" imgW="1409700" imgH="431800" progId="Equation.DSMT4">
+                <p:oleObj name="Equation" r:id="rId4" imgW="1397000" imgH="431800" progId="Equation.DSMT4">
                   <p:embed/>
                   <p:pic>
                     <p:nvPicPr>
@@ -10748,8 +6314,8 @@
                     </p:blipFill>
                     <p:spPr bwMode="auto">
                       <a:xfrm>
-                        <a:off x="736600" y="2590800"/>
-                        <a:ext cx="7554913" cy="2314575"/>
+                        <a:off x="769938" y="2590800"/>
+                        <a:ext cx="7486650" cy="2314575"/>
                       </a:xfrm>
                       <a:prstGeom prst="rect">
                         <a:avLst/>
@@ -10914,13 +6480,13 @@
   <p:clrMapOvr>
     <a:masterClrMapping/>
   </p:clrMapOvr>
-  <mc:AlternateContent xmlns:mc="http://schemas.openxmlformats.org/markup-compatibility/2006">
-    <mc:Choice xmlns:p14="http://schemas.microsoft.com/office/powerpoint/2010/main" Requires="p14">
+  <mc:AlternateContent xmlns:mc="http://schemas.openxmlformats.org/markup-compatibility/2006" xmlns:p14="http://schemas.microsoft.com/office/powerpoint/2010/main">
+    <mc:Choice Requires="p14">
       <p:transition spd="med" p14:dur="600" advClick="0">
         <p:fade/>
       </p:transition>
     </mc:Choice>
-    <mc:Fallback>
+    <mc:Fallback xmlns="">
       <p:transition xmlns:p14="http://schemas.microsoft.com/office/powerpoint/2010/main" spd="med" advClick="0">
         <p:fade/>
       </p:transition>
@@ -11134,13 +6700,13 @@
   <p:clrMapOvr>
     <a:masterClrMapping/>
   </p:clrMapOvr>
-  <mc:AlternateContent xmlns:mc="http://schemas.openxmlformats.org/markup-compatibility/2006">
-    <mc:Choice xmlns:p14="http://schemas.microsoft.com/office/powerpoint/2010/main" Requires="p14">
+  <mc:AlternateContent xmlns:mc="http://schemas.openxmlformats.org/markup-compatibility/2006" xmlns:p14="http://schemas.microsoft.com/office/powerpoint/2010/main">
+    <mc:Choice Requires="p14">
       <p:transition spd="slow" p14:dur="1200" advClick="0">
         <p:fade thruBlk="1"/>
       </p:transition>
     </mc:Choice>
-    <mc:Fallback>
+    <mc:Fallback xmlns="">
       <p:transition xmlns:p14="http://schemas.microsoft.com/office/powerpoint/2010/main" spd="slow" advClick="0">
         <p:fade thruBlk="1"/>
       </p:transition>
@@ -11289,1585 +6855,6 @@
 </p:sld>
 </file>
 
-<file path=ppt/slides/slide8.xml><?xml version="1.0" encoding="utf-8"?>
-<p:sld xmlns:a="http://schemas.openxmlformats.org/drawingml/2006/main" xmlns:r="http://schemas.openxmlformats.org/officeDocument/2006/relationships" xmlns:p="http://schemas.openxmlformats.org/presentationml/2006/main" show="0">
-  <p:cSld>
-    <p:spTree>
-      <p:nvGrpSpPr>
-        <p:cNvPr id="1" name=""/>
-        <p:cNvGrpSpPr/>
-        <p:nvPr/>
-      </p:nvGrpSpPr>
-      <p:grpSpPr>
-        <a:xfrm>
-          <a:off x="0" y="0"/>
-          <a:ext cx="0" cy="0"/>
-          <a:chOff x="0" y="0"/>
-          <a:chExt cx="0" cy="0"/>
-        </a:xfrm>
-      </p:grpSpPr>
-      <p:sp>
-        <p:nvSpPr>
-          <p:cNvPr id="22530" name="Rectangle 2"/>
-          <p:cNvSpPr>
-            <a:spLocks noGrp="1" noChangeArrowheads="1"/>
-          </p:cNvSpPr>
-          <p:nvPr>
-            <p:ph type="title"/>
-          </p:nvPr>
-        </p:nvSpPr>
-        <p:spPr>
-          <a:xfrm>
-            <a:off x="1828800" y="304800"/>
-            <a:ext cx="5410200" cy="914400"/>
-          </a:xfrm>
-          <a:noFill/>
-        </p:spPr>
-        <p:txBody>
-          <a:bodyPr/>
-          <a:lstStyle/>
-          <a:p>
-            <a:pPr eaLnBrk="1" hangingPunct="1"/>
-            <a:r>
-              <a:rPr lang="en-US" sz="4400" dirty="0" smtClean="0">
-                <a:latin typeface="Comic Sans MS" pitchFamily="-128" charset="0"/>
-              </a:rPr>
-              <a:t>Probability Spaces</a:t>
-            </a:r>
-          </a:p>
-        </p:txBody>
-      </p:sp>
-      <p:sp>
-        <p:nvSpPr>
-          <p:cNvPr id="61443" name="Rectangle 3"/>
-          <p:cNvSpPr>
-            <a:spLocks noGrp="1" noChangeArrowheads="1"/>
-          </p:cNvSpPr>
-          <p:nvPr>
-            <p:ph type="body" idx="4294967295"/>
-          </p:nvPr>
-        </p:nvSpPr>
-        <p:spPr bwMode="auto">
-          <a:xfrm>
-            <a:off x="152400" y="1143000"/>
-            <a:ext cx="8763000" cy="5029200"/>
-          </a:xfrm>
-          <a:prstGeom prst="rect">
-            <a:avLst/>
-          </a:prstGeom>
-          <a:noFill/>
-          <a:ln>
-            <a:miter lim="800000"/>
-            <a:headEnd/>
-            <a:tailEnd/>
-          </a:ln>
-        </p:spPr>
-        <p:txBody>
-          <a:bodyPr/>
-          <a:lstStyle/>
-          <a:p>
-            <a:pPr marL="609600" indent="-609600" eaLnBrk="1" hangingPunct="1">
-              <a:lnSpc>
-                <a:spcPct val="90000"/>
-              </a:lnSpc>
-              <a:buFontTx/>
-              <a:buAutoNum type="arabicParenR"/>
-            </a:pPr>
-            <a:r>
-              <a:rPr lang="en-US" sz="4400" dirty="0" smtClean="0">
-                <a:latin typeface="Comic Sans MS" pitchFamily="-128" charset="0"/>
-              </a:rPr>
-              <a:t> </a:t>
-            </a:r>
-            <a:r>
-              <a:rPr lang="en-US" sz="4400" dirty="0" smtClean="0">
-                <a:solidFill>
-                  <a:srgbClr val="0000FF"/>
-                </a:solidFill>
-                <a:latin typeface="Comic Sans MS" pitchFamily="-128" charset="0"/>
-              </a:rPr>
-              <a:t>Sample space</a:t>
-            </a:r>
-            <a:r>
-              <a:rPr lang="en-US" sz="4400" dirty="0">
-                <a:latin typeface="Comic Sans MS" pitchFamily="-128" charset="0"/>
-              </a:rPr>
-              <a:t> </a:t>
-            </a:r>
-            <a:r>
-              <a:rPr lang="en-US" sz="4400" b="1" dirty="0" smtClean="0">
-                <a:solidFill>
-                  <a:srgbClr val="0000E5"/>
-                </a:solidFill>
-                <a:latin typeface="Comic Sans MS" pitchFamily="-128" charset="0"/>
-                <a:sym typeface="Euclid Math One" pitchFamily="18" charset="2"/>
-              </a:rPr>
-              <a:t></a:t>
-            </a:r>
-            <a:r>
-              <a:rPr lang="en-US" sz="4400" dirty="0" smtClean="0">
-                <a:latin typeface="Comic Sans MS" pitchFamily="-128" charset="0"/>
-                <a:sym typeface="Euclid Math One" pitchFamily="18" charset="2"/>
-              </a:rPr>
-              <a:t> of </a:t>
-            </a:r>
-            <a:r>
-              <a:rPr lang="en-US" sz="4400" dirty="0" smtClean="0">
-                <a:solidFill>
-                  <a:srgbClr val="0000FF"/>
-                </a:solidFill>
-                <a:latin typeface="Comic Sans MS" pitchFamily="-128" charset="0"/>
-                <a:sym typeface="Euclid Math One" pitchFamily="18" charset="2"/>
-              </a:rPr>
-              <a:t>outcomes</a:t>
-            </a:r>
-            <a:endParaRPr lang="en-US" sz="4400" dirty="0" smtClean="0">
-              <a:latin typeface="Comic Sans MS" pitchFamily="-128" charset="0"/>
-              <a:sym typeface="Euclid Math One" pitchFamily="18" charset="2"/>
-            </a:endParaRPr>
-          </a:p>
-          <a:p>
-            <a:pPr marL="609600" indent="-609600" eaLnBrk="1" hangingPunct="1">
-              <a:lnSpc>
-                <a:spcPct val="90000"/>
-              </a:lnSpc>
-              <a:buFontTx/>
-              <a:buAutoNum type="arabicParenR"/>
-            </a:pPr>
-            <a:r>
-              <a:rPr lang="en-US" sz="4400" dirty="0" smtClean="0">
-                <a:latin typeface="Comic Sans MS" pitchFamily="-128" charset="0"/>
-                <a:sym typeface="Euclid Math One" pitchFamily="18" charset="2"/>
-              </a:rPr>
-              <a:t> </a:t>
-            </a:r>
-            <a:r>
-              <a:rPr lang="en-US" sz="4400" dirty="0" smtClean="0">
-                <a:latin typeface="Comic Sans MS"/>
-                <a:cs typeface="Comic Sans MS"/>
-                <a:sym typeface="Euclid Math One" pitchFamily="18" charset="2"/>
-              </a:rPr>
-              <a:t>sigma field </a:t>
-            </a:r>
-            <a:r>
-              <a:rPr lang="en-US" sz="4400" dirty="0" smtClean="0">
-                <a:solidFill>
-                  <a:srgbClr val="0000FF"/>
-                </a:solidFill>
-                <a:latin typeface="Brush Script MT Italic"/>
-                <a:cs typeface="Brush Script MT Italic"/>
-                <a:sym typeface="Euclid Math One" pitchFamily="18" charset="2"/>
-              </a:rPr>
-              <a:t>E</a:t>
-            </a:r>
-            <a:r>
-              <a:rPr lang="en-US" sz="4400" dirty="0" smtClean="0">
-                <a:latin typeface="Comic Sans MS"/>
-                <a:cs typeface="Comic Sans MS"/>
-                <a:sym typeface="Euclid Math One" pitchFamily="18" charset="2"/>
-              </a:rPr>
-              <a:t> of </a:t>
-            </a:r>
-            <a:r>
-              <a:rPr lang="en-US" sz="4400" dirty="0" smtClean="0">
-                <a:solidFill>
-                  <a:srgbClr val="0000FF"/>
-                </a:solidFill>
-                <a:latin typeface="Comic Sans MS"/>
-                <a:cs typeface="Comic Sans MS"/>
-                <a:sym typeface="Euclid Math One" pitchFamily="18" charset="2"/>
-              </a:rPr>
-              <a:t>events</a:t>
-            </a:r>
-          </a:p>
-          <a:p>
-            <a:pPr marL="609600" indent="-609600" eaLnBrk="1" hangingPunct="1">
-              <a:lnSpc>
-                <a:spcPct val="90000"/>
-              </a:lnSpc>
-              <a:buFontTx/>
-              <a:buAutoNum type="arabicParenR"/>
-            </a:pPr>
-            <a:r>
-              <a:rPr lang="en-US" sz="4400" dirty="0" smtClean="0">
-                <a:latin typeface="Comic Sans MS" pitchFamily="-128" charset="0"/>
-                <a:sym typeface="Euclid Math One" pitchFamily="18" charset="2"/>
-              </a:rPr>
-              <a:t> </a:t>
-            </a:r>
-            <a:r>
-              <a:rPr lang="en-US" sz="4400" dirty="0" smtClean="0">
-                <a:solidFill>
-                  <a:srgbClr val="0000FF"/>
-                </a:solidFill>
-                <a:latin typeface="Comic Sans MS" pitchFamily="-128" charset="0"/>
-                <a:sym typeface="Euclid Math One" pitchFamily="18" charset="2"/>
-              </a:rPr>
-              <a:t>Probability function,</a:t>
-            </a:r>
-            <a:r>
-              <a:rPr lang="en-US" sz="4400" dirty="0" smtClean="0">
-                <a:solidFill>
-                  <a:schemeClr val="accent2"/>
-                </a:solidFill>
-                <a:latin typeface="Comic Sans MS" pitchFamily="-128" charset="0"/>
-                <a:sym typeface="Euclid Math One" pitchFamily="18" charset="2"/>
-              </a:rPr>
-              <a:t> </a:t>
-            </a:r>
-          </a:p>
-          <a:p>
-            <a:pPr marL="609600" indent="-609600" algn="ctr" eaLnBrk="1" hangingPunct="1">
-              <a:lnSpc>
-                <a:spcPct val="90000"/>
-              </a:lnSpc>
-              <a:buFontTx/>
-              <a:buNone/>
-            </a:pPr>
-            <a:r>
-              <a:rPr lang="en-US" sz="4800" dirty="0" err="1" smtClean="0">
-                <a:solidFill>
-                  <a:srgbClr val="0000FF"/>
-                </a:solidFill>
-                <a:latin typeface="Comic Sans MS" pitchFamily="-128" charset="0"/>
-                <a:sym typeface="Euclid Math One" pitchFamily="18" charset="2"/>
-              </a:rPr>
-              <a:t>Pr</a:t>
-            </a:r>
-            <a:r>
-              <a:rPr lang="en-US" sz="4800" dirty="0" smtClean="0">
-                <a:solidFill>
-                  <a:srgbClr val="0000FF"/>
-                </a:solidFill>
-                <a:latin typeface="Comic Sans MS" pitchFamily="-128" charset="0"/>
-                <a:sym typeface="Euclid Math One" pitchFamily="18" charset="2"/>
-              </a:rPr>
-              <a:t>:</a:t>
-            </a:r>
-            <a:r>
-              <a:rPr lang="en-US" sz="4800" dirty="0">
-                <a:cs typeface="Comic Sans MS"/>
-                <a:sym typeface="Euclid Math One" pitchFamily="18" charset="2"/>
-              </a:rPr>
-              <a:t> </a:t>
-            </a:r>
-            <a:r>
-              <a:rPr lang="en-US" sz="4800" dirty="0" smtClean="0">
-                <a:solidFill>
-                  <a:srgbClr val="0000FF"/>
-                </a:solidFill>
-                <a:latin typeface="Brush Script MT Italic"/>
-                <a:cs typeface="Brush Script MT Italic"/>
-                <a:sym typeface="Euclid Math One" pitchFamily="18" charset="2"/>
-              </a:rPr>
-              <a:t>E</a:t>
-            </a:r>
-            <a:r>
-              <a:rPr lang="en-US" sz="4800" dirty="0" smtClean="0">
-                <a:cs typeface="Comic Sans MS"/>
-                <a:sym typeface="Euclid Math One" pitchFamily="18" charset="2"/>
-              </a:rPr>
-              <a:t> </a:t>
-            </a:r>
-            <a:r>
-              <a:rPr lang="en-US" sz="4800" b="1" dirty="0" smtClean="0">
-                <a:solidFill>
-                  <a:srgbClr val="0000FF"/>
-                </a:solidFill>
-                <a:latin typeface="Euclid Symbol" charset="2"/>
-                <a:cs typeface="Euclid Symbol" charset="2"/>
-                <a:sym typeface="Symbol" pitchFamily="18" charset="2"/>
-              </a:rPr>
-              <a:t>→ </a:t>
-            </a:r>
-            <a:r>
-              <a:rPr lang="en-US" sz="4800" dirty="0" smtClean="0">
-                <a:solidFill>
-                  <a:srgbClr val="0000FF"/>
-                </a:solidFill>
-                <a:latin typeface="Comic Sans MS" pitchFamily="-128" charset="0"/>
-                <a:sym typeface="Symbol" pitchFamily="18" charset="2"/>
-              </a:rPr>
-              <a:t>[0,1]</a:t>
-            </a:r>
-          </a:p>
-          <a:p>
-            <a:pPr marL="609600" indent="-609600" eaLnBrk="1" hangingPunct="1">
-              <a:lnSpc>
-                <a:spcPct val="90000"/>
-              </a:lnSpc>
-              <a:buFontTx/>
-              <a:buNone/>
-            </a:pPr>
-            <a:r>
-              <a:rPr lang="en-US" sz="4400" dirty="0" smtClean="0">
-                <a:latin typeface="Comic Sans MS" pitchFamily="-128" charset="0"/>
-                <a:sym typeface="Symbol" pitchFamily="18" charset="2"/>
-              </a:rPr>
-              <a:t>         (a) </a:t>
-            </a:r>
-            <a:r>
-              <a:rPr lang="en-US" sz="4400" dirty="0" smtClean="0">
-                <a:solidFill>
-                  <a:srgbClr val="0000FF"/>
-                </a:solidFill>
-                <a:latin typeface="Comic Sans MS" pitchFamily="-128" charset="0"/>
-                <a:sym typeface="Symbol" pitchFamily="18" charset="2"/>
-              </a:rPr>
-              <a:t>Pr{</a:t>
-            </a:r>
-            <a:r>
-              <a:rPr lang="en-US" sz="4400" b="1" dirty="0" smtClean="0">
-                <a:solidFill>
-                  <a:srgbClr val="0000FF"/>
-                </a:solidFill>
-                <a:latin typeface="Comic Sans MS" pitchFamily="-128" charset="0"/>
-                <a:sym typeface="Euclid Math One" pitchFamily="18" charset="2"/>
-              </a:rPr>
-              <a:t></a:t>
-            </a:r>
-            <a:r>
-              <a:rPr lang="en-US" sz="4400" dirty="0" smtClean="0">
-                <a:solidFill>
-                  <a:srgbClr val="0000FF"/>
-                </a:solidFill>
-                <a:latin typeface="Comic Sans MS" pitchFamily="-128" charset="0"/>
-                <a:sym typeface="Euclid Math One" pitchFamily="18" charset="2"/>
-              </a:rPr>
-              <a:t>} = 1</a:t>
-            </a:r>
-            <a:r>
-              <a:rPr lang="en-US" sz="4400" dirty="0" smtClean="0">
-                <a:latin typeface="Comic Sans MS" pitchFamily="-128" charset="0"/>
-                <a:sym typeface="Euclid Math One" pitchFamily="18" charset="2"/>
-              </a:rPr>
-              <a:t>,</a:t>
-            </a:r>
-          </a:p>
-          <a:p>
-            <a:pPr marL="609600" indent="-609600" eaLnBrk="1" hangingPunct="1">
-              <a:lnSpc>
-                <a:spcPct val="90000"/>
-              </a:lnSpc>
-              <a:buFontTx/>
-              <a:buNone/>
-            </a:pPr>
-            <a:r>
-              <a:rPr lang="en-US" sz="4400" dirty="0" smtClean="0">
-                <a:latin typeface="Comic Sans MS" pitchFamily="-128" charset="0"/>
-                <a:sym typeface="Symbol" pitchFamily="18" charset="2"/>
-              </a:rPr>
-              <a:t>         (b) the</a:t>
-            </a:r>
-            <a:r>
-              <a:rPr lang="en-US" sz="4400" dirty="0" smtClean="0">
-                <a:solidFill>
-                  <a:srgbClr val="006600"/>
-                </a:solidFill>
-                <a:latin typeface="Comic Sans MS" pitchFamily="-128" charset="0"/>
-                <a:sym typeface="Symbol" pitchFamily="18" charset="2"/>
-              </a:rPr>
-              <a:t> </a:t>
-            </a:r>
-            <a:r>
-              <a:rPr lang="en-US" sz="4400" dirty="0" smtClean="0">
-                <a:solidFill>
-                  <a:srgbClr val="008000"/>
-                </a:solidFill>
-                <a:latin typeface="Comic Sans MS" pitchFamily="-128" charset="0"/>
-                <a:sym typeface="Symbol" pitchFamily="18" charset="2"/>
-              </a:rPr>
-              <a:t>Sum Rule.</a:t>
-            </a:r>
-            <a:endParaRPr lang="en-US" sz="4400" dirty="0" smtClean="0">
-              <a:latin typeface="Comic Sans MS" pitchFamily="-128" charset="0"/>
-              <a:sym typeface="Symbol" pitchFamily="18" charset="2"/>
-            </a:endParaRPr>
-          </a:p>
-        </p:txBody>
-      </p:sp>
-      <p:sp>
-        <p:nvSpPr>
-          <p:cNvPr id="4" name="Rectangle 11"/>
-          <p:cNvSpPr txBox="1">
-            <a:spLocks noChangeArrowheads="1"/>
-          </p:cNvSpPr>
-          <p:nvPr/>
-        </p:nvSpPr>
-        <p:spPr bwMode="auto">
-          <a:xfrm>
-            <a:off x="6400800" y="6613525"/>
-            <a:ext cx="2667000" cy="244475"/>
-          </a:xfrm>
-          <a:prstGeom prst="rect">
-            <a:avLst/>
-          </a:prstGeom>
-          <a:noFill/>
-          <a:ln w="9525">
-            <a:noFill/>
-            <a:miter lim="800000"/>
-            <a:headEnd/>
-            <a:tailEnd/>
-          </a:ln>
-          <a:effectLst/>
-        </p:spPr>
-        <p:txBody>
-          <a:bodyPr vert="horz" wrap="square" lIns="91440" tIns="45720" rIns="91440" bIns="45720" numCol="1" anchor="t" anchorCtr="0" compatLnSpc="1">
-            <a:prstTxWarp prst="textNoShape">
-              <a:avLst/>
-            </a:prstTxWarp>
-            <a:spAutoFit/>
-          </a:bodyPr>
-          <a:lstStyle>
-            <a:lvl1pPr algn="r">
-              <a:defRPr sz="1000"/>
-            </a:lvl1pPr>
-          </a:lstStyle>
-          <a:p>
-            <a:pPr marL="0" marR="0" lvl="0" indent="0" algn="r" defTabSz="914400" rtl="0" eaLnBrk="1" fontAlgn="base" latinLnBrk="0" hangingPunct="1">
-              <a:lnSpc>
-                <a:spcPct val="100000"/>
-              </a:lnSpc>
-              <a:spcBef>
-                <a:spcPct val="0"/>
-              </a:spcBef>
-              <a:spcAft>
-                <a:spcPct val="0"/>
-              </a:spcAft>
-              <a:buClrTx/>
-              <a:buSzTx/>
-              <a:buFontTx/>
-              <a:buNone/>
-              <a:tabLst/>
-              <a:defRPr/>
-            </a:pPr>
-            <a:r>
-              <a:rPr kumimoji="0" lang="en-US" sz="1000" b="0" i="0" u="none" strike="noStrike" kern="1200" cap="none" spc="0" normalizeH="0" baseline="0" noProof="0" dirty="0" err="1" smtClean="0">
-                <a:ln>
-                  <a:noFill/>
-                </a:ln>
-                <a:solidFill>
-                  <a:schemeClr val="tx1"/>
-                </a:solidFill>
-                <a:effectLst/>
-                <a:uLnTx/>
-                <a:uFillTx/>
-                <a:latin typeface="Comic Sans MS" pitchFamily="66" charset="0"/>
-                <a:ea typeface="+mn-ea"/>
-                <a:cs typeface="+mn-cs"/>
-              </a:rPr>
-              <a:t>samplespace</a:t>
-            </a:r>
-            <a:r>
-              <a:rPr kumimoji="0" lang="en-US" sz="1000" b="0" i="0" u="none" strike="noStrike" kern="1200" cap="none" spc="0" normalizeH="0" baseline="0" noProof="0" dirty="0" smtClean="0">
-                <a:ln>
-                  <a:noFill/>
-                </a:ln>
-                <a:solidFill>
-                  <a:schemeClr val="tx1"/>
-                </a:solidFill>
-                <a:effectLst/>
-                <a:uLnTx/>
-                <a:uFillTx/>
-                <a:latin typeface="Comic Sans MS" pitchFamily="66" charset="0"/>
-                <a:ea typeface="+mn-ea"/>
-                <a:cs typeface="+mn-cs"/>
-              </a:rPr>
-              <a:t>.</a:t>
-            </a:r>
-            <a:fld id="{17233D2A-0857-4415-88C1-423492E69A26}" type="slidenum">
-              <a:rPr kumimoji="0" lang="en-US" sz="1000" b="0" i="0" u="none" strike="noStrike" kern="1200" cap="none" spc="0" normalizeH="0" baseline="0" noProof="0" smtClean="0">
-                <a:ln>
-                  <a:noFill/>
-                </a:ln>
-                <a:solidFill>
-                  <a:schemeClr val="tx1"/>
-                </a:solidFill>
-                <a:effectLst/>
-                <a:uLnTx/>
-                <a:uFillTx/>
-                <a:latin typeface="Comic Sans MS" pitchFamily="66" charset="0"/>
-                <a:ea typeface="+mn-ea"/>
-                <a:cs typeface="+mn-cs"/>
-              </a:rPr>
-              <a:pPr marL="0" marR="0" lvl="0" indent="0" algn="r" defTabSz="914400" rtl="0" eaLnBrk="1" fontAlgn="base" latinLnBrk="0" hangingPunct="1">
-                <a:lnSpc>
-                  <a:spcPct val="100000"/>
-                </a:lnSpc>
-                <a:spcBef>
-                  <a:spcPct val="0"/>
-                </a:spcBef>
-                <a:spcAft>
-                  <a:spcPct val="0"/>
-                </a:spcAft>
-                <a:buClrTx/>
-                <a:buSzTx/>
-                <a:buFontTx/>
-                <a:buNone/>
-                <a:tabLst/>
-                <a:defRPr/>
-              </a:pPr>
-              <a:t>8</a:t>
-            </a:fld>
-            <a:endParaRPr kumimoji="0" lang="en-US" sz="1000" b="0" i="0" u="none" strike="noStrike" kern="1200" cap="none" spc="0" normalizeH="0" baseline="0" noProof="0" dirty="0">
-              <a:ln>
-                <a:noFill/>
-              </a:ln>
-              <a:solidFill>
-                <a:schemeClr val="tx1"/>
-              </a:solidFill>
-              <a:effectLst/>
-              <a:uLnTx/>
-              <a:uFillTx/>
-              <a:latin typeface="Comic Sans MS" pitchFamily="66" charset="0"/>
-              <a:ea typeface="+mn-ea"/>
-              <a:cs typeface="+mn-cs"/>
-            </a:endParaRPr>
-          </a:p>
-        </p:txBody>
-      </p:sp>
-    </p:spTree>
-  </p:cSld>
-  <p:clrMapOvr>
-    <a:masterClrMapping/>
-  </p:clrMapOvr>
-  <p:transition xmlns:p14="http://schemas.microsoft.com/office/powerpoint/2010/main" spd="slow" advClick="0">
-    <p:fade thruBlk="1"/>
-  </p:transition>
-  <p:timing>
-    <p:tnLst>
-      <p:par>
-        <p:cTn xmlns:p14="http://schemas.microsoft.com/office/powerpoint/2010/main" id="1" dur="indefinite" restart="never" nodeType="tmRoot">
-          <p:childTnLst>
-            <p:seq concurrent="1" nextAc="seek">
-              <p:cTn id="2" dur="indefinite" nodeType="mainSeq">
-                <p:childTnLst>
-                  <p:par>
-                    <p:cTn id="3" fill="hold">
-                      <p:stCondLst>
-                        <p:cond delay="indefinite"/>
-                      </p:stCondLst>
-                      <p:childTnLst>
-                        <p:par>
-                          <p:cTn id="4" fill="hold">
-                            <p:stCondLst>
-                              <p:cond delay="0"/>
-                            </p:stCondLst>
-                            <p:childTnLst>
-                              <p:par>
-                                <p:cTn id="5" presetID="10" presetClass="entr" presetSubtype="0" fill="hold" nodeType="clickEffect">
-                                  <p:stCondLst>
-                                    <p:cond delay="0"/>
-                                  </p:stCondLst>
-                                  <p:childTnLst>
-                                    <p:set>
-                                      <p:cBhvr>
-                                        <p:cTn id="6" dur="1" fill="hold">
-                                          <p:stCondLst>
-                                            <p:cond delay="0"/>
-                                          </p:stCondLst>
-                                        </p:cTn>
-                                        <p:tgtEl>
-                                          <p:spTgt spid="61443">
-                                            <p:txEl>
-                                              <p:pRg st="1" end="1"/>
-                                            </p:txEl>
-                                          </p:spTgt>
-                                        </p:tgtEl>
-                                        <p:attrNameLst>
-                                          <p:attrName>style.visibility</p:attrName>
-                                        </p:attrNameLst>
-                                      </p:cBhvr>
-                                      <p:to>
-                                        <p:strVal val="visible"/>
-                                      </p:to>
-                                    </p:set>
-                                    <p:animEffect transition="in" filter="fade">
-                                      <p:cBhvr>
-                                        <p:cTn id="7" dur="500"/>
-                                        <p:tgtEl>
-                                          <p:spTgt spid="61443">
-                                            <p:txEl>
-                                              <p:pRg st="1" end="1"/>
-                                            </p:txEl>
-                                          </p:spTgt>
-                                        </p:tgtEl>
-                                      </p:cBhvr>
-                                    </p:animEffect>
-                                  </p:childTnLst>
-                                </p:cTn>
-                              </p:par>
-                            </p:childTnLst>
-                          </p:cTn>
-                        </p:par>
-                      </p:childTnLst>
-                    </p:cTn>
-                  </p:par>
-                  <p:par>
-                    <p:cTn id="8" fill="hold">
-                      <p:stCondLst>
-                        <p:cond delay="indefinite"/>
-                      </p:stCondLst>
-                      <p:childTnLst>
-                        <p:par>
-                          <p:cTn id="9" fill="hold">
-                            <p:stCondLst>
-                              <p:cond delay="0"/>
-                            </p:stCondLst>
-                            <p:childTnLst>
-                              <p:par>
-                                <p:cTn id="10" presetID="10" presetClass="entr" presetSubtype="0" fill="hold" nodeType="clickEffect">
-                                  <p:stCondLst>
-                                    <p:cond delay="0"/>
-                                  </p:stCondLst>
-                                  <p:childTnLst>
-                                    <p:set>
-                                      <p:cBhvr>
-                                        <p:cTn id="11" dur="1" fill="hold">
-                                          <p:stCondLst>
-                                            <p:cond delay="0"/>
-                                          </p:stCondLst>
-                                        </p:cTn>
-                                        <p:tgtEl>
-                                          <p:spTgt spid="61443">
-                                            <p:txEl>
-                                              <p:pRg st="2" end="2"/>
-                                            </p:txEl>
-                                          </p:spTgt>
-                                        </p:tgtEl>
-                                        <p:attrNameLst>
-                                          <p:attrName>style.visibility</p:attrName>
-                                        </p:attrNameLst>
-                                      </p:cBhvr>
-                                      <p:to>
-                                        <p:strVal val="visible"/>
-                                      </p:to>
-                                    </p:set>
-                                    <p:animEffect transition="in" filter="fade">
-                                      <p:cBhvr>
-                                        <p:cTn id="12" dur="500"/>
-                                        <p:tgtEl>
-                                          <p:spTgt spid="61443">
-                                            <p:txEl>
-                                              <p:pRg st="2" end="2"/>
-                                            </p:txEl>
-                                          </p:spTgt>
-                                        </p:tgtEl>
-                                      </p:cBhvr>
-                                    </p:animEffect>
-                                  </p:childTnLst>
-                                </p:cTn>
-                              </p:par>
-                            </p:childTnLst>
-                          </p:cTn>
-                        </p:par>
-                        <p:par>
-                          <p:cTn id="13" fill="hold">
-                            <p:stCondLst>
-                              <p:cond delay="500"/>
-                            </p:stCondLst>
-                            <p:childTnLst>
-                              <p:par>
-                                <p:cTn id="14" presetID="22" presetClass="entr" presetSubtype="8" fill="hold" nodeType="afterEffect">
-                                  <p:stCondLst>
-                                    <p:cond delay="0"/>
-                                  </p:stCondLst>
-                                  <p:childTnLst>
-                                    <p:set>
-                                      <p:cBhvr>
-                                        <p:cTn id="15" dur="1" fill="hold">
-                                          <p:stCondLst>
-                                            <p:cond delay="0"/>
-                                          </p:stCondLst>
-                                        </p:cTn>
-                                        <p:tgtEl>
-                                          <p:spTgt spid="61443">
-                                            <p:txEl>
-                                              <p:pRg st="3" end="3"/>
-                                            </p:txEl>
-                                          </p:spTgt>
-                                        </p:tgtEl>
-                                        <p:attrNameLst>
-                                          <p:attrName>style.visibility</p:attrName>
-                                        </p:attrNameLst>
-                                      </p:cBhvr>
-                                      <p:to>
-                                        <p:strVal val="visible"/>
-                                      </p:to>
-                                    </p:set>
-                                    <p:animEffect transition="in" filter="wipe(left)">
-                                      <p:cBhvr>
-                                        <p:cTn id="16" dur="1000"/>
-                                        <p:tgtEl>
-                                          <p:spTgt spid="61443">
-                                            <p:txEl>
-                                              <p:pRg st="3" end="3"/>
-                                            </p:txEl>
-                                          </p:spTgt>
-                                        </p:tgtEl>
-                                      </p:cBhvr>
-                                    </p:animEffect>
-                                  </p:childTnLst>
-                                </p:cTn>
-                              </p:par>
-                            </p:childTnLst>
-                          </p:cTn>
-                        </p:par>
-                      </p:childTnLst>
-                    </p:cTn>
-                  </p:par>
-                  <p:par>
-                    <p:cTn id="17" fill="hold">
-                      <p:stCondLst>
-                        <p:cond delay="indefinite"/>
-                      </p:stCondLst>
-                      <p:childTnLst>
-                        <p:par>
-                          <p:cTn id="18" fill="hold">
-                            <p:stCondLst>
-                              <p:cond delay="0"/>
-                            </p:stCondLst>
-                            <p:childTnLst>
-                              <p:par>
-                                <p:cTn id="19" presetID="22" presetClass="entr" presetSubtype="8" fill="hold" nodeType="clickEffect">
-                                  <p:stCondLst>
-                                    <p:cond delay="0"/>
-                                  </p:stCondLst>
-                                  <p:childTnLst>
-                                    <p:set>
-                                      <p:cBhvr>
-                                        <p:cTn id="20" dur="1" fill="hold">
-                                          <p:stCondLst>
-                                            <p:cond delay="0"/>
-                                          </p:stCondLst>
-                                        </p:cTn>
-                                        <p:tgtEl>
-                                          <p:spTgt spid="61443">
-                                            <p:txEl>
-                                              <p:pRg st="4" end="4"/>
-                                            </p:txEl>
-                                          </p:spTgt>
-                                        </p:tgtEl>
-                                        <p:attrNameLst>
-                                          <p:attrName>style.visibility</p:attrName>
-                                        </p:attrNameLst>
-                                      </p:cBhvr>
-                                      <p:to>
-                                        <p:strVal val="visible"/>
-                                      </p:to>
-                                    </p:set>
-                                    <p:animEffect transition="in" filter="wipe(left)">
-                                      <p:cBhvr>
-                                        <p:cTn id="21" dur="1000"/>
-                                        <p:tgtEl>
-                                          <p:spTgt spid="61443">
-                                            <p:txEl>
-                                              <p:pRg st="4" end="4"/>
-                                            </p:txEl>
-                                          </p:spTgt>
-                                        </p:tgtEl>
-                                      </p:cBhvr>
-                                    </p:animEffect>
-                                  </p:childTnLst>
-                                </p:cTn>
-                              </p:par>
-                            </p:childTnLst>
-                          </p:cTn>
-                        </p:par>
-                      </p:childTnLst>
-                    </p:cTn>
-                  </p:par>
-                  <p:par>
-                    <p:cTn id="22" fill="hold">
-                      <p:stCondLst>
-                        <p:cond delay="indefinite"/>
-                      </p:stCondLst>
-                      <p:childTnLst>
-                        <p:par>
-                          <p:cTn id="23" fill="hold">
-                            <p:stCondLst>
-                              <p:cond delay="0"/>
-                            </p:stCondLst>
-                            <p:childTnLst>
-                              <p:par>
-                                <p:cTn id="24" presetID="10" presetClass="entr" presetSubtype="0" fill="hold" nodeType="clickEffect">
-                                  <p:stCondLst>
-                                    <p:cond delay="0"/>
-                                  </p:stCondLst>
-                                  <p:childTnLst>
-                                    <p:set>
-                                      <p:cBhvr>
-                                        <p:cTn id="25" dur="1" fill="hold">
-                                          <p:stCondLst>
-                                            <p:cond delay="0"/>
-                                          </p:stCondLst>
-                                        </p:cTn>
-                                        <p:tgtEl>
-                                          <p:spTgt spid="61443">
-                                            <p:txEl>
-                                              <p:pRg st="5" end="5"/>
-                                            </p:txEl>
-                                          </p:spTgt>
-                                        </p:tgtEl>
-                                        <p:attrNameLst>
-                                          <p:attrName>style.visibility</p:attrName>
-                                        </p:attrNameLst>
-                                      </p:cBhvr>
-                                      <p:to>
-                                        <p:strVal val="visible"/>
-                                      </p:to>
-                                    </p:set>
-                                    <p:animEffect transition="in" filter="fade">
-                                      <p:cBhvr>
-                                        <p:cTn id="26" dur="500"/>
-                                        <p:tgtEl>
-                                          <p:spTgt spid="61443">
-                                            <p:txEl>
-                                              <p:pRg st="5" end="5"/>
-                                            </p:txEl>
-                                          </p:spTgt>
-                                        </p:tgtEl>
-                                      </p:cBhvr>
-                                    </p:animEffect>
-                                  </p:childTnLst>
-                                </p:cTn>
-                              </p:par>
-                            </p:childTnLst>
-                          </p:cTn>
-                        </p:par>
-                      </p:childTnLst>
-                    </p:cTn>
-                  </p:par>
-                </p:childTnLst>
-              </p:cTn>
-              <p:prevCondLst>
-                <p:cond evt="onPrev" delay="0">
-                  <p:tgtEl>
-                    <p:sldTgt/>
-                  </p:tgtEl>
-                </p:cond>
-              </p:prevCondLst>
-              <p:nextCondLst>
-                <p:cond evt="onNext" delay="0">
-                  <p:tgtEl>
-                    <p:sldTgt/>
-                  </p:tgtEl>
-                </p:cond>
-              </p:nextCondLst>
-            </p:seq>
-          </p:childTnLst>
-        </p:cTn>
-      </p:par>
-    </p:tnLst>
-  </p:timing>
-</p:sld>
-</file>
-
-<file path=ppt/slides/slide9.xml><?xml version="1.0" encoding="utf-8"?>
-<p:sld xmlns:a="http://schemas.openxmlformats.org/drawingml/2006/main" xmlns:r="http://schemas.openxmlformats.org/officeDocument/2006/relationships" xmlns:p="http://schemas.openxmlformats.org/presentationml/2006/main">
-  <p:cSld>
-    <p:spTree>
-      <p:nvGrpSpPr>
-        <p:cNvPr id="1" name=""/>
-        <p:cNvGrpSpPr/>
-        <p:nvPr/>
-      </p:nvGrpSpPr>
-      <p:grpSpPr>
-        <a:xfrm>
-          <a:off x="0" y="0"/>
-          <a:ext cx="0" cy="0"/>
-          <a:chOff x="0" y="0"/>
-          <a:chExt cx="0" cy="0"/>
-        </a:xfrm>
-      </p:grpSpPr>
-      <p:sp>
-        <p:nvSpPr>
-          <p:cNvPr id="25602" name="Rectangle 2"/>
-          <p:cNvSpPr>
-            <a:spLocks noGrp="1" noChangeArrowheads="1"/>
-          </p:cNvSpPr>
-          <p:nvPr>
-            <p:ph type="title"/>
-          </p:nvPr>
-        </p:nvSpPr>
-        <p:spPr>
-          <a:noFill/>
-        </p:spPr>
-        <p:txBody>
-          <a:bodyPr/>
-          <a:lstStyle/>
-          <a:p>
-            <a:pPr eaLnBrk="1" hangingPunct="1"/>
-            <a:r>
-              <a:rPr lang="en-US" sz="4800" dirty="0" smtClean="0">
-                <a:solidFill>
-                  <a:schemeClr val="tx1"/>
-                </a:solidFill>
-                <a:latin typeface="Comic Sans MS" pitchFamily="-128" charset="0"/>
-              </a:rPr>
-              <a:t>Difference Rule</a:t>
-            </a:r>
-          </a:p>
-        </p:txBody>
-      </p:sp>
-      <p:sp>
-        <p:nvSpPr>
-          <p:cNvPr id="25603" name="Text Box 3"/>
-          <p:cNvSpPr txBox="1">
-            <a:spLocks noChangeArrowheads="1"/>
-          </p:cNvSpPr>
-          <p:nvPr/>
-        </p:nvSpPr>
-        <p:spPr bwMode="auto">
-          <a:xfrm>
-            <a:off x="1279525" y="2246313"/>
-            <a:ext cx="184150" cy="366712"/>
-          </a:xfrm>
-          <a:prstGeom prst="rect">
-            <a:avLst/>
-          </a:prstGeom>
-          <a:noFill/>
-          <a:ln w="9525">
-            <a:noFill/>
-            <a:miter lim="800000"/>
-            <a:headEnd/>
-            <a:tailEnd/>
-          </a:ln>
-        </p:spPr>
-        <p:txBody>
-          <a:bodyPr wrap="none">
-            <a:spAutoFit/>
-          </a:bodyPr>
-          <a:lstStyle/>
-          <a:p>
-            <a:endParaRPr lang="en-US" sz="1800">
-              <a:latin typeface="Arial" charset="0"/>
-            </a:endParaRPr>
-          </a:p>
-        </p:txBody>
-      </p:sp>
-      <p:sp>
-        <p:nvSpPr>
-          <p:cNvPr id="7" name="TextBox 6"/>
-          <p:cNvSpPr txBox="1"/>
-          <p:nvPr/>
-        </p:nvSpPr>
-        <p:spPr>
-          <a:xfrm>
-            <a:off x="743485" y="1524000"/>
-            <a:ext cx="8005918" cy="2308324"/>
-          </a:xfrm>
-          <a:prstGeom prst="rect">
-            <a:avLst/>
-          </a:prstGeom>
-          <a:noFill/>
-        </p:spPr>
-        <p:txBody>
-          <a:bodyPr wrap="none" rtlCol="0">
-            <a:spAutoFit/>
-          </a:bodyPr>
-          <a:lstStyle/>
-          <a:p>
-            <a:r>
-              <a:rPr lang="en-US" sz="7200" dirty="0" smtClean="0">
-                <a:solidFill>
-                  <a:srgbClr val="0000E5"/>
-                </a:solidFill>
-                <a:latin typeface="Comic Sans MS" pitchFamily="66" charset="0"/>
-              </a:rPr>
-              <a:t>Pr{A-B} =</a:t>
-            </a:r>
-          </a:p>
-          <a:p>
-            <a:r>
-              <a:rPr lang="en-US" sz="7200" dirty="0" smtClean="0">
-                <a:solidFill>
-                  <a:srgbClr val="0000E5"/>
-                </a:solidFill>
-                <a:latin typeface="Comic Sans MS" pitchFamily="66" charset="0"/>
-              </a:rPr>
-              <a:t>   Pr{A</a:t>
-            </a:r>
-            <a:r>
-              <a:rPr lang="en-US" sz="7200" dirty="0" smtClean="0">
-                <a:solidFill>
-                  <a:srgbClr val="0000E5"/>
-                </a:solidFill>
-                <a:latin typeface="Comic Sans MS" pitchFamily="66" charset="0"/>
-                <a:sym typeface="Euclid Symbol"/>
-              </a:rPr>
-              <a:t>} - </a:t>
-            </a:r>
-            <a:r>
-              <a:rPr lang="en-US" sz="7200" dirty="0" err="1" smtClean="0">
-                <a:solidFill>
-                  <a:srgbClr val="0000E5"/>
-                </a:solidFill>
-                <a:latin typeface="Comic Sans MS" pitchFamily="66" charset="0"/>
-                <a:sym typeface="Euclid Symbol"/>
-              </a:rPr>
-              <a:t>Pr{A</a:t>
-            </a:r>
-            <a:r>
-              <a:rPr lang="en-US" sz="7200" b="1" dirty="0" err="1" smtClean="0">
-                <a:solidFill>
-                  <a:srgbClr val="0000E5"/>
-                </a:solidFill>
-                <a:sym typeface="Euclid Symbol"/>
-              </a:rPr>
-              <a:t>∩</a:t>
-            </a:r>
-            <a:r>
-              <a:rPr lang="en-US" sz="7200" dirty="0" err="1" smtClean="0">
-                <a:solidFill>
-                  <a:srgbClr val="0000E5"/>
-                </a:solidFill>
-                <a:latin typeface="Comic Sans MS" pitchFamily="66" charset="0"/>
-                <a:sym typeface="Euclid Symbol"/>
-              </a:rPr>
-              <a:t>B</a:t>
-            </a:r>
-            <a:r>
-              <a:rPr lang="en-US" sz="7200" dirty="0" smtClean="0">
-                <a:solidFill>
-                  <a:srgbClr val="0000E5"/>
-                </a:solidFill>
-                <a:latin typeface="Comic Sans MS" pitchFamily="66" charset="0"/>
-                <a:sym typeface="Euclid Symbol"/>
-              </a:rPr>
-              <a:t>}</a:t>
-            </a:r>
-            <a:endParaRPr lang="en-US" sz="7200" dirty="0" smtClean="0">
-              <a:solidFill>
-                <a:srgbClr val="0000E5"/>
-              </a:solidFill>
-              <a:latin typeface="Comic Sans MS" pitchFamily="66" charset="0"/>
-            </a:endParaRPr>
-          </a:p>
-        </p:txBody>
-      </p:sp>
-      <p:sp>
-        <p:nvSpPr>
-          <p:cNvPr id="8" name="TextBox 7"/>
-          <p:cNvSpPr txBox="1"/>
-          <p:nvPr/>
-        </p:nvSpPr>
-        <p:spPr>
-          <a:xfrm>
-            <a:off x="609600" y="4114800"/>
-            <a:ext cx="8259292" cy="1908215"/>
-          </a:xfrm>
-          <a:prstGeom prst="rect">
-            <a:avLst/>
-          </a:prstGeom>
-          <a:noFill/>
-        </p:spPr>
-        <p:txBody>
-          <a:bodyPr wrap="none" rtlCol="0">
-            <a:spAutoFit/>
-          </a:bodyPr>
-          <a:lstStyle/>
-          <a:p>
-            <a:r>
-              <a:rPr lang="en-US" sz="5400" dirty="0" smtClean="0">
-                <a:latin typeface="Comic Sans MS" pitchFamily="66" charset="0"/>
-              </a:rPr>
-              <a:t>because by Sum Rule:</a:t>
-            </a:r>
-          </a:p>
-          <a:p>
-            <a:pPr>
-              <a:spcBef>
-                <a:spcPts val="1200"/>
-              </a:spcBef>
-            </a:pPr>
-            <a:r>
-              <a:rPr lang="en-US" sz="5400" dirty="0" smtClean="0">
-                <a:solidFill>
-                  <a:srgbClr val="0000E5"/>
-                </a:solidFill>
-                <a:latin typeface="Comic Sans MS" pitchFamily="66" charset="0"/>
-              </a:rPr>
-              <a:t>Pr{A} = </a:t>
-            </a:r>
-            <a:r>
-              <a:rPr lang="en-US" sz="5400" dirty="0" err="1" smtClean="0">
-                <a:solidFill>
-                  <a:srgbClr val="0000E5"/>
-                </a:solidFill>
-                <a:latin typeface="Comic Sans MS" pitchFamily="66" charset="0"/>
-              </a:rPr>
-              <a:t>Pr{A</a:t>
-            </a:r>
-            <a:r>
-              <a:rPr lang="en-US" sz="5400" b="1" dirty="0" err="1" smtClean="0">
-                <a:solidFill>
-                  <a:srgbClr val="0000E5"/>
-                </a:solidFill>
-                <a:sym typeface="Euclid Symbol"/>
-              </a:rPr>
-              <a:t>∩</a:t>
-            </a:r>
-            <a:r>
-              <a:rPr lang="en-US" sz="5400" dirty="0" err="1" smtClean="0">
-                <a:solidFill>
-                  <a:srgbClr val="0000E5"/>
-                </a:solidFill>
-                <a:latin typeface="Comic Sans MS" pitchFamily="66" charset="0"/>
-                <a:sym typeface="Euclid Symbol"/>
-              </a:rPr>
-              <a:t>B}+Pr{A</a:t>
-            </a:r>
-            <a:r>
-              <a:rPr lang="en-US" sz="5400" dirty="0" smtClean="0">
-                <a:solidFill>
-                  <a:srgbClr val="0000E5"/>
-                </a:solidFill>
-                <a:latin typeface="Comic Sans MS" pitchFamily="66" charset="0"/>
-                <a:sym typeface="Euclid Symbol"/>
-              </a:rPr>
-              <a:t>-B}</a:t>
-            </a:r>
-            <a:endParaRPr lang="en-US" sz="5400" dirty="0" smtClean="0">
-              <a:solidFill>
-                <a:srgbClr val="0000E5"/>
-              </a:solidFill>
-              <a:latin typeface="Comic Sans MS" pitchFamily="66" charset="0"/>
-            </a:endParaRPr>
-          </a:p>
-        </p:txBody>
-      </p:sp>
-      <p:sp>
-        <p:nvSpPr>
-          <p:cNvPr id="10" name="Rectangle 9"/>
-          <p:cNvSpPr/>
-          <p:nvPr/>
-        </p:nvSpPr>
-        <p:spPr>
-          <a:xfrm>
-            <a:off x="609600" y="1371600"/>
-            <a:ext cx="8077200" cy="2590800"/>
-          </a:xfrm>
-          <a:prstGeom prst="rect">
-            <a:avLst/>
-          </a:prstGeom>
-          <a:noFill/>
-          <a:ln w="44450">
-            <a:solidFill>
-              <a:srgbClr val="CC00CC"/>
-            </a:solidFill>
-            <a:prstDash val="sysDash"/>
-          </a:ln>
-        </p:spPr>
-        <p:style>
-          <a:lnRef idx="2">
-            <a:schemeClr val="accent1">
-              <a:shade val="50000"/>
-            </a:schemeClr>
-          </a:lnRef>
-          <a:fillRef idx="1">
-            <a:schemeClr val="accent1"/>
-          </a:fillRef>
-          <a:effectRef idx="0">
-            <a:schemeClr val="accent1"/>
-          </a:effectRef>
-          <a:fontRef idx="minor">
-            <a:schemeClr val="lt1"/>
-          </a:fontRef>
-        </p:style>
-        <p:txBody>
-          <a:bodyPr rtlCol="0" anchor="ctr"/>
-          <a:lstStyle/>
-          <a:p>
-            <a:pPr algn="ctr"/>
-            <a:endParaRPr lang="en-US"/>
-          </a:p>
-        </p:txBody>
-      </p:sp>
-      <p:sp>
-        <p:nvSpPr>
-          <p:cNvPr id="9" name="Rectangle 11"/>
-          <p:cNvSpPr txBox="1">
-            <a:spLocks noChangeArrowheads="1"/>
-          </p:cNvSpPr>
-          <p:nvPr/>
-        </p:nvSpPr>
-        <p:spPr bwMode="auto">
-          <a:xfrm>
-            <a:off x="6400800" y="6613525"/>
-            <a:ext cx="2667000" cy="244475"/>
-          </a:xfrm>
-          <a:prstGeom prst="rect">
-            <a:avLst/>
-          </a:prstGeom>
-          <a:noFill/>
-          <a:ln w="9525">
-            <a:noFill/>
-            <a:miter lim="800000"/>
-            <a:headEnd/>
-            <a:tailEnd/>
-          </a:ln>
-          <a:effectLst/>
-        </p:spPr>
-        <p:txBody>
-          <a:bodyPr vert="horz" wrap="square" lIns="91440" tIns="45720" rIns="91440" bIns="45720" numCol="1" anchor="t" anchorCtr="0" compatLnSpc="1">
-            <a:prstTxWarp prst="textNoShape">
-              <a:avLst/>
-            </a:prstTxWarp>
-            <a:spAutoFit/>
-          </a:bodyPr>
-          <a:lstStyle>
-            <a:lvl1pPr algn="r">
-              <a:defRPr sz="1000"/>
-            </a:lvl1pPr>
-          </a:lstStyle>
-          <a:p>
-            <a:pPr marL="0" marR="0" lvl="0" indent="0" algn="r" defTabSz="914400" rtl="0" eaLnBrk="1" fontAlgn="base" latinLnBrk="0" hangingPunct="1">
-              <a:lnSpc>
-                <a:spcPct val="100000"/>
-              </a:lnSpc>
-              <a:spcBef>
-                <a:spcPct val="0"/>
-              </a:spcBef>
-              <a:spcAft>
-                <a:spcPct val="0"/>
-              </a:spcAft>
-              <a:buClrTx/>
-              <a:buSzTx/>
-              <a:buFontTx/>
-              <a:buNone/>
-              <a:tabLst/>
-              <a:defRPr/>
-            </a:pPr>
-            <a:r>
-              <a:rPr kumimoji="0" lang="en-US" sz="1000" b="0" i="0" u="none" strike="noStrike" kern="1200" cap="none" spc="0" normalizeH="0" baseline="0" noProof="0" dirty="0" err="1" smtClean="0">
-                <a:ln>
-                  <a:noFill/>
-                </a:ln>
-                <a:solidFill>
-                  <a:schemeClr val="tx1"/>
-                </a:solidFill>
-                <a:effectLst/>
-                <a:uLnTx/>
-                <a:uFillTx/>
-                <a:latin typeface="Comic Sans MS" pitchFamily="66" charset="0"/>
-                <a:ea typeface="+mn-ea"/>
-                <a:cs typeface="+mn-cs"/>
-              </a:rPr>
-              <a:t>samplespace</a:t>
-            </a:r>
-            <a:r>
-              <a:rPr kumimoji="0" lang="en-US" sz="1000" b="0" i="0" u="none" strike="noStrike" kern="1200" cap="none" spc="0" normalizeH="0" baseline="0" noProof="0" dirty="0" smtClean="0">
-                <a:ln>
-                  <a:noFill/>
-                </a:ln>
-                <a:solidFill>
-                  <a:schemeClr val="tx1"/>
-                </a:solidFill>
-                <a:effectLst/>
-                <a:uLnTx/>
-                <a:uFillTx/>
-                <a:latin typeface="Comic Sans MS" pitchFamily="66" charset="0"/>
-                <a:ea typeface="+mn-ea"/>
-                <a:cs typeface="+mn-cs"/>
-              </a:rPr>
-              <a:t>.</a:t>
-            </a:r>
-            <a:fld id="{17233D2A-0857-4415-88C1-423492E69A26}" type="slidenum">
-              <a:rPr kumimoji="0" lang="en-US" sz="1000" b="0" i="0" u="none" strike="noStrike" kern="1200" cap="none" spc="0" normalizeH="0" baseline="0" noProof="0" smtClean="0">
-                <a:ln>
-                  <a:noFill/>
-                </a:ln>
-                <a:solidFill>
-                  <a:schemeClr val="tx1"/>
-                </a:solidFill>
-                <a:effectLst/>
-                <a:uLnTx/>
-                <a:uFillTx/>
-                <a:latin typeface="Comic Sans MS" pitchFamily="66" charset="0"/>
-                <a:ea typeface="+mn-ea"/>
-                <a:cs typeface="+mn-cs"/>
-              </a:rPr>
-              <a:pPr marL="0" marR="0" lvl="0" indent="0" algn="r" defTabSz="914400" rtl="0" eaLnBrk="1" fontAlgn="base" latinLnBrk="0" hangingPunct="1">
-                <a:lnSpc>
-                  <a:spcPct val="100000"/>
-                </a:lnSpc>
-                <a:spcBef>
-                  <a:spcPct val="0"/>
-                </a:spcBef>
-                <a:spcAft>
-                  <a:spcPct val="0"/>
-                </a:spcAft>
-                <a:buClrTx/>
-                <a:buSzTx/>
-                <a:buFontTx/>
-                <a:buNone/>
-                <a:tabLst/>
-                <a:defRPr/>
-              </a:pPr>
-              <a:t>9</a:t>
-            </a:fld>
-            <a:endParaRPr kumimoji="0" lang="en-US" sz="1000" b="0" i="0" u="none" strike="noStrike" kern="1200" cap="none" spc="0" normalizeH="0" baseline="0" noProof="0" dirty="0">
-              <a:ln>
-                <a:noFill/>
-              </a:ln>
-              <a:solidFill>
-                <a:schemeClr val="tx1"/>
-              </a:solidFill>
-              <a:effectLst/>
-              <a:uLnTx/>
-              <a:uFillTx/>
-              <a:latin typeface="Comic Sans MS" pitchFamily="66" charset="0"/>
-              <a:ea typeface="+mn-ea"/>
-              <a:cs typeface="+mn-cs"/>
-            </a:endParaRPr>
-          </a:p>
-        </p:txBody>
-      </p:sp>
-    </p:spTree>
-  </p:cSld>
-  <p:clrMapOvr>
-    <a:masterClrMapping/>
-  </p:clrMapOvr>
-  <mc:AlternateContent xmlns:mc="http://schemas.openxmlformats.org/markup-compatibility/2006">
-    <mc:Choice xmlns:p14="http://schemas.microsoft.com/office/powerpoint/2010/main" Requires="p14">
-      <p:transition spd="slow" p14:dur="1200" advClick="0">
-        <p:fade thruBlk="1"/>
-      </p:transition>
-    </mc:Choice>
-    <mc:Fallback>
-      <p:transition xmlns:p14="http://schemas.microsoft.com/office/powerpoint/2010/main" spd="slow" advClick="0">
-        <p:fade thruBlk="1"/>
-      </p:transition>
-    </mc:Fallback>
-  </mc:AlternateContent>
-  <p:timing>
-    <p:tnLst>
-      <p:par>
-        <p:cTn xmlns:p14="http://schemas.microsoft.com/office/powerpoint/2010/main" id="1" dur="indefinite" restart="never" nodeType="tmRoot">
-          <p:childTnLst>
-            <p:seq concurrent="1" nextAc="seek">
-              <p:cTn id="2" dur="indefinite" nodeType="mainSeq">
-                <p:childTnLst>
-                  <p:par>
-                    <p:cTn id="3" fill="hold">
-                      <p:stCondLst>
-                        <p:cond delay="indefinite"/>
-                      </p:stCondLst>
-                      <p:childTnLst>
-                        <p:par>
-                          <p:cTn id="4" fill="hold">
-                            <p:stCondLst>
-                              <p:cond delay="0"/>
-                            </p:stCondLst>
-                            <p:childTnLst>
-                              <p:par>
-                                <p:cTn id="5" presetID="10" presetClass="entr" presetSubtype="0" fill="hold" grpId="0" nodeType="clickEffect">
-                                  <p:stCondLst>
-                                    <p:cond delay="0"/>
-                                  </p:stCondLst>
-                                  <p:childTnLst>
-                                    <p:set>
-                                      <p:cBhvr>
-                                        <p:cTn id="6" dur="1" fill="hold">
-                                          <p:stCondLst>
-                                            <p:cond delay="0"/>
-                                          </p:stCondLst>
-                                        </p:cTn>
-                                        <p:tgtEl>
-                                          <p:spTgt spid="8"/>
-                                        </p:tgtEl>
-                                        <p:attrNameLst>
-                                          <p:attrName>style.visibility</p:attrName>
-                                        </p:attrNameLst>
-                                      </p:cBhvr>
-                                      <p:to>
-                                        <p:strVal val="visible"/>
-                                      </p:to>
-                                    </p:set>
-                                    <p:animEffect transition="in" filter="fade">
-                                      <p:cBhvr>
-                                        <p:cTn id="7" dur="500"/>
-                                        <p:tgtEl>
-                                          <p:spTgt spid="8"/>
-                                        </p:tgtEl>
-                                      </p:cBhvr>
-                                    </p:animEffect>
-                                  </p:childTnLst>
-                                </p:cTn>
-                              </p:par>
-                            </p:childTnLst>
-                          </p:cTn>
-                        </p:par>
-                      </p:childTnLst>
-                    </p:cTn>
-                  </p:par>
-                  <p:par>
-                    <p:cTn id="8" fill="hold">
-                      <p:stCondLst>
-                        <p:cond delay="indefinite"/>
-                      </p:stCondLst>
-                      <p:childTnLst>
-                        <p:par>
-                          <p:cTn id="9" fill="hold">
-                            <p:stCondLst>
-                              <p:cond delay="0"/>
-                            </p:stCondLst>
-                            <p:childTnLst>
-                              <p:par>
-                                <p:cTn id="10" presetID="15" presetClass="entr" presetSubtype="0" fill="hold" grpId="0" nodeType="clickEffect">
-                                  <p:stCondLst>
-                                    <p:cond delay="0"/>
-                                  </p:stCondLst>
-                                  <p:childTnLst>
-                                    <p:set>
-                                      <p:cBhvr>
-                                        <p:cTn id="11" dur="1" fill="hold">
-                                          <p:stCondLst>
-                                            <p:cond delay="0"/>
-                                          </p:stCondLst>
-                                        </p:cTn>
-                                        <p:tgtEl>
-                                          <p:spTgt spid="10"/>
-                                        </p:tgtEl>
-                                        <p:attrNameLst>
-                                          <p:attrName>style.visibility</p:attrName>
-                                        </p:attrNameLst>
-                                      </p:cBhvr>
-                                      <p:to>
-                                        <p:strVal val="visible"/>
-                                      </p:to>
-                                    </p:set>
-                                    <p:anim calcmode="lin" valueType="num">
-                                      <p:cBhvr>
-                                        <p:cTn id="12" dur="1000" fill="hold"/>
-                                        <p:tgtEl>
-                                          <p:spTgt spid="10"/>
-                                        </p:tgtEl>
-                                        <p:attrNameLst>
-                                          <p:attrName>ppt_w</p:attrName>
-                                        </p:attrNameLst>
-                                      </p:cBhvr>
-                                      <p:tavLst>
-                                        <p:tav tm="0">
-                                          <p:val>
-                                            <p:fltVal val="0"/>
-                                          </p:val>
-                                        </p:tav>
-                                        <p:tav tm="100000">
-                                          <p:val>
-                                            <p:strVal val="#ppt_w"/>
-                                          </p:val>
-                                        </p:tav>
-                                      </p:tavLst>
-                                    </p:anim>
-                                    <p:anim calcmode="lin" valueType="num">
-                                      <p:cBhvr>
-                                        <p:cTn id="13" dur="1000" fill="hold"/>
-                                        <p:tgtEl>
-                                          <p:spTgt spid="10"/>
-                                        </p:tgtEl>
-                                        <p:attrNameLst>
-                                          <p:attrName>ppt_h</p:attrName>
-                                        </p:attrNameLst>
-                                      </p:cBhvr>
-                                      <p:tavLst>
-                                        <p:tav tm="0">
-                                          <p:val>
-                                            <p:fltVal val="0"/>
-                                          </p:val>
-                                        </p:tav>
-                                        <p:tav tm="100000">
-                                          <p:val>
-                                            <p:strVal val="#ppt_h"/>
-                                          </p:val>
-                                        </p:tav>
-                                      </p:tavLst>
-                                    </p:anim>
-                                    <p:anim calcmode="lin" valueType="num">
-                                      <p:cBhvr>
-                                        <p:cTn id="14" dur="1000" fill="hold"/>
-                                        <p:tgtEl>
-                                          <p:spTgt spid="10"/>
-                                        </p:tgtEl>
-                                        <p:attrNameLst>
-                                          <p:attrName>ppt_x</p:attrName>
-                                        </p:attrNameLst>
-                                      </p:cBhvr>
-                                      <p:tavLst>
-                                        <p:tav tm="0" fmla="#ppt_x+(cos(-2*pi*(1-$))*-#ppt_x-sin(-2*pi*(1-$))*(1-#ppt_y))*(1-$)">
-                                          <p:val>
-                                            <p:fltVal val="0"/>
-                                          </p:val>
-                                        </p:tav>
-                                        <p:tav tm="100000">
-                                          <p:val>
-                                            <p:fltVal val="1"/>
-                                          </p:val>
-                                        </p:tav>
-                                      </p:tavLst>
-                                    </p:anim>
-                                    <p:anim calcmode="lin" valueType="num">
-                                      <p:cBhvr>
-                                        <p:cTn id="15" dur="1000" fill="hold"/>
-                                        <p:tgtEl>
-                                          <p:spTgt spid="10"/>
-                                        </p:tgtEl>
-                                        <p:attrNameLst>
-                                          <p:attrName>ppt_y</p:attrName>
-                                        </p:attrNameLst>
-                                      </p:cBhvr>
-                                      <p:tavLst>
-                                        <p:tav tm="0" fmla="#ppt_y+(sin(-2*pi*(1-$))*-#ppt_x+cos(-2*pi*(1-$))*(1-#ppt_y))*(1-$)">
-                                          <p:val>
-                                            <p:fltVal val="0"/>
-                                          </p:val>
-                                        </p:tav>
-                                        <p:tav tm="100000">
-                                          <p:val>
-                                            <p:fltVal val="1"/>
-                                          </p:val>
-                                        </p:tav>
-                                      </p:tavLst>
-                                    </p:anim>
-                                  </p:childTnLst>
-                                </p:cTn>
-                              </p:par>
-                            </p:childTnLst>
-                          </p:cTn>
-                        </p:par>
-                      </p:childTnLst>
-                    </p:cTn>
-                  </p:par>
-                </p:childTnLst>
-              </p:cTn>
-              <p:prevCondLst>
-                <p:cond evt="onPrev" delay="0">
-                  <p:tgtEl>
-                    <p:sldTgt/>
-                  </p:tgtEl>
-                </p:cond>
-              </p:prevCondLst>
-              <p:nextCondLst>
-                <p:cond evt="onNext" delay="0">
-                  <p:tgtEl>
-                    <p:sldTgt/>
-                  </p:tgtEl>
-                </p:cond>
-              </p:nextCondLst>
-            </p:seq>
-          </p:childTnLst>
-        </p:cTn>
-      </p:par>
-    </p:tnLst>
-    <p:bldLst>
-      <p:bldP spid="8" grpId="0"/>
-      <p:bldP spid="10" grpId="0" animBg="1"/>
-    </p:bldLst>
-  </p:timing>
-</p:sld>
-</file>
-
 <file path=ppt/tags/tag1.xml><?xml version="1.0" encoding="utf-8"?>
 <p:tagLst xmlns:a="http://schemas.openxmlformats.org/drawingml/2006/main" xmlns:r="http://schemas.openxmlformats.org/officeDocument/2006/relationships" xmlns:p="http://schemas.openxmlformats.org/presentationml/2006/main">
   <p:tag name="USEAMSFONTS" val="False"/>
@@ -12877,126 +6864,6 @@
   <p:tag name="DEFAULTMAGNIFICATION" val="1.5"/>
   <p:tag name="DEFAULTDISPLAYSOURCE" val="\documentclass{slides}\pagestyle{empty}&#10;\input{c:/latex-macros/texpoint.sty}&#10;&#10;\begin{document}&#10;\[&#10;&#10;\]&#10;\end{document}"/>
   <p:tag name="EMBEDFONTS" val="0"/>
-</p:tagLst>
-</file>
-
-<file path=ppt/tags/tag2.xml><?xml version="1.0" encoding="utf-8"?>
-<p:tagLst xmlns:a="http://schemas.openxmlformats.org/drawingml/2006/main" xmlns:r="http://schemas.openxmlformats.org/officeDocument/2006/relationships" xmlns:p="http://schemas.openxmlformats.org/presentationml/2006/main">
-  <p:tag name="SOURCE" val="\documentclass{slides}&#10;&#10;\begin{document}&#10;$ 3$&#10;\end{document}"/>
-  <p:tag name="EXTERNALNAME" val="TP_tmp"/>
-  <p:tag name="BLEND" val="0"/>
-  <p:tag name="TRANSPARENT" val="1"/>
-  <p:tag name="RESOLUTION" val="300"/>
-  <p:tag name="WORKAROUNDTRANSPARENCYBUG" val="0"/>
-  <p:tag name="ALLOWFONTSUBSTITUTION" val="0"/>
-  <p:tag name="BITMAPFORMAT" val="png256"/>
-  <p:tag name="ORIGWIDTH" val="11"/>
-  <p:tag name="PICTUREFILESIZE" val="1116"/>
-</p:tagLst>
-</file>
-
-<file path=ppt/tags/tag3.xml><?xml version="1.0" encoding="utf-8"?>
-<p:tagLst xmlns:a="http://schemas.openxmlformats.org/drawingml/2006/main" xmlns:r="http://schemas.openxmlformats.org/officeDocument/2006/relationships" xmlns:p="http://schemas.openxmlformats.org/presentationml/2006/main">
-  <p:tag name="SOURCE" val="\documentclass{slides}&#10;&#10;\begin{document}&#10;$ 333$&#10;\end{document}"/>
-  <p:tag name="EXTERNALNAME" val="TP_tmp"/>
-  <p:tag name="BLEND" val="0"/>
-  <p:tag name="TRANSPARENT" val="1"/>
-  <p:tag name="RESOLUTION" val="300"/>
-  <p:tag name="WORKAROUNDTRANSPARENCYBUG" val="0"/>
-  <p:tag name="ALLOWFONTSUBSTITUTION" val="0"/>
-  <p:tag name="BITMAPFORMAT" val="png256"/>
-  <p:tag name="ORIGWIDTH" val="36"/>
-  <p:tag name="PICTUREFILESIZE" val="1237"/>
-</p:tagLst>
-</file>
-
-<file path=ppt/tags/tag4.xml><?xml version="1.0" encoding="utf-8"?>
-<p:tagLst xmlns:a="http://schemas.openxmlformats.org/drawingml/2006/main" xmlns:r="http://schemas.openxmlformats.org/officeDocument/2006/relationships" xmlns:p="http://schemas.openxmlformats.org/presentationml/2006/main">
-  <p:tag name="SOURCE" val="\documentclass{slides}&#10;&#10;\begin{document}&#10;$ 3$&#10;\end{document}"/>
-  <p:tag name="EXTERNALNAME" val="TP_tmp"/>
-  <p:tag name="BLEND" val="0"/>
-  <p:tag name="TRANSPARENT" val="1"/>
-  <p:tag name="RESOLUTION" val="300"/>
-  <p:tag name="WORKAROUNDTRANSPARENCYBUG" val="0"/>
-  <p:tag name="ALLOWFONTSUBSTITUTION" val="0"/>
-  <p:tag name="BITMAPFORMAT" val="png256"/>
-  <p:tag name="ORIGWIDTH" val="11"/>
-  <p:tag name="PICTUREFILESIZE" val="1116"/>
-</p:tagLst>
-</file>
-
-<file path=ppt/tags/tag5.xml><?xml version="1.0" encoding="utf-8"?>
-<p:tagLst xmlns:a="http://schemas.openxmlformats.org/drawingml/2006/main" xmlns:r="http://schemas.openxmlformats.org/officeDocument/2006/relationships" xmlns:p="http://schemas.openxmlformats.org/presentationml/2006/main">
-  <p:tag name="SOURCE" val="\documentclass{slides}&#10;&#10;\begin{document}&#10;$ 333$&#10;\end{document}"/>
-  <p:tag name="EXTERNALNAME" val="TP_tmp"/>
-  <p:tag name="BLEND" val="0"/>
-  <p:tag name="TRANSPARENT" val="1"/>
-  <p:tag name="RESOLUTION" val="300"/>
-  <p:tag name="WORKAROUNDTRANSPARENCYBUG" val="0"/>
-  <p:tag name="ALLOWFONTSUBSTITUTION" val="0"/>
-  <p:tag name="BITMAPFORMAT" val="png256"/>
-  <p:tag name="ORIGWIDTH" val="36"/>
-  <p:tag name="PICTUREFILESIZE" val="1237"/>
-</p:tagLst>
-</file>
-
-<file path=ppt/tags/tag6.xml><?xml version="1.0" encoding="utf-8"?>
-<p:tagLst xmlns:a="http://schemas.openxmlformats.org/drawingml/2006/main" xmlns:r="http://schemas.openxmlformats.org/officeDocument/2006/relationships" xmlns:p="http://schemas.openxmlformats.org/presentationml/2006/main">
-  <p:tag name="SOURCE" val="\documentclass{slides}&#10;&#10;\begin{document}&#10;$ \alpha$&#10;\end{document}"/>
-  <p:tag name="EXTERNALNAME" val="TP_tmp"/>
-  <p:tag name="BLEND" val="0"/>
-  <p:tag name="TRANSPARENT" val="1"/>
-  <p:tag name="RESOLUTION" val="300"/>
-  <p:tag name="WORKAROUNDTRANSPARENCYBUG" val="0"/>
-  <p:tag name="ALLOWFONTSUBSTITUTION" val="0"/>
-  <p:tag name="BITMAPFORMAT" val="png256"/>
-  <p:tag name="ORIGWIDTH" val="13"/>
-  <p:tag name="PICTUREFILESIZE" val="1101"/>
-</p:tagLst>
-</file>
-
-<file path=ppt/tags/tag7.xml><?xml version="1.0" encoding="utf-8"?>
-<p:tagLst xmlns:a="http://schemas.openxmlformats.org/drawingml/2006/main" xmlns:r="http://schemas.openxmlformats.org/officeDocument/2006/relationships" xmlns:p="http://schemas.openxmlformats.org/presentationml/2006/main">
-  <p:tag name="SOURCE" val="\documentclass{slides}\pagestyle{empty}&#10;&#10;\begin{document}&#10;$tt $&#10;\end{document}"/>
-  <p:tag name="EXTERNALNAME" val="TP_tmp"/>
-  <p:tag name="BLEND" val="0"/>
-  <p:tag name="TRANSPARENT" val="1"/>
-  <p:tag name="RESOLUTION" val="300"/>
-  <p:tag name="WORKAROUNDTRANSPARENCYBUG" val="0"/>
-  <p:tag name="ALLOWFONTSUBSTITUTION" val="0"/>
-  <p:tag name="BITMAPFORMAT" val="png256"/>
-  <p:tag name="ORIGWIDTH" val="16.125"/>
-  <p:tag name="PICTUREFILESIZE" val="1092"/>
-</p:tagLst>
-</file>
-
-<file path=ppt/tags/tag8.xml><?xml version="1.0" encoding="utf-8"?>
-<p:tagLst xmlns:a="http://schemas.openxmlformats.org/drawingml/2006/main" xmlns:r="http://schemas.openxmlformats.org/officeDocument/2006/relationships" xmlns:p="http://schemas.openxmlformats.org/presentationml/2006/main">
-  <p:tag name="SOURCE" val="\documentclass{slides}&#10;\begin{document}&#10;$ 99$&#10;\end{document}"/>
-  <p:tag name="EXTERNALNAME" val="TP_tmp"/>
-  <p:tag name="BLEND" val="0"/>
-  <p:tag name="TRANSPARENT" val="1"/>
-  <p:tag name="RESOLUTION" val="300"/>
-  <p:tag name="WORKAROUNDTRANSPARENCYBUG" val="0"/>
-  <p:tag name="ALLOWFONTSUBSTITUTION" val="0"/>
-  <p:tag name="BITMAPFORMAT" val="png256"/>
-  <p:tag name="ORIGWIDTH" val="24"/>
-  <p:tag name="PICTUREFILESIZE" val="1244"/>
-</p:tagLst>
-</file>
-
-<file path=ppt/tags/tag9.xml><?xml version="1.0" encoding="utf-8"?>
-<p:tagLst xmlns:a="http://schemas.openxmlformats.org/drawingml/2006/main" xmlns:r="http://schemas.openxmlformats.org/officeDocument/2006/relationships" xmlns:p="http://schemas.openxmlformats.org/presentationml/2006/main">
-  <p:tag name="SOURCE" val="\documentclass{slides}&#10;&#10;\begin{document}&#10;$ p$&#10;\end{document}"/>
-  <p:tag name="EXTERNALNAME" val="TP_tmp"/>
-  <p:tag name="BLEND" val="0"/>
-  <p:tag name="TRANSPARENT" val="1"/>
-  <p:tag name="RESOLUTION" val="300"/>
-  <p:tag name="WORKAROUNDTRANSPARENCYBUG" val="0"/>
-  <p:tag name="ALLOWFONTSUBSTITUTION" val="0"/>
-  <p:tag name="BITMAPFORMAT" val="png256"/>
-  <p:tag name="ORIGWIDTH" val="11"/>
-  <p:tag name="PICTUREFILESIZE" val="1101"/>
 </p:tagLst>
 </file>
 
